--- a/SRS.pptx
+++ b/SRS.pptx
@@ -6,6 +6,13 @@
   </p:sldMasterIdLst>
   <p:sldIdLst>
     <p:sldId id="256" r:id="rId2"/>
+    <p:sldId id="257" r:id="rId3"/>
+    <p:sldId id="258" r:id="rId4"/>
+    <p:sldId id="260" r:id="rId5"/>
+    <p:sldId id="261" r:id="rId6"/>
+    <p:sldId id="263" r:id="rId7"/>
+    <p:sldId id="264" r:id="rId8"/>
+    <p:sldId id="262" r:id="rId9"/>
   </p:sldIdLst>
   <p:sldSz cx="12192000" cy="6858000"/>
   <p:notesSz cx="6858000" cy="9144000"/>
@@ -104,6 +111,11 @@
       </a:defRPr>
     </a:lvl9pPr>
   </p:defaultTextStyle>
+  <p:extLst>
+    <p:ext uri="{EFAFB233-063F-42B5-8137-9DF3F51BA10A}">
+      <p15:sldGuideLst xmlns:p15="http://schemas.microsoft.com/office/powerpoint/2012/main"/>
+    </p:ext>
+  </p:extLst>
 </p:presentation>
 </file>
 
@@ -256,7 +268,7 @@
           <a:p>
             <a:fld id="{B0AAE9EB-4E09-49F4-B23B-25A5BA76B78B}" type="datetimeFigureOut">
               <a:rPr lang="en-IN" smtClean="0"/>
-              <a:t>19-03-2024</a:t>
+              <a:t>20-03-2024</a:t>
             </a:fld>
             <a:endParaRPr lang="en-IN"/>
           </a:p>
@@ -456,7 +468,7 @@
           <a:p>
             <a:fld id="{B0AAE9EB-4E09-49F4-B23B-25A5BA76B78B}" type="datetimeFigureOut">
               <a:rPr lang="en-IN" smtClean="0"/>
-              <a:t>19-03-2024</a:t>
+              <a:t>20-03-2024</a:t>
             </a:fld>
             <a:endParaRPr lang="en-IN"/>
           </a:p>
@@ -666,7 +678,7 @@
           <a:p>
             <a:fld id="{B0AAE9EB-4E09-49F4-B23B-25A5BA76B78B}" type="datetimeFigureOut">
               <a:rPr lang="en-IN" smtClean="0"/>
-              <a:t>19-03-2024</a:t>
+              <a:t>20-03-2024</a:t>
             </a:fld>
             <a:endParaRPr lang="en-IN"/>
           </a:p>
@@ -866,7 +878,7 @@
           <a:p>
             <a:fld id="{B0AAE9EB-4E09-49F4-B23B-25A5BA76B78B}" type="datetimeFigureOut">
               <a:rPr lang="en-IN" smtClean="0"/>
-              <a:t>19-03-2024</a:t>
+              <a:t>20-03-2024</a:t>
             </a:fld>
             <a:endParaRPr lang="en-IN"/>
           </a:p>
@@ -1142,7 +1154,7 @@
           <a:p>
             <a:fld id="{B0AAE9EB-4E09-49F4-B23B-25A5BA76B78B}" type="datetimeFigureOut">
               <a:rPr lang="en-IN" smtClean="0"/>
-              <a:t>19-03-2024</a:t>
+              <a:t>20-03-2024</a:t>
             </a:fld>
             <a:endParaRPr lang="en-IN"/>
           </a:p>
@@ -1410,7 +1422,7 @@
           <a:p>
             <a:fld id="{B0AAE9EB-4E09-49F4-B23B-25A5BA76B78B}" type="datetimeFigureOut">
               <a:rPr lang="en-IN" smtClean="0"/>
-              <a:t>19-03-2024</a:t>
+              <a:t>20-03-2024</a:t>
             </a:fld>
             <a:endParaRPr lang="en-IN"/>
           </a:p>
@@ -1825,7 +1837,7 @@
           <a:p>
             <a:fld id="{B0AAE9EB-4E09-49F4-B23B-25A5BA76B78B}" type="datetimeFigureOut">
               <a:rPr lang="en-IN" smtClean="0"/>
-              <a:t>19-03-2024</a:t>
+              <a:t>20-03-2024</a:t>
             </a:fld>
             <a:endParaRPr lang="en-IN"/>
           </a:p>
@@ -1967,7 +1979,7 @@
           <a:p>
             <a:fld id="{B0AAE9EB-4E09-49F4-B23B-25A5BA76B78B}" type="datetimeFigureOut">
               <a:rPr lang="en-IN" smtClean="0"/>
-              <a:t>19-03-2024</a:t>
+              <a:t>20-03-2024</a:t>
             </a:fld>
             <a:endParaRPr lang="en-IN"/>
           </a:p>
@@ -2080,7 +2092,7 @@
           <a:p>
             <a:fld id="{B0AAE9EB-4E09-49F4-B23B-25A5BA76B78B}" type="datetimeFigureOut">
               <a:rPr lang="en-IN" smtClean="0"/>
-              <a:t>19-03-2024</a:t>
+              <a:t>20-03-2024</a:t>
             </a:fld>
             <a:endParaRPr lang="en-IN"/>
           </a:p>
@@ -2393,7 +2405,7 @@
           <a:p>
             <a:fld id="{B0AAE9EB-4E09-49F4-B23B-25A5BA76B78B}" type="datetimeFigureOut">
               <a:rPr lang="en-IN" smtClean="0"/>
-              <a:t>19-03-2024</a:t>
+              <a:t>20-03-2024</a:t>
             </a:fld>
             <a:endParaRPr lang="en-IN"/>
           </a:p>
@@ -2682,7 +2694,7 @@
           <a:p>
             <a:fld id="{B0AAE9EB-4E09-49F4-B23B-25A5BA76B78B}" type="datetimeFigureOut">
               <a:rPr lang="en-IN" smtClean="0"/>
-              <a:t>19-03-2024</a:t>
+              <a:t>20-03-2024</a:t>
             </a:fld>
             <a:endParaRPr lang="en-IN"/>
           </a:p>
@@ -2925,7 +2937,7 @@
           <a:p>
             <a:fld id="{B0AAE9EB-4E09-49F4-B23B-25A5BA76B78B}" type="datetimeFigureOut">
               <a:rPr lang="en-IN" smtClean="0"/>
-              <a:t>19-03-2024</a:t>
+              <a:t>20-03-2024</a:t>
             </a:fld>
             <a:endParaRPr lang="en-IN"/>
           </a:p>
@@ -3409,8 +3421,8 @@
         </p:nvSpPr>
         <p:spPr>
           <a:xfrm>
-            <a:off x="8168065" y="3636032"/>
-            <a:ext cx="2593402" cy="646331"/>
+            <a:off x="7773000" y="3444708"/>
+            <a:ext cx="3014030" cy="646331"/>
           </a:xfrm>
           <a:prstGeom prst="rect">
             <a:avLst/>
@@ -3433,7 +3445,11 @@
             </a:r>
             <a:r>
               <a:rPr lang="en-US" dirty="0"/>
-              <a:t> hits</a:t>
+              <a:t> hits </a:t>
+            </a:r>
+            <a:r>
+              <a:rPr lang="en-US" dirty="0" err="1"/>
+              <a:t>MeshCollider</a:t>
             </a:r>
             <a:r>
               <a:rPr lang="en-IN" dirty="0"/>
@@ -3467,7 +3483,7 @@
         </p:nvSpPr>
         <p:spPr>
           <a:xfrm>
-            <a:off x="8168065" y="4761088"/>
+            <a:off x="7773000" y="4569764"/>
             <a:ext cx="2827441" cy="923330"/>
           </a:xfrm>
           <a:prstGeom prst="rect">
@@ -3874,8 +3890,8 @@
         </p:nvSpPr>
         <p:spPr>
           <a:xfrm>
-            <a:off x="7929349" y="3429000"/>
-            <a:ext cx="3370997" cy="2622310"/>
+            <a:off x="7534284" y="3237676"/>
+            <a:ext cx="3739487" cy="2622310"/>
           </a:xfrm>
           <a:prstGeom prst="rect">
             <a:avLst/>
@@ -3916,6 +3932,1588 @@
     <p:extLst>
       <p:ext uri="{BB962C8B-B14F-4D97-AF65-F5344CB8AC3E}">
         <p14:creationId xmlns:p14="http://schemas.microsoft.com/office/powerpoint/2010/main" val="2119608061"/>
+      </p:ext>
+    </p:extLst>
+  </p:cSld>
+  <p:clrMapOvr>
+    <a:masterClrMapping/>
+  </p:clrMapOvr>
+</p:sld>
+</file>
+
+<file path=ppt/slides/slide2.xml><?xml version="1.0" encoding="utf-8"?>
+<p:sld xmlns:a="http://schemas.openxmlformats.org/drawingml/2006/main" xmlns:r="http://schemas.openxmlformats.org/officeDocument/2006/relationships" xmlns:p="http://schemas.openxmlformats.org/presentationml/2006/main">
+  <p:cSld>
+    <p:spTree>
+      <p:nvGrpSpPr>
+        <p:cNvPr id="1" name=""/>
+        <p:cNvGrpSpPr/>
+        <p:nvPr/>
+      </p:nvGrpSpPr>
+      <p:grpSpPr>
+        <a:xfrm>
+          <a:off x="0" y="0"/>
+          <a:ext cx="0" cy="0"/>
+          <a:chOff x="0" y="0"/>
+          <a:chExt cx="0" cy="0"/>
+        </a:xfrm>
+      </p:grpSpPr>
+      <p:pic>
+        <p:nvPicPr>
+          <p:cNvPr id="3" name="Picture 2">
+            <a:extLst>
+              <a:ext uri="{FF2B5EF4-FFF2-40B4-BE49-F238E27FC236}">
+                <a16:creationId xmlns:a16="http://schemas.microsoft.com/office/drawing/2014/main" id="{58743494-35E3-A694-AAA1-9290CB045E1D}"/>
+              </a:ext>
+            </a:extLst>
+          </p:cNvPr>
+          <p:cNvPicPr>
+            <a:picLocks noChangeAspect="1"/>
+          </p:cNvPicPr>
+          <p:nvPr/>
+        </p:nvPicPr>
+        <p:blipFill>
+          <a:blip r:embed="rId2"/>
+          <a:stretch>
+            <a:fillRect/>
+          </a:stretch>
+        </p:blipFill>
+        <p:spPr>
+          <a:xfrm>
+            <a:off x="1005560" y="591835"/>
+            <a:ext cx="9716856" cy="3982006"/>
+          </a:xfrm>
+          <a:prstGeom prst="roundRect">
+            <a:avLst>
+              <a:gd name="adj" fmla="val 8784"/>
+            </a:avLst>
+          </a:prstGeom>
+        </p:spPr>
+      </p:pic>
+      <p:sp>
+        <p:nvSpPr>
+          <p:cNvPr id="4" name="TextBox 3">
+            <a:extLst>
+              <a:ext uri="{FF2B5EF4-FFF2-40B4-BE49-F238E27FC236}">
+                <a16:creationId xmlns:a16="http://schemas.microsoft.com/office/drawing/2014/main" id="{1E7C3AE1-A0AC-F256-AA36-555D0E9E94CB}"/>
+              </a:ext>
+            </a:extLst>
+          </p:cNvPr>
+          <p:cNvSpPr txBox="1"/>
+          <p:nvPr/>
+        </p:nvSpPr>
+        <p:spPr>
+          <a:xfrm>
+            <a:off x="1910689" y="4969178"/>
+            <a:ext cx="3416320" cy="1200329"/>
+          </a:xfrm>
+          <a:prstGeom prst="rect">
+            <a:avLst/>
+          </a:prstGeom>
+          <a:noFill/>
+        </p:spPr>
+        <p:txBody>
+          <a:bodyPr wrap="none" rtlCol="0">
+            <a:spAutoFit/>
+          </a:bodyPr>
+          <a:lstStyle/>
+          <a:p>
+            <a:pPr marL="285750" indent="-285750">
+              <a:buFont typeface="Arial" panose="020B0604020202020204" pitchFamily="34" charset="0"/>
+              <a:buChar char="•"/>
+            </a:pPr>
+            <a:r>
+              <a:rPr lang="en-US" dirty="0">
+                <a:latin typeface="Abadi" panose="020B0604020104020204" pitchFamily="34" charset="0"/>
+              </a:rPr>
+              <a:t>It is a Billboard</a:t>
+            </a:r>
+          </a:p>
+          <a:p>
+            <a:pPr marL="285750" indent="-285750">
+              <a:buFont typeface="Arial" panose="020B0604020202020204" pitchFamily="34" charset="0"/>
+              <a:buChar char="•"/>
+            </a:pPr>
+            <a:r>
+              <a:rPr lang="en-US" dirty="0">
+                <a:latin typeface="Abadi" panose="020B0604020104020204" pitchFamily="34" charset="0"/>
+              </a:rPr>
+              <a:t>Always faces the camera </a:t>
+            </a:r>
+          </a:p>
+          <a:p>
+            <a:pPr marL="285750" indent="-285750">
+              <a:buFont typeface="Arial" panose="020B0604020202020204" pitchFamily="34" charset="0"/>
+              <a:buChar char="•"/>
+            </a:pPr>
+            <a:r>
+              <a:rPr lang="en-US" dirty="0">
+                <a:latin typeface="Abadi" panose="020B0604020104020204" pitchFamily="34" charset="0"/>
+              </a:rPr>
+              <a:t>Destroyed after </a:t>
+            </a:r>
+            <a:r>
+              <a:rPr lang="en-US" dirty="0" err="1">
+                <a:latin typeface="Abadi" panose="020B0604020104020204" pitchFamily="34" charset="0"/>
+              </a:rPr>
+              <a:t>OnTriggerExit</a:t>
+            </a:r>
+            <a:endParaRPr lang="en-US" dirty="0">
+              <a:latin typeface="Abadi" panose="020B0604020104020204" pitchFamily="34" charset="0"/>
+            </a:endParaRPr>
+          </a:p>
+          <a:p>
+            <a:pPr marL="285750" indent="-285750">
+              <a:buFont typeface="Arial" panose="020B0604020202020204" pitchFamily="34" charset="0"/>
+              <a:buChar char="•"/>
+            </a:pPr>
+            <a:endParaRPr lang="en-IN" dirty="0">
+              <a:latin typeface="Abadi" panose="020B0604020104020204" pitchFamily="34" charset="0"/>
+            </a:endParaRPr>
+          </a:p>
+        </p:txBody>
+      </p:sp>
+      <p:sp>
+        <p:nvSpPr>
+          <p:cNvPr id="5" name="TextBox 4">
+            <a:extLst>
+              <a:ext uri="{FF2B5EF4-FFF2-40B4-BE49-F238E27FC236}">
+                <a16:creationId xmlns:a16="http://schemas.microsoft.com/office/drawing/2014/main" id="{D2C308B0-EF8A-B0B7-BD7C-C7EEAAC1F60B}"/>
+              </a:ext>
+            </a:extLst>
+          </p:cNvPr>
+          <p:cNvSpPr txBox="1"/>
+          <p:nvPr/>
+        </p:nvSpPr>
+        <p:spPr>
+          <a:xfrm>
+            <a:off x="7399309" y="2044229"/>
+            <a:ext cx="3013933" cy="1077218"/>
+          </a:xfrm>
+          <a:prstGeom prst="rect">
+            <a:avLst/>
+          </a:prstGeom>
+          <a:noFill/>
+        </p:spPr>
+        <p:txBody>
+          <a:bodyPr wrap="square" rtlCol="0">
+            <a:spAutoFit/>
+          </a:bodyPr>
+          <a:lstStyle/>
+          <a:p>
+            <a:pPr algn="r"/>
+            <a:r>
+              <a:rPr lang="en-US" sz="1600" dirty="0">
+                <a:solidFill>
+                  <a:schemeClr val="bg1"/>
+                </a:solidFill>
+                <a:latin typeface="Abadi" panose="020B0604020104020204" pitchFamily="34" charset="0"/>
+              </a:rPr>
+              <a:t>The </a:t>
+            </a:r>
+            <a:r>
+              <a:rPr lang="en-US" sz="1600" dirty="0" err="1">
+                <a:solidFill>
+                  <a:schemeClr val="bg1"/>
+                </a:solidFill>
+                <a:latin typeface="Abadi" panose="020B0604020104020204" pitchFamily="34" charset="0"/>
+              </a:rPr>
+              <a:t>MessageBox</a:t>
+            </a:r>
+            <a:r>
+              <a:rPr lang="en-US" sz="1600" dirty="0">
+                <a:solidFill>
+                  <a:schemeClr val="bg1"/>
+                </a:solidFill>
+                <a:latin typeface="Abadi" panose="020B0604020104020204" pitchFamily="34" charset="0"/>
+              </a:rPr>
+              <a:t> is placed above the object prefab and destroyed if player exits the collider</a:t>
+            </a:r>
+            <a:endParaRPr lang="en-IN" sz="1600" dirty="0">
+              <a:solidFill>
+                <a:schemeClr val="bg1"/>
+              </a:solidFill>
+              <a:latin typeface="Abadi" panose="020B0604020104020204" pitchFamily="34" charset="0"/>
+            </a:endParaRPr>
+          </a:p>
+        </p:txBody>
+      </p:sp>
+      <p:sp>
+        <p:nvSpPr>
+          <p:cNvPr id="6" name="TextBox 5">
+            <a:extLst>
+              <a:ext uri="{FF2B5EF4-FFF2-40B4-BE49-F238E27FC236}">
+                <a16:creationId xmlns:a16="http://schemas.microsoft.com/office/drawing/2014/main" id="{146D2090-867D-A62A-E2A9-268BCB13C32E}"/>
+              </a:ext>
+            </a:extLst>
+          </p:cNvPr>
+          <p:cNvSpPr txBox="1"/>
+          <p:nvPr/>
+        </p:nvSpPr>
+        <p:spPr>
+          <a:xfrm>
+            <a:off x="1326825" y="1659508"/>
+            <a:ext cx="2941931" cy="923330"/>
+          </a:xfrm>
+          <a:prstGeom prst="rect">
+            <a:avLst/>
+          </a:prstGeom>
+          <a:noFill/>
+        </p:spPr>
+        <p:txBody>
+          <a:bodyPr wrap="square" rtlCol="0">
+            <a:spAutoFit/>
+          </a:bodyPr>
+          <a:lstStyle/>
+          <a:p>
+            <a:r>
+              <a:rPr lang="en-US" dirty="0">
+                <a:solidFill>
+                  <a:schemeClr val="bg1"/>
+                </a:solidFill>
+                <a:latin typeface="Abadi" panose="020B0604020104020204" pitchFamily="34" charset="0"/>
+              </a:rPr>
+              <a:t>The </a:t>
+            </a:r>
+            <a:r>
+              <a:rPr lang="en-US" dirty="0" err="1">
+                <a:solidFill>
+                  <a:schemeClr val="bg1"/>
+                </a:solidFill>
+                <a:latin typeface="Abadi" panose="020B0604020104020204" pitchFamily="34" charset="0"/>
+              </a:rPr>
+              <a:t>MessageBox</a:t>
+            </a:r>
+            <a:r>
+              <a:rPr lang="en-US" dirty="0">
+                <a:solidFill>
+                  <a:schemeClr val="bg1"/>
+                </a:solidFill>
+                <a:latin typeface="Abadi" panose="020B0604020104020204" pitchFamily="34" charset="0"/>
+              </a:rPr>
+              <a:t> has to be a billboard so it always faces the player(camera)</a:t>
+            </a:r>
+            <a:endParaRPr lang="en-IN" dirty="0">
+              <a:solidFill>
+                <a:schemeClr val="bg1"/>
+              </a:solidFill>
+              <a:latin typeface="Abadi" panose="020B0604020104020204" pitchFamily="34" charset="0"/>
+            </a:endParaRPr>
+          </a:p>
+        </p:txBody>
+      </p:sp>
+      <p:grpSp>
+        <p:nvGrpSpPr>
+          <p:cNvPr id="12" name="Group 11">
+            <a:extLst>
+              <a:ext uri="{FF2B5EF4-FFF2-40B4-BE49-F238E27FC236}">
+                <a16:creationId xmlns:a16="http://schemas.microsoft.com/office/drawing/2014/main" id="{D68C708D-2F9C-75F4-D23C-B6C7CF57C21F}"/>
+              </a:ext>
+            </a:extLst>
+          </p:cNvPr>
+          <p:cNvGrpSpPr/>
+          <p:nvPr/>
+        </p:nvGrpSpPr>
+        <p:grpSpPr>
+          <a:xfrm>
+            <a:off x="6467887" y="4291038"/>
+            <a:ext cx="3580094" cy="2784144"/>
+            <a:chOff x="6467887" y="4291038"/>
+            <a:chExt cx="3580094" cy="2784144"/>
+          </a:xfrm>
+        </p:grpSpPr>
+        <p:sp>
+          <p:nvSpPr>
+            <p:cNvPr id="7" name="TextBox 6">
+              <a:extLst>
+                <a:ext uri="{FF2B5EF4-FFF2-40B4-BE49-F238E27FC236}">
+                  <a16:creationId xmlns:a16="http://schemas.microsoft.com/office/drawing/2014/main" id="{39000932-A8D7-79E8-8DDB-6F240ED9AA51}"/>
+                </a:ext>
+              </a:extLst>
+            </p:cNvPr>
+            <p:cNvSpPr txBox="1"/>
+            <p:nvPr/>
+          </p:nvSpPr>
+          <p:spPr>
+            <a:xfrm>
+              <a:off x="6750919" y="4721830"/>
+              <a:ext cx="3014030" cy="646331"/>
+            </a:xfrm>
+            <a:prstGeom prst="rect">
+              <a:avLst/>
+            </a:prstGeom>
+            <a:noFill/>
+          </p:spPr>
+          <p:txBody>
+            <a:bodyPr wrap="none" rtlCol="0">
+              <a:spAutoFit/>
+            </a:bodyPr>
+            <a:lstStyle/>
+            <a:p>
+              <a:r>
+                <a:rPr lang="en-US" dirty="0"/>
+                <a:t>If </a:t>
+              </a:r>
+              <a:r>
+                <a:rPr lang="en-US" dirty="0" err="1"/>
+                <a:t>Raycast</a:t>
+              </a:r>
+              <a:r>
+                <a:rPr lang="en-US" dirty="0"/>
+                <a:t> hits </a:t>
+              </a:r>
+              <a:r>
+                <a:rPr lang="en-US" dirty="0" err="1"/>
+                <a:t>MeshCollider</a:t>
+              </a:r>
+              <a:r>
+                <a:rPr lang="en-IN" dirty="0"/>
+                <a:t>:</a:t>
+              </a:r>
+            </a:p>
+            <a:p>
+              <a:r>
+                <a:rPr lang="en-IN" dirty="0" err="1"/>
+                <a:t>GlowWalaShader</a:t>
+              </a:r>
+              <a:r>
+                <a:rPr lang="en-IN" dirty="0"/>
+                <a:t> = true;</a:t>
+              </a:r>
+              <a:endParaRPr lang="en-US" dirty="0"/>
+            </a:p>
+          </p:txBody>
+        </p:sp>
+        <p:sp>
+          <p:nvSpPr>
+            <p:cNvPr id="8" name="TextBox 7">
+              <a:extLst>
+                <a:ext uri="{FF2B5EF4-FFF2-40B4-BE49-F238E27FC236}">
+                  <a16:creationId xmlns:a16="http://schemas.microsoft.com/office/drawing/2014/main" id="{95F6E38D-C9CA-9008-E176-E3A0FC082153}"/>
+                </a:ext>
+              </a:extLst>
+            </p:cNvPr>
+            <p:cNvSpPr txBox="1"/>
+            <p:nvPr/>
+          </p:nvSpPr>
+          <p:spPr>
+            <a:xfrm>
+              <a:off x="6750919" y="5601424"/>
+              <a:ext cx="2827441" cy="923330"/>
+            </a:xfrm>
+            <a:prstGeom prst="rect">
+              <a:avLst/>
+            </a:prstGeom>
+            <a:noFill/>
+          </p:spPr>
+          <p:txBody>
+            <a:bodyPr wrap="none" rtlCol="0">
+              <a:spAutoFit/>
+            </a:bodyPr>
+            <a:lstStyle/>
+            <a:p>
+              <a:r>
+                <a:rPr lang="en-US" dirty="0"/>
+                <a:t>If Player </a:t>
+              </a:r>
+              <a:r>
+                <a:rPr lang="en-US" dirty="0" err="1"/>
+                <a:t>OnTriggerEnter</a:t>
+              </a:r>
+              <a:r>
+                <a:rPr lang="en-US" dirty="0"/>
+                <a:t>:</a:t>
+              </a:r>
+            </a:p>
+            <a:p>
+              <a:r>
+                <a:rPr lang="en-US" dirty="0" err="1"/>
+                <a:t>PickUpItem</a:t>
+              </a:r>
+              <a:r>
+                <a:rPr lang="en-US" dirty="0"/>
+                <a:t> = true;</a:t>
+              </a:r>
+            </a:p>
+            <a:p>
+              <a:r>
+                <a:rPr lang="en-US" dirty="0" err="1"/>
+                <a:t>PickUpMessageBox</a:t>
+              </a:r>
+              <a:r>
+                <a:rPr lang="en-US" dirty="0"/>
+                <a:t> = true;</a:t>
+              </a:r>
+              <a:endParaRPr lang="en-IN" dirty="0"/>
+            </a:p>
+          </p:txBody>
+        </p:sp>
+        <p:sp>
+          <p:nvSpPr>
+            <p:cNvPr id="11" name="Rectangle: Rounded Corners 10">
+              <a:extLst>
+                <a:ext uri="{FF2B5EF4-FFF2-40B4-BE49-F238E27FC236}">
+                  <a16:creationId xmlns:a16="http://schemas.microsoft.com/office/drawing/2014/main" id="{44FF4547-2F65-AB22-AF1C-122C64D4DCDA}"/>
+                </a:ext>
+              </a:extLst>
+            </p:cNvPr>
+            <p:cNvSpPr/>
+            <p:nvPr/>
+          </p:nvSpPr>
+          <p:spPr>
+            <a:xfrm>
+              <a:off x="6467887" y="4291038"/>
+              <a:ext cx="3580094" cy="2784144"/>
+            </a:xfrm>
+            <a:prstGeom prst="roundRect">
+              <a:avLst>
+                <a:gd name="adj" fmla="val 4903"/>
+              </a:avLst>
+            </a:prstGeom>
+            <a:noFill/>
+            <a:ln w="28575">
+              <a:solidFill>
+                <a:schemeClr val="tx1"/>
+              </a:solidFill>
+            </a:ln>
+          </p:spPr>
+          <p:style>
+            <a:lnRef idx="2">
+              <a:schemeClr val="accent1">
+                <a:shade val="15000"/>
+              </a:schemeClr>
+            </a:lnRef>
+            <a:fillRef idx="1">
+              <a:schemeClr val="accent1"/>
+            </a:fillRef>
+            <a:effectRef idx="0">
+              <a:schemeClr val="accent1"/>
+            </a:effectRef>
+            <a:fontRef idx="minor">
+              <a:schemeClr val="lt1"/>
+            </a:fontRef>
+          </p:style>
+          <p:txBody>
+            <a:bodyPr rtlCol="0" anchor="ctr"/>
+            <a:lstStyle/>
+            <a:p>
+              <a:pPr algn="ctr"/>
+              <a:endParaRPr lang="en-IN"/>
+            </a:p>
+          </p:txBody>
+        </p:sp>
+      </p:grpSp>
+      <p:cxnSp>
+        <p:nvCxnSpPr>
+          <p:cNvPr id="18" name="Connector: Curved 17">
+            <a:extLst>
+              <a:ext uri="{FF2B5EF4-FFF2-40B4-BE49-F238E27FC236}">
+                <a16:creationId xmlns:a16="http://schemas.microsoft.com/office/drawing/2014/main" id="{89C54AF9-8103-3018-2E17-39BD76FEA5FD}"/>
+              </a:ext>
+            </a:extLst>
+          </p:cNvPr>
+          <p:cNvCxnSpPr>
+            <a:stCxn id="5" idx="0"/>
+          </p:cNvCxnSpPr>
+          <p:nvPr/>
+        </p:nvCxnSpPr>
+        <p:spPr>
+          <a:xfrm rot="16200000" flipV="1">
+            <a:off x="7758476" y="896428"/>
+            <a:ext cx="788635" cy="1506967"/>
+          </a:xfrm>
+          <a:prstGeom prst="curvedConnector2">
+            <a:avLst/>
+          </a:prstGeom>
+          <a:ln w="28575">
+            <a:solidFill>
+              <a:schemeClr val="bg1"/>
+            </a:solidFill>
+            <a:tailEnd type="triangle"/>
+          </a:ln>
+        </p:spPr>
+        <p:style>
+          <a:lnRef idx="2">
+            <a:schemeClr val="accent1"/>
+          </a:lnRef>
+          <a:fillRef idx="0">
+            <a:schemeClr val="accent1"/>
+          </a:fillRef>
+          <a:effectRef idx="1">
+            <a:schemeClr val="accent1"/>
+          </a:effectRef>
+          <a:fontRef idx="minor">
+            <a:schemeClr val="tx1"/>
+          </a:fontRef>
+        </p:style>
+      </p:cxnSp>
+      <p:cxnSp>
+        <p:nvCxnSpPr>
+          <p:cNvPr id="20" name="Connector: Curved 19">
+            <a:extLst>
+              <a:ext uri="{FF2B5EF4-FFF2-40B4-BE49-F238E27FC236}">
+                <a16:creationId xmlns:a16="http://schemas.microsoft.com/office/drawing/2014/main" id="{39EFE039-F4D5-E3DF-616E-B309BD645D7F}"/>
+              </a:ext>
+            </a:extLst>
+          </p:cNvPr>
+          <p:cNvCxnSpPr>
+            <a:stCxn id="6" idx="0"/>
+          </p:cNvCxnSpPr>
+          <p:nvPr/>
+        </p:nvCxnSpPr>
+        <p:spPr>
+          <a:xfrm rot="5400000" flipH="1" flipV="1">
+            <a:off x="3304021" y="694774"/>
+            <a:ext cx="458505" cy="1470965"/>
+          </a:xfrm>
+          <a:prstGeom prst="curvedConnector2">
+            <a:avLst/>
+          </a:prstGeom>
+          <a:ln w="28575">
+            <a:solidFill>
+              <a:schemeClr val="bg1"/>
+            </a:solidFill>
+            <a:tailEnd type="triangle"/>
+          </a:ln>
+        </p:spPr>
+        <p:style>
+          <a:lnRef idx="2">
+            <a:schemeClr val="accent1"/>
+          </a:lnRef>
+          <a:fillRef idx="0">
+            <a:schemeClr val="accent1"/>
+          </a:fillRef>
+          <a:effectRef idx="1">
+            <a:schemeClr val="accent1"/>
+          </a:effectRef>
+          <a:fontRef idx="minor">
+            <a:schemeClr val="tx1"/>
+          </a:fontRef>
+        </p:style>
+      </p:cxnSp>
+    </p:spTree>
+    <p:extLst>
+      <p:ext uri="{BB962C8B-B14F-4D97-AF65-F5344CB8AC3E}">
+        <p14:creationId xmlns:p14="http://schemas.microsoft.com/office/powerpoint/2010/main" val="3303517405"/>
+      </p:ext>
+    </p:extLst>
+  </p:cSld>
+  <p:clrMapOvr>
+    <a:masterClrMapping/>
+  </p:clrMapOvr>
+</p:sld>
+</file>
+
+<file path=ppt/slides/slide3.xml><?xml version="1.0" encoding="utf-8"?>
+<p:sld xmlns:a="http://schemas.openxmlformats.org/drawingml/2006/main" xmlns:r="http://schemas.openxmlformats.org/officeDocument/2006/relationships" xmlns:p="http://schemas.openxmlformats.org/presentationml/2006/main">
+  <p:cSld>
+    <p:spTree>
+      <p:nvGrpSpPr>
+        <p:cNvPr id="1" name=""/>
+        <p:cNvGrpSpPr/>
+        <p:nvPr/>
+      </p:nvGrpSpPr>
+      <p:grpSpPr>
+        <a:xfrm>
+          <a:off x="0" y="0"/>
+          <a:ext cx="0" cy="0"/>
+          <a:chOff x="0" y="0"/>
+          <a:chExt cx="0" cy="0"/>
+        </a:xfrm>
+      </p:grpSpPr>
+      <p:pic>
+        <p:nvPicPr>
+          <p:cNvPr id="2" name="Picture 1">
+            <a:extLst>
+              <a:ext uri="{FF2B5EF4-FFF2-40B4-BE49-F238E27FC236}">
+                <a16:creationId xmlns:a16="http://schemas.microsoft.com/office/drawing/2014/main" id="{85787502-0861-225F-4519-F1162694FA2F}"/>
+              </a:ext>
+            </a:extLst>
+          </p:cNvPr>
+          <p:cNvPicPr>
+            <a:picLocks noChangeAspect="1"/>
+          </p:cNvPicPr>
+          <p:nvPr/>
+        </p:nvPicPr>
+        <p:blipFill rotWithShape="1">
+          <a:blip r:embed="rId2"/>
+          <a:srcRect l="11642" t="18691" r="5634" b="16003"/>
+          <a:stretch/>
+        </p:blipFill>
+        <p:spPr>
+          <a:xfrm>
+            <a:off x="1053151" y="492713"/>
+            <a:ext cx="10085697" cy="4476465"/>
+          </a:xfrm>
+          <a:prstGeom prst="roundRect">
+            <a:avLst>
+              <a:gd name="adj" fmla="val 8435"/>
+            </a:avLst>
+          </a:prstGeom>
+        </p:spPr>
+      </p:pic>
+      <p:sp>
+        <p:nvSpPr>
+          <p:cNvPr id="4" name="TextBox 3">
+            <a:extLst>
+              <a:ext uri="{FF2B5EF4-FFF2-40B4-BE49-F238E27FC236}">
+                <a16:creationId xmlns:a16="http://schemas.microsoft.com/office/drawing/2014/main" id="{1E7C3AE1-A0AC-F256-AA36-555D0E9E94CB}"/>
+              </a:ext>
+            </a:extLst>
+          </p:cNvPr>
+          <p:cNvSpPr txBox="1"/>
+          <p:nvPr/>
+        </p:nvSpPr>
+        <p:spPr>
+          <a:xfrm>
+            <a:off x="1977063" y="5250429"/>
+            <a:ext cx="3416320" cy="1200329"/>
+          </a:xfrm>
+          <a:prstGeom prst="rect">
+            <a:avLst/>
+          </a:prstGeom>
+          <a:noFill/>
+        </p:spPr>
+        <p:txBody>
+          <a:bodyPr wrap="none" rtlCol="0">
+            <a:spAutoFit/>
+          </a:bodyPr>
+          <a:lstStyle/>
+          <a:p>
+            <a:pPr marL="285750" indent="-285750">
+              <a:buFont typeface="Arial" panose="020B0604020202020204" pitchFamily="34" charset="0"/>
+              <a:buChar char="•"/>
+            </a:pPr>
+            <a:r>
+              <a:rPr lang="en-US" dirty="0">
+                <a:latin typeface="Abadi" panose="020B0604020104020204" pitchFamily="34" charset="0"/>
+              </a:rPr>
+              <a:t>It is a Billboard</a:t>
+            </a:r>
+          </a:p>
+          <a:p>
+            <a:pPr marL="285750" indent="-285750">
+              <a:buFont typeface="Arial" panose="020B0604020202020204" pitchFamily="34" charset="0"/>
+              <a:buChar char="•"/>
+            </a:pPr>
+            <a:r>
+              <a:rPr lang="en-US" dirty="0">
+                <a:latin typeface="Abadi" panose="020B0604020104020204" pitchFamily="34" charset="0"/>
+              </a:rPr>
+              <a:t>Always faces the camera </a:t>
+            </a:r>
+          </a:p>
+          <a:p>
+            <a:pPr marL="285750" indent="-285750">
+              <a:buFont typeface="Arial" panose="020B0604020202020204" pitchFamily="34" charset="0"/>
+              <a:buChar char="•"/>
+            </a:pPr>
+            <a:r>
+              <a:rPr lang="en-US" dirty="0">
+                <a:latin typeface="Abadi" panose="020B0604020104020204" pitchFamily="34" charset="0"/>
+              </a:rPr>
+              <a:t>Destroyed after </a:t>
+            </a:r>
+            <a:r>
+              <a:rPr lang="en-US" dirty="0" err="1">
+                <a:latin typeface="Abadi" panose="020B0604020104020204" pitchFamily="34" charset="0"/>
+              </a:rPr>
+              <a:t>OnTriggerExit</a:t>
+            </a:r>
+            <a:endParaRPr lang="en-US" dirty="0">
+              <a:latin typeface="Abadi" panose="020B0604020104020204" pitchFamily="34" charset="0"/>
+            </a:endParaRPr>
+          </a:p>
+          <a:p>
+            <a:pPr marL="285750" indent="-285750">
+              <a:buFont typeface="Arial" panose="020B0604020202020204" pitchFamily="34" charset="0"/>
+              <a:buChar char="•"/>
+            </a:pPr>
+            <a:endParaRPr lang="en-IN" dirty="0">
+              <a:latin typeface="Abadi" panose="020B0604020104020204" pitchFamily="34" charset="0"/>
+            </a:endParaRPr>
+          </a:p>
+        </p:txBody>
+      </p:sp>
+      <p:sp>
+        <p:nvSpPr>
+          <p:cNvPr id="5" name="TextBox 4">
+            <a:extLst>
+              <a:ext uri="{FF2B5EF4-FFF2-40B4-BE49-F238E27FC236}">
+                <a16:creationId xmlns:a16="http://schemas.microsoft.com/office/drawing/2014/main" id="{D2C308B0-EF8A-B0B7-BD7C-C7EEAAC1F60B}"/>
+              </a:ext>
+            </a:extLst>
+          </p:cNvPr>
+          <p:cNvSpPr txBox="1"/>
+          <p:nvPr/>
+        </p:nvSpPr>
+        <p:spPr>
+          <a:xfrm>
+            <a:off x="7291684" y="2077217"/>
+            <a:ext cx="3013933" cy="1077218"/>
+          </a:xfrm>
+          <a:prstGeom prst="rect">
+            <a:avLst/>
+          </a:prstGeom>
+          <a:noFill/>
+        </p:spPr>
+        <p:txBody>
+          <a:bodyPr wrap="square" rtlCol="0">
+            <a:spAutoFit/>
+          </a:bodyPr>
+          <a:lstStyle/>
+          <a:p>
+            <a:pPr algn="r"/>
+            <a:r>
+              <a:rPr lang="en-US" sz="1600" dirty="0">
+                <a:solidFill>
+                  <a:schemeClr val="bg1"/>
+                </a:solidFill>
+                <a:latin typeface="Abadi" panose="020B0604020104020204" pitchFamily="34" charset="0"/>
+              </a:rPr>
+              <a:t>The </a:t>
+            </a:r>
+            <a:r>
+              <a:rPr lang="en-US" sz="1600" dirty="0" err="1">
+                <a:solidFill>
+                  <a:schemeClr val="bg1"/>
+                </a:solidFill>
+                <a:latin typeface="Abadi" panose="020B0604020104020204" pitchFamily="34" charset="0"/>
+              </a:rPr>
+              <a:t>MessageBox</a:t>
+            </a:r>
+            <a:r>
+              <a:rPr lang="en-US" sz="1600" dirty="0">
+                <a:solidFill>
+                  <a:schemeClr val="bg1"/>
+                </a:solidFill>
+                <a:latin typeface="Abadi" panose="020B0604020104020204" pitchFamily="34" charset="0"/>
+              </a:rPr>
+              <a:t> is placed above the object prefab and destroyed if player exits the collider</a:t>
+            </a:r>
+            <a:endParaRPr lang="en-IN" sz="1600" dirty="0">
+              <a:solidFill>
+                <a:schemeClr val="bg1"/>
+              </a:solidFill>
+              <a:latin typeface="Abadi" panose="020B0604020104020204" pitchFamily="34" charset="0"/>
+            </a:endParaRPr>
+          </a:p>
+        </p:txBody>
+      </p:sp>
+      <p:sp>
+        <p:nvSpPr>
+          <p:cNvPr id="6" name="TextBox 5">
+            <a:extLst>
+              <a:ext uri="{FF2B5EF4-FFF2-40B4-BE49-F238E27FC236}">
+                <a16:creationId xmlns:a16="http://schemas.microsoft.com/office/drawing/2014/main" id="{146D2090-867D-A62A-E2A9-268BCB13C32E}"/>
+              </a:ext>
+            </a:extLst>
+          </p:cNvPr>
+          <p:cNvSpPr txBox="1"/>
+          <p:nvPr/>
+        </p:nvSpPr>
+        <p:spPr>
+          <a:xfrm>
+            <a:off x="1112590" y="2077217"/>
+            <a:ext cx="2941931" cy="923330"/>
+          </a:xfrm>
+          <a:prstGeom prst="rect">
+            <a:avLst/>
+          </a:prstGeom>
+          <a:noFill/>
+        </p:spPr>
+        <p:txBody>
+          <a:bodyPr wrap="square" rtlCol="0">
+            <a:spAutoFit/>
+          </a:bodyPr>
+          <a:lstStyle/>
+          <a:p>
+            <a:r>
+              <a:rPr lang="en-US" dirty="0">
+                <a:solidFill>
+                  <a:schemeClr val="bg1"/>
+                </a:solidFill>
+                <a:latin typeface="Abadi" panose="020B0604020104020204" pitchFamily="34" charset="0"/>
+              </a:rPr>
+              <a:t>The </a:t>
+            </a:r>
+            <a:r>
+              <a:rPr lang="en-US" dirty="0" err="1">
+                <a:solidFill>
+                  <a:schemeClr val="bg1"/>
+                </a:solidFill>
+                <a:latin typeface="Abadi" panose="020B0604020104020204" pitchFamily="34" charset="0"/>
+              </a:rPr>
+              <a:t>MessageBox</a:t>
+            </a:r>
+            <a:r>
+              <a:rPr lang="en-US" dirty="0">
+                <a:solidFill>
+                  <a:schemeClr val="bg1"/>
+                </a:solidFill>
+                <a:latin typeface="Abadi" panose="020B0604020104020204" pitchFamily="34" charset="0"/>
+              </a:rPr>
+              <a:t> has to be a billboard so it always faces the player(camera)</a:t>
+            </a:r>
+            <a:endParaRPr lang="en-IN" dirty="0">
+              <a:solidFill>
+                <a:schemeClr val="bg1"/>
+              </a:solidFill>
+              <a:latin typeface="Abadi" panose="020B0604020104020204" pitchFamily="34" charset="0"/>
+            </a:endParaRPr>
+          </a:p>
+        </p:txBody>
+      </p:sp>
+      <p:grpSp>
+        <p:nvGrpSpPr>
+          <p:cNvPr id="12" name="Group 11">
+            <a:extLst>
+              <a:ext uri="{FF2B5EF4-FFF2-40B4-BE49-F238E27FC236}">
+                <a16:creationId xmlns:a16="http://schemas.microsoft.com/office/drawing/2014/main" id="{D68C708D-2F9C-75F4-D23C-B6C7CF57C21F}"/>
+              </a:ext>
+            </a:extLst>
+          </p:cNvPr>
+          <p:cNvGrpSpPr/>
+          <p:nvPr/>
+        </p:nvGrpSpPr>
+        <p:grpSpPr>
+          <a:xfrm>
+            <a:off x="6432462" y="4659528"/>
+            <a:ext cx="3580094" cy="2784144"/>
+            <a:chOff x="6467887" y="4386574"/>
+            <a:chExt cx="3580094" cy="2784144"/>
+          </a:xfrm>
+        </p:grpSpPr>
+        <p:sp>
+          <p:nvSpPr>
+            <p:cNvPr id="7" name="TextBox 6">
+              <a:extLst>
+                <a:ext uri="{FF2B5EF4-FFF2-40B4-BE49-F238E27FC236}">
+                  <a16:creationId xmlns:a16="http://schemas.microsoft.com/office/drawing/2014/main" id="{39000932-A8D7-79E8-8DDB-6F240ED9AA51}"/>
+                </a:ext>
+              </a:extLst>
+            </p:cNvPr>
+            <p:cNvSpPr txBox="1"/>
+            <p:nvPr/>
+          </p:nvSpPr>
+          <p:spPr>
+            <a:xfrm>
+              <a:off x="6750919" y="4721830"/>
+              <a:ext cx="3014030" cy="646331"/>
+            </a:xfrm>
+            <a:prstGeom prst="rect">
+              <a:avLst/>
+            </a:prstGeom>
+            <a:noFill/>
+          </p:spPr>
+          <p:txBody>
+            <a:bodyPr wrap="none" rtlCol="0">
+              <a:spAutoFit/>
+            </a:bodyPr>
+            <a:lstStyle/>
+            <a:p>
+              <a:r>
+                <a:rPr lang="en-US" dirty="0"/>
+                <a:t>If </a:t>
+              </a:r>
+              <a:r>
+                <a:rPr lang="en-US" dirty="0" err="1"/>
+                <a:t>Raycast</a:t>
+              </a:r>
+              <a:r>
+                <a:rPr lang="en-US" dirty="0"/>
+                <a:t> hits </a:t>
+              </a:r>
+              <a:r>
+                <a:rPr lang="en-US" dirty="0" err="1"/>
+                <a:t>MeshCollider</a:t>
+              </a:r>
+              <a:r>
+                <a:rPr lang="en-IN" dirty="0"/>
+                <a:t>:</a:t>
+              </a:r>
+            </a:p>
+            <a:p>
+              <a:r>
+                <a:rPr lang="en-IN" dirty="0" err="1"/>
+                <a:t>GlowWalaShader</a:t>
+              </a:r>
+              <a:r>
+                <a:rPr lang="en-IN" dirty="0"/>
+                <a:t> = true;</a:t>
+              </a:r>
+              <a:endParaRPr lang="en-US" dirty="0"/>
+            </a:p>
+          </p:txBody>
+        </p:sp>
+        <p:sp>
+          <p:nvSpPr>
+            <p:cNvPr id="8" name="TextBox 7">
+              <a:extLst>
+                <a:ext uri="{FF2B5EF4-FFF2-40B4-BE49-F238E27FC236}">
+                  <a16:creationId xmlns:a16="http://schemas.microsoft.com/office/drawing/2014/main" id="{95F6E38D-C9CA-9008-E176-E3A0FC082153}"/>
+                </a:ext>
+              </a:extLst>
+            </p:cNvPr>
+            <p:cNvSpPr txBox="1"/>
+            <p:nvPr/>
+          </p:nvSpPr>
+          <p:spPr>
+            <a:xfrm>
+              <a:off x="6750919" y="5601424"/>
+              <a:ext cx="2827441" cy="923330"/>
+            </a:xfrm>
+            <a:prstGeom prst="rect">
+              <a:avLst/>
+            </a:prstGeom>
+            <a:noFill/>
+          </p:spPr>
+          <p:txBody>
+            <a:bodyPr wrap="none" rtlCol="0">
+              <a:spAutoFit/>
+            </a:bodyPr>
+            <a:lstStyle/>
+            <a:p>
+              <a:r>
+                <a:rPr lang="en-US" dirty="0"/>
+                <a:t>If Player </a:t>
+              </a:r>
+              <a:r>
+                <a:rPr lang="en-US" dirty="0" err="1"/>
+                <a:t>OnTriggerEnter</a:t>
+              </a:r>
+              <a:r>
+                <a:rPr lang="en-US" dirty="0"/>
+                <a:t>:</a:t>
+              </a:r>
+            </a:p>
+            <a:p>
+              <a:r>
+                <a:rPr lang="en-US" dirty="0" err="1"/>
+                <a:t>PickUpItem</a:t>
+              </a:r>
+              <a:r>
+                <a:rPr lang="en-US" dirty="0"/>
+                <a:t> = true;</a:t>
+              </a:r>
+            </a:p>
+            <a:p>
+              <a:r>
+                <a:rPr lang="en-US" dirty="0" err="1"/>
+                <a:t>PickUpMessageBox</a:t>
+              </a:r>
+              <a:r>
+                <a:rPr lang="en-US" dirty="0"/>
+                <a:t> = true;</a:t>
+              </a:r>
+              <a:endParaRPr lang="en-IN" dirty="0"/>
+            </a:p>
+          </p:txBody>
+        </p:sp>
+        <p:sp>
+          <p:nvSpPr>
+            <p:cNvPr id="11" name="Rectangle: Rounded Corners 10">
+              <a:extLst>
+                <a:ext uri="{FF2B5EF4-FFF2-40B4-BE49-F238E27FC236}">
+                  <a16:creationId xmlns:a16="http://schemas.microsoft.com/office/drawing/2014/main" id="{44FF4547-2F65-AB22-AF1C-122C64D4DCDA}"/>
+                </a:ext>
+              </a:extLst>
+            </p:cNvPr>
+            <p:cNvSpPr/>
+            <p:nvPr/>
+          </p:nvSpPr>
+          <p:spPr>
+            <a:xfrm>
+              <a:off x="6467887" y="4386574"/>
+              <a:ext cx="3580094" cy="2784144"/>
+            </a:xfrm>
+            <a:prstGeom prst="roundRect">
+              <a:avLst>
+                <a:gd name="adj" fmla="val 4903"/>
+              </a:avLst>
+            </a:prstGeom>
+            <a:noFill/>
+            <a:ln w="28575">
+              <a:solidFill>
+                <a:schemeClr val="tx1"/>
+              </a:solidFill>
+            </a:ln>
+          </p:spPr>
+          <p:style>
+            <a:lnRef idx="2">
+              <a:schemeClr val="accent1">
+                <a:shade val="15000"/>
+              </a:schemeClr>
+            </a:lnRef>
+            <a:fillRef idx="1">
+              <a:schemeClr val="accent1"/>
+            </a:fillRef>
+            <a:effectRef idx="0">
+              <a:schemeClr val="accent1"/>
+            </a:effectRef>
+            <a:fontRef idx="minor">
+              <a:schemeClr val="lt1"/>
+            </a:fontRef>
+          </p:style>
+          <p:txBody>
+            <a:bodyPr rtlCol="0" anchor="ctr"/>
+            <a:lstStyle/>
+            <a:p>
+              <a:pPr algn="ctr"/>
+              <a:endParaRPr lang="en-IN"/>
+            </a:p>
+          </p:txBody>
+        </p:sp>
+      </p:grpSp>
+      <p:cxnSp>
+        <p:nvCxnSpPr>
+          <p:cNvPr id="18" name="Connector: Curved 17">
+            <a:extLst>
+              <a:ext uri="{FF2B5EF4-FFF2-40B4-BE49-F238E27FC236}">
+                <a16:creationId xmlns:a16="http://schemas.microsoft.com/office/drawing/2014/main" id="{89C54AF9-8103-3018-2E17-39BD76FEA5FD}"/>
+              </a:ext>
+            </a:extLst>
+          </p:cNvPr>
+          <p:cNvCxnSpPr>
+            <a:cxnSpLocks/>
+            <a:stCxn id="5" idx="0"/>
+          </p:cNvCxnSpPr>
+          <p:nvPr/>
+        </p:nvCxnSpPr>
+        <p:spPr>
+          <a:xfrm rot="16200000" flipV="1">
+            <a:off x="7718418" y="996984"/>
+            <a:ext cx="417709" cy="1742758"/>
+          </a:xfrm>
+          <a:prstGeom prst="curvedConnector2">
+            <a:avLst/>
+          </a:prstGeom>
+          <a:ln w="28575">
+            <a:solidFill>
+              <a:schemeClr val="bg1"/>
+            </a:solidFill>
+            <a:tailEnd type="triangle"/>
+          </a:ln>
+        </p:spPr>
+        <p:style>
+          <a:lnRef idx="2">
+            <a:schemeClr val="accent1"/>
+          </a:lnRef>
+          <a:fillRef idx="0">
+            <a:schemeClr val="accent1"/>
+          </a:fillRef>
+          <a:effectRef idx="1">
+            <a:schemeClr val="accent1"/>
+          </a:effectRef>
+          <a:fontRef idx="minor">
+            <a:schemeClr val="tx1"/>
+          </a:fontRef>
+        </p:style>
+      </p:cxnSp>
+      <p:cxnSp>
+        <p:nvCxnSpPr>
+          <p:cNvPr id="20" name="Connector: Curved 19">
+            <a:extLst>
+              <a:ext uri="{FF2B5EF4-FFF2-40B4-BE49-F238E27FC236}">
+                <a16:creationId xmlns:a16="http://schemas.microsoft.com/office/drawing/2014/main" id="{39EFE039-F4D5-E3DF-616E-B309BD645D7F}"/>
+              </a:ext>
+            </a:extLst>
+          </p:cNvPr>
+          <p:cNvCxnSpPr>
+            <a:cxnSpLocks/>
+            <a:stCxn id="6" idx="0"/>
+          </p:cNvCxnSpPr>
+          <p:nvPr/>
+        </p:nvCxnSpPr>
+        <p:spPr>
+          <a:xfrm rot="5400000" flipH="1" flipV="1">
+            <a:off x="3134099" y="1156796"/>
+            <a:ext cx="369878" cy="1470965"/>
+          </a:xfrm>
+          <a:prstGeom prst="curvedConnector2">
+            <a:avLst/>
+          </a:prstGeom>
+          <a:ln w="28575">
+            <a:solidFill>
+              <a:schemeClr val="bg1"/>
+            </a:solidFill>
+            <a:tailEnd type="triangle"/>
+          </a:ln>
+        </p:spPr>
+        <p:style>
+          <a:lnRef idx="2">
+            <a:schemeClr val="accent1"/>
+          </a:lnRef>
+          <a:fillRef idx="0">
+            <a:schemeClr val="accent1"/>
+          </a:fillRef>
+          <a:effectRef idx="1">
+            <a:schemeClr val="accent1"/>
+          </a:effectRef>
+          <a:fontRef idx="minor">
+            <a:schemeClr val="tx1"/>
+          </a:fontRef>
+        </p:style>
+      </p:cxnSp>
+    </p:spTree>
+    <p:extLst>
+      <p:ext uri="{BB962C8B-B14F-4D97-AF65-F5344CB8AC3E}">
+        <p14:creationId xmlns:p14="http://schemas.microsoft.com/office/powerpoint/2010/main" val="1271597539"/>
+      </p:ext>
+    </p:extLst>
+  </p:cSld>
+  <p:clrMapOvr>
+    <a:masterClrMapping/>
+  </p:clrMapOvr>
+</p:sld>
+</file>
+
+<file path=ppt/slides/slide4.xml><?xml version="1.0" encoding="utf-8"?>
+<p:sld xmlns:a="http://schemas.openxmlformats.org/drawingml/2006/main" xmlns:r="http://schemas.openxmlformats.org/officeDocument/2006/relationships" xmlns:p="http://schemas.openxmlformats.org/presentationml/2006/main">
+  <p:cSld>
+    <p:spTree>
+      <p:nvGrpSpPr>
+        <p:cNvPr id="1" name=""/>
+        <p:cNvGrpSpPr/>
+        <p:nvPr/>
+      </p:nvGrpSpPr>
+      <p:grpSpPr>
+        <a:xfrm>
+          <a:off x="0" y="0"/>
+          <a:ext cx="0" cy="0"/>
+          <a:chOff x="0" y="0"/>
+          <a:chExt cx="0" cy="0"/>
+        </a:xfrm>
+      </p:grpSpPr>
+      <p:grpSp>
+        <p:nvGrpSpPr>
+          <p:cNvPr id="7" name="Group 6">
+            <a:extLst>
+              <a:ext uri="{FF2B5EF4-FFF2-40B4-BE49-F238E27FC236}">
+                <a16:creationId xmlns:a16="http://schemas.microsoft.com/office/drawing/2014/main" id="{52512D78-CD4B-BB27-BB57-05A56B8B444C}"/>
+              </a:ext>
+            </a:extLst>
+          </p:cNvPr>
+          <p:cNvGrpSpPr/>
+          <p:nvPr/>
+        </p:nvGrpSpPr>
+        <p:grpSpPr>
+          <a:xfrm>
+            <a:off x="354842" y="1692323"/>
+            <a:ext cx="11477767" cy="3473356"/>
+            <a:chOff x="354842" y="1692323"/>
+            <a:chExt cx="11477767" cy="3473356"/>
+          </a:xfrm>
+        </p:grpSpPr>
+        <p:grpSp>
+          <p:nvGrpSpPr>
+            <p:cNvPr id="5" name="Group 4">
+              <a:extLst>
+                <a:ext uri="{FF2B5EF4-FFF2-40B4-BE49-F238E27FC236}">
+                  <a16:creationId xmlns:a16="http://schemas.microsoft.com/office/drawing/2014/main" id="{FFA643E5-3552-8183-EE83-1AA861179DB8}"/>
+                </a:ext>
+              </a:extLst>
+            </p:cNvPr>
+            <p:cNvGrpSpPr/>
+            <p:nvPr/>
+          </p:nvGrpSpPr>
+          <p:grpSpPr>
+            <a:xfrm>
+              <a:off x="499617" y="1849272"/>
+              <a:ext cx="11192767" cy="3159456"/>
+              <a:chOff x="711157" y="1849272"/>
+              <a:chExt cx="11192767" cy="3159456"/>
+            </a:xfrm>
+          </p:grpSpPr>
+          <p:pic>
+            <p:nvPicPr>
+              <p:cNvPr id="3" name="Picture 2">
+                <a:extLst>
+                  <a:ext uri="{FF2B5EF4-FFF2-40B4-BE49-F238E27FC236}">
+                    <a16:creationId xmlns:a16="http://schemas.microsoft.com/office/drawing/2014/main" id="{A45F35A0-DFAC-DE4C-5808-E7050484196C}"/>
+                  </a:ext>
+                </a:extLst>
+              </p:cNvPr>
+              <p:cNvPicPr>
+                <a:picLocks noChangeAspect="1"/>
+              </p:cNvPicPr>
+              <p:nvPr/>
+            </p:nvPicPr>
+            <p:blipFill rotWithShape="1">
+              <a:blip r:embed="rId2"/>
+              <a:srcRect l="15224" t="21081" r="15224" b="7641"/>
+              <a:stretch/>
+            </p:blipFill>
+            <p:spPr>
+              <a:xfrm>
+                <a:off x="711157" y="1849272"/>
+                <a:ext cx="5483450" cy="3159456"/>
+              </a:xfrm>
+              <a:prstGeom prst="roundRect">
+                <a:avLst>
+                  <a:gd name="adj" fmla="val 4656"/>
+                </a:avLst>
+              </a:prstGeom>
+              <a:ln>
+                <a:solidFill>
+                  <a:schemeClr val="tx1"/>
+                </a:solidFill>
+              </a:ln>
+            </p:spPr>
+          </p:pic>
+          <p:pic>
+            <p:nvPicPr>
+              <p:cNvPr id="4" name="Picture 3">
+                <a:extLst>
+                  <a:ext uri="{FF2B5EF4-FFF2-40B4-BE49-F238E27FC236}">
+                    <a16:creationId xmlns:a16="http://schemas.microsoft.com/office/drawing/2014/main" id="{2ECDAD4F-59DB-171A-4881-8DE5C5971C39}"/>
+                  </a:ext>
+                </a:extLst>
+              </p:cNvPr>
+              <p:cNvPicPr>
+                <a:picLocks noChangeAspect="1"/>
+              </p:cNvPicPr>
+              <p:nvPr/>
+            </p:nvPicPr>
+            <p:blipFill rotWithShape="1">
+              <a:blip r:embed="rId3"/>
+              <a:srcRect l="15224" t="21081" r="15224" b="7641"/>
+              <a:stretch/>
+            </p:blipFill>
+            <p:spPr>
+              <a:xfrm>
+                <a:off x="6420474" y="1849272"/>
+                <a:ext cx="5483450" cy="3159456"/>
+              </a:xfrm>
+              <a:prstGeom prst="roundRect">
+                <a:avLst>
+                  <a:gd name="adj" fmla="val 4097"/>
+                </a:avLst>
+              </a:prstGeom>
+              <a:ln>
+                <a:solidFill>
+                  <a:schemeClr val="tx1"/>
+                </a:solidFill>
+              </a:ln>
+            </p:spPr>
+          </p:pic>
+        </p:grpSp>
+        <p:sp>
+          <p:nvSpPr>
+            <p:cNvPr id="6" name="Rectangle 5">
+              <a:extLst>
+                <a:ext uri="{FF2B5EF4-FFF2-40B4-BE49-F238E27FC236}">
+                  <a16:creationId xmlns:a16="http://schemas.microsoft.com/office/drawing/2014/main" id="{EA181BEE-8DA9-F9E4-8213-384A39CE7370}"/>
+                </a:ext>
+              </a:extLst>
+            </p:cNvPr>
+            <p:cNvSpPr/>
+            <p:nvPr/>
+          </p:nvSpPr>
+          <p:spPr>
+            <a:xfrm>
+              <a:off x="354842" y="1692323"/>
+              <a:ext cx="11477767" cy="3473356"/>
+            </a:xfrm>
+            <a:prstGeom prst="rect">
+              <a:avLst/>
+            </a:prstGeom>
+            <a:noFill/>
+          </p:spPr>
+          <p:style>
+            <a:lnRef idx="2">
+              <a:schemeClr val="accent1">
+                <a:shade val="15000"/>
+              </a:schemeClr>
+            </a:lnRef>
+            <a:fillRef idx="1">
+              <a:schemeClr val="accent1"/>
+            </a:fillRef>
+            <a:effectRef idx="0">
+              <a:schemeClr val="accent1"/>
+            </a:effectRef>
+            <a:fontRef idx="minor">
+              <a:schemeClr val="lt1"/>
+            </a:fontRef>
+          </p:style>
+          <p:txBody>
+            <a:bodyPr rtlCol="0" anchor="ctr"/>
+            <a:lstStyle/>
+            <a:p>
+              <a:pPr algn="ctr"/>
+              <a:endParaRPr lang="en-IN"/>
+            </a:p>
+          </p:txBody>
+        </p:sp>
+      </p:grpSp>
+    </p:spTree>
+    <p:extLst>
+      <p:ext uri="{BB962C8B-B14F-4D97-AF65-F5344CB8AC3E}">
+        <p14:creationId xmlns:p14="http://schemas.microsoft.com/office/powerpoint/2010/main" val="1082740145"/>
+      </p:ext>
+    </p:extLst>
+  </p:cSld>
+  <p:clrMapOvr>
+    <a:masterClrMapping/>
+  </p:clrMapOvr>
+</p:sld>
+</file>
+
+<file path=ppt/slides/slide5.xml><?xml version="1.0" encoding="utf-8"?>
+<p:sld xmlns:a="http://schemas.openxmlformats.org/drawingml/2006/main" xmlns:r="http://schemas.openxmlformats.org/officeDocument/2006/relationships" xmlns:p="http://schemas.openxmlformats.org/presentationml/2006/main">
+  <p:cSld>
+    <p:spTree>
+      <p:nvGrpSpPr>
+        <p:cNvPr id="1" name=""/>
+        <p:cNvGrpSpPr/>
+        <p:nvPr/>
+      </p:nvGrpSpPr>
+      <p:grpSpPr>
+        <a:xfrm>
+          <a:off x="0" y="0"/>
+          <a:ext cx="0" cy="0"/>
+          <a:chOff x="0" y="0"/>
+          <a:chExt cx="0" cy="0"/>
+        </a:xfrm>
+      </p:grpSpPr>
+      <p:pic>
+        <p:nvPicPr>
+          <p:cNvPr id="4" name="Picture 3">
+            <a:extLst>
+              <a:ext uri="{FF2B5EF4-FFF2-40B4-BE49-F238E27FC236}">
+                <a16:creationId xmlns:a16="http://schemas.microsoft.com/office/drawing/2014/main" id="{462F7027-8E5C-F7D1-C194-1C34D7F2C112}"/>
+              </a:ext>
+            </a:extLst>
+          </p:cNvPr>
+          <p:cNvPicPr>
+            <a:picLocks noChangeAspect="1"/>
+          </p:cNvPicPr>
+          <p:nvPr/>
+        </p:nvPicPr>
+        <p:blipFill rotWithShape="1">
+          <a:blip r:embed="rId2"/>
+          <a:srcRect l="15224" t="21081" r="15224" b="7641"/>
+          <a:stretch/>
+        </p:blipFill>
+        <p:spPr>
+          <a:xfrm>
+            <a:off x="-1" y="0"/>
+            <a:ext cx="11902524" cy="6858000"/>
+          </a:xfrm>
+          <a:prstGeom prst="roundRect">
+            <a:avLst>
+              <a:gd name="adj" fmla="val 4656"/>
+            </a:avLst>
+          </a:prstGeom>
+          <a:ln>
+            <a:solidFill>
+              <a:schemeClr val="tx1"/>
+            </a:solidFill>
+          </a:ln>
+        </p:spPr>
+      </p:pic>
+    </p:spTree>
+    <p:extLst>
+      <p:ext uri="{BB962C8B-B14F-4D97-AF65-F5344CB8AC3E}">
+        <p14:creationId xmlns:p14="http://schemas.microsoft.com/office/powerpoint/2010/main" val="1725189208"/>
+      </p:ext>
+    </p:extLst>
+  </p:cSld>
+  <p:clrMapOvr>
+    <a:masterClrMapping/>
+  </p:clrMapOvr>
+</p:sld>
+</file>
+
+<file path=ppt/slides/slide6.xml><?xml version="1.0" encoding="utf-8"?>
+<p:sld xmlns:a="http://schemas.openxmlformats.org/drawingml/2006/main" xmlns:r="http://schemas.openxmlformats.org/officeDocument/2006/relationships" xmlns:p="http://schemas.openxmlformats.org/presentationml/2006/main">
+  <p:cSld>
+    <p:spTree>
+      <p:nvGrpSpPr>
+        <p:cNvPr id="1" name=""/>
+        <p:cNvGrpSpPr/>
+        <p:nvPr/>
+      </p:nvGrpSpPr>
+      <p:grpSpPr>
+        <a:xfrm>
+          <a:off x="0" y="0"/>
+          <a:ext cx="0" cy="0"/>
+          <a:chOff x="0" y="0"/>
+          <a:chExt cx="0" cy="0"/>
+        </a:xfrm>
+      </p:grpSpPr>
+      <p:pic>
+        <p:nvPicPr>
+          <p:cNvPr id="3" name="Picture 2">
+            <a:extLst>
+              <a:ext uri="{FF2B5EF4-FFF2-40B4-BE49-F238E27FC236}">
+                <a16:creationId xmlns:a16="http://schemas.microsoft.com/office/drawing/2014/main" id="{AD73CB6A-4D29-2356-E6B2-32DA3BDD7EB3}"/>
+              </a:ext>
+            </a:extLst>
+          </p:cNvPr>
+          <p:cNvPicPr>
+            <a:picLocks noChangeAspect="1"/>
+          </p:cNvPicPr>
+          <p:nvPr/>
+        </p:nvPicPr>
+        <p:blipFill rotWithShape="1">
+          <a:blip r:embed="rId2"/>
+          <a:srcRect l="26389" t="23634" r="32619" b="17215"/>
+          <a:stretch/>
+        </p:blipFill>
+        <p:spPr>
+          <a:xfrm>
+            <a:off x="1869367" y="0"/>
+            <a:ext cx="8453267" cy="6858000"/>
+          </a:xfrm>
+          <a:prstGeom prst="roundRect">
+            <a:avLst>
+              <a:gd name="adj" fmla="val 4097"/>
+            </a:avLst>
+          </a:prstGeom>
+          <a:ln>
+            <a:solidFill>
+              <a:schemeClr val="tx1"/>
+            </a:solidFill>
+          </a:ln>
+        </p:spPr>
+      </p:pic>
+    </p:spTree>
+    <p:extLst>
+      <p:ext uri="{BB962C8B-B14F-4D97-AF65-F5344CB8AC3E}">
+        <p14:creationId xmlns:p14="http://schemas.microsoft.com/office/powerpoint/2010/main" val="2516899869"/>
+      </p:ext>
+    </p:extLst>
+  </p:cSld>
+  <p:clrMapOvr>
+    <a:masterClrMapping/>
+  </p:clrMapOvr>
+</p:sld>
+</file>
+
+<file path=ppt/slides/slide7.xml><?xml version="1.0" encoding="utf-8"?>
+<p:sld xmlns:a="http://schemas.openxmlformats.org/drawingml/2006/main" xmlns:r="http://schemas.openxmlformats.org/officeDocument/2006/relationships" xmlns:p="http://schemas.openxmlformats.org/presentationml/2006/main">
+  <p:cSld>
+    <p:spTree>
+      <p:nvGrpSpPr>
+        <p:cNvPr id="1" name=""/>
+        <p:cNvGrpSpPr/>
+        <p:nvPr/>
+      </p:nvGrpSpPr>
+      <p:grpSpPr>
+        <a:xfrm>
+          <a:off x="0" y="0"/>
+          <a:ext cx="0" cy="0"/>
+          <a:chOff x="0" y="0"/>
+          <a:chExt cx="0" cy="0"/>
+        </a:xfrm>
+      </p:grpSpPr>
+      <p:pic>
+        <p:nvPicPr>
+          <p:cNvPr id="3" name="Picture 2">
+            <a:extLst>
+              <a:ext uri="{FF2B5EF4-FFF2-40B4-BE49-F238E27FC236}">
+                <a16:creationId xmlns:a16="http://schemas.microsoft.com/office/drawing/2014/main" id="{7A525701-B411-B6E5-53B1-525A7AB26C1A}"/>
+              </a:ext>
+            </a:extLst>
+          </p:cNvPr>
+          <p:cNvPicPr>
+            <a:picLocks noChangeAspect="1"/>
+          </p:cNvPicPr>
+          <p:nvPr/>
+        </p:nvPicPr>
+        <p:blipFill rotWithShape="1">
+          <a:blip r:embed="rId2"/>
+          <a:srcRect l="26389" t="23633" r="32619" b="17216"/>
+          <a:stretch/>
+        </p:blipFill>
+        <p:spPr>
+          <a:xfrm>
+            <a:off x="1851547" y="-1"/>
+            <a:ext cx="8488907" cy="6886915"/>
+          </a:xfrm>
+          <a:prstGeom prst="roundRect">
+            <a:avLst>
+              <a:gd name="adj" fmla="val 4656"/>
+            </a:avLst>
+          </a:prstGeom>
+          <a:ln>
+            <a:solidFill>
+              <a:schemeClr val="tx1"/>
+            </a:solidFill>
+          </a:ln>
+        </p:spPr>
+      </p:pic>
+    </p:spTree>
+    <p:extLst>
+      <p:ext uri="{BB962C8B-B14F-4D97-AF65-F5344CB8AC3E}">
+        <p14:creationId xmlns:p14="http://schemas.microsoft.com/office/powerpoint/2010/main" val="3746485358"/>
+      </p:ext>
+    </p:extLst>
+  </p:cSld>
+  <p:clrMapOvr>
+    <a:masterClrMapping/>
+  </p:clrMapOvr>
+</p:sld>
+</file>
+
+<file path=ppt/slides/slide8.xml><?xml version="1.0" encoding="utf-8"?>
+<p:sld xmlns:a="http://schemas.openxmlformats.org/drawingml/2006/main" xmlns:r="http://schemas.openxmlformats.org/officeDocument/2006/relationships" xmlns:p="http://schemas.openxmlformats.org/presentationml/2006/main">
+  <p:cSld>
+    <p:spTree>
+      <p:nvGrpSpPr>
+        <p:cNvPr id="1" name=""/>
+        <p:cNvGrpSpPr/>
+        <p:nvPr/>
+      </p:nvGrpSpPr>
+      <p:grpSpPr>
+        <a:xfrm>
+          <a:off x="0" y="0"/>
+          <a:ext cx="0" cy="0"/>
+          <a:chOff x="0" y="0"/>
+          <a:chExt cx="0" cy="0"/>
+        </a:xfrm>
+      </p:grpSpPr>
+      <p:pic>
+        <p:nvPicPr>
+          <p:cNvPr id="2" name="Picture 1">
+            <a:extLst>
+              <a:ext uri="{FF2B5EF4-FFF2-40B4-BE49-F238E27FC236}">
+                <a16:creationId xmlns:a16="http://schemas.microsoft.com/office/drawing/2014/main" id="{2580B9ED-E4B4-E0E3-E84C-D71335D1906F}"/>
+              </a:ext>
+            </a:extLst>
+          </p:cNvPr>
+          <p:cNvPicPr>
+            <a:picLocks noChangeAspect="1"/>
+          </p:cNvPicPr>
+          <p:nvPr/>
+        </p:nvPicPr>
+        <p:blipFill rotWithShape="1">
+          <a:blip r:embed="rId2"/>
+          <a:srcRect l="15224" t="21081" r="15224" b="7641"/>
+          <a:stretch/>
+        </p:blipFill>
+        <p:spPr>
+          <a:xfrm>
+            <a:off x="0" y="0"/>
+            <a:ext cx="11902524" cy="6858000"/>
+          </a:xfrm>
+          <a:prstGeom prst="roundRect">
+            <a:avLst>
+              <a:gd name="adj" fmla="val 4097"/>
+            </a:avLst>
+          </a:prstGeom>
+          <a:ln>
+            <a:solidFill>
+              <a:schemeClr val="tx1"/>
+            </a:solidFill>
+          </a:ln>
+        </p:spPr>
+      </p:pic>
+    </p:spTree>
+    <p:extLst>
+      <p:ext uri="{BB962C8B-B14F-4D97-AF65-F5344CB8AC3E}">
+        <p14:creationId xmlns:p14="http://schemas.microsoft.com/office/powerpoint/2010/main" val="585495866"/>
       </p:ext>
     </p:extLst>
   </p:cSld>

--- a/SRS.pptx
+++ b/SRS.pptx
@@ -10,9 +10,7 @@
     <p:sldId id="258" r:id="rId4"/>
     <p:sldId id="260" r:id="rId5"/>
     <p:sldId id="261" r:id="rId6"/>
-    <p:sldId id="263" r:id="rId7"/>
-    <p:sldId id="264" r:id="rId8"/>
-    <p:sldId id="262" r:id="rId9"/>
+    <p:sldId id="262" r:id="rId7"/>
   </p:sldIdLst>
   <p:sldSz cx="12192000" cy="6858000"/>
   <p:notesSz cx="6858000" cy="9144000"/>
@@ -119,6 +117,90 @@
 </p:presentation>
 </file>
 
+<file path=ppt/ink/ink1.xml><?xml version="1.0" encoding="utf-8"?>
+<inkml:ink xmlns:inkml="http://www.w3.org/2003/InkML">
+  <inkml:definitions>
+    <inkml:context xml:id="ctx0">
+      <inkml:inkSource xml:id="inkSrc0">
+        <inkml:traceFormat>
+          <inkml:channel name="X" type="integer" min="-2.14748E9" max="2.14748E9" units="cm"/>
+          <inkml:channel name="Y" type="integer" min="-2.14748E9" max="2.14748E9" units="cm"/>
+          <inkml:channel name="F" type="integer" max="32767" units="dev"/>
+        </inkml:traceFormat>
+        <inkml:channelProperties>
+          <inkml:channelProperty channel="X" name="resolution" value="1000" units="1/cm"/>
+          <inkml:channelProperty channel="Y" name="resolution" value="1000" units="1/cm"/>
+          <inkml:channelProperty channel="F" name="resolution" value="0" units="1/dev"/>
+        </inkml:channelProperties>
+      </inkml:inkSource>
+      <inkml:timestamp xml:id="ts0" timeString="2024-03-22T04:10:50.079"/>
+    </inkml:context>
+    <inkml:brush xml:id="br0">
+      <inkml:brushProperty name="width" value="0.035" units="cm"/>
+      <inkml:brushProperty name="height" value="0.035" units="cm"/>
+      <inkml:brushProperty name="color" value="#FFFFFF"/>
+    </inkml:brush>
+  </inkml:definitions>
+  <inkml:trace contextRef="#ctx0" brushRef="#br0">0 1 24575,'0'0'-8191</inkml:trace>
+</inkml:ink>
+</file>
+
+<file path=ppt/ink/ink2.xml><?xml version="1.0" encoding="utf-8"?>
+<inkml:ink xmlns:inkml="http://www.w3.org/2003/InkML">
+  <inkml:definitions>
+    <inkml:context xml:id="ctx0">
+      <inkml:inkSource xml:id="inkSrc0">
+        <inkml:traceFormat>
+          <inkml:channel name="X" type="integer" min="-2.14748E9" max="2.14748E9" units="cm"/>
+          <inkml:channel name="Y" type="integer" min="-2.14748E9" max="2.14748E9" units="cm"/>
+          <inkml:channel name="F" type="integer" max="32767" units="dev"/>
+        </inkml:traceFormat>
+        <inkml:channelProperties>
+          <inkml:channelProperty channel="X" name="resolution" value="1000" units="1/cm"/>
+          <inkml:channelProperty channel="Y" name="resolution" value="1000" units="1/cm"/>
+          <inkml:channelProperty channel="F" name="resolution" value="0" units="1/dev"/>
+        </inkml:channelProperties>
+      </inkml:inkSource>
+      <inkml:timestamp xml:id="ts0" timeString="2024-03-22T04:11:19.300"/>
+    </inkml:context>
+    <inkml:brush xml:id="br0">
+      <inkml:brushProperty name="width" value="0.035" units="cm"/>
+      <inkml:brushProperty name="height" value="0.035" units="cm"/>
+      <inkml:brushProperty name="color" value="#E71224"/>
+    </inkml:brush>
+  </inkml:definitions>
+  <inkml:trace contextRef="#ctx0" brushRef="#br0">4403 689 24575,'-14'-11'0,"0"0"0,0 0 0,-19-9 0,-33-24 0,13 2 0,-2 2 0,-62-34 0,77 48 0,-65-56 0,-4-3 0,68 61 0,0 3 0,-2 1 0,-1 3 0,-55-16 0,49 17 0,-141-61 0,190 76 0,-18-6 0,-1 1 0,1 0 0,-1 1 0,0 2 0,0 0 0,-23 0 0,-130 5 0,80 1 0,-22 0 0,-123 18 0,182-10 0,0 2 0,-61 24 0,-54 14 0,-236 41 0,46 15 0,61-15 0,177-59 0,0 6 0,3 5 0,-126 65 0,127-53 0,68-34 0,2 1 0,-58 39 0,101-57 0,0 0 0,0 1 0,1 0 0,0 0 0,0 0 0,0 1 0,1 0 0,0-1 0,1 2 0,-1-1 0,-3 14 0,-12 20 0,15-39 0,1-12 0,2-12 0,5-354 0,-2 425 0,2 1 0,3-2 0,1 1 0,3-1 0,27 79 0,-36-124 0,0 1 0,0-1 0,0 0 0,1 0 0,-1 0 0,1 0 0,-1 0 0,1-1 0,0 1 0,0-1 0,0 1 0,1-1 0,-1 0 0,0-1 0,1 1 0,-1 0 0,1-1 0,5 2 0,10 2 0,0 0 0,26 2 0,-32-5 0,101 9 0,-64-7 0,76 15 0,-97-12 0,59 11 0,-79-17 0,0 0 0,0 0 0,0-1 0,0 0 0,-1-1 0,1 0 0,15-4 0,-23 5 0,1 0 0,-1-1 0,0 1 0,1-1 0,-1 1 0,0-1 0,0 1 0,1-1 0,-1 0 0,0 1 0,0-1 0,0 0 0,0 0 0,0 0 0,0 0 0,0 0 0,0 0 0,0 0 0,-1 0 0,1-1 0,0 1 0,-1 0 0,1 0 0,-1-1 0,1-1 0,-1 0 0,0 1 0,0 0 0,0-1 0,-1 1 0,1 0 0,-1-1 0,0 1 0,0 0 0,0 0 0,0-1 0,0 1 0,0 0 0,-3-3 0,-6-8 0,-1 1 0,-1 0 0,-18-15 0,22 19 0,-77-55 0,65 49 0,0 0 0,1-1 0,1-1 0,-21-21 0,-9-17 0,-79-68 0,106 107-151,-1 1-1,0 1 0,-1 1 0,-1 1 1,0 1-1,0 1 0,-1 1 1,-39-7-1,44 11-6674</inkml:trace>
+</inkml:ink>
+</file>
+
+<file path=ppt/ink/ink3.xml><?xml version="1.0" encoding="utf-8"?>
+<inkml:ink xmlns:inkml="http://www.w3.org/2003/InkML">
+  <inkml:definitions>
+    <inkml:context xml:id="ctx0">
+      <inkml:inkSource xml:id="inkSrc0">
+        <inkml:traceFormat>
+          <inkml:channel name="X" type="integer" min="-2.14748E9" max="2.14748E9" units="cm"/>
+          <inkml:channel name="Y" type="integer" min="-2.14748E9" max="2.14748E9" units="cm"/>
+          <inkml:channel name="F" type="integer" max="32767" units="dev"/>
+        </inkml:traceFormat>
+        <inkml:channelProperties>
+          <inkml:channelProperty channel="X" name="resolution" value="1000" units="1/cm"/>
+          <inkml:channelProperty channel="Y" name="resolution" value="1000" units="1/cm"/>
+          <inkml:channelProperty channel="F" name="resolution" value="0" units="1/dev"/>
+        </inkml:channelProperties>
+      </inkml:inkSource>
+      <inkml:timestamp xml:id="ts0" timeString="2024-03-22T04:11:31.151"/>
+    </inkml:context>
+    <inkml:brush xml:id="br0">
+      <inkml:brushProperty name="width" value="0.035" units="cm"/>
+      <inkml:brushProperty name="height" value="0.035" units="cm"/>
+      <inkml:brushProperty name="color" value="#E71224"/>
+    </inkml:brush>
+  </inkml:definitions>
+  <inkml:trace contextRef="#ctx0" brushRef="#br0">0 1142 24575,'29'-30'0,"-2"-2"0,28-42 0,-30 38 0,55-59 0,-13 26 0,-30 29 0,2 1 0,2 2 0,1 2 0,85-55 0,-95 71 0,1 2 0,1 1 0,1 1 0,0 2 0,64-14 0,-23 13 0,0 2 0,87 0 0,-104 8 0,64-11 0,-65 6 0,71-1 0,48 13 0,137-5 0,-196-16 0,21-1 0,-109 16 0,-1-2 0,0 0 0,0-2 0,0-1 0,54-24 0,-82 32 0,0-1 0,0 1 0,0 0 0,-1 0 0,1-1 0,0 1 0,0 0 0,0-1 0,0 1 0,-1-1 0,1 1 0,0-1 0,-1 1 0,1-1 0,0 1 0,-1-1 0,1 0 0,-1 0 0,1 1 0,-1-1 0,1 0 0,-1 0 0,1 1 0,-1-1 0,0 0 0,1 0 0,-1 0 0,0 0 0,0 1 0,0-1 0,0 0 0,0 0 0,0 0 0,0 0 0,0 0 0,0 0 0,0 0 0,0 1 0,0-1 0,-1 0 0,1 0 0,0 0 0,-1 0 0,1 1 0,0-1 0,-1 0 0,1 0 0,-1 1 0,0-1 0,1 0 0,-2 0 0,-4-6 0,-1 1 0,0 1 0,0-1 0,-10-5 0,5 3 0,-58-49 0,52 40 0,-1 2 0,-1 0 0,0 1 0,-1 1 0,-36-17 0,28 15 0,-23-10 0,50 24 0,0 1 0,0-1 0,0 0 0,-1 0 0,1 1 0,0 0 0,-1-1 0,1 1 0,0 0 0,-1 0 0,1 0 0,0 0 0,0 0 0,-1 1 0,1-1 0,0 1 0,-3 1 0,3-1 0,1 0 0,-1 0 0,1 0 0,0 0 0,-1 1 0,1-1 0,0 1 0,0-1 0,0 1 0,0-1 0,0 1 0,0 0 0,0-1 0,1 1 0,-1 0 0,0 0 0,0 3 0,1 46 0,7 8 0,2-1 0,3 0 0,2-1 0,3-1 0,34 78 0,-46-124 0,0 0 0,0-1 0,1 1 0,1-1 0,-1-1 0,2 1 0,13 13 0,-19-21 0,0 1 0,0-1 0,0 1 0,1-1 0,-1 0 0,0 0 0,1 0 0,-1 0 0,1 0 0,-1 0 0,1-1 0,-1 0 0,1 1 0,-1-1 0,1 0 0,0 0 0,-1 0 0,1 0 0,-1-1 0,1 1 0,-1-1 0,1 1 0,-1-1 0,1 0 0,-1 0 0,0 0 0,1 0 0,-1-1 0,0 1 0,0-1 0,0 1 0,0-1 0,0 0 0,0 0 0,0 1 0,-1-1 0,3-3 0,34-40-682,36-52-1,-44 51-6143</inkml:trace>
+</inkml:ink>
+</file>
+
 <file path=ppt/slideLayouts/slideLayout1.xml><?xml version="1.0" encoding="utf-8"?>
 <p:sldLayout xmlns:a="http://schemas.openxmlformats.org/drawingml/2006/main" xmlns:r="http://schemas.openxmlformats.org/officeDocument/2006/relationships" xmlns:p="http://schemas.openxmlformats.org/presentationml/2006/main" type="title" preserve="1">
   <p:cSld name="Title Slide">
@@ -268,7 +350,7 @@
           <a:p>
             <a:fld id="{B0AAE9EB-4E09-49F4-B23B-25A5BA76B78B}" type="datetimeFigureOut">
               <a:rPr lang="en-IN" smtClean="0"/>
-              <a:t>20-03-2024</a:t>
+              <a:t>25-03-2024</a:t>
             </a:fld>
             <a:endParaRPr lang="en-IN"/>
           </a:p>
@@ -468,7 +550,7 @@
           <a:p>
             <a:fld id="{B0AAE9EB-4E09-49F4-B23B-25A5BA76B78B}" type="datetimeFigureOut">
               <a:rPr lang="en-IN" smtClean="0"/>
-              <a:t>20-03-2024</a:t>
+              <a:t>25-03-2024</a:t>
             </a:fld>
             <a:endParaRPr lang="en-IN"/>
           </a:p>
@@ -678,7 +760,7 @@
           <a:p>
             <a:fld id="{B0AAE9EB-4E09-49F4-B23B-25A5BA76B78B}" type="datetimeFigureOut">
               <a:rPr lang="en-IN" smtClean="0"/>
-              <a:t>20-03-2024</a:t>
+              <a:t>25-03-2024</a:t>
             </a:fld>
             <a:endParaRPr lang="en-IN"/>
           </a:p>
@@ -878,7 +960,7 @@
           <a:p>
             <a:fld id="{B0AAE9EB-4E09-49F4-B23B-25A5BA76B78B}" type="datetimeFigureOut">
               <a:rPr lang="en-IN" smtClean="0"/>
-              <a:t>20-03-2024</a:t>
+              <a:t>25-03-2024</a:t>
             </a:fld>
             <a:endParaRPr lang="en-IN"/>
           </a:p>
@@ -1154,7 +1236,7 @@
           <a:p>
             <a:fld id="{B0AAE9EB-4E09-49F4-B23B-25A5BA76B78B}" type="datetimeFigureOut">
               <a:rPr lang="en-IN" smtClean="0"/>
-              <a:t>20-03-2024</a:t>
+              <a:t>25-03-2024</a:t>
             </a:fld>
             <a:endParaRPr lang="en-IN"/>
           </a:p>
@@ -1422,7 +1504,7 @@
           <a:p>
             <a:fld id="{B0AAE9EB-4E09-49F4-B23B-25A5BA76B78B}" type="datetimeFigureOut">
               <a:rPr lang="en-IN" smtClean="0"/>
-              <a:t>20-03-2024</a:t>
+              <a:t>25-03-2024</a:t>
             </a:fld>
             <a:endParaRPr lang="en-IN"/>
           </a:p>
@@ -1837,7 +1919,7 @@
           <a:p>
             <a:fld id="{B0AAE9EB-4E09-49F4-B23B-25A5BA76B78B}" type="datetimeFigureOut">
               <a:rPr lang="en-IN" smtClean="0"/>
-              <a:t>20-03-2024</a:t>
+              <a:t>25-03-2024</a:t>
             </a:fld>
             <a:endParaRPr lang="en-IN"/>
           </a:p>
@@ -1979,7 +2061,7 @@
           <a:p>
             <a:fld id="{B0AAE9EB-4E09-49F4-B23B-25A5BA76B78B}" type="datetimeFigureOut">
               <a:rPr lang="en-IN" smtClean="0"/>
-              <a:t>20-03-2024</a:t>
+              <a:t>25-03-2024</a:t>
             </a:fld>
             <a:endParaRPr lang="en-IN"/>
           </a:p>
@@ -2092,7 +2174,7 @@
           <a:p>
             <a:fld id="{B0AAE9EB-4E09-49F4-B23B-25A5BA76B78B}" type="datetimeFigureOut">
               <a:rPr lang="en-IN" smtClean="0"/>
-              <a:t>20-03-2024</a:t>
+              <a:t>25-03-2024</a:t>
             </a:fld>
             <a:endParaRPr lang="en-IN"/>
           </a:p>
@@ -2405,7 +2487,7 @@
           <a:p>
             <a:fld id="{B0AAE9EB-4E09-49F4-B23B-25A5BA76B78B}" type="datetimeFigureOut">
               <a:rPr lang="en-IN" smtClean="0"/>
-              <a:t>20-03-2024</a:t>
+              <a:t>25-03-2024</a:t>
             </a:fld>
             <a:endParaRPr lang="en-IN"/>
           </a:p>
@@ -2694,7 +2776,7 @@
           <a:p>
             <a:fld id="{B0AAE9EB-4E09-49F4-B23B-25A5BA76B78B}" type="datetimeFigureOut">
               <a:rPr lang="en-IN" smtClean="0"/>
-              <a:t>20-03-2024</a:t>
+              <a:t>25-03-2024</a:t>
             </a:fld>
             <a:endParaRPr lang="en-IN"/>
           </a:p>
@@ -2937,7 +3019,7 @@
           <a:p>
             <a:fld id="{B0AAE9EB-4E09-49F4-B23B-25A5BA76B78B}" type="datetimeFigureOut">
               <a:rPr lang="en-IN" smtClean="0"/>
-              <a:t>20-03-2024</a:t>
+              <a:t>25-03-2024</a:t>
             </a:fld>
             <a:endParaRPr lang="en-IN"/>
           </a:p>
@@ -4521,255 +4603,12 @@
           <a:chExt cx="0" cy="0"/>
         </a:xfrm>
       </p:grpSpPr>
-      <p:pic>
-        <p:nvPicPr>
-          <p:cNvPr id="2" name="Picture 1">
-            <a:extLst>
-              <a:ext uri="{FF2B5EF4-FFF2-40B4-BE49-F238E27FC236}">
-                <a16:creationId xmlns:a16="http://schemas.microsoft.com/office/drawing/2014/main" id="{85787502-0861-225F-4519-F1162694FA2F}"/>
-              </a:ext>
-            </a:extLst>
-          </p:cNvPr>
-          <p:cNvPicPr>
-            <a:picLocks noChangeAspect="1"/>
-          </p:cNvPicPr>
-          <p:nvPr/>
-        </p:nvPicPr>
-        <p:blipFill rotWithShape="1">
-          <a:blip r:embed="rId2"/>
-          <a:srcRect l="11642" t="18691" r="5634" b="16003"/>
-          <a:stretch/>
-        </p:blipFill>
-        <p:spPr>
-          <a:xfrm>
-            <a:off x="1053151" y="492713"/>
-            <a:ext cx="10085697" cy="4476465"/>
-          </a:xfrm>
-          <a:prstGeom prst="roundRect">
-            <a:avLst>
-              <a:gd name="adj" fmla="val 8435"/>
-            </a:avLst>
-          </a:prstGeom>
-        </p:spPr>
-      </p:pic>
-      <p:sp>
-        <p:nvSpPr>
-          <p:cNvPr id="4" name="TextBox 3">
-            <a:extLst>
-              <a:ext uri="{FF2B5EF4-FFF2-40B4-BE49-F238E27FC236}">
-                <a16:creationId xmlns:a16="http://schemas.microsoft.com/office/drawing/2014/main" id="{1E7C3AE1-A0AC-F256-AA36-555D0E9E94CB}"/>
-              </a:ext>
-            </a:extLst>
-          </p:cNvPr>
-          <p:cNvSpPr txBox="1"/>
-          <p:nvPr/>
-        </p:nvSpPr>
-        <p:spPr>
-          <a:xfrm>
-            <a:off x="1977063" y="5250429"/>
-            <a:ext cx="3416320" cy="1200329"/>
-          </a:xfrm>
-          <a:prstGeom prst="rect">
-            <a:avLst/>
-          </a:prstGeom>
-          <a:noFill/>
-        </p:spPr>
-        <p:txBody>
-          <a:bodyPr wrap="none" rtlCol="0">
-            <a:spAutoFit/>
-          </a:bodyPr>
-          <a:lstStyle/>
-          <a:p>
-            <a:pPr marL="285750" indent="-285750">
-              <a:buFont typeface="Arial" panose="020B0604020202020204" pitchFamily="34" charset="0"/>
-              <a:buChar char="•"/>
-            </a:pPr>
-            <a:r>
-              <a:rPr lang="en-US" dirty="0">
-                <a:latin typeface="Abadi" panose="020B0604020104020204" pitchFamily="34" charset="0"/>
-              </a:rPr>
-              <a:t>It is a Billboard</a:t>
-            </a:r>
-          </a:p>
-          <a:p>
-            <a:pPr marL="285750" indent="-285750">
-              <a:buFont typeface="Arial" panose="020B0604020202020204" pitchFamily="34" charset="0"/>
-              <a:buChar char="•"/>
-            </a:pPr>
-            <a:r>
-              <a:rPr lang="en-US" dirty="0">
-                <a:latin typeface="Abadi" panose="020B0604020104020204" pitchFamily="34" charset="0"/>
-              </a:rPr>
-              <a:t>Always faces the camera </a:t>
-            </a:r>
-          </a:p>
-          <a:p>
-            <a:pPr marL="285750" indent="-285750">
-              <a:buFont typeface="Arial" panose="020B0604020202020204" pitchFamily="34" charset="0"/>
-              <a:buChar char="•"/>
-            </a:pPr>
-            <a:r>
-              <a:rPr lang="en-US" dirty="0">
-                <a:latin typeface="Abadi" panose="020B0604020104020204" pitchFamily="34" charset="0"/>
-              </a:rPr>
-              <a:t>Destroyed after </a:t>
-            </a:r>
-            <a:r>
-              <a:rPr lang="en-US" dirty="0" err="1">
-                <a:latin typeface="Abadi" panose="020B0604020104020204" pitchFamily="34" charset="0"/>
-              </a:rPr>
-              <a:t>OnTriggerExit</a:t>
-            </a:r>
-            <a:endParaRPr lang="en-US" dirty="0">
-              <a:latin typeface="Abadi" panose="020B0604020104020204" pitchFamily="34" charset="0"/>
-            </a:endParaRPr>
-          </a:p>
-          <a:p>
-            <a:pPr marL="285750" indent="-285750">
-              <a:buFont typeface="Arial" panose="020B0604020202020204" pitchFamily="34" charset="0"/>
-              <a:buChar char="•"/>
-            </a:pPr>
-            <a:endParaRPr lang="en-IN" dirty="0">
-              <a:latin typeface="Abadi" panose="020B0604020104020204" pitchFamily="34" charset="0"/>
-            </a:endParaRPr>
-          </a:p>
-        </p:txBody>
-      </p:sp>
-      <p:sp>
-        <p:nvSpPr>
-          <p:cNvPr id="5" name="TextBox 4">
-            <a:extLst>
-              <a:ext uri="{FF2B5EF4-FFF2-40B4-BE49-F238E27FC236}">
-                <a16:creationId xmlns:a16="http://schemas.microsoft.com/office/drawing/2014/main" id="{D2C308B0-EF8A-B0B7-BD7C-C7EEAAC1F60B}"/>
-              </a:ext>
-            </a:extLst>
-          </p:cNvPr>
-          <p:cNvSpPr txBox="1"/>
-          <p:nvPr/>
-        </p:nvSpPr>
-        <p:spPr>
-          <a:xfrm>
-            <a:off x="7291684" y="2077217"/>
-            <a:ext cx="3013933" cy="1077218"/>
-          </a:xfrm>
-          <a:prstGeom prst="rect">
-            <a:avLst/>
-          </a:prstGeom>
-          <a:noFill/>
-        </p:spPr>
-        <p:txBody>
-          <a:bodyPr wrap="square" rtlCol="0">
-            <a:spAutoFit/>
-          </a:bodyPr>
-          <a:lstStyle/>
-          <a:p>
-            <a:pPr algn="r"/>
-            <a:r>
-              <a:rPr lang="en-US" sz="1600" dirty="0">
-                <a:solidFill>
-                  <a:schemeClr val="bg1"/>
-                </a:solidFill>
-                <a:latin typeface="Abadi" panose="020B0604020104020204" pitchFamily="34" charset="0"/>
-              </a:rPr>
-              <a:t>The </a:t>
-            </a:r>
-            <a:r>
-              <a:rPr lang="en-US" sz="1600" dirty="0" err="1">
-                <a:solidFill>
-                  <a:schemeClr val="bg1"/>
-                </a:solidFill>
-                <a:latin typeface="Abadi" panose="020B0604020104020204" pitchFamily="34" charset="0"/>
-              </a:rPr>
-              <a:t>MessageBox</a:t>
-            </a:r>
-            <a:r>
-              <a:rPr lang="en-US" sz="1600" dirty="0">
-                <a:solidFill>
-                  <a:schemeClr val="bg1"/>
-                </a:solidFill>
-                <a:latin typeface="Abadi" panose="020B0604020104020204" pitchFamily="34" charset="0"/>
-              </a:rPr>
-              <a:t> is placed above the object prefab and destroyed if player exits the collider</a:t>
-            </a:r>
-            <a:endParaRPr lang="en-IN" sz="1600" dirty="0">
-              <a:solidFill>
-                <a:schemeClr val="bg1"/>
-              </a:solidFill>
-              <a:latin typeface="Abadi" panose="020B0604020104020204" pitchFamily="34" charset="0"/>
-            </a:endParaRPr>
-          </a:p>
-        </p:txBody>
-      </p:sp>
-      <p:sp>
-        <p:nvSpPr>
-          <p:cNvPr id="6" name="TextBox 5">
-            <a:extLst>
-              <a:ext uri="{FF2B5EF4-FFF2-40B4-BE49-F238E27FC236}">
-                <a16:creationId xmlns:a16="http://schemas.microsoft.com/office/drawing/2014/main" id="{146D2090-867D-A62A-E2A9-268BCB13C32E}"/>
-              </a:ext>
-            </a:extLst>
-          </p:cNvPr>
-          <p:cNvSpPr txBox="1"/>
-          <p:nvPr/>
-        </p:nvSpPr>
-        <p:spPr>
-          <a:xfrm>
-            <a:off x="1112590" y="2077217"/>
-            <a:ext cx="2941931" cy="923330"/>
-          </a:xfrm>
-          <a:prstGeom prst="rect">
-            <a:avLst/>
-          </a:prstGeom>
-          <a:noFill/>
-        </p:spPr>
-        <p:txBody>
-          <a:bodyPr wrap="square" rtlCol="0">
-            <a:spAutoFit/>
-          </a:bodyPr>
-          <a:lstStyle/>
-          <a:p>
-            <a:r>
-              <a:rPr lang="en-US" dirty="0">
-                <a:solidFill>
-                  <a:schemeClr val="bg1"/>
-                </a:solidFill>
-                <a:latin typeface="Abadi" panose="020B0604020104020204" pitchFamily="34" charset="0"/>
-              </a:rPr>
-              <a:t>The </a:t>
-            </a:r>
-            <a:r>
-              <a:rPr lang="en-US" dirty="0" err="1">
-                <a:solidFill>
-                  <a:schemeClr val="bg1"/>
-                </a:solidFill>
-                <a:latin typeface="Abadi" panose="020B0604020104020204" pitchFamily="34" charset="0"/>
-              </a:rPr>
-              <a:t>MessageBox</a:t>
-            </a:r>
-            <a:r>
-              <a:rPr lang="en-US" dirty="0">
-                <a:solidFill>
-                  <a:schemeClr val="bg1"/>
-                </a:solidFill>
-                <a:latin typeface="Abadi" panose="020B0604020104020204" pitchFamily="34" charset="0"/>
-              </a:rPr>
-              <a:t> has to be a billboard so it always faces the player(camera)</a:t>
-            </a:r>
-            <a:endParaRPr lang="en-IN" dirty="0">
-              <a:solidFill>
-                <a:schemeClr val="bg1"/>
-              </a:solidFill>
-              <a:latin typeface="Abadi" panose="020B0604020104020204" pitchFamily="34" charset="0"/>
-            </a:endParaRPr>
-          </a:p>
-        </p:txBody>
-      </p:sp>
       <p:grpSp>
         <p:nvGrpSpPr>
-          <p:cNvPr id="12" name="Group 11">
-            <a:extLst>
-              <a:ext uri="{FF2B5EF4-FFF2-40B4-BE49-F238E27FC236}">
-                <a16:creationId xmlns:a16="http://schemas.microsoft.com/office/drawing/2014/main" id="{D68C708D-2F9C-75F4-D23C-B6C7CF57C21F}"/>
+          <p:cNvPr id="37" name="Group 36">
+            <a:extLst>
+              <a:ext uri="{FF2B5EF4-FFF2-40B4-BE49-F238E27FC236}">
+                <a16:creationId xmlns:a16="http://schemas.microsoft.com/office/drawing/2014/main" id="{E946FE4E-0098-DE40-072C-4A48470019BB}"/>
               </a:ext>
             </a:extLst>
           </p:cNvPr>
@@ -4778,283 +4617,569 @@
         </p:nvGrpSpPr>
         <p:grpSpPr>
           <a:xfrm>
-            <a:off x="6432462" y="4659528"/>
-            <a:ext cx="3580094" cy="2784144"/>
-            <a:chOff x="6467887" y="4386574"/>
-            <a:chExt cx="3580094" cy="2784144"/>
+            <a:off x="-136854" y="937612"/>
+            <a:ext cx="11984356" cy="5643260"/>
+            <a:chOff x="-136854" y="937612"/>
+            <a:chExt cx="11984356" cy="5643260"/>
           </a:xfrm>
         </p:grpSpPr>
-        <p:sp>
-          <p:nvSpPr>
-            <p:cNvPr id="7" name="TextBox 6">
+        <p:grpSp>
+          <p:nvGrpSpPr>
+            <p:cNvPr id="3" name="Group 2">
               <a:extLst>
                 <a:ext uri="{FF2B5EF4-FFF2-40B4-BE49-F238E27FC236}">
-                  <a16:creationId xmlns:a16="http://schemas.microsoft.com/office/drawing/2014/main" id="{39000932-A8D7-79E8-8DDB-6F240ED9AA51}"/>
+                  <a16:creationId xmlns:a16="http://schemas.microsoft.com/office/drawing/2014/main" id="{A2B3EA05-DF5B-9DCD-62D8-6ABF30894EC8}"/>
                 </a:ext>
               </a:extLst>
             </p:cNvPr>
-            <p:cNvSpPr txBox="1"/>
+            <p:cNvGrpSpPr/>
             <p:nvPr/>
-          </p:nvSpPr>
-          <p:spPr>
+          </p:nvGrpSpPr>
+          <p:grpSpPr>
             <a:xfrm>
-              <a:off x="6750919" y="4721830"/>
-              <a:ext cx="3014030" cy="646331"/>
+              <a:off x="370763" y="937612"/>
+              <a:ext cx="10085697" cy="4476465"/>
+              <a:chOff x="1053151" y="492713"/>
+              <a:chExt cx="10085697" cy="4476465"/>
             </a:xfrm>
-            <a:prstGeom prst="rect">
-              <a:avLst/>
-            </a:prstGeom>
-            <a:noFill/>
-          </p:spPr>
-          <p:txBody>
-            <a:bodyPr wrap="none" rtlCol="0">
-              <a:spAutoFit/>
-            </a:bodyPr>
-            <a:lstStyle/>
-            <a:p>
-              <a:r>
-                <a:rPr lang="en-US" dirty="0"/>
-                <a:t>If </a:t>
-              </a:r>
-              <a:r>
-                <a:rPr lang="en-US" dirty="0" err="1"/>
-                <a:t>Raycast</a:t>
-              </a:r>
-              <a:r>
-                <a:rPr lang="en-US" dirty="0"/>
-                <a:t> hits </a:t>
-              </a:r>
-              <a:r>
-                <a:rPr lang="en-US" dirty="0" err="1"/>
-                <a:t>MeshCollider</a:t>
-              </a:r>
-              <a:r>
-                <a:rPr lang="en-IN" dirty="0"/>
-                <a:t>:</a:t>
-              </a:r>
-            </a:p>
-            <a:p>
-              <a:r>
-                <a:rPr lang="en-IN" dirty="0" err="1"/>
-                <a:t>GlowWalaShader</a:t>
-              </a:r>
-              <a:r>
-                <a:rPr lang="en-IN" dirty="0"/>
-                <a:t> = true;</a:t>
-              </a:r>
-              <a:endParaRPr lang="en-US" dirty="0"/>
-            </a:p>
-          </p:txBody>
-        </p:sp>
-        <p:sp>
-          <p:nvSpPr>
-            <p:cNvPr id="8" name="TextBox 7">
+          </p:grpSpPr>
+          <p:pic>
+            <p:nvPicPr>
+              <p:cNvPr id="2" name="Picture 1">
+                <a:extLst>
+                  <a:ext uri="{FF2B5EF4-FFF2-40B4-BE49-F238E27FC236}">
+                    <a16:creationId xmlns:a16="http://schemas.microsoft.com/office/drawing/2014/main" id="{85787502-0861-225F-4519-F1162694FA2F}"/>
+                  </a:ext>
+                </a:extLst>
+              </p:cNvPr>
+              <p:cNvPicPr>
+                <a:picLocks noChangeAspect="1"/>
+              </p:cNvPicPr>
+              <p:nvPr/>
+            </p:nvPicPr>
+            <p:blipFill rotWithShape="1">
+              <a:blip r:embed="rId2"/>
+              <a:srcRect l="11642" t="18691" r="5634" b="16003"/>
+              <a:stretch/>
+            </p:blipFill>
+            <p:spPr>
+              <a:xfrm>
+                <a:off x="1053151" y="492713"/>
+                <a:ext cx="10085697" cy="4476465"/>
+              </a:xfrm>
+              <a:prstGeom prst="roundRect">
+                <a:avLst>
+                  <a:gd name="adj" fmla="val 8435"/>
+                </a:avLst>
+              </a:prstGeom>
+            </p:spPr>
+          </p:pic>
+          <p:sp>
+            <p:nvSpPr>
+              <p:cNvPr id="5" name="TextBox 4">
+                <a:extLst>
+                  <a:ext uri="{FF2B5EF4-FFF2-40B4-BE49-F238E27FC236}">
+                    <a16:creationId xmlns:a16="http://schemas.microsoft.com/office/drawing/2014/main" id="{D2C308B0-EF8A-B0B7-BD7C-C7EEAAC1F60B}"/>
+                  </a:ext>
+                </a:extLst>
+              </p:cNvPr>
+              <p:cNvSpPr txBox="1"/>
+              <p:nvPr/>
+            </p:nvSpPr>
+            <p:spPr>
+              <a:xfrm>
+                <a:off x="7131676" y="1383662"/>
+                <a:ext cx="2941931" cy="1077218"/>
+              </a:xfrm>
+              <a:prstGeom prst="rect">
+                <a:avLst/>
+              </a:prstGeom>
+              <a:noFill/>
+            </p:spPr>
+            <p:txBody>
+              <a:bodyPr wrap="square" rtlCol="0">
+                <a:spAutoFit/>
+              </a:bodyPr>
+              <a:lstStyle/>
+              <a:p>
+                <a:pPr algn="r"/>
+                <a:r>
+                  <a:rPr lang="en-US" sz="1600" dirty="0">
+                    <a:solidFill>
+                      <a:schemeClr val="bg1"/>
+                    </a:solidFill>
+                    <a:latin typeface="Abadi" panose="020B0604020104020204" pitchFamily="34" charset="0"/>
+                  </a:rPr>
+                  <a:t>The </a:t>
+                </a:r>
+                <a:r>
+                  <a:rPr lang="en-US" sz="1600" dirty="0" err="1">
+                    <a:solidFill>
+                      <a:schemeClr val="bg1"/>
+                    </a:solidFill>
+                    <a:latin typeface="Abadi" panose="020B0604020104020204" pitchFamily="34" charset="0"/>
+                  </a:rPr>
+                  <a:t>MessageBox</a:t>
+                </a:r>
+                <a:r>
+                  <a:rPr lang="en-US" sz="1600" dirty="0">
+                    <a:solidFill>
+                      <a:schemeClr val="bg1"/>
+                    </a:solidFill>
+                    <a:latin typeface="Abadi" panose="020B0604020104020204" pitchFamily="34" charset="0"/>
+                  </a:rPr>
+                  <a:t> is placed above the object prefab and destroyed if player exits the collider</a:t>
+                </a:r>
+                <a:endParaRPr lang="en-IN" sz="1600" dirty="0">
+                  <a:solidFill>
+                    <a:schemeClr val="bg1"/>
+                  </a:solidFill>
+                  <a:latin typeface="Abadi" panose="020B0604020104020204" pitchFamily="34" charset="0"/>
+                </a:endParaRPr>
+              </a:p>
+            </p:txBody>
+          </p:sp>
+          <p:sp>
+            <p:nvSpPr>
+              <p:cNvPr id="6" name="TextBox 5">
+                <a:extLst>
+                  <a:ext uri="{FF2B5EF4-FFF2-40B4-BE49-F238E27FC236}">
+                    <a16:creationId xmlns:a16="http://schemas.microsoft.com/office/drawing/2014/main" id="{146D2090-867D-A62A-E2A9-268BCB13C32E}"/>
+                  </a:ext>
+                </a:extLst>
+              </p:cNvPr>
+              <p:cNvSpPr txBox="1"/>
+              <p:nvPr/>
+            </p:nvSpPr>
+            <p:spPr>
+              <a:xfrm>
+                <a:off x="1112590" y="2077217"/>
+                <a:ext cx="2941931" cy="923330"/>
+              </a:xfrm>
+              <a:prstGeom prst="rect">
+                <a:avLst/>
+              </a:prstGeom>
+              <a:noFill/>
+            </p:spPr>
+            <p:txBody>
+              <a:bodyPr wrap="square" rtlCol="0">
+                <a:spAutoFit/>
+              </a:bodyPr>
+              <a:lstStyle/>
+              <a:p>
+                <a:r>
+                  <a:rPr lang="en-US" dirty="0">
+                    <a:solidFill>
+                      <a:schemeClr val="bg1"/>
+                    </a:solidFill>
+                    <a:latin typeface="Abadi" panose="020B0604020104020204" pitchFamily="34" charset="0"/>
+                  </a:rPr>
+                  <a:t>The </a:t>
+                </a:r>
+                <a:r>
+                  <a:rPr lang="en-US" dirty="0" err="1">
+                    <a:solidFill>
+                      <a:schemeClr val="bg1"/>
+                    </a:solidFill>
+                    <a:latin typeface="Abadi" panose="020B0604020104020204" pitchFamily="34" charset="0"/>
+                  </a:rPr>
+                  <a:t>MessageBox</a:t>
+                </a:r>
+                <a:r>
+                  <a:rPr lang="en-US" dirty="0">
+                    <a:solidFill>
+                      <a:schemeClr val="bg1"/>
+                    </a:solidFill>
+                    <a:latin typeface="Abadi" panose="020B0604020104020204" pitchFamily="34" charset="0"/>
+                  </a:rPr>
+                  <a:t> has to be a billboard so it always faces the player(camera)</a:t>
+                </a:r>
+                <a:endParaRPr lang="en-IN" dirty="0">
+                  <a:solidFill>
+                    <a:schemeClr val="bg1"/>
+                  </a:solidFill>
+                  <a:latin typeface="Abadi" panose="020B0604020104020204" pitchFamily="34" charset="0"/>
+                </a:endParaRPr>
+              </a:p>
+            </p:txBody>
+          </p:sp>
+        </p:grpSp>
+        <p:grpSp>
+          <p:nvGrpSpPr>
+            <p:cNvPr id="12" name="Group 11">
               <a:extLst>
                 <a:ext uri="{FF2B5EF4-FFF2-40B4-BE49-F238E27FC236}">
-                  <a16:creationId xmlns:a16="http://schemas.microsoft.com/office/drawing/2014/main" id="{95F6E38D-C9CA-9008-E176-E3A0FC082153}"/>
+                  <a16:creationId xmlns:a16="http://schemas.microsoft.com/office/drawing/2014/main" id="{D68C708D-2F9C-75F4-D23C-B6C7CF57C21F}"/>
                 </a:ext>
               </a:extLst>
             </p:cNvPr>
-            <p:cNvSpPr txBox="1"/>
+            <p:cNvGrpSpPr/>
             <p:nvPr/>
-          </p:nvSpPr>
-          <p:spPr>
+          </p:nvGrpSpPr>
+          <p:grpSpPr>
             <a:xfrm>
-              <a:off x="6750919" y="5601424"/>
-              <a:ext cx="2827441" cy="923330"/>
+              <a:off x="7141115" y="3796728"/>
+              <a:ext cx="4706387" cy="2784144"/>
+              <a:chOff x="6467887" y="4386574"/>
+              <a:chExt cx="3580094" cy="2784144"/>
             </a:xfrm>
-            <a:prstGeom prst="rect">
-              <a:avLst/>
-            </a:prstGeom>
-            <a:noFill/>
-          </p:spPr>
-          <p:txBody>
-            <a:bodyPr wrap="none" rtlCol="0">
-              <a:spAutoFit/>
-            </a:bodyPr>
-            <a:lstStyle/>
-            <a:p>
-              <a:r>
-                <a:rPr lang="en-US" dirty="0"/>
-                <a:t>If Player </a:t>
-              </a:r>
-              <a:r>
-                <a:rPr lang="en-US" dirty="0" err="1"/>
-                <a:t>OnTriggerEnter</a:t>
-              </a:r>
-              <a:r>
-                <a:rPr lang="en-US" dirty="0"/>
-                <a:t>:</a:t>
-              </a:r>
-            </a:p>
-            <a:p>
-              <a:r>
-                <a:rPr lang="en-US" dirty="0" err="1"/>
-                <a:t>PickUpItem</a:t>
-              </a:r>
-              <a:r>
-                <a:rPr lang="en-US" dirty="0"/>
-                <a:t> = true;</a:t>
-              </a:r>
-            </a:p>
-            <a:p>
-              <a:r>
-                <a:rPr lang="en-US" dirty="0" err="1"/>
-                <a:t>PickUpMessageBox</a:t>
-              </a:r>
-              <a:r>
-                <a:rPr lang="en-US" dirty="0"/>
-                <a:t> = true;</a:t>
-              </a:r>
-              <a:endParaRPr lang="en-IN" dirty="0"/>
-            </a:p>
-          </p:txBody>
-        </p:sp>
-        <p:sp>
-          <p:nvSpPr>
-            <p:cNvPr id="11" name="Rectangle: Rounded Corners 10">
-              <a:extLst>
-                <a:ext uri="{FF2B5EF4-FFF2-40B4-BE49-F238E27FC236}">
-                  <a16:creationId xmlns:a16="http://schemas.microsoft.com/office/drawing/2014/main" id="{44FF4547-2F65-AB22-AF1C-122C64D4DCDA}"/>
-                </a:ext>
-              </a:extLst>
-            </p:cNvPr>
-            <p:cNvSpPr/>
-            <p:nvPr/>
-          </p:nvSpPr>
-          <p:spPr>
-            <a:xfrm>
-              <a:off x="6467887" y="4386574"/>
-              <a:ext cx="3580094" cy="2784144"/>
-            </a:xfrm>
-            <a:prstGeom prst="roundRect">
-              <a:avLst>
-                <a:gd name="adj" fmla="val 4903"/>
-              </a:avLst>
-            </a:prstGeom>
-            <a:noFill/>
-            <a:ln w="28575">
-              <a:solidFill>
-                <a:schemeClr val="tx1"/>
-              </a:solidFill>
-            </a:ln>
-          </p:spPr>
-          <p:style>
-            <a:lnRef idx="2">
-              <a:schemeClr val="accent1">
-                <a:shade val="15000"/>
-              </a:schemeClr>
-            </a:lnRef>
-            <a:fillRef idx="1">
-              <a:schemeClr val="accent1"/>
-            </a:fillRef>
-            <a:effectRef idx="0">
-              <a:schemeClr val="accent1"/>
-            </a:effectRef>
-            <a:fontRef idx="minor">
-              <a:schemeClr val="lt1"/>
-            </a:fontRef>
-          </p:style>
-          <p:txBody>
-            <a:bodyPr rtlCol="0" anchor="ctr"/>
-            <a:lstStyle/>
-            <a:p>
-              <a:pPr algn="ctr"/>
-              <a:endParaRPr lang="en-IN"/>
-            </a:p>
-          </p:txBody>
-        </p:sp>
-      </p:grpSp>
-      <p:cxnSp>
-        <p:nvCxnSpPr>
-          <p:cNvPr id="18" name="Connector: Curved 17">
-            <a:extLst>
-              <a:ext uri="{FF2B5EF4-FFF2-40B4-BE49-F238E27FC236}">
-                <a16:creationId xmlns:a16="http://schemas.microsoft.com/office/drawing/2014/main" id="{89C54AF9-8103-3018-2E17-39BD76FEA5FD}"/>
-              </a:ext>
-            </a:extLst>
-          </p:cNvPr>
-          <p:cNvCxnSpPr>
-            <a:cxnSpLocks/>
-            <a:stCxn id="5" idx="0"/>
-          </p:cNvCxnSpPr>
-          <p:nvPr/>
-        </p:nvCxnSpPr>
-        <p:spPr>
-          <a:xfrm rot="16200000" flipV="1">
-            <a:off x="7718418" y="996984"/>
-            <a:ext cx="417709" cy="1742758"/>
-          </a:xfrm>
-          <a:prstGeom prst="curvedConnector2">
-            <a:avLst/>
-          </a:prstGeom>
-          <a:ln w="28575">
             <a:solidFill>
               <a:schemeClr val="bg1"/>
             </a:solidFill>
-            <a:tailEnd type="triangle"/>
-          </a:ln>
-        </p:spPr>
-        <p:style>
-          <a:lnRef idx="2">
-            <a:schemeClr val="accent1"/>
-          </a:lnRef>
-          <a:fillRef idx="0">
-            <a:schemeClr val="accent1"/>
-          </a:fillRef>
-          <a:effectRef idx="1">
-            <a:schemeClr val="accent1"/>
-          </a:effectRef>
-          <a:fontRef idx="minor">
-            <a:schemeClr val="tx1"/>
-          </a:fontRef>
-        </p:style>
-      </p:cxnSp>
-      <p:cxnSp>
-        <p:nvCxnSpPr>
-          <p:cNvPr id="20" name="Connector: Curved 19">
-            <a:extLst>
-              <a:ext uri="{FF2B5EF4-FFF2-40B4-BE49-F238E27FC236}">
-                <a16:creationId xmlns:a16="http://schemas.microsoft.com/office/drawing/2014/main" id="{39EFE039-F4D5-E3DF-616E-B309BD645D7F}"/>
-              </a:ext>
-            </a:extLst>
-          </p:cNvPr>
-          <p:cNvCxnSpPr>
-            <a:cxnSpLocks/>
-            <a:stCxn id="6" idx="0"/>
-          </p:cNvCxnSpPr>
-          <p:nvPr/>
-        </p:nvCxnSpPr>
-        <p:spPr>
-          <a:xfrm rot="5400000" flipH="1" flipV="1">
-            <a:off x="3134099" y="1156796"/>
-            <a:ext cx="369878" cy="1470965"/>
-          </a:xfrm>
-          <a:prstGeom prst="curvedConnector2">
-            <a:avLst/>
-          </a:prstGeom>
-          <a:ln w="28575">
-            <a:solidFill>
-              <a:schemeClr val="bg1"/>
-            </a:solidFill>
-            <a:tailEnd type="triangle"/>
-          </a:ln>
-        </p:spPr>
-        <p:style>
-          <a:lnRef idx="2">
-            <a:schemeClr val="accent1"/>
-          </a:lnRef>
-          <a:fillRef idx="0">
-            <a:schemeClr val="accent1"/>
-          </a:fillRef>
-          <a:effectRef idx="1">
-            <a:schemeClr val="accent1"/>
-          </a:effectRef>
-          <a:fontRef idx="minor">
-            <a:schemeClr val="tx1"/>
-          </a:fontRef>
-        </p:style>
-      </p:cxnSp>
+          </p:grpSpPr>
+          <p:sp>
+            <p:nvSpPr>
+              <p:cNvPr id="11" name="Rectangle: Rounded Corners 10">
+                <a:extLst>
+                  <a:ext uri="{FF2B5EF4-FFF2-40B4-BE49-F238E27FC236}">
+                    <a16:creationId xmlns:a16="http://schemas.microsoft.com/office/drawing/2014/main" id="{44FF4547-2F65-AB22-AF1C-122C64D4DCDA}"/>
+                  </a:ext>
+                </a:extLst>
+              </p:cNvPr>
+              <p:cNvSpPr/>
+              <p:nvPr/>
+            </p:nvSpPr>
+            <p:spPr>
+              <a:xfrm>
+                <a:off x="6467887" y="4386574"/>
+                <a:ext cx="3580094" cy="2784144"/>
+              </a:xfrm>
+              <a:prstGeom prst="roundRect">
+                <a:avLst>
+                  <a:gd name="adj" fmla="val 4903"/>
+                </a:avLst>
+              </a:prstGeom>
+              <a:grpFill/>
+              <a:ln w="28575">
+                <a:solidFill>
+                  <a:schemeClr val="tx1"/>
+                </a:solidFill>
+              </a:ln>
+            </p:spPr>
+            <p:style>
+              <a:lnRef idx="2">
+                <a:schemeClr val="accent1">
+                  <a:shade val="15000"/>
+                </a:schemeClr>
+              </a:lnRef>
+              <a:fillRef idx="1">
+                <a:schemeClr val="accent1"/>
+              </a:fillRef>
+              <a:effectRef idx="0">
+                <a:schemeClr val="accent1"/>
+              </a:effectRef>
+              <a:fontRef idx="minor">
+                <a:schemeClr val="lt1"/>
+              </a:fontRef>
+            </p:style>
+            <p:txBody>
+              <a:bodyPr rtlCol="0" anchor="ctr"/>
+              <a:lstStyle/>
+              <a:p>
+                <a:pPr algn="ctr"/>
+                <a:endParaRPr lang="en-IN" dirty="0">
+                  <a:solidFill>
+                    <a:schemeClr val="tx1"/>
+                  </a:solidFill>
+                </a:endParaRPr>
+              </a:p>
+            </p:txBody>
+          </p:sp>
+          <p:sp>
+            <p:nvSpPr>
+              <p:cNvPr id="7" name="TextBox 6">
+                <a:extLst>
+                  <a:ext uri="{FF2B5EF4-FFF2-40B4-BE49-F238E27FC236}">
+                    <a16:creationId xmlns:a16="http://schemas.microsoft.com/office/drawing/2014/main" id="{39000932-A8D7-79E8-8DDB-6F240ED9AA51}"/>
+                  </a:ext>
+                </a:extLst>
+              </p:cNvPr>
+              <p:cNvSpPr txBox="1"/>
+              <p:nvPr/>
+            </p:nvSpPr>
+            <p:spPr>
+              <a:xfrm>
+                <a:off x="6750919" y="4721830"/>
+                <a:ext cx="2292738" cy="646331"/>
+              </a:xfrm>
+              <a:prstGeom prst="rect">
+                <a:avLst/>
+              </a:prstGeom>
+              <a:grpFill/>
+              <a:ln>
+                <a:noFill/>
+              </a:ln>
+            </p:spPr>
+            <p:txBody>
+              <a:bodyPr wrap="none" rtlCol="0">
+                <a:spAutoFit/>
+              </a:bodyPr>
+              <a:lstStyle/>
+              <a:p>
+                <a:r>
+                  <a:rPr lang="en-US" dirty="0"/>
+                  <a:t>If </a:t>
+                </a:r>
+                <a:r>
+                  <a:rPr lang="en-US" dirty="0" err="1"/>
+                  <a:t>Raycast</a:t>
+                </a:r>
+                <a:r>
+                  <a:rPr lang="en-US" dirty="0"/>
+                  <a:t> hits </a:t>
+                </a:r>
+                <a:r>
+                  <a:rPr lang="en-US" dirty="0" err="1"/>
+                  <a:t>MeshCollider</a:t>
+                </a:r>
+                <a:r>
+                  <a:rPr lang="en-IN" dirty="0"/>
+                  <a:t>:</a:t>
+                </a:r>
+              </a:p>
+              <a:p>
+                <a:r>
+                  <a:rPr lang="en-IN" dirty="0" err="1"/>
+                  <a:t>GlowWalaShader</a:t>
+                </a:r>
+                <a:r>
+                  <a:rPr lang="en-IN" dirty="0"/>
+                  <a:t> = true;</a:t>
+                </a:r>
+                <a:endParaRPr lang="en-US" dirty="0"/>
+              </a:p>
+            </p:txBody>
+          </p:sp>
+          <p:sp>
+            <p:nvSpPr>
+              <p:cNvPr id="8" name="TextBox 7">
+                <a:extLst>
+                  <a:ext uri="{FF2B5EF4-FFF2-40B4-BE49-F238E27FC236}">
+                    <a16:creationId xmlns:a16="http://schemas.microsoft.com/office/drawing/2014/main" id="{95F6E38D-C9CA-9008-E176-E3A0FC082153}"/>
+                  </a:ext>
+                </a:extLst>
+              </p:cNvPr>
+              <p:cNvSpPr txBox="1"/>
+              <p:nvPr/>
+            </p:nvSpPr>
+            <p:spPr>
+              <a:xfrm>
+                <a:off x="6750919" y="5601424"/>
+                <a:ext cx="2844535" cy="923330"/>
+              </a:xfrm>
+              <a:prstGeom prst="rect">
+                <a:avLst/>
+              </a:prstGeom>
+              <a:grpFill/>
+              <a:ln>
+                <a:noFill/>
+              </a:ln>
+            </p:spPr>
+            <p:txBody>
+              <a:bodyPr wrap="none" rtlCol="0">
+                <a:spAutoFit/>
+              </a:bodyPr>
+              <a:lstStyle/>
+              <a:p>
+                <a:r>
+                  <a:rPr lang="en-US" dirty="0"/>
+                  <a:t>If Player </a:t>
+                </a:r>
+                <a:r>
+                  <a:rPr lang="en-US" dirty="0" err="1"/>
+                  <a:t>OnTriggerEnter</a:t>
+                </a:r>
+                <a:r>
+                  <a:rPr lang="en-US" dirty="0"/>
+                  <a:t> &amp;&amp; </a:t>
+                </a:r>
+                <a:r>
+                  <a:rPr lang="en-US" dirty="0" err="1"/>
+                  <a:t>Raycast</a:t>
+                </a:r>
+                <a:r>
+                  <a:rPr lang="en-US" dirty="0"/>
+                  <a:t>:</a:t>
+                </a:r>
+              </a:p>
+              <a:p>
+                <a:r>
+                  <a:rPr lang="en-US" dirty="0" err="1"/>
+                  <a:t>PickUpItem</a:t>
+                </a:r>
+                <a:r>
+                  <a:rPr lang="en-US" dirty="0"/>
+                  <a:t> = true;</a:t>
+                </a:r>
+              </a:p>
+              <a:p>
+                <a:r>
+                  <a:rPr lang="en-US" dirty="0" err="1"/>
+                  <a:t>PickUpMessageBox</a:t>
+                </a:r>
+                <a:r>
+                  <a:rPr lang="en-US" dirty="0"/>
+                  <a:t> = true;</a:t>
+                </a:r>
+                <a:endParaRPr lang="en-IN" dirty="0"/>
+              </a:p>
+            </p:txBody>
+          </p:sp>
+        </p:grpSp>
+        <mc:AlternateContent xmlns:mc="http://schemas.openxmlformats.org/markup-compatibility/2006" xmlns:p14="http://schemas.microsoft.com/office/powerpoint/2010/main">
+          <mc:Choice Requires="p14">
+            <p:contentPart p14:bwMode="auto" r:id="rId3">
+              <p14:nvContentPartPr>
+                <p14:cNvPr id="34" name="Ink 33">
+                  <a:extLst>
+                    <a:ext uri="{FF2B5EF4-FFF2-40B4-BE49-F238E27FC236}">
+                      <a16:creationId xmlns:a16="http://schemas.microsoft.com/office/drawing/2014/main" id="{072D8653-6307-B9D4-CA17-9EA2F149052B}"/>
+                    </a:ext>
+                  </a:extLst>
+                </p14:cNvPr>
+                <p14:cNvContentPartPr/>
+                <p14:nvPr/>
+              </p14:nvContentPartPr>
+              <p14:xfrm>
+                <a:off x="-136854" y="1254922"/>
+                <a:ext cx="360" cy="360"/>
+              </p14:xfrm>
+            </p:contentPart>
+          </mc:Choice>
+          <mc:Fallback xmlns="">
+            <p:pic>
+              <p:nvPicPr>
+                <p:cNvPr id="34" name="Ink 33">
+                  <a:extLst>
+                    <a:ext uri="{FF2B5EF4-FFF2-40B4-BE49-F238E27FC236}">
+                      <a16:creationId xmlns:a16="http://schemas.microsoft.com/office/drawing/2014/main" id="{072D8653-6307-B9D4-CA17-9EA2F149052B}"/>
+                    </a:ext>
+                  </a:extLst>
+                </p:cNvPr>
+                <p:cNvPicPr/>
+                <p:nvPr/>
+              </p:nvPicPr>
+              <p:blipFill>
+                <a:blip r:embed="rId4"/>
+                <a:stretch>
+                  <a:fillRect/>
+                </a:stretch>
+              </p:blipFill>
+              <p:spPr>
+                <a:xfrm>
+                  <a:off x="-142974" y="1248802"/>
+                  <a:ext cx="12600" cy="12600"/>
+                </a:xfrm>
+                <a:prstGeom prst="rect">
+                  <a:avLst/>
+                </a:prstGeom>
+              </p:spPr>
+            </p:pic>
+          </mc:Fallback>
+        </mc:AlternateContent>
+        <mc:AlternateContent xmlns:mc="http://schemas.openxmlformats.org/markup-compatibility/2006" xmlns:p14="http://schemas.microsoft.com/office/powerpoint/2010/main">
+          <mc:Choice Requires="p14">
+            <p:contentPart p14:bwMode="auto" r:id="rId5">
+              <p14:nvContentPartPr>
+                <p14:cNvPr id="35" name="Ink 34">
+                  <a:extLst>
+                    <a:ext uri="{FF2B5EF4-FFF2-40B4-BE49-F238E27FC236}">
+                      <a16:creationId xmlns:a16="http://schemas.microsoft.com/office/drawing/2014/main" id="{2522D4CE-996E-9F42-1A66-8192264FC878}"/>
+                    </a:ext>
+                  </a:extLst>
+                </p14:cNvPr>
+                <p14:cNvContentPartPr/>
+                <p14:nvPr/>
+              </p14:nvContentPartPr>
+              <p14:xfrm>
+                <a:off x="5771106" y="1566682"/>
+                <a:ext cx="1585440" cy="376560"/>
+              </p14:xfrm>
+            </p:contentPart>
+          </mc:Choice>
+          <mc:Fallback xmlns="">
+            <p:pic>
+              <p:nvPicPr>
+                <p:cNvPr id="35" name="Ink 34">
+                  <a:extLst>
+                    <a:ext uri="{FF2B5EF4-FFF2-40B4-BE49-F238E27FC236}">
+                      <a16:creationId xmlns:a16="http://schemas.microsoft.com/office/drawing/2014/main" id="{2522D4CE-996E-9F42-1A66-8192264FC878}"/>
+                    </a:ext>
+                  </a:extLst>
+                </p:cNvPr>
+                <p:cNvPicPr/>
+                <p:nvPr/>
+              </p:nvPicPr>
+              <p:blipFill>
+                <a:blip r:embed="rId6"/>
+                <a:stretch>
+                  <a:fillRect/>
+                </a:stretch>
+              </p:blipFill>
+              <p:spPr>
+                <a:xfrm>
+                  <a:off x="5764986" y="1560562"/>
+                  <a:ext cx="1597680" cy="388800"/>
+                </a:xfrm>
+                <a:prstGeom prst="rect">
+                  <a:avLst/>
+                </a:prstGeom>
+              </p:spPr>
+            </p:pic>
+          </mc:Fallback>
+        </mc:AlternateContent>
+        <mc:AlternateContent xmlns:mc="http://schemas.openxmlformats.org/markup-compatibility/2006" xmlns:p14="http://schemas.microsoft.com/office/powerpoint/2010/main">
+          <mc:Choice Requires="p14">
+            <p:contentPart p14:bwMode="auto" r:id="rId7">
+              <p14:nvContentPartPr>
+                <p14:cNvPr id="36" name="Ink 35">
+                  <a:extLst>
+                    <a:ext uri="{FF2B5EF4-FFF2-40B4-BE49-F238E27FC236}">
+                      <a16:creationId xmlns:a16="http://schemas.microsoft.com/office/drawing/2014/main" id="{74F03FBB-C3E3-8855-A92C-374EE0CABCBA}"/>
+                    </a:ext>
+                  </a:extLst>
+                </p14:cNvPr>
+                <p14:cNvContentPartPr/>
+                <p14:nvPr/>
+              </p14:nvContentPartPr>
+              <p14:xfrm>
+                <a:off x="2551626" y="2113522"/>
+                <a:ext cx="906120" cy="411120"/>
+              </p14:xfrm>
+            </p:contentPart>
+          </mc:Choice>
+          <mc:Fallback xmlns="">
+            <p:pic>
+              <p:nvPicPr>
+                <p:cNvPr id="36" name="Ink 35">
+                  <a:extLst>
+                    <a:ext uri="{FF2B5EF4-FFF2-40B4-BE49-F238E27FC236}">
+                      <a16:creationId xmlns:a16="http://schemas.microsoft.com/office/drawing/2014/main" id="{74F03FBB-C3E3-8855-A92C-374EE0CABCBA}"/>
+                    </a:ext>
+                  </a:extLst>
+                </p:cNvPr>
+                <p:cNvPicPr/>
+                <p:nvPr/>
+              </p:nvPicPr>
+              <p:blipFill>
+                <a:blip r:embed="rId8"/>
+                <a:stretch>
+                  <a:fillRect/>
+                </a:stretch>
+              </p:blipFill>
+              <p:spPr>
+                <a:xfrm>
+                  <a:off x="2545506" y="2107402"/>
+                  <a:ext cx="918360" cy="423360"/>
+                </a:xfrm>
+                <a:prstGeom prst="rect">
+                  <a:avLst/>
+                </a:prstGeom>
+              </p:spPr>
+            </p:pic>
+          </mc:Fallback>
+        </mc:AlternateContent>
+      </p:grpSp>
     </p:spTree>
     <p:extLst>
       <p:ext uri="{BB962C8B-B14F-4D97-AF65-F5344CB8AC3E}">
@@ -5276,46 +5401,1172 @@
           <a:chExt cx="0" cy="0"/>
         </a:xfrm>
       </p:grpSpPr>
-      <p:pic>
-        <p:nvPicPr>
-          <p:cNvPr id="4" name="Picture 3">
-            <a:extLst>
-              <a:ext uri="{FF2B5EF4-FFF2-40B4-BE49-F238E27FC236}">
-                <a16:creationId xmlns:a16="http://schemas.microsoft.com/office/drawing/2014/main" id="{462F7027-8E5C-F7D1-C194-1C34D7F2C112}"/>
-              </a:ext>
-            </a:extLst>
-          </p:cNvPr>
-          <p:cNvPicPr>
-            <a:picLocks noChangeAspect="1"/>
-          </p:cNvPicPr>
+      <p:grpSp>
+        <p:nvGrpSpPr>
+          <p:cNvPr id="163" name="Group 162">
+            <a:extLst>
+              <a:ext uri="{FF2B5EF4-FFF2-40B4-BE49-F238E27FC236}">
+                <a16:creationId xmlns:a16="http://schemas.microsoft.com/office/drawing/2014/main" id="{E2FD876F-0B0B-B418-BA89-A148033B464C}"/>
+              </a:ext>
+            </a:extLst>
+          </p:cNvPr>
+          <p:cNvGrpSpPr/>
           <p:nvPr/>
-        </p:nvPicPr>
-        <p:blipFill rotWithShape="1">
-          <a:blip r:embed="rId2"/>
-          <a:srcRect l="15224" t="21081" r="15224" b="7641"/>
-          <a:stretch/>
-        </p:blipFill>
-        <p:spPr>
+        </p:nvGrpSpPr>
+        <p:grpSpPr>
           <a:xfrm>
-            <a:off x="-1" y="0"/>
-            <a:ext cx="11902524" cy="6858000"/>
+            <a:off x="379834" y="598380"/>
+            <a:ext cx="9618863" cy="4869778"/>
+            <a:chOff x="379834" y="598380"/>
+            <a:chExt cx="9618863" cy="4869778"/>
           </a:xfrm>
-          <a:prstGeom prst="roundRect">
-            <a:avLst>
-              <a:gd name="adj" fmla="val 4656"/>
-            </a:avLst>
-          </a:prstGeom>
-          <a:ln>
-            <a:solidFill>
-              <a:schemeClr val="tx1"/>
-            </a:solidFill>
-          </a:ln>
-        </p:spPr>
-      </p:pic>
+        </p:grpSpPr>
+        <p:grpSp>
+          <p:nvGrpSpPr>
+            <p:cNvPr id="159" name="Group 158">
+              <a:extLst>
+                <a:ext uri="{FF2B5EF4-FFF2-40B4-BE49-F238E27FC236}">
+                  <a16:creationId xmlns:a16="http://schemas.microsoft.com/office/drawing/2014/main" id="{AAE95D32-BB1E-4459-846C-035F5F087D23}"/>
+                </a:ext>
+              </a:extLst>
+            </p:cNvPr>
+            <p:cNvGrpSpPr/>
+            <p:nvPr/>
+          </p:nvGrpSpPr>
+          <p:grpSpPr>
+            <a:xfrm>
+              <a:off x="379834" y="598380"/>
+              <a:ext cx="9618863" cy="4869778"/>
+              <a:chOff x="379834" y="598380"/>
+              <a:chExt cx="9618863" cy="4869778"/>
+            </a:xfrm>
+          </p:grpSpPr>
+          <p:sp>
+            <p:nvSpPr>
+              <p:cNvPr id="3" name="Rectangle: Rounded Corners 2">
+                <a:extLst>
+                  <a:ext uri="{FF2B5EF4-FFF2-40B4-BE49-F238E27FC236}">
+                    <a16:creationId xmlns:a16="http://schemas.microsoft.com/office/drawing/2014/main" id="{180E5D79-6D17-FA90-FFCA-EA9F3B853248}"/>
+                  </a:ext>
+                </a:extLst>
+              </p:cNvPr>
+              <p:cNvSpPr/>
+              <p:nvPr/>
+            </p:nvSpPr>
+            <p:spPr>
+              <a:xfrm>
+                <a:off x="1859509" y="601992"/>
+                <a:ext cx="2142699" cy="655092"/>
+              </a:xfrm>
+              <a:prstGeom prst="roundRect">
+                <a:avLst>
+                  <a:gd name="adj" fmla="val 0"/>
+                </a:avLst>
+              </a:prstGeom>
+              <a:solidFill>
+                <a:schemeClr val="bg1"/>
+              </a:solidFill>
+              <a:ln w="28575"/>
+            </p:spPr>
+            <p:style>
+              <a:lnRef idx="2">
+                <a:schemeClr val="accent1">
+                  <a:shade val="15000"/>
+                </a:schemeClr>
+              </a:lnRef>
+              <a:fillRef idx="1">
+                <a:schemeClr val="accent1"/>
+              </a:fillRef>
+              <a:effectRef idx="0">
+                <a:schemeClr val="accent1"/>
+              </a:effectRef>
+              <a:fontRef idx="minor">
+                <a:schemeClr val="lt1"/>
+              </a:fontRef>
+            </p:style>
+            <p:txBody>
+              <a:bodyPr rtlCol="0" anchor="ctr"/>
+              <a:lstStyle/>
+              <a:p>
+                <a:pPr algn="ctr"/>
+                <a:r>
+                  <a:rPr lang="en-US" b="1" dirty="0">
+                    <a:solidFill>
+                      <a:sysClr val="windowText" lastClr="000000"/>
+                    </a:solidFill>
+                  </a:rPr>
+                  <a:t>Player</a:t>
+                </a:r>
+                <a:endParaRPr lang="en-IN" b="1" dirty="0">
+                  <a:solidFill>
+                    <a:sysClr val="windowText" lastClr="000000"/>
+                  </a:solidFill>
+                </a:endParaRPr>
+              </a:p>
+            </p:txBody>
+          </p:sp>
+          <p:sp>
+            <p:nvSpPr>
+              <p:cNvPr id="4" name="Rectangle: Rounded Corners 3">
+                <a:extLst>
+                  <a:ext uri="{FF2B5EF4-FFF2-40B4-BE49-F238E27FC236}">
+                    <a16:creationId xmlns:a16="http://schemas.microsoft.com/office/drawing/2014/main" id="{2A435CAF-8AB4-05FB-FB9C-80CDCE5BFFEB}"/>
+                  </a:ext>
+                </a:extLst>
+              </p:cNvPr>
+              <p:cNvSpPr/>
+              <p:nvPr/>
+            </p:nvSpPr>
+            <p:spPr>
+              <a:xfrm>
+                <a:off x="379834" y="1876995"/>
+                <a:ext cx="2142699" cy="655092"/>
+              </a:xfrm>
+              <a:prstGeom prst="roundRect">
+                <a:avLst/>
+              </a:prstGeom>
+              <a:solidFill>
+                <a:schemeClr val="bg1"/>
+              </a:solidFill>
+            </p:spPr>
+            <p:style>
+              <a:lnRef idx="2">
+                <a:schemeClr val="accent1">
+                  <a:shade val="15000"/>
+                </a:schemeClr>
+              </a:lnRef>
+              <a:fillRef idx="1">
+                <a:schemeClr val="accent1"/>
+              </a:fillRef>
+              <a:effectRef idx="0">
+                <a:schemeClr val="accent1"/>
+              </a:effectRef>
+              <a:fontRef idx="minor">
+                <a:schemeClr val="lt1"/>
+              </a:fontRef>
+            </p:style>
+            <p:txBody>
+              <a:bodyPr rtlCol="0" anchor="ctr"/>
+              <a:lstStyle/>
+              <a:p>
+                <a:pPr algn="ctr"/>
+                <a:r>
+                  <a:rPr lang="en-US" b="1" dirty="0">
+                    <a:solidFill>
+                      <a:sysClr val="windowText" lastClr="000000"/>
+                    </a:solidFill>
+                  </a:rPr>
+                  <a:t>Collect Items</a:t>
+                </a:r>
+                <a:endParaRPr lang="en-IN" b="1" dirty="0">
+                  <a:solidFill>
+                    <a:sysClr val="windowText" lastClr="000000"/>
+                  </a:solidFill>
+                </a:endParaRPr>
+              </a:p>
+            </p:txBody>
+          </p:sp>
+          <p:sp>
+            <p:nvSpPr>
+              <p:cNvPr id="7" name="Rectangle: Rounded Corners 6">
+                <a:extLst>
+                  <a:ext uri="{FF2B5EF4-FFF2-40B4-BE49-F238E27FC236}">
+                    <a16:creationId xmlns:a16="http://schemas.microsoft.com/office/drawing/2014/main" id="{6FE503A0-0992-24FE-65EC-BDF626FBD325}"/>
+                  </a:ext>
+                </a:extLst>
+              </p:cNvPr>
+              <p:cNvSpPr/>
+              <p:nvPr/>
+            </p:nvSpPr>
+            <p:spPr>
+              <a:xfrm>
+                <a:off x="7855998" y="3627622"/>
+                <a:ext cx="2142699" cy="655092"/>
+              </a:xfrm>
+              <a:prstGeom prst="roundRect">
+                <a:avLst/>
+              </a:prstGeom>
+              <a:solidFill>
+                <a:schemeClr val="bg1"/>
+              </a:solidFill>
+            </p:spPr>
+            <p:style>
+              <a:lnRef idx="2">
+                <a:schemeClr val="accent1">
+                  <a:shade val="15000"/>
+                </a:schemeClr>
+              </a:lnRef>
+              <a:fillRef idx="1">
+                <a:schemeClr val="accent1"/>
+              </a:fillRef>
+              <a:effectRef idx="0">
+                <a:schemeClr val="accent1"/>
+              </a:effectRef>
+              <a:fontRef idx="minor">
+                <a:schemeClr val="lt1"/>
+              </a:fontRef>
+            </p:style>
+            <p:txBody>
+              <a:bodyPr rtlCol="0" anchor="ctr"/>
+              <a:lstStyle/>
+              <a:p>
+                <a:pPr algn="ctr"/>
+                <a:r>
+                  <a:rPr lang="en-US" b="1" dirty="0">
+                    <a:solidFill>
+                      <a:sysClr val="windowText" lastClr="000000"/>
+                    </a:solidFill>
+                  </a:rPr>
+                  <a:t>Enemy Grabs</a:t>
+                </a:r>
+                <a:endParaRPr lang="en-IN" b="1" dirty="0">
+                  <a:solidFill>
+                    <a:sysClr val="windowText" lastClr="000000"/>
+                  </a:solidFill>
+                </a:endParaRPr>
+              </a:p>
+            </p:txBody>
+          </p:sp>
+          <p:sp>
+            <p:nvSpPr>
+              <p:cNvPr id="8" name="Rectangle: Rounded Corners 7">
+                <a:extLst>
+                  <a:ext uri="{FF2B5EF4-FFF2-40B4-BE49-F238E27FC236}">
+                    <a16:creationId xmlns:a16="http://schemas.microsoft.com/office/drawing/2014/main" id="{F3EDBAC2-CDE9-7744-FC4B-47185A9A3D2F}"/>
+                  </a:ext>
+                </a:extLst>
+              </p:cNvPr>
+              <p:cNvSpPr/>
+              <p:nvPr/>
+            </p:nvSpPr>
+            <p:spPr>
+              <a:xfrm>
+                <a:off x="5481881" y="598380"/>
+                <a:ext cx="2142699" cy="655092"/>
+              </a:xfrm>
+              <a:prstGeom prst="roundRect">
+                <a:avLst>
+                  <a:gd name="adj" fmla="val 0"/>
+                </a:avLst>
+              </a:prstGeom>
+              <a:solidFill>
+                <a:schemeClr val="bg1"/>
+              </a:solidFill>
+              <a:ln w="28575"/>
+            </p:spPr>
+            <p:style>
+              <a:lnRef idx="2">
+                <a:schemeClr val="accent1">
+                  <a:shade val="15000"/>
+                </a:schemeClr>
+              </a:lnRef>
+              <a:fillRef idx="1">
+                <a:schemeClr val="accent1"/>
+              </a:fillRef>
+              <a:effectRef idx="0">
+                <a:schemeClr val="accent1"/>
+              </a:effectRef>
+              <a:fontRef idx="minor">
+                <a:schemeClr val="lt1"/>
+              </a:fontRef>
+            </p:style>
+            <p:txBody>
+              <a:bodyPr rtlCol="0" anchor="ctr"/>
+              <a:lstStyle/>
+              <a:p>
+                <a:pPr algn="ctr"/>
+                <a:r>
+                  <a:rPr lang="en-US" b="1" dirty="0">
+                    <a:solidFill>
+                      <a:sysClr val="windowText" lastClr="000000"/>
+                    </a:solidFill>
+                  </a:rPr>
+                  <a:t>Enemy AI State</a:t>
+                </a:r>
+                <a:endParaRPr lang="en-IN" b="1" dirty="0">
+                  <a:solidFill>
+                    <a:sysClr val="windowText" lastClr="000000"/>
+                  </a:solidFill>
+                </a:endParaRPr>
+              </a:p>
+            </p:txBody>
+          </p:sp>
+          <p:sp>
+            <p:nvSpPr>
+              <p:cNvPr id="9" name="Rectangle: Rounded Corners 8">
+                <a:extLst>
+                  <a:ext uri="{FF2B5EF4-FFF2-40B4-BE49-F238E27FC236}">
+                    <a16:creationId xmlns:a16="http://schemas.microsoft.com/office/drawing/2014/main" id="{965FC6E5-97F3-8033-1AA4-5721488E40C2}"/>
+                  </a:ext>
+                </a:extLst>
+              </p:cNvPr>
+              <p:cNvSpPr/>
+              <p:nvPr/>
+            </p:nvSpPr>
+            <p:spPr>
+              <a:xfrm>
+                <a:off x="2930858" y="4813066"/>
+                <a:ext cx="2142699" cy="655092"/>
+              </a:xfrm>
+              <a:prstGeom prst="roundRect">
+                <a:avLst>
+                  <a:gd name="adj" fmla="val 50000"/>
+                </a:avLst>
+              </a:prstGeom>
+              <a:solidFill>
+                <a:schemeClr val="bg1"/>
+              </a:solidFill>
+            </p:spPr>
+            <p:style>
+              <a:lnRef idx="2">
+                <a:schemeClr val="accent1">
+                  <a:shade val="15000"/>
+                </a:schemeClr>
+              </a:lnRef>
+              <a:fillRef idx="1">
+                <a:schemeClr val="accent1"/>
+              </a:fillRef>
+              <a:effectRef idx="0">
+                <a:schemeClr val="accent1"/>
+              </a:effectRef>
+              <a:fontRef idx="minor">
+                <a:schemeClr val="lt1"/>
+              </a:fontRef>
+            </p:style>
+            <p:txBody>
+              <a:bodyPr rtlCol="0" anchor="ctr"/>
+              <a:lstStyle/>
+              <a:p>
+                <a:pPr algn="ctr"/>
+                <a:r>
+                  <a:rPr lang="en-US" b="1" dirty="0">
+                    <a:solidFill>
+                      <a:sysClr val="windowText" lastClr="000000"/>
+                    </a:solidFill>
+                  </a:rPr>
+                  <a:t>Win Condition</a:t>
+                </a:r>
+                <a:endParaRPr lang="en-IN" b="1" dirty="0">
+                  <a:solidFill>
+                    <a:sysClr val="windowText" lastClr="000000"/>
+                  </a:solidFill>
+                </a:endParaRPr>
+              </a:p>
+            </p:txBody>
+          </p:sp>
+          <p:sp>
+            <p:nvSpPr>
+              <p:cNvPr id="10" name="Rectangle: Rounded Corners 9">
+                <a:extLst>
+                  <a:ext uri="{FF2B5EF4-FFF2-40B4-BE49-F238E27FC236}">
+                    <a16:creationId xmlns:a16="http://schemas.microsoft.com/office/drawing/2014/main" id="{361F0CF1-43ED-F9CB-963D-A6BF872D7B9E}"/>
+                  </a:ext>
+                </a:extLst>
+              </p:cNvPr>
+              <p:cNvSpPr/>
+              <p:nvPr/>
+            </p:nvSpPr>
+            <p:spPr>
+              <a:xfrm>
+                <a:off x="5409525" y="4813066"/>
+                <a:ext cx="2142699" cy="655092"/>
+              </a:xfrm>
+              <a:prstGeom prst="roundRect">
+                <a:avLst>
+                  <a:gd name="adj" fmla="val 50000"/>
+                </a:avLst>
+              </a:prstGeom>
+              <a:solidFill>
+                <a:schemeClr val="bg1"/>
+              </a:solidFill>
+            </p:spPr>
+            <p:style>
+              <a:lnRef idx="2">
+                <a:schemeClr val="accent1">
+                  <a:shade val="15000"/>
+                </a:schemeClr>
+              </a:lnRef>
+              <a:fillRef idx="1">
+                <a:schemeClr val="accent1"/>
+              </a:fillRef>
+              <a:effectRef idx="0">
+                <a:schemeClr val="accent1"/>
+              </a:effectRef>
+              <a:fontRef idx="minor">
+                <a:schemeClr val="lt1"/>
+              </a:fontRef>
+            </p:style>
+            <p:txBody>
+              <a:bodyPr rtlCol="0" anchor="ctr"/>
+              <a:lstStyle/>
+              <a:p>
+                <a:pPr algn="ctr"/>
+                <a:r>
+                  <a:rPr lang="en-US" b="1" dirty="0">
+                    <a:solidFill>
+                      <a:sysClr val="windowText" lastClr="000000"/>
+                    </a:solidFill>
+                  </a:rPr>
+                  <a:t>Lose Condition</a:t>
+                </a:r>
+                <a:endParaRPr lang="en-IN" b="1" dirty="0">
+                  <a:solidFill>
+                    <a:sysClr val="windowText" lastClr="000000"/>
+                  </a:solidFill>
+                </a:endParaRPr>
+              </a:p>
+            </p:txBody>
+          </p:sp>
+          <p:sp>
+            <p:nvSpPr>
+              <p:cNvPr id="12" name="Rectangle: Rounded Corners 11">
+                <a:extLst>
+                  <a:ext uri="{FF2B5EF4-FFF2-40B4-BE49-F238E27FC236}">
+                    <a16:creationId xmlns:a16="http://schemas.microsoft.com/office/drawing/2014/main" id="{AD239BE7-BE0D-3B34-C5A3-A3DB2F46E7EB}"/>
+                  </a:ext>
+                </a:extLst>
+              </p:cNvPr>
+              <p:cNvSpPr/>
+              <p:nvPr/>
+            </p:nvSpPr>
+            <p:spPr>
+              <a:xfrm>
+                <a:off x="379834" y="3670822"/>
+                <a:ext cx="2142699" cy="655092"/>
+              </a:xfrm>
+              <a:prstGeom prst="roundRect">
+                <a:avLst/>
+              </a:prstGeom>
+              <a:solidFill>
+                <a:schemeClr val="bg1"/>
+              </a:solidFill>
+            </p:spPr>
+            <p:style>
+              <a:lnRef idx="2">
+                <a:schemeClr val="accent1">
+                  <a:shade val="15000"/>
+                </a:schemeClr>
+              </a:lnRef>
+              <a:fillRef idx="1">
+                <a:schemeClr val="accent1"/>
+              </a:fillRef>
+              <a:effectRef idx="0">
+                <a:schemeClr val="accent1"/>
+              </a:effectRef>
+              <a:fontRef idx="minor">
+                <a:schemeClr val="lt1"/>
+              </a:fontRef>
+            </p:style>
+            <p:txBody>
+              <a:bodyPr rtlCol="0" anchor="ctr"/>
+              <a:lstStyle/>
+              <a:p>
+                <a:pPr algn="ctr"/>
+                <a:r>
+                  <a:rPr lang="en-US" b="1" dirty="0">
+                    <a:solidFill>
+                      <a:sysClr val="windowText" lastClr="000000"/>
+                    </a:solidFill>
+                  </a:rPr>
+                  <a:t>Complete Tasks</a:t>
+                </a:r>
+                <a:endParaRPr lang="en-IN" b="1" dirty="0">
+                  <a:solidFill>
+                    <a:sysClr val="windowText" lastClr="000000"/>
+                  </a:solidFill>
+                </a:endParaRPr>
+              </a:p>
+            </p:txBody>
+          </p:sp>
+          <p:sp>
+            <p:nvSpPr>
+              <p:cNvPr id="13" name="Rectangle: Rounded Corners 12">
+                <a:extLst>
+                  <a:ext uri="{FF2B5EF4-FFF2-40B4-BE49-F238E27FC236}">
+                    <a16:creationId xmlns:a16="http://schemas.microsoft.com/office/drawing/2014/main" id="{96CB12EE-A61E-6416-112D-ACD6E202094D}"/>
+                  </a:ext>
+                </a:extLst>
+              </p:cNvPr>
+              <p:cNvSpPr/>
+              <p:nvPr/>
+            </p:nvSpPr>
+            <p:spPr>
+              <a:xfrm>
+                <a:off x="4543194" y="1797562"/>
+                <a:ext cx="2142699" cy="655092"/>
+              </a:xfrm>
+              <a:prstGeom prst="roundRect">
+                <a:avLst/>
+              </a:prstGeom>
+              <a:solidFill>
+                <a:schemeClr val="bg1"/>
+              </a:solidFill>
+            </p:spPr>
+            <p:style>
+              <a:lnRef idx="2">
+                <a:schemeClr val="accent1">
+                  <a:shade val="15000"/>
+                </a:schemeClr>
+              </a:lnRef>
+              <a:fillRef idx="1">
+                <a:schemeClr val="accent1"/>
+              </a:fillRef>
+              <a:effectRef idx="0">
+                <a:schemeClr val="accent1"/>
+              </a:effectRef>
+              <a:fontRef idx="minor">
+                <a:schemeClr val="lt1"/>
+              </a:fontRef>
+            </p:style>
+            <p:txBody>
+              <a:bodyPr rtlCol="0" anchor="ctr"/>
+              <a:lstStyle/>
+              <a:p>
+                <a:pPr algn="ctr"/>
+                <a:r>
+                  <a:rPr lang="en-US" b="1" dirty="0">
+                    <a:solidFill>
+                      <a:sysClr val="windowText" lastClr="000000"/>
+                    </a:solidFill>
+                  </a:rPr>
+                  <a:t>PATROL State</a:t>
+                </a:r>
+              </a:p>
+            </p:txBody>
+          </p:sp>
+          <p:sp>
+            <p:nvSpPr>
+              <p:cNvPr id="14" name="Rectangle: Rounded Corners 13">
+                <a:extLst>
+                  <a:ext uri="{FF2B5EF4-FFF2-40B4-BE49-F238E27FC236}">
+                    <a16:creationId xmlns:a16="http://schemas.microsoft.com/office/drawing/2014/main" id="{E43CBF76-DDF9-47E3-2518-D84E0BC13206}"/>
+                  </a:ext>
+                </a:extLst>
+              </p:cNvPr>
+              <p:cNvSpPr/>
+              <p:nvPr/>
+            </p:nvSpPr>
+            <p:spPr>
+              <a:xfrm>
+                <a:off x="7819018" y="1805235"/>
+                <a:ext cx="2142699" cy="655092"/>
+              </a:xfrm>
+              <a:prstGeom prst="roundRect">
+                <a:avLst/>
+              </a:prstGeom>
+              <a:solidFill>
+                <a:schemeClr val="bg1"/>
+              </a:solidFill>
+            </p:spPr>
+            <p:style>
+              <a:lnRef idx="2">
+                <a:schemeClr val="accent1">
+                  <a:shade val="15000"/>
+                </a:schemeClr>
+              </a:lnRef>
+              <a:fillRef idx="1">
+                <a:schemeClr val="accent1"/>
+              </a:fillRef>
+              <a:effectRef idx="0">
+                <a:schemeClr val="accent1"/>
+              </a:effectRef>
+              <a:fontRef idx="minor">
+                <a:schemeClr val="lt1"/>
+              </a:fontRef>
+            </p:style>
+            <p:txBody>
+              <a:bodyPr rtlCol="0" anchor="ctr"/>
+              <a:lstStyle/>
+              <a:p>
+                <a:pPr algn="ctr"/>
+                <a:r>
+                  <a:rPr lang="en-US" b="1" dirty="0">
+                    <a:solidFill>
+                      <a:sysClr val="windowText" lastClr="000000"/>
+                    </a:solidFill>
+                  </a:rPr>
+                  <a:t>CHASE State</a:t>
+                </a:r>
+                <a:endParaRPr lang="en-IN" b="1" dirty="0">
+                  <a:solidFill>
+                    <a:sysClr val="windowText" lastClr="000000"/>
+                  </a:solidFill>
+                </a:endParaRPr>
+              </a:p>
+            </p:txBody>
+          </p:sp>
+          <p:sp>
+            <p:nvSpPr>
+              <p:cNvPr id="15" name="Rectangle: Rounded Corners 14">
+                <a:extLst>
+                  <a:ext uri="{FF2B5EF4-FFF2-40B4-BE49-F238E27FC236}">
+                    <a16:creationId xmlns:a16="http://schemas.microsoft.com/office/drawing/2014/main" id="{2A59B17F-90AA-4733-5259-0E9433E5CF66}"/>
+                  </a:ext>
+                </a:extLst>
+              </p:cNvPr>
+              <p:cNvSpPr/>
+              <p:nvPr/>
+            </p:nvSpPr>
+            <p:spPr>
+              <a:xfrm>
+                <a:off x="4056897" y="3305314"/>
+                <a:ext cx="2142699" cy="655092"/>
+              </a:xfrm>
+              <a:prstGeom prst="roundRect">
+                <a:avLst/>
+              </a:prstGeom>
+              <a:solidFill>
+                <a:schemeClr val="bg1"/>
+              </a:solidFill>
+            </p:spPr>
+            <p:style>
+              <a:lnRef idx="2">
+                <a:schemeClr val="accent1">
+                  <a:shade val="15000"/>
+                </a:schemeClr>
+              </a:lnRef>
+              <a:fillRef idx="1">
+                <a:schemeClr val="accent1"/>
+              </a:fillRef>
+              <a:effectRef idx="0">
+                <a:schemeClr val="accent1"/>
+              </a:effectRef>
+              <a:fontRef idx="minor">
+                <a:schemeClr val="lt1"/>
+              </a:fontRef>
+            </p:style>
+            <p:txBody>
+              <a:bodyPr rtlCol="0" anchor="ctr"/>
+              <a:lstStyle/>
+              <a:p>
+                <a:pPr algn="ctr"/>
+                <a:r>
+                  <a:rPr lang="en-US" b="1" dirty="0">
+                    <a:solidFill>
+                      <a:sysClr val="windowText" lastClr="000000"/>
+                    </a:solidFill>
+                  </a:rPr>
+                  <a:t>Outrun Enemy</a:t>
+                </a:r>
+                <a:endParaRPr lang="en-IN" b="1" dirty="0">
+                  <a:solidFill>
+                    <a:sysClr val="windowText" lastClr="000000"/>
+                  </a:solidFill>
+                </a:endParaRPr>
+              </a:p>
+            </p:txBody>
+          </p:sp>
+          <p:cxnSp>
+            <p:nvCxnSpPr>
+              <p:cNvPr id="38" name="Connector: Elbow 37">
+                <a:extLst>
+                  <a:ext uri="{FF2B5EF4-FFF2-40B4-BE49-F238E27FC236}">
+                    <a16:creationId xmlns:a16="http://schemas.microsoft.com/office/drawing/2014/main" id="{CEB33F24-5C11-4FD3-523B-B5A24627ABCA}"/>
+                  </a:ext>
+                </a:extLst>
+              </p:cNvPr>
+              <p:cNvCxnSpPr>
+                <a:cxnSpLocks/>
+                <a:stCxn id="8" idx="2"/>
+                <a:endCxn id="13" idx="0"/>
+              </p:cNvCxnSpPr>
+              <p:nvPr/>
+            </p:nvCxnSpPr>
+            <p:spPr>
+              <a:xfrm rot="5400000">
+                <a:off x="5811843" y="1056174"/>
+                <a:ext cx="544090" cy="938687"/>
+              </a:xfrm>
+              <a:prstGeom prst="bentConnector3">
+                <a:avLst>
+                  <a:gd name="adj1" fmla="val 50000"/>
+                </a:avLst>
+              </a:prstGeom>
+              <a:ln>
+                <a:tailEnd type="triangle"/>
+              </a:ln>
+            </p:spPr>
+            <p:style>
+              <a:lnRef idx="2">
+                <a:schemeClr val="accent1"/>
+              </a:lnRef>
+              <a:fillRef idx="0">
+                <a:schemeClr val="accent1"/>
+              </a:fillRef>
+              <a:effectRef idx="1">
+                <a:schemeClr val="accent1"/>
+              </a:effectRef>
+              <a:fontRef idx="minor">
+                <a:schemeClr val="tx1"/>
+              </a:fontRef>
+            </p:style>
+          </p:cxnSp>
+          <p:cxnSp>
+            <p:nvCxnSpPr>
+              <p:cNvPr id="53" name="Connector: Elbow 52">
+                <a:extLst>
+                  <a:ext uri="{FF2B5EF4-FFF2-40B4-BE49-F238E27FC236}">
+                    <a16:creationId xmlns:a16="http://schemas.microsoft.com/office/drawing/2014/main" id="{95BB01D4-1C15-9323-66C1-5DA6C2A36ACA}"/>
+                  </a:ext>
+                </a:extLst>
+              </p:cNvPr>
+              <p:cNvCxnSpPr>
+                <a:stCxn id="12" idx="2"/>
+                <a:endCxn id="9" idx="1"/>
+              </p:cNvCxnSpPr>
+              <p:nvPr/>
+            </p:nvCxnSpPr>
+            <p:spPr>
+              <a:xfrm rot="16200000" flipH="1">
+                <a:off x="1783672" y="3993426"/>
+                <a:ext cx="814698" cy="1479674"/>
+              </a:xfrm>
+              <a:prstGeom prst="bentConnector2">
+                <a:avLst/>
+              </a:prstGeom>
+              <a:ln>
+                <a:tailEnd type="triangle"/>
+              </a:ln>
+            </p:spPr>
+            <p:style>
+              <a:lnRef idx="2">
+                <a:schemeClr val="accent1"/>
+              </a:lnRef>
+              <a:fillRef idx="0">
+                <a:schemeClr val="accent1"/>
+              </a:fillRef>
+              <a:effectRef idx="1">
+                <a:schemeClr val="accent1"/>
+              </a:effectRef>
+              <a:fontRef idx="minor">
+                <a:schemeClr val="tx1"/>
+              </a:fontRef>
+            </p:style>
+          </p:cxnSp>
+          <p:cxnSp>
+            <p:nvCxnSpPr>
+              <p:cNvPr id="57" name="Connector: Elbow 56">
+                <a:extLst>
+                  <a:ext uri="{FF2B5EF4-FFF2-40B4-BE49-F238E27FC236}">
+                    <a16:creationId xmlns:a16="http://schemas.microsoft.com/office/drawing/2014/main" id="{D0E92D57-B9C7-36E0-19AA-0C5BDA73F963}"/>
+                  </a:ext>
+                </a:extLst>
+              </p:cNvPr>
+              <p:cNvCxnSpPr>
+                <a:cxnSpLocks/>
+                <a:stCxn id="3" idx="1"/>
+                <a:endCxn id="4" idx="0"/>
+              </p:cNvCxnSpPr>
+              <p:nvPr/>
+            </p:nvCxnSpPr>
+            <p:spPr>
+              <a:xfrm rot="10800000" flipV="1">
+                <a:off x="1451185" y="929537"/>
+                <a:ext cx="408325" cy="947457"/>
+              </a:xfrm>
+              <a:prstGeom prst="bentConnector2">
+                <a:avLst/>
+              </a:prstGeom>
+              <a:ln>
+                <a:tailEnd type="triangle"/>
+              </a:ln>
+            </p:spPr>
+            <p:style>
+              <a:lnRef idx="2">
+                <a:schemeClr val="accent1"/>
+              </a:lnRef>
+              <a:fillRef idx="0">
+                <a:schemeClr val="accent1"/>
+              </a:fillRef>
+              <a:effectRef idx="1">
+                <a:schemeClr val="accent1"/>
+              </a:effectRef>
+              <a:fontRef idx="minor">
+                <a:schemeClr val="tx1"/>
+              </a:fontRef>
+            </p:style>
+          </p:cxnSp>
+          <p:cxnSp>
+            <p:nvCxnSpPr>
+              <p:cNvPr id="63" name="Connector: Elbow 62">
+                <a:extLst>
+                  <a:ext uri="{FF2B5EF4-FFF2-40B4-BE49-F238E27FC236}">
+                    <a16:creationId xmlns:a16="http://schemas.microsoft.com/office/drawing/2014/main" id="{FA304756-EE08-9EB6-820E-995915C33469}"/>
+                  </a:ext>
+                </a:extLst>
+              </p:cNvPr>
+              <p:cNvCxnSpPr>
+                <a:cxnSpLocks/>
+                <a:stCxn id="3" idx="2"/>
+                <a:endCxn id="15" idx="1"/>
+              </p:cNvCxnSpPr>
+              <p:nvPr/>
+            </p:nvCxnSpPr>
+            <p:spPr>
+              <a:xfrm rot="16200000" flipH="1">
+                <a:off x="2305990" y="1881953"/>
+                <a:ext cx="2375776" cy="1126038"/>
+              </a:xfrm>
+              <a:prstGeom prst="bentConnector2">
+                <a:avLst/>
+              </a:prstGeom>
+              <a:ln>
+                <a:tailEnd type="triangle"/>
+              </a:ln>
+            </p:spPr>
+            <p:style>
+              <a:lnRef idx="2">
+                <a:schemeClr val="accent1"/>
+              </a:lnRef>
+              <a:fillRef idx="0">
+                <a:schemeClr val="accent1"/>
+              </a:fillRef>
+              <a:effectRef idx="1">
+                <a:schemeClr val="accent1"/>
+              </a:effectRef>
+              <a:fontRef idx="minor">
+                <a:schemeClr val="tx1"/>
+              </a:fontRef>
+            </p:style>
+          </p:cxnSp>
+          <p:cxnSp>
+            <p:nvCxnSpPr>
+              <p:cNvPr id="65" name="Connector: Elbow 64">
+                <a:extLst>
+                  <a:ext uri="{FF2B5EF4-FFF2-40B4-BE49-F238E27FC236}">
+                    <a16:creationId xmlns:a16="http://schemas.microsoft.com/office/drawing/2014/main" id="{5EBD8D82-FAA4-3F54-A07A-B2800CC6EB90}"/>
+                  </a:ext>
+                </a:extLst>
+              </p:cNvPr>
+              <p:cNvCxnSpPr>
+                <a:cxnSpLocks/>
+                <a:stCxn id="15" idx="0"/>
+                <a:endCxn id="13" idx="2"/>
+              </p:cNvCxnSpPr>
+              <p:nvPr/>
+            </p:nvCxnSpPr>
+            <p:spPr>
+              <a:xfrm rot="5400000" flipH="1" flipV="1">
+                <a:off x="4945065" y="2635836"/>
+                <a:ext cx="852660" cy="486297"/>
+              </a:xfrm>
+              <a:prstGeom prst="bentConnector3">
+                <a:avLst>
+                  <a:gd name="adj1" fmla="val 50000"/>
+                </a:avLst>
+              </a:prstGeom>
+              <a:ln>
+                <a:tailEnd type="triangle"/>
+              </a:ln>
+            </p:spPr>
+            <p:style>
+              <a:lnRef idx="2">
+                <a:schemeClr val="accent1"/>
+              </a:lnRef>
+              <a:fillRef idx="0">
+                <a:schemeClr val="accent1"/>
+              </a:fillRef>
+              <a:effectRef idx="1">
+                <a:schemeClr val="accent1"/>
+              </a:effectRef>
+              <a:fontRef idx="minor">
+                <a:schemeClr val="tx1"/>
+              </a:fontRef>
+            </p:style>
+          </p:cxnSp>
+          <p:cxnSp>
+            <p:nvCxnSpPr>
+              <p:cNvPr id="70" name="Connector: Elbow 69">
+                <a:extLst>
+                  <a:ext uri="{FF2B5EF4-FFF2-40B4-BE49-F238E27FC236}">
+                    <a16:creationId xmlns:a16="http://schemas.microsoft.com/office/drawing/2014/main" id="{074B4E93-E913-3A59-903B-E661CE1189D9}"/>
+                  </a:ext>
+                </a:extLst>
+              </p:cNvPr>
+              <p:cNvCxnSpPr>
+                <a:cxnSpLocks/>
+                <a:stCxn id="7" idx="2"/>
+                <a:endCxn id="10" idx="3"/>
+              </p:cNvCxnSpPr>
+              <p:nvPr/>
+            </p:nvCxnSpPr>
+            <p:spPr>
+              <a:xfrm rot="5400000">
+                <a:off x="7810837" y="4024101"/>
+                <a:ext cx="857898" cy="1375124"/>
+              </a:xfrm>
+              <a:prstGeom prst="bentConnector2">
+                <a:avLst/>
+              </a:prstGeom>
+              <a:ln>
+                <a:tailEnd type="triangle"/>
+              </a:ln>
+            </p:spPr>
+            <p:style>
+              <a:lnRef idx="2">
+                <a:schemeClr val="accent1"/>
+              </a:lnRef>
+              <a:fillRef idx="0">
+                <a:schemeClr val="accent1"/>
+              </a:fillRef>
+              <a:effectRef idx="1">
+                <a:schemeClr val="accent1"/>
+              </a:effectRef>
+              <a:fontRef idx="minor">
+                <a:schemeClr val="tx1"/>
+              </a:fontRef>
+            </p:style>
+          </p:cxnSp>
+          <p:cxnSp>
+            <p:nvCxnSpPr>
+              <p:cNvPr id="118" name="Straight Arrow Connector 117">
+                <a:extLst>
+                  <a:ext uri="{FF2B5EF4-FFF2-40B4-BE49-F238E27FC236}">
+                    <a16:creationId xmlns:a16="http://schemas.microsoft.com/office/drawing/2014/main" id="{1E84C02F-580E-C0C1-A019-FCCBB7681684}"/>
+                  </a:ext>
+                </a:extLst>
+              </p:cNvPr>
+              <p:cNvCxnSpPr>
+                <a:cxnSpLocks/>
+                <a:stCxn id="4" idx="2"/>
+                <a:endCxn id="12" idx="0"/>
+              </p:cNvCxnSpPr>
+              <p:nvPr/>
+            </p:nvCxnSpPr>
+            <p:spPr>
+              <a:xfrm>
+                <a:off x="1451184" y="2532087"/>
+                <a:ext cx="0" cy="1138735"/>
+              </a:xfrm>
+              <a:prstGeom prst="straightConnector1">
+                <a:avLst/>
+              </a:prstGeom>
+              <a:ln>
+                <a:tailEnd type="triangle"/>
+              </a:ln>
+            </p:spPr>
+            <p:style>
+              <a:lnRef idx="2">
+                <a:schemeClr val="accent1"/>
+              </a:lnRef>
+              <a:fillRef idx="0">
+                <a:schemeClr val="accent1"/>
+              </a:fillRef>
+              <a:effectRef idx="1">
+                <a:schemeClr val="accent1"/>
+              </a:effectRef>
+              <a:fontRef idx="minor">
+                <a:schemeClr val="tx1"/>
+              </a:fontRef>
+            </p:style>
+          </p:cxnSp>
+          <p:cxnSp>
+            <p:nvCxnSpPr>
+              <p:cNvPr id="126" name="Connector: Elbow 125">
+                <a:extLst>
+                  <a:ext uri="{FF2B5EF4-FFF2-40B4-BE49-F238E27FC236}">
+                    <a16:creationId xmlns:a16="http://schemas.microsoft.com/office/drawing/2014/main" id="{08B127F3-F988-C40E-8230-0F9BE0715CBB}"/>
+                  </a:ext>
+                </a:extLst>
+              </p:cNvPr>
+              <p:cNvCxnSpPr>
+                <a:cxnSpLocks/>
+                <a:stCxn id="8" idx="3"/>
+                <a:endCxn id="14" idx="0"/>
+              </p:cNvCxnSpPr>
+              <p:nvPr/>
+            </p:nvCxnSpPr>
+            <p:spPr>
+              <a:xfrm>
+                <a:off x="7624580" y="925926"/>
+                <a:ext cx="1265788" cy="879309"/>
+              </a:xfrm>
+              <a:prstGeom prst="bentConnector2">
+                <a:avLst/>
+              </a:prstGeom>
+              <a:ln>
+                <a:tailEnd type="triangle"/>
+              </a:ln>
+            </p:spPr>
+            <p:style>
+              <a:lnRef idx="2">
+                <a:schemeClr val="accent1"/>
+              </a:lnRef>
+              <a:fillRef idx="0">
+                <a:schemeClr val="accent1"/>
+              </a:fillRef>
+              <a:effectRef idx="1">
+                <a:schemeClr val="accent1"/>
+              </a:effectRef>
+              <a:fontRef idx="minor">
+                <a:schemeClr val="tx1"/>
+              </a:fontRef>
+            </p:style>
+          </p:cxnSp>
+          <p:cxnSp>
+            <p:nvCxnSpPr>
+              <p:cNvPr id="132" name="Connector: Elbow 131">
+                <a:extLst>
+                  <a:ext uri="{FF2B5EF4-FFF2-40B4-BE49-F238E27FC236}">
+                    <a16:creationId xmlns:a16="http://schemas.microsoft.com/office/drawing/2014/main" id="{A57E5B6F-B361-F2F3-A0FF-2549EF9D8249}"/>
+                  </a:ext>
+                </a:extLst>
+              </p:cNvPr>
+              <p:cNvCxnSpPr>
+                <a:stCxn id="15" idx="3"/>
+                <a:endCxn id="14" idx="1"/>
+              </p:cNvCxnSpPr>
+              <p:nvPr/>
+            </p:nvCxnSpPr>
+            <p:spPr>
+              <a:xfrm flipV="1">
+                <a:off x="6199596" y="2132781"/>
+                <a:ext cx="1619422" cy="1500079"/>
+              </a:xfrm>
+              <a:prstGeom prst="bentConnector3">
+                <a:avLst>
+                  <a:gd name="adj1" fmla="val 50000"/>
+                </a:avLst>
+              </a:prstGeom>
+              <a:ln>
+                <a:tailEnd type="triangle"/>
+              </a:ln>
+            </p:spPr>
+            <p:style>
+              <a:lnRef idx="2">
+                <a:schemeClr val="accent1"/>
+              </a:lnRef>
+              <a:fillRef idx="0">
+                <a:schemeClr val="accent1"/>
+              </a:fillRef>
+              <a:effectRef idx="1">
+                <a:schemeClr val="accent1"/>
+              </a:effectRef>
+              <a:fontRef idx="minor">
+                <a:schemeClr val="tx1"/>
+              </a:fontRef>
+            </p:style>
+          </p:cxnSp>
+          <p:cxnSp>
+            <p:nvCxnSpPr>
+              <p:cNvPr id="136" name="Straight Arrow Connector 135">
+                <a:extLst>
+                  <a:ext uri="{FF2B5EF4-FFF2-40B4-BE49-F238E27FC236}">
+                    <a16:creationId xmlns:a16="http://schemas.microsoft.com/office/drawing/2014/main" id="{7A33B351-1121-A1B3-88EB-CB14B397831A}"/>
+                  </a:ext>
+                </a:extLst>
+              </p:cNvPr>
+              <p:cNvCxnSpPr>
+                <a:stCxn id="14" idx="2"/>
+                <a:endCxn id="7" idx="0"/>
+              </p:cNvCxnSpPr>
+              <p:nvPr/>
+            </p:nvCxnSpPr>
+            <p:spPr>
+              <a:xfrm>
+                <a:off x="8890368" y="2460327"/>
+                <a:ext cx="36980" cy="1167295"/>
+              </a:xfrm>
+              <a:prstGeom prst="straightConnector1">
+                <a:avLst/>
+              </a:prstGeom>
+              <a:ln>
+                <a:tailEnd type="triangle"/>
+              </a:ln>
+            </p:spPr>
+            <p:style>
+              <a:lnRef idx="2">
+                <a:schemeClr val="accent1"/>
+              </a:lnRef>
+              <a:fillRef idx="0">
+                <a:schemeClr val="accent1"/>
+              </a:fillRef>
+              <a:effectRef idx="1">
+                <a:schemeClr val="accent1"/>
+              </a:effectRef>
+              <a:fontRef idx="minor">
+                <a:schemeClr val="tx1"/>
+              </a:fontRef>
+            </p:style>
+          </p:cxnSp>
+        </p:grpSp>
+        <p:sp>
+          <p:nvSpPr>
+            <p:cNvPr id="161" name="TextBox 160">
+              <a:extLst>
+                <a:ext uri="{FF2B5EF4-FFF2-40B4-BE49-F238E27FC236}">
+                  <a16:creationId xmlns:a16="http://schemas.microsoft.com/office/drawing/2014/main" id="{10837D4F-84F4-DF3A-428D-0E845DB12E14}"/>
+                </a:ext>
+              </a:extLst>
+            </p:cNvPr>
+            <p:cNvSpPr txBox="1"/>
+            <p:nvPr/>
+          </p:nvSpPr>
+          <p:spPr>
+            <a:xfrm rot="16200000">
+              <a:off x="4752069" y="2903545"/>
+              <a:ext cx="487762" cy="338554"/>
+            </a:xfrm>
+            <a:prstGeom prst="rect">
+              <a:avLst/>
+            </a:prstGeom>
+            <a:noFill/>
+          </p:spPr>
+          <p:txBody>
+            <a:bodyPr wrap="none" rtlCol="0">
+              <a:spAutoFit/>
+            </a:bodyPr>
+            <a:lstStyle/>
+            <a:p>
+              <a:r>
+                <a:rPr lang="en-US" sz="1600" dirty="0"/>
+                <a:t>Yes</a:t>
+              </a:r>
+              <a:endParaRPr lang="en-IN" sz="1600" dirty="0"/>
+            </a:p>
+          </p:txBody>
+        </p:sp>
+        <p:sp>
+          <p:nvSpPr>
+            <p:cNvPr id="162" name="TextBox 161">
+              <a:extLst>
+                <a:ext uri="{FF2B5EF4-FFF2-40B4-BE49-F238E27FC236}">
+                  <a16:creationId xmlns:a16="http://schemas.microsoft.com/office/drawing/2014/main" id="{29B27F01-6294-2B2A-D31B-37C7F4AFC5E3}"/>
+                </a:ext>
+              </a:extLst>
+            </p:cNvPr>
+            <p:cNvSpPr txBox="1"/>
+            <p:nvPr/>
+          </p:nvSpPr>
+          <p:spPr>
+            <a:xfrm>
+              <a:off x="6363672" y="3315637"/>
+              <a:ext cx="442750" cy="338554"/>
+            </a:xfrm>
+            <a:prstGeom prst="rect">
+              <a:avLst/>
+            </a:prstGeom>
+            <a:noFill/>
+          </p:spPr>
+          <p:txBody>
+            <a:bodyPr wrap="none" rtlCol="0">
+              <a:spAutoFit/>
+            </a:bodyPr>
+            <a:lstStyle/>
+            <a:p>
+              <a:r>
+                <a:rPr lang="en-US" sz="1600" dirty="0"/>
+                <a:t>No</a:t>
+              </a:r>
+              <a:endParaRPr lang="en-IN" sz="1600" dirty="0"/>
+            </a:p>
+          </p:txBody>
+        </p:sp>
+      </p:grpSp>
     </p:spTree>
     <p:extLst>
       <p:ext uri="{BB962C8B-B14F-4D97-AF65-F5344CB8AC3E}">
-        <p14:creationId xmlns:p14="http://schemas.microsoft.com/office/powerpoint/2010/main" val="1725189208"/>
+        <p14:creationId xmlns:p14="http://schemas.microsoft.com/office/powerpoint/2010/main" val="117232212"/>
       </p:ext>
     </p:extLst>
   </p:cSld>
@@ -5342,178 +6593,718 @@
           <a:chExt cx="0" cy="0"/>
         </a:xfrm>
       </p:grpSpPr>
-      <p:pic>
-        <p:nvPicPr>
-          <p:cNvPr id="3" name="Picture 2">
-            <a:extLst>
-              <a:ext uri="{FF2B5EF4-FFF2-40B4-BE49-F238E27FC236}">
-                <a16:creationId xmlns:a16="http://schemas.microsoft.com/office/drawing/2014/main" id="{AD73CB6A-4D29-2356-E6B2-32DA3BDD7EB3}"/>
-              </a:ext>
-            </a:extLst>
-          </p:cNvPr>
-          <p:cNvPicPr>
-            <a:picLocks noChangeAspect="1"/>
-          </p:cNvPicPr>
+      <p:sp>
+        <p:nvSpPr>
+          <p:cNvPr id="4" name="Rectangle: Rounded Corners 3">
+            <a:extLst>
+              <a:ext uri="{FF2B5EF4-FFF2-40B4-BE49-F238E27FC236}">
+                <a16:creationId xmlns:a16="http://schemas.microsoft.com/office/drawing/2014/main" id="{418D36F7-E354-EF42-B1B3-EA3DE1038EE9}"/>
+              </a:ext>
+            </a:extLst>
+          </p:cNvPr>
+          <p:cNvSpPr/>
           <p:nvPr/>
-        </p:nvPicPr>
-        <p:blipFill rotWithShape="1">
-          <a:blip r:embed="rId2"/>
-          <a:srcRect l="26389" t="23634" r="32619" b="17215"/>
-          <a:stretch/>
-        </p:blipFill>
+        </p:nvSpPr>
         <p:spPr>
           <a:xfrm>
-            <a:off x="1869367" y="0"/>
-            <a:ext cx="8453267" cy="6858000"/>
+            <a:off x="4707486" y="3552959"/>
+            <a:ext cx="2210938" cy="678976"/>
           </a:xfrm>
           <a:prstGeom prst="roundRect">
+            <a:avLst/>
+          </a:prstGeom>
+          <a:noFill/>
+          <a:ln>
+            <a:solidFill>
+              <a:schemeClr val="tx1"/>
+            </a:solidFill>
+          </a:ln>
+        </p:spPr>
+        <p:style>
+          <a:lnRef idx="2">
+            <a:schemeClr val="accent1">
+              <a:shade val="15000"/>
+            </a:schemeClr>
+          </a:lnRef>
+          <a:fillRef idx="1">
+            <a:schemeClr val="accent1"/>
+          </a:fillRef>
+          <a:effectRef idx="0">
+            <a:schemeClr val="accent1"/>
+          </a:effectRef>
+          <a:fontRef idx="minor">
+            <a:schemeClr val="lt1"/>
+          </a:fontRef>
+        </p:style>
+        <p:txBody>
+          <a:bodyPr rtlCol="0" anchor="ctr"/>
+          <a:lstStyle/>
+          <a:p>
+            <a:pPr algn="ctr"/>
+            <a:r>
+              <a:rPr lang="en-US" dirty="0">
+                <a:solidFill>
+                  <a:sysClr val="windowText" lastClr="000000"/>
+                </a:solidFill>
+              </a:rPr>
+              <a:t>VR </a:t>
+            </a:r>
+            <a:r>
+              <a:rPr lang="en-US" dirty="0" err="1">
+                <a:solidFill>
+                  <a:sysClr val="windowText" lastClr="000000"/>
+                </a:solidFill>
+              </a:rPr>
+              <a:t>Headet</a:t>
+            </a:r>
+            <a:endParaRPr lang="en-IN" dirty="0">
+              <a:solidFill>
+                <a:sysClr val="windowText" lastClr="000000"/>
+              </a:solidFill>
+            </a:endParaRPr>
+          </a:p>
+        </p:txBody>
+      </p:sp>
+      <p:sp>
+        <p:nvSpPr>
+          <p:cNvPr id="9" name="Rectangle: Rounded Corners 8">
+            <a:extLst>
+              <a:ext uri="{FF2B5EF4-FFF2-40B4-BE49-F238E27FC236}">
+                <a16:creationId xmlns:a16="http://schemas.microsoft.com/office/drawing/2014/main" id="{CBF59189-DE28-6316-BCA5-F61855DCE0E6}"/>
+              </a:ext>
+            </a:extLst>
+          </p:cNvPr>
+          <p:cNvSpPr/>
+          <p:nvPr/>
+        </p:nvSpPr>
+        <p:spPr>
+          <a:xfrm>
+            <a:off x="4707486" y="1421651"/>
+            <a:ext cx="2210938" cy="678976"/>
+          </a:xfrm>
+          <a:prstGeom prst="roundRect">
+            <a:avLst/>
+          </a:prstGeom>
+          <a:noFill/>
+          <a:ln>
+            <a:solidFill>
+              <a:schemeClr val="tx1"/>
+            </a:solidFill>
+          </a:ln>
+        </p:spPr>
+        <p:style>
+          <a:lnRef idx="2">
+            <a:schemeClr val="accent1">
+              <a:shade val="15000"/>
+            </a:schemeClr>
+          </a:lnRef>
+          <a:fillRef idx="1">
+            <a:schemeClr val="accent1"/>
+          </a:fillRef>
+          <a:effectRef idx="0">
+            <a:schemeClr val="accent1"/>
+          </a:effectRef>
+          <a:fontRef idx="minor">
+            <a:schemeClr val="lt1"/>
+          </a:fontRef>
+        </p:style>
+        <p:txBody>
+          <a:bodyPr rtlCol="0" anchor="ctr"/>
+          <a:lstStyle/>
+          <a:p>
+            <a:pPr algn="ctr"/>
+            <a:r>
+              <a:rPr lang="en-US" dirty="0">
+                <a:solidFill>
+                  <a:sysClr val="windowText" lastClr="000000"/>
+                </a:solidFill>
+              </a:rPr>
+              <a:t>Game Engine</a:t>
+            </a:r>
+            <a:endParaRPr lang="en-IN" dirty="0">
+              <a:solidFill>
+                <a:sysClr val="windowText" lastClr="000000"/>
+              </a:solidFill>
+            </a:endParaRPr>
+          </a:p>
+        </p:txBody>
+      </p:sp>
+      <p:sp>
+        <p:nvSpPr>
+          <p:cNvPr id="10" name="Rectangle: Rounded Corners 9">
+            <a:extLst>
+              <a:ext uri="{FF2B5EF4-FFF2-40B4-BE49-F238E27FC236}">
+                <a16:creationId xmlns:a16="http://schemas.microsoft.com/office/drawing/2014/main" id="{F4557C00-F325-3F0B-A979-A7B8BDE25AA7}"/>
+              </a:ext>
+            </a:extLst>
+          </p:cNvPr>
+          <p:cNvSpPr/>
+          <p:nvPr/>
+        </p:nvSpPr>
+        <p:spPr>
+          <a:xfrm>
+            <a:off x="8305450" y="2970671"/>
+            <a:ext cx="2210938" cy="678976"/>
+          </a:xfrm>
+          <a:prstGeom prst="roundRect">
+            <a:avLst/>
+          </a:prstGeom>
+          <a:noFill/>
+          <a:ln>
+            <a:solidFill>
+              <a:schemeClr val="tx1"/>
+            </a:solidFill>
+          </a:ln>
+        </p:spPr>
+        <p:style>
+          <a:lnRef idx="2">
+            <a:schemeClr val="accent1">
+              <a:shade val="15000"/>
+            </a:schemeClr>
+          </a:lnRef>
+          <a:fillRef idx="1">
+            <a:schemeClr val="accent1"/>
+          </a:fillRef>
+          <a:effectRef idx="0">
+            <a:schemeClr val="accent1"/>
+          </a:effectRef>
+          <a:fontRef idx="minor">
+            <a:schemeClr val="lt1"/>
+          </a:fontRef>
+        </p:style>
+        <p:txBody>
+          <a:bodyPr rtlCol="0" anchor="ctr"/>
+          <a:lstStyle/>
+          <a:p>
+            <a:pPr algn="ctr"/>
+            <a:r>
+              <a:rPr lang="en-US" dirty="0">
+                <a:solidFill>
+                  <a:sysClr val="windowText" lastClr="000000"/>
+                </a:solidFill>
+              </a:rPr>
+              <a:t>Gamepad Controllers</a:t>
+            </a:r>
+            <a:endParaRPr lang="en-IN" dirty="0">
+              <a:solidFill>
+                <a:sysClr val="windowText" lastClr="000000"/>
+              </a:solidFill>
+            </a:endParaRPr>
+          </a:p>
+        </p:txBody>
+      </p:sp>
+      <p:sp>
+        <p:nvSpPr>
+          <p:cNvPr id="11" name="Rectangle: Rounded Corners 10">
+            <a:extLst>
+              <a:ext uri="{FF2B5EF4-FFF2-40B4-BE49-F238E27FC236}">
+                <a16:creationId xmlns:a16="http://schemas.microsoft.com/office/drawing/2014/main" id="{7CF5DB09-2C90-9D1C-AF89-3B7EB67213EC}"/>
+              </a:ext>
+            </a:extLst>
+          </p:cNvPr>
+          <p:cNvSpPr/>
+          <p:nvPr/>
+        </p:nvSpPr>
+        <p:spPr>
+          <a:xfrm>
+            <a:off x="8305450" y="1938850"/>
+            <a:ext cx="2210938" cy="678976"/>
+          </a:xfrm>
+          <a:prstGeom prst="roundRect">
+            <a:avLst/>
+          </a:prstGeom>
+          <a:noFill/>
+          <a:ln>
+            <a:solidFill>
+              <a:schemeClr val="tx1"/>
+            </a:solidFill>
+          </a:ln>
+        </p:spPr>
+        <p:style>
+          <a:lnRef idx="2">
+            <a:schemeClr val="accent1">
+              <a:shade val="15000"/>
+            </a:schemeClr>
+          </a:lnRef>
+          <a:fillRef idx="1">
+            <a:schemeClr val="accent1"/>
+          </a:fillRef>
+          <a:effectRef idx="0">
+            <a:schemeClr val="accent1"/>
+          </a:effectRef>
+          <a:fontRef idx="minor">
+            <a:schemeClr val="lt1"/>
+          </a:fontRef>
+        </p:style>
+        <p:txBody>
+          <a:bodyPr rtlCol="0" anchor="ctr"/>
+          <a:lstStyle/>
+          <a:p>
+            <a:pPr algn="ctr"/>
+            <a:r>
+              <a:rPr lang="en-US" dirty="0">
+                <a:solidFill>
+                  <a:sysClr val="windowText" lastClr="000000"/>
+                </a:solidFill>
+              </a:rPr>
+              <a:t>Google Cardboard SDK</a:t>
+            </a:r>
+            <a:endParaRPr lang="en-IN" dirty="0">
+              <a:solidFill>
+                <a:sysClr val="windowText" lastClr="000000"/>
+              </a:solidFill>
+            </a:endParaRPr>
+          </a:p>
+        </p:txBody>
+      </p:sp>
+      <p:sp>
+        <p:nvSpPr>
+          <p:cNvPr id="12" name="Rectangle: Rounded Corners 11">
+            <a:extLst>
+              <a:ext uri="{FF2B5EF4-FFF2-40B4-BE49-F238E27FC236}">
+                <a16:creationId xmlns:a16="http://schemas.microsoft.com/office/drawing/2014/main" id="{B4CEF2CF-EB2C-1157-1442-F7FE1F75126F}"/>
+              </a:ext>
+            </a:extLst>
+          </p:cNvPr>
+          <p:cNvSpPr/>
+          <p:nvPr/>
+        </p:nvSpPr>
+        <p:spPr>
+          <a:xfrm>
+            <a:off x="1534673" y="2965553"/>
+            <a:ext cx="2210938" cy="678976"/>
+          </a:xfrm>
+          <a:prstGeom prst="roundRect">
+            <a:avLst/>
+          </a:prstGeom>
+          <a:noFill/>
+          <a:ln>
+            <a:solidFill>
+              <a:schemeClr val="tx1"/>
+            </a:solidFill>
+          </a:ln>
+        </p:spPr>
+        <p:style>
+          <a:lnRef idx="2">
+            <a:schemeClr val="accent1">
+              <a:shade val="15000"/>
+            </a:schemeClr>
+          </a:lnRef>
+          <a:fillRef idx="1">
+            <a:schemeClr val="accent1"/>
+          </a:fillRef>
+          <a:effectRef idx="0">
+            <a:schemeClr val="accent1"/>
+          </a:effectRef>
+          <a:fontRef idx="minor">
+            <a:schemeClr val="lt1"/>
+          </a:fontRef>
+        </p:style>
+        <p:txBody>
+          <a:bodyPr rtlCol="0" anchor="ctr"/>
+          <a:lstStyle/>
+          <a:p>
+            <a:pPr algn="ctr"/>
+            <a:r>
+              <a:rPr lang="en-US" dirty="0">
+                <a:solidFill>
+                  <a:sysClr val="windowText" lastClr="000000"/>
+                </a:solidFill>
+              </a:rPr>
+              <a:t>Audio</a:t>
+            </a:r>
+            <a:endParaRPr lang="en-IN" dirty="0">
+              <a:solidFill>
+                <a:sysClr val="windowText" lastClr="000000"/>
+              </a:solidFill>
+            </a:endParaRPr>
+          </a:p>
+        </p:txBody>
+      </p:sp>
+      <p:sp>
+        <p:nvSpPr>
+          <p:cNvPr id="13" name="Rectangle: Rounded Corners 12">
+            <a:extLst>
+              <a:ext uri="{FF2B5EF4-FFF2-40B4-BE49-F238E27FC236}">
+                <a16:creationId xmlns:a16="http://schemas.microsoft.com/office/drawing/2014/main" id="{820DDB1B-B23A-289B-BA36-C48F615F3BF1}"/>
+              </a:ext>
+            </a:extLst>
+          </p:cNvPr>
+          <p:cNvSpPr/>
+          <p:nvPr/>
+        </p:nvSpPr>
+        <p:spPr>
+          <a:xfrm>
+            <a:off x="1534673" y="1878707"/>
+            <a:ext cx="2210938" cy="678976"/>
+          </a:xfrm>
+          <a:prstGeom prst="roundRect">
+            <a:avLst/>
+          </a:prstGeom>
+          <a:noFill/>
+          <a:ln>
+            <a:solidFill>
+              <a:schemeClr val="tx1"/>
+            </a:solidFill>
+          </a:ln>
+        </p:spPr>
+        <p:style>
+          <a:lnRef idx="2">
+            <a:schemeClr val="accent1">
+              <a:shade val="15000"/>
+            </a:schemeClr>
+          </a:lnRef>
+          <a:fillRef idx="1">
+            <a:schemeClr val="accent1"/>
+          </a:fillRef>
+          <a:effectRef idx="0">
+            <a:schemeClr val="accent1"/>
+          </a:effectRef>
+          <a:fontRef idx="minor">
+            <a:schemeClr val="lt1"/>
+          </a:fontRef>
+        </p:style>
+        <p:txBody>
+          <a:bodyPr rtlCol="0" anchor="ctr"/>
+          <a:lstStyle/>
+          <a:p>
+            <a:pPr algn="ctr"/>
+            <a:r>
+              <a:rPr lang="en-US" dirty="0">
+                <a:solidFill>
+                  <a:sysClr val="windowText" lastClr="000000"/>
+                </a:solidFill>
+              </a:rPr>
+              <a:t>Rendering</a:t>
+            </a:r>
+            <a:endParaRPr lang="en-IN" dirty="0">
+              <a:solidFill>
+                <a:sysClr val="windowText" lastClr="000000"/>
+              </a:solidFill>
+            </a:endParaRPr>
+          </a:p>
+        </p:txBody>
+      </p:sp>
+      <p:cxnSp>
+        <p:nvCxnSpPr>
+          <p:cNvPr id="15" name="Connector: Elbow 14">
+            <a:extLst>
+              <a:ext uri="{FF2B5EF4-FFF2-40B4-BE49-F238E27FC236}">
+                <a16:creationId xmlns:a16="http://schemas.microsoft.com/office/drawing/2014/main" id="{1422AB55-EF0F-D0FA-095D-566CB7CA1A23}"/>
+              </a:ext>
+            </a:extLst>
+          </p:cNvPr>
+          <p:cNvCxnSpPr>
+            <a:cxnSpLocks/>
+            <a:stCxn id="9" idx="1"/>
+            <a:endCxn id="13" idx="1"/>
+          </p:cNvCxnSpPr>
+          <p:nvPr/>
+        </p:nvCxnSpPr>
+        <p:spPr>
+          <a:xfrm rot="10800000" flipV="1">
+            <a:off x="1534674" y="1761139"/>
+            <a:ext cx="3172813" cy="457056"/>
+          </a:xfrm>
+          <a:prstGeom prst="bentConnector3">
             <a:avLst>
-              <a:gd name="adj" fmla="val 4097"/>
+              <a:gd name="adj1" fmla="val 107205"/>
             </a:avLst>
           </a:prstGeom>
           <a:ln>
             <a:solidFill>
               <a:schemeClr val="tx1"/>
             </a:solidFill>
+            <a:tailEnd type="triangle"/>
           </a:ln>
         </p:spPr>
-      </p:pic>
-    </p:spTree>
-    <p:extLst>
-      <p:ext uri="{BB962C8B-B14F-4D97-AF65-F5344CB8AC3E}">
-        <p14:creationId xmlns:p14="http://schemas.microsoft.com/office/powerpoint/2010/main" val="2516899869"/>
-      </p:ext>
-    </p:extLst>
-  </p:cSld>
-  <p:clrMapOvr>
-    <a:masterClrMapping/>
-  </p:clrMapOvr>
-</p:sld>
-</file>
-
-<file path=ppt/slides/slide7.xml><?xml version="1.0" encoding="utf-8"?>
-<p:sld xmlns:a="http://schemas.openxmlformats.org/drawingml/2006/main" xmlns:r="http://schemas.openxmlformats.org/officeDocument/2006/relationships" xmlns:p="http://schemas.openxmlformats.org/presentationml/2006/main">
-  <p:cSld>
-    <p:spTree>
-      <p:nvGrpSpPr>
-        <p:cNvPr id="1" name=""/>
-        <p:cNvGrpSpPr/>
-        <p:nvPr/>
-      </p:nvGrpSpPr>
-      <p:grpSpPr>
-        <a:xfrm>
-          <a:off x="0" y="0"/>
-          <a:ext cx="0" cy="0"/>
-          <a:chOff x="0" y="0"/>
-          <a:chExt cx="0" cy="0"/>
-        </a:xfrm>
-      </p:grpSpPr>
-      <p:pic>
-        <p:nvPicPr>
-          <p:cNvPr id="3" name="Picture 2">
-            <a:extLst>
-              <a:ext uri="{FF2B5EF4-FFF2-40B4-BE49-F238E27FC236}">
-                <a16:creationId xmlns:a16="http://schemas.microsoft.com/office/drawing/2014/main" id="{7A525701-B411-B6E5-53B1-525A7AB26C1A}"/>
-              </a:ext>
-            </a:extLst>
-          </p:cNvPr>
-          <p:cNvPicPr>
-            <a:picLocks noChangeAspect="1"/>
-          </p:cNvPicPr>
+        <p:style>
+          <a:lnRef idx="2">
+            <a:schemeClr val="accent1"/>
+          </a:lnRef>
+          <a:fillRef idx="0">
+            <a:schemeClr val="accent1"/>
+          </a:fillRef>
+          <a:effectRef idx="1">
+            <a:schemeClr val="accent1"/>
+          </a:effectRef>
+          <a:fontRef idx="minor">
+            <a:schemeClr val="tx1"/>
+          </a:fontRef>
+        </p:style>
+      </p:cxnSp>
+      <p:cxnSp>
+        <p:nvCxnSpPr>
+          <p:cNvPr id="17" name="Connector: Elbow 16">
+            <a:extLst>
+              <a:ext uri="{FF2B5EF4-FFF2-40B4-BE49-F238E27FC236}">
+                <a16:creationId xmlns:a16="http://schemas.microsoft.com/office/drawing/2014/main" id="{FE77729B-D245-ED6C-B84C-321DA84A63CB}"/>
+              </a:ext>
+            </a:extLst>
+          </p:cNvPr>
+          <p:cNvCxnSpPr>
+            <a:cxnSpLocks/>
+            <a:stCxn id="9" idx="1"/>
+            <a:endCxn id="12" idx="1"/>
+          </p:cNvCxnSpPr>
           <p:nvPr/>
-        </p:nvPicPr>
-        <p:blipFill rotWithShape="1">
-          <a:blip r:embed="rId2"/>
-          <a:srcRect l="26389" t="23633" r="32619" b="17216"/>
-          <a:stretch/>
-        </p:blipFill>
+        </p:nvCxnSpPr>
         <p:spPr>
-          <a:xfrm>
-            <a:off x="1851547" y="-1"/>
-            <a:ext cx="8488907" cy="6886915"/>
+          <a:xfrm rot="10800000" flipV="1">
+            <a:off x="1534674" y="1761139"/>
+            <a:ext cx="3172813" cy="1543902"/>
           </a:xfrm>
-          <a:prstGeom prst="roundRect">
+          <a:prstGeom prst="bentConnector3">
             <a:avLst>
-              <a:gd name="adj" fmla="val 4656"/>
+              <a:gd name="adj1" fmla="val 114517"/>
             </a:avLst>
           </a:prstGeom>
           <a:ln>
             <a:solidFill>
               <a:schemeClr val="tx1"/>
             </a:solidFill>
+            <a:tailEnd type="triangle"/>
           </a:ln>
         </p:spPr>
-      </p:pic>
-    </p:spTree>
-    <p:extLst>
-      <p:ext uri="{BB962C8B-B14F-4D97-AF65-F5344CB8AC3E}">
-        <p14:creationId xmlns:p14="http://schemas.microsoft.com/office/powerpoint/2010/main" val="3746485358"/>
-      </p:ext>
-    </p:extLst>
-  </p:cSld>
-  <p:clrMapOvr>
-    <a:masterClrMapping/>
-  </p:clrMapOvr>
-</p:sld>
-</file>
-
-<file path=ppt/slides/slide8.xml><?xml version="1.0" encoding="utf-8"?>
-<p:sld xmlns:a="http://schemas.openxmlformats.org/drawingml/2006/main" xmlns:r="http://schemas.openxmlformats.org/officeDocument/2006/relationships" xmlns:p="http://schemas.openxmlformats.org/presentationml/2006/main">
-  <p:cSld>
-    <p:spTree>
-      <p:nvGrpSpPr>
-        <p:cNvPr id="1" name=""/>
-        <p:cNvGrpSpPr/>
-        <p:nvPr/>
-      </p:nvGrpSpPr>
-      <p:grpSpPr>
-        <a:xfrm>
-          <a:off x="0" y="0"/>
-          <a:ext cx="0" cy="0"/>
-          <a:chOff x="0" y="0"/>
-          <a:chExt cx="0" cy="0"/>
-        </a:xfrm>
-      </p:grpSpPr>
-      <p:pic>
-        <p:nvPicPr>
-          <p:cNvPr id="2" name="Picture 1">
-            <a:extLst>
-              <a:ext uri="{FF2B5EF4-FFF2-40B4-BE49-F238E27FC236}">
-                <a16:creationId xmlns:a16="http://schemas.microsoft.com/office/drawing/2014/main" id="{2580B9ED-E4B4-E0E3-E84C-D71335D1906F}"/>
-              </a:ext>
-            </a:extLst>
-          </p:cNvPr>
-          <p:cNvPicPr>
-            <a:picLocks noChangeAspect="1"/>
-          </p:cNvPicPr>
+        <p:style>
+          <a:lnRef idx="2">
+            <a:schemeClr val="accent1"/>
+          </a:lnRef>
+          <a:fillRef idx="0">
+            <a:schemeClr val="accent1"/>
+          </a:fillRef>
+          <a:effectRef idx="1">
+            <a:schemeClr val="accent1"/>
+          </a:effectRef>
+          <a:fontRef idx="minor">
+            <a:schemeClr val="tx1"/>
+          </a:fontRef>
+        </p:style>
+      </p:cxnSp>
+      <p:cxnSp>
+        <p:nvCxnSpPr>
+          <p:cNvPr id="19" name="Connector: Elbow 18">
+            <a:extLst>
+              <a:ext uri="{FF2B5EF4-FFF2-40B4-BE49-F238E27FC236}">
+                <a16:creationId xmlns:a16="http://schemas.microsoft.com/office/drawing/2014/main" id="{1A7B0BFB-51C5-A091-D1C5-1F74B5BD69F5}"/>
+              </a:ext>
+            </a:extLst>
+          </p:cNvPr>
+          <p:cNvCxnSpPr>
+            <a:cxnSpLocks/>
+            <a:stCxn id="13" idx="3"/>
+            <a:endCxn id="4" idx="1"/>
+          </p:cNvCxnSpPr>
           <p:nvPr/>
-        </p:nvPicPr>
-        <p:blipFill rotWithShape="1">
-          <a:blip r:embed="rId2"/>
-          <a:srcRect l="15224" t="21081" r="15224" b="7641"/>
-          <a:stretch/>
-        </p:blipFill>
+        </p:nvCxnSpPr>
         <p:spPr>
           <a:xfrm>
-            <a:off x="0" y="0"/>
-            <a:ext cx="11902524" cy="6858000"/>
+            <a:off x="3745611" y="2218195"/>
+            <a:ext cx="961875" cy="1674252"/>
           </a:xfrm>
-          <a:prstGeom prst="roundRect">
+          <a:prstGeom prst="bentConnector3">
             <a:avLst>
-              <a:gd name="adj" fmla="val 4097"/>
+              <a:gd name="adj1" fmla="val 57094"/>
             </a:avLst>
           </a:prstGeom>
           <a:ln>
             <a:solidFill>
               <a:schemeClr val="tx1"/>
             </a:solidFill>
+            <a:tailEnd type="triangle"/>
           </a:ln>
+        </p:spPr>
+        <p:style>
+          <a:lnRef idx="2">
+            <a:schemeClr val="accent1"/>
+          </a:lnRef>
+          <a:fillRef idx="0">
+            <a:schemeClr val="accent1"/>
+          </a:fillRef>
+          <a:effectRef idx="1">
+            <a:schemeClr val="accent1"/>
+          </a:effectRef>
+          <a:fontRef idx="minor">
+            <a:schemeClr val="tx1"/>
+          </a:fontRef>
+        </p:style>
+      </p:cxnSp>
+      <p:cxnSp>
+        <p:nvCxnSpPr>
+          <p:cNvPr id="21" name="Connector: Elbow 20">
+            <a:extLst>
+              <a:ext uri="{FF2B5EF4-FFF2-40B4-BE49-F238E27FC236}">
+                <a16:creationId xmlns:a16="http://schemas.microsoft.com/office/drawing/2014/main" id="{7BEE4359-DBB2-0D89-8F45-E54B72F1A4AB}"/>
+              </a:ext>
+            </a:extLst>
+          </p:cNvPr>
+          <p:cNvCxnSpPr>
+            <a:cxnSpLocks/>
+            <a:stCxn id="12" idx="2"/>
+            <a:endCxn id="4" idx="1"/>
+          </p:cNvCxnSpPr>
+          <p:nvPr/>
+        </p:nvCxnSpPr>
+        <p:spPr>
+          <a:xfrm rot="16200000" flipH="1">
+            <a:off x="3549855" y="2734816"/>
+            <a:ext cx="247918" cy="2067344"/>
+          </a:xfrm>
+          <a:prstGeom prst="bentConnector2">
+            <a:avLst/>
+          </a:prstGeom>
+          <a:ln>
+            <a:solidFill>
+              <a:schemeClr val="tx1"/>
+            </a:solidFill>
+            <a:tailEnd type="triangle"/>
+          </a:ln>
+        </p:spPr>
+        <p:style>
+          <a:lnRef idx="2">
+            <a:schemeClr val="accent1"/>
+          </a:lnRef>
+          <a:fillRef idx="0">
+            <a:schemeClr val="accent1"/>
+          </a:fillRef>
+          <a:effectRef idx="1">
+            <a:schemeClr val="accent1"/>
+          </a:effectRef>
+          <a:fontRef idx="minor">
+            <a:schemeClr val="tx1"/>
+          </a:fontRef>
+        </p:style>
+      </p:cxnSp>
+      <p:cxnSp>
+        <p:nvCxnSpPr>
+          <p:cNvPr id="24" name="Connector: Elbow 23">
+            <a:extLst>
+              <a:ext uri="{FF2B5EF4-FFF2-40B4-BE49-F238E27FC236}">
+                <a16:creationId xmlns:a16="http://schemas.microsoft.com/office/drawing/2014/main" id="{DC4D238D-3495-E0CA-C0B5-766FF3C80A0B}"/>
+              </a:ext>
+            </a:extLst>
+          </p:cNvPr>
+          <p:cNvCxnSpPr>
+            <a:cxnSpLocks/>
+            <a:stCxn id="11" idx="1"/>
+            <a:endCxn id="4" idx="3"/>
+          </p:cNvCxnSpPr>
+          <p:nvPr/>
+        </p:nvCxnSpPr>
+        <p:spPr>
+          <a:xfrm rot="10800000" flipV="1">
+            <a:off x="6918424" y="2278337"/>
+            <a:ext cx="1387026" cy="1614109"/>
+          </a:xfrm>
+          <a:prstGeom prst="bentConnector3">
+            <a:avLst>
+              <a:gd name="adj1" fmla="val 50000"/>
+            </a:avLst>
+          </a:prstGeom>
+          <a:ln>
+            <a:solidFill>
+              <a:schemeClr val="tx1"/>
+            </a:solidFill>
+            <a:tailEnd type="triangle"/>
+          </a:ln>
+        </p:spPr>
+        <p:style>
+          <a:lnRef idx="2">
+            <a:schemeClr val="accent1"/>
+          </a:lnRef>
+          <a:fillRef idx="0">
+            <a:schemeClr val="accent1"/>
+          </a:fillRef>
+          <a:effectRef idx="1">
+            <a:schemeClr val="accent1"/>
+          </a:effectRef>
+          <a:fontRef idx="minor">
+            <a:schemeClr val="tx1"/>
+          </a:fontRef>
+        </p:style>
+      </p:cxnSp>
+      <p:cxnSp>
+        <p:nvCxnSpPr>
+          <p:cNvPr id="26" name="Connector: Elbow 25">
+            <a:extLst>
+              <a:ext uri="{FF2B5EF4-FFF2-40B4-BE49-F238E27FC236}">
+                <a16:creationId xmlns:a16="http://schemas.microsoft.com/office/drawing/2014/main" id="{6FB80184-DD73-DFA8-E0F7-BAECEFF56FFC}"/>
+              </a:ext>
+            </a:extLst>
+          </p:cNvPr>
+          <p:cNvCxnSpPr>
+            <a:cxnSpLocks/>
+            <a:stCxn id="10" idx="1"/>
+            <a:endCxn id="9" idx="3"/>
+          </p:cNvCxnSpPr>
+          <p:nvPr/>
+        </p:nvCxnSpPr>
+        <p:spPr>
+          <a:xfrm rot="10800000">
+            <a:off x="6918424" y="1761139"/>
+            <a:ext cx="1387026" cy="1549020"/>
+          </a:xfrm>
+          <a:prstGeom prst="bentConnector3">
+            <a:avLst>
+              <a:gd name="adj1" fmla="val 65743"/>
+            </a:avLst>
+          </a:prstGeom>
+          <a:ln>
+            <a:solidFill>
+              <a:schemeClr val="tx1"/>
+            </a:solidFill>
+            <a:tailEnd type="triangle"/>
+          </a:ln>
+        </p:spPr>
+        <p:style>
+          <a:lnRef idx="2">
+            <a:schemeClr val="accent1"/>
+          </a:lnRef>
+          <a:fillRef idx="0">
+            <a:schemeClr val="accent1"/>
+          </a:fillRef>
+          <a:effectRef idx="1">
+            <a:schemeClr val="accent1"/>
+          </a:effectRef>
+          <a:fontRef idx="minor">
+            <a:schemeClr val="tx1"/>
+          </a:fontRef>
+        </p:style>
+      </p:cxnSp>
+      <p:pic>
+        <p:nvPicPr>
+          <p:cNvPr id="64" name="Picture 63">
+            <a:extLst>
+              <a:ext uri="{FF2B5EF4-FFF2-40B4-BE49-F238E27FC236}">
+                <a16:creationId xmlns:a16="http://schemas.microsoft.com/office/drawing/2014/main" id="{BB543612-F060-0DEE-C7CC-08681D7AA418}"/>
+              </a:ext>
+            </a:extLst>
+          </p:cNvPr>
+          <p:cNvPicPr>
+            <a:picLocks noChangeAspect="1"/>
+          </p:cNvPicPr>
+          <p:nvPr/>
+        </p:nvPicPr>
+        <p:blipFill>
+          <a:blip r:embed="rId2"/>
+          <a:stretch>
+            <a:fillRect/>
+          </a:stretch>
+        </p:blipFill>
+        <p:spPr>
+          <a:xfrm>
+            <a:off x="1054576" y="3482752"/>
+            <a:ext cx="9461812" cy="2828789"/>
+          </a:xfrm>
+          <a:prstGeom prst="rect">
+            <a:avLst/>
+          </a:prstGeom>
         </p:spPr>
       </p:pic>
     </p:spTree>
     <p:extLst>
       <p:ext uri="{BB962C8B-B14F-4D97-AF65-F5344CB8AC3E}">
-        <p14:creationId xmlns:p14="http://schemas.microsoft.com/office/powerpoint/2010/main" val="585495866"/>
+        <p14:creationId xmlns:p14="http://schemas.microsoft.com/office/powerpoint/2010/main" val="1153816085"/>
       </p:ext>
     </p:extLst>
   </p:cSld>

--- a/SRS.pptx
+++ b/SRS.pptx
@@ -10,7 +10,10 @@
     <p:sldId id="258" r:id="rId4"/>
     <p:sldId id="260" r:id="rId5"/>
     <p:sldId id="261" r:id="rId6"/>
-    <p:sldId id="262" r:id="rId7"/>
+    <p:sldId id="264" r:id="rId7"/>
+    <p:sldId id="263" r:id="rId8"/>
+    <p:sldId id="262" r:id="rId9"/>
+    <p:sldId id="265" r:id="rId10"/>
   </p:sldIdLst>
   <p:sldSz cx="12192000" cy="6858000"/>
   <p:notesSz cx="6858000" cy="9144000"/>
@@ -350,7 +353,7 @@
           <a:p>
             <a:fld id="{B0AAE9EB-4E09-49F4-B23B-25A5BA76B78B}" type="datetimeFigureOut">
               <a:rPr lang="en-IN" smtClean="0"/>
-              <a:t>25-03-2024</a:t>
+              <a:t>04-04-2024</a:t>
             </a:fld>
             <a:endParaRPr lang="en-IN"/>
           </a:p>
@@ -550,7 +553,7 @@
           <a:p>
             <a:fld id="{B0AAE9EB-4E09-49F4-B23B-25A5BA76B78B}" type="datetimeFigureOut">
               <a:rPr lang="en-IN" smtClean="0"/>
-              <a:t>25-03-2024</a:t>
+              <a:t>04-04-2024</a:t>
             </a:fld>
             <a:endParaRPr lang="en-IN"/>
           </a:p>
@@ -760,7 +763,7 @@
           <a:p>
             <a:fld id="{B0AAE9EB-4E09-49F4-B23B-25A5BA76B78B}" type="datetimeFigureOut">
               <a:rPr lang="en-IN" smtClean="0"/>
-              <a:t>25-03-2024</a:t>
+              <a:t>04-04-2024</a:t>
             </a:fld>
             <a:endParaRPr lang="en-IN"/>
           </a:p>
@@ -960,7 +963,7 @@
           <a:p>
             <a:fld id="{B0AAE9EB-4E09-49F4-B23B-25A5BA76B78B}" type="datetimeFigureOut">
               <a:rPr lang="en-IN" smtClean="0"/>
-              <a:t>25-03-2024</a:t>
+              <a:t>04-04-2024</a:t>
             </a:fld>
             <a:endParaRPr lang="en-IN"/>
           </a:p>
@@ -1236,7 +1239,7 @@
           <a:p>
             <a:fld id="{B0AAE9EB-4E09-49F4-B23B-25A5BA76B78B}" type="datetimeFigureOut">
               <a:rPr lang="en-IN" smtClean="0"/>
-              <a:t>25-03-2024</a:t>
+              <a:t>04-04-2024</a:t>
             </a:fld>
             <a:endParaRPr lang="en-IN"/>
           </a:p>
@@ -1504,7 +1507,7 @@
           <a:p>
             <a:fld id="{B0AAE9EB-4E09-49F4-B23B-25A5BA76B78B}" type="datetimeFigureOut">
               <a:rPr lang="en-IN" smtClean="0"/>
-              <a:t>25-03-2024</a:t>
+              <a:t>04-04-2024</a:t>
             </a:fld>
             <a:endParaRPr lang="en-IN"/>
           </a:p>
@@ -1919,7 +1922,7 @@
           <a:p>
             <a:fld id="{B0AAE9EB-4E09-49F4-B23B-25A5BA76B78B}" type="datetimeFigureOut">
               <a:rPr lang="en-IN" smtClean="0"/>
-              <a:t>25-03-2024</a:t>
+              <a:t>04-04-2024</a:t>
             </a:fld>
             <a:endParaRPr lang="en-IN"/>
           </a:p>
@@ -2061,7 +2064,7 @@
           <a:p>
             <a:fld id="{B0AAE9EB-4E09-49F4-B23B-25A5BA76B78B}" type="datetimeFigureOut">
               <a:rPr lang="en-IN" smtClean="0"/>
-              <a:t>25-03-2024</a:t>
+              <a:t>04-04-2024</a:t>
             </a:fld>
             <a:endParaRPr lang="en-IN"/>
           </a:p>
@@ -2174,7 +2177,7 @@
           <a:p>
             <a:fld id="{B0AAE9EB-4E09-49F4-B23B-25A5BA76B78B}" type="datetimeFigureOut">
               <a:rPr lang="en-IN" smtClean="0"/>
-              <a:t>25-03-2024</a:t>
+              <a:t>04-04-2024</a:t>
             </a:fld>
             <a:endParaRPr lang="en-IN"/>
           </a:p>
@@ -2487,7 +2490,7 @@
           <a:p>
             <a:fld id="{B0AAE9EB-4E09-49F4-B23B-25A5BA76B78B}" type="datetimeFigureOut">
               <a:rPr lang="en-IN" smtClean="0"/>
-              <a:t>25-03-2024</a:t>
+              <a:t>04-04-2024</a:t>
             </a:fld>
             <a:endParaRPr lang="en-IN"/>
           </a:p>
@@ -2776,7 +2779,7 @@
           <a:p>
             <a:fld id="{B0AAE9EB-4E09-49F4-B23B-25A5BA76B78B}" type="datetimeFigureOut">
               <a:rPr lang="en-IN" smtClean="0"/>
-              <a:t>25-03-2024</a:t>
+              <a:t>04-04-2024</a:t>
             </a:fld>
             <a:endParaRPr lang="en-IN"/>
           </a:p>
@@ -3019,7 +3022,7 @@
           <a:p>
             <a:fld id="{B0AAE9EB-4E09-49F4-B23B-25A5BA76B78B}" type="datetimeFigureOut">
               <a:rPr lang="en-IN" smtClean="0"/>
-              <a:t>25-03-2024</a:t>
+              <a:t>04-04-2024</a:t>
             </a:fld>
             <a:endParaRPr lang="en-IN"/>
           </a:p>
@@ -5401,1168 +5404,1257 @@
           <a:chExt cx="0" cy="0"/>
         </a:xfrm>
       </p:grpSpPr>
-      <p:grpSp>
-        <p:nvGrpSpPr>
-          <p:cNvPr id="163" name="Group 162">
-            <a:extLst>
-              <a:ext uri="{FF2B5EF4-FFF2-40B4-BE49-F238E27FC236}">
-                <a16:creationId xmlns:a16="http://schemas.microsoft.com/office/drawing/2014/main" id="{E2FD876F-0B0B-B418-BA89-A148033B464C}"/>
-              </a:ext>
-            </a:extLst>
-          </p:cNvPr>
-          <p:cNvGrpSpPr/>
+      <p:sp>
+        <p:nvSpPr>
+          <p:cNvPr id="3" name="Rectangle: Rounded Corners 2">
+            <a:extLst>
+              <a:ext uri="{FF2B5EF4-FFF2-40B4-BE49-F238E27FC236}">
+                <a16:creationId xmlns:a16="http://schemas.microsoft.com/office/drawing/2014/main" id="{180E5D79-6D17-FA90-FFCA-EA9F3B853248}"/>
+              </a:ext>
+            </a:extLst>
+          </p:cNvPr>
+          <p:cNvSpPr/>
           <p:nvPr/>
-        </p:nvGrpSpPr>
-        <p:grpSpPr>
+        </p:nvSpPr>
+        <p:spPr>
           <a:xfrm>
-            <a:off x="379834" y="598380"/>
-            <a:ext cx="9618863" cy="4869778"/>
-            <a:chOff x="379834" y="598380"/>
-            <a:chExt cx="9618863" cy="4869778"/>
-          </a:xfrm>
-        </p:grpSpPr>
-        <p:grpSp>
-          <p:nvGrpSpPr>
-            <p:cNvPr id="159" name="Group 158">
-              <a:extLst>
-                <a:ext uri="{FF2B5EF4-FFF2-40B4-BE49-F238E27FC236}">
-                  <a16:creationId xmlns:a16="http://schemas.microsoft.com/office/drawing/2014/main" id="{AAE95D32-BB1E-4459-846C-035F5F087D23}"/>
-                </a:ext>
-              </a:extLst>
-            </p:cNvPr>
-            <p:cNvGrpSpPr/>
-            <p:nvPr/>
-          </p:nvGrpSpPr>
-          <p:grpSpPr>
-            <a:xfrm>
-              <a:off x="379834" y="598380"/>
-              <a:ext cx="9618863" cy="4869778"/>
-              <a:chOff x="379834" y="598380"/>
-              <a:chExt cx="9618863" cy="4869778"/>
-            </a:xfrm>
-          </p:grpSpPr>
-          <p:sp>
-            <p:nvSpPr>
-              <p:cNvPr id="3" name="Rectangle: Rounded Corners 2">
-                <a:extLst>
-                  <a:ext uri="{FF2B5EF4-FFF2-40B4-BE49-F238E27FC236}">
-                    <a16:creationId xmlns:a16="http://schemas.microsoft.com/office/drawing/2014/main" id="{180E5D79-6D17-FA90-FFCA-EA9F3B853248}"/>
-                  </a:ext>
-                </a:extLst>
-              </p:cNvPr>
-              <p:cNvSpPr/>
-              <p:nvPr/>
-            </p:nvSpPr>
-            <p:spPr>
-              <a:xfrm>
-                <a:off x="1859509" y="601992"/>
-                <a:ext cx="2142699" cy="655092"/>
-              </a:xfrm>
-              <a:prstGeom prst="roundRect">
-                <a:avLst>
-                  <a:gd name="adj" fmla="val 0"/>
-                </a:avLst>
-              </a:prstGeom>
+            <a:off x="2895778" y="601992"/>
+            <a:ext cx="2142699" cy="655092"/>
+          </a:xfrm>
+          <a:prstGeom prst="roundRect">
+            <a:avLst>
+              <a:gd name="adj" fmla="val 0"/>
+            </a:avLst>
+          </a:prstGeom>
+          <a:solidFill>
+            <a:schemeClr val="bg1"/>
+          </a:solidFill>
+          <a:ln w="28575"/>
+        </p:spPr>
+        <p:style>
+          <a:lnRef idx="2">
+            <a:schemeClr val="accent1">
+              <a:shade val="15000"/>
+            </a:schemeClr>
+          </a:lnRef>
+          <a:fillRef idx="1">
+            <a:schemeClr val="accent1"/>
+          </a:fillRef>
+          <a:effectRef idx="0">
+            <a:schemeClr val="accent1"/>
+          </a:effectRef>
+          <a:fontRef idx="minor">
+            <a:schemeClr val="lt1"/>
+          </a:fontRef>
+        </p:style>
+        <p:txBody>
+          <a:bodyPr rtlCol="0" anchor="ctr"/>
+          <a:lstStyle/>
+          <a:p>
+            <a:pPr algn="ctr"/>
+            <a:r>
+              <a:rPr lang="en-US" b="1" dirty="0">
+                <a:solidFill>
+                  <a:sysClr val="windowText" lastClr="000000"/>
+                </a:solidFill>
+              </a:rPr>
+              <a:t>Player</a:t>
+            </a:r>
+            <a:endParaRPr lang="en-IN" b="1" dirty="0">
               <a:solidFill>
-                <a:schemeClr val="bg1"/>
+                <a:sysClr val="windowText" lastClr="000000"/>
               </a:solidFill>
-              <a:ln w="28575"/>
-            </p:spPr>
-            <p:style>
-              <a:lnRef idx="2">
-                <a:schemeClr val="accent1">
-                  <a:shade val="15000"/>
-                </a:schemeClr>
-              </a:lnRef>
-              <a:fillRef idx="1">
-                <a:schemeClr val="accent1"/>
-              </a:fillRef>
-              <a:effectRef idx="0">
-                <a:schemeClr val="accent1"/>
-              </a:effectRef>
-              <a:fontRef idx="minor">
-                <a:schemeClr val="lt1"/>
-              </a:fontRef>
-            </p:style>
-            <p:txBody>
-              <a:bodyPr rtlCol="0" anchor="ctr"/>
-              <a:lstStyle/>
-              <a:p>
-                <a:pPr algn="ctr"/>
-                <a:r>
-                  <a:rPr lang="en-US" b="1" dirty="0">
-                    <a:solidFill>
-                      <a:sysClr val="windowText" lastClr="000000"/>
-                    </a:solidFill>
-                  </a:rPr>
-                  <a:t>Player</a:t>
-                </a:r>
-                <a:endParaRPr lang="en-IN" b="1" dirty="0">
-                  <a:solidFill>
-                    <a:sysClr val="windowText" lastClr="000000"/>
-                  </a:solidFill>
-                </a:endParaRPr>
-              </a:p>
-            </p:txBody>
-          </p:sp>
-          <p:sp>
-            <p:nvSpPr>
-              <p:cNvPr id="4" name="Rectangle: Rounded Corners 3">
-                <a:extLst>
-                  <a:ext uri="{FF2B5EF4-FFF2-40B4-BE49-F238E27FC236}">
-                    <a16:creationId xmlns:a16="http://schemas.microsoft.com/office/drawing/2014/main" id="{2A435CAF-8AB4-05FB-FB9C-80CDCE5BFFEB}"/>
-                  </a:ext>
-                </a:extLst>
-              </p:cNvPr>
-              <p:cNvSpPr/>
-              <p:nvPr/>
-            </p:nvSpPr>
-            <p:spPr>
-              <a:xfrm>
-                <a:off x="379834" y="1876995"/>
-                <a:ext cx="2142699" cy="655092"/>
-              </a:xfrm>
-              <a:prstGeom prst="roundRect">
-                <a:avLst/>
-              </a:prstGeom>
+            </a:endParaRPr>
+          </a:p>
+        </p:txBody>
+      </p:sp>
+      <p:sp>
+        <p:nvSpPr>
+          <p:cNvPr id="4" name="Rectangle: Rounded Corners 3">
+            <a:extLst>
+              <a:ext uri="{FF2B5EF4-FFF2-40B4-BE49-F238E27FC236}">
+                <a16:creationId xmlns:a16="http://schemas.microsoft.com/office/drawing/2014/main" id="{2A435CAF-8AB4-05FB-FB9C-80CDCE5BFFEB}"/>
+              </a:ext>
+            </a:extLst>
+          </p:cNvPr>
+          <p:cNvSpPr/>
+          <p:nvPr/>
+        </p:nvSpPr>
+        <p:spPr>
+          <a:xfrm>
+            <a:off x="697491" y="1876995"/>
+            <a:ext cx="2142699" cy="655092"/>
+          </a:xfrm>
+          <a:prstGeom prst="roundRect">
+            <a:avLst/>
+          </a:prstGeom>
+          <a:solidFill>
+            <a:schemeClr val="bg1"/>
+          </a:solidFill>
+        </p:spPr>
+        <p:style>
+          <a:lnRef idx="2">
+            <a:schemeClr val="accent1">
+              <a:shade val="15000"/>
+            </a:schemeClr>
+          </a:lnRef>
+          <a:fillRef idx="1">
+            <a:schemeClr val="accent1"/>
+          </a:fillRef>
+          <a:effectRef idx="0">
+            <a:schemeClr val="accent1"/>
+          </a:effectRef>
+          <a:fontRef idx="minor">
+            <a:schemeClr val="lt1"/>
+          </a:fontRef>
+        </p:style>
+        <p:txBody>
+          <a:bodyPr rtlCol="0" anchor="ctr"/>
+          <a:lstStyle/>
+          <a:p>
+            <a:pPr algn="ctr"/>
+            <a:r>
+              <a:rPr lang="en-US" b="1" dirty="0">
+                <a:solidFill>
+                  <a:sysClr val="windowText" lastClr="000000"/>
+                </a:solidFill>
+              </a:rPr>
+              <a:t>Collect Items</a:t>
+            </a:r>
+            <a:endParaRPr lang="en-IN" b="1" dirty="0">
               <a:solidFill>
-                <a:schemeClr val="bg1"/>
+                <a:sysClr val="windowText" lastClr="000000"/>
               </a:solidFill>
-            </p:spPr>
-            <p:style>
-              <a:lnRef idx="2">
-                <a:schemeClr val="accent1">
-                  <a:shade val="15000"/>
-                </a:schemeClr>
-              </a:lnRef>
-              <a:fillRef idx="1">
-                <a:schemeClr val="accent1"/>
-              </a:fillRef>
-              <a:effectRef idx="0">
-                <a:schemeClr val="accent1"/>
-              </a:effectRef>
-              <a:fontRef idx="minor">
-                <a:schemeClr val="lt1"/>
-              </a:fontRef>
-            </p:style>
-            <p:txBody>
-              <a:bodyPr rtlCol="0" anchor="ctr"/>
-              <a:lstStyle/>
-              <a:p>
-                <a:pPr algn="ctr"/>
-                <a:r>
-                  <a:rPr lang="en-US" b="1" dirty="0">
-                    <a:solidFill>
-                      <a:sysClr val="windowText" lastClr="000000"/>
-                    </a:solidFill>
-                  </a:rPr>
-                  <a:t>Collect Items</a:t>
-                </a:r>
-                <a:endParaRPr lang="en-IN" b="1" dirty="0">
-                  <a:solidFill>
-                    <a:sysClr val="windowText" lastClr="000000"/>
-                  </a:solidFill>
-                </a:endParaRPr>
-              </a:p>
-            </p:txBody>
-          </p:sp>
-          <p:sp>
-            <p:nvSpPr>
-              <p:cNvPr id="7" name="Rectangle: Rounded Corners 6">
-                <a:extLst>
-                  <a:ext uri="{FF2B5EF4-FFF2-40B4-BE49-F238E27FC236}">
-                    <a16:creationId xmlns:a16="http://schemas.microsoft.com/office/drawing/2014/main" id="{6FE503A0-0992-24FE-65EC-BDF626FBD325}"/>
-                  </a:ext>
-                </a:extLst>
-              </p:cNvPr>
-              <p:cNvSpPr/>
-              <p:nvPr/>
-            </p:nvSpPr>
-            <p:spPr>
-              <a:xfrm>
-                <a:off x="7855998" y="3627622"/>
-                <a:ext cx="2142699" cy="655092"/>
-              </a:xfrm>
-              <a:prstGeom prst="roundRect">
-                <a:avLst/>
-              </a:prstGeom>
+            </a:endParaRPr>
+          </a:p>
+        </p:txBody>
+      </p:sp>
+      <p:sp>
+        <p:nvSpPr>
+          <p:cNvPr id="7" name="Rectangle: Rounded Corners 6">
+            <a:extLst>
+              <a:ext uri="{FF2B5EF4-FFF2-40B4-BE49-F238E27FC236}">
+                <a16:creationId xmlns:a16="http://schemas.microsoft.com/office/drawing/2014/main" id="{6FE503A0-0992-24FE-65EC-BDF626FBD325}"/>
+              </a:ext>
+            </a:extLst>
+          </p:cNvPr>
+          <p:cNvSpPr/>
+          <p:nvPr/>
+        </p:nvSpPr>
+        <p:spPr>
+          <a:xfrm>
+            <a:off x="7819017" y="3693109"/>
+            <a:ext cx="2142699" cy="655092"/>
+          </a:xfrm>
+          <a:prstGeom prst="roundRect">
+            <a:avLst/>
+          </a:prstGeom>
+          <a:solidFill>
+            <a:schemeClr val="bg1"/>
+          </a:solidFill>
+        </p:spPr>
+        <p:style>
+          <a:lnRef idx="2">
+            <a:schemeClr val="accent1">
+              <a:shade val="15000"/>
+            </a:schemeClr>
+          </a:lnRef>
+          <a:fillRef idx="1">
+            <a:schemeClr val="accent1"/>
+          </a:fillRef>
+          <a:effectRef idx="0">
+            <a:schemeClr val="accent1"/>
+          </a:effectRef>
+          <a:fontRef idx="minor">
+            <a:schemeClr val="lt1"/>
+          </a:fontRef>
+        </p:style>
+        <p:txBody>
+          <a:bodyPr rtlCol="0" anchor="ctr"/>
+          <a:lstStyle/>
+          <a:p>
+            <a:pPr algn="ctr"/>
+            <a:r>
+              <a:rPr lang="en-US" b="1" dirty="0">
+                <a:solidFill>
+                  <a:sysClr val="windowText" lastClr="000000"/>
+                </a:solidFill>
+              </a:rPr>
+              <a:t>Enemy Grabs</a:t>
+            </a:r>
+            <a:endParaRPr lang="en-IN" b="1" dirty="0">
               <a:solidFill>
-                <a:schemeClr val="bg1"/>
+                <a:sysClr val="windowText" lastClr="000000"/>
               </a:solidFill>
-            </p:spPr>
-            <p:style>
-              <a:lnRef idx="2">
-                <a:schemeClr val="accent1">
-                  <a:shade val="15000"/>
-                </a:schemeClr>
-              </a:lnRef>
-              <a:fillRef idx="1">
-                <a:schemeClr val="accent1"/>
-              </a:fillRef>
-              <a:effectRef idx="0">
-                <a:schemeClr val="accent1"/>
-              </a:effectRef>
-              <a:fontRef idx="minor">
-                <a:schemeClr val="lt1"/>
-              </a:fontRef>
-            </p:style>
-            <p:txBody>
-              <a:bodyPr rtlCol="0" anchor="ctr"/>
-              <a:lstStyle/>
-              <a:p>
-                <a:pPr algn="ctr"/>
-                <a:r>
-                  <a:rPr lang="en-US" b="1" dirty="0">
-                    <a:solidFill>
-                      <a:sysClr val="windowText" lastClr="000000"/>
-                    </a:solidFill>
-                  </a:rPr>
-                  <a:t>Enemy Grabs</a:t>
-                </a:r>
-                <a:endParaRPr lang="en-IN" b="1" dirty="0">
-                  <a:solidFill>
-                    <a:sysClr val="windowText" lastClr="000000"/>
-                  </a:solidFill>
-                </a:endParaRPr>
-              </a:p>
-            </p:txBody>
-          </p:sp>
-          <p:sp>
-            <p:nvSpPr>
-              <p:cNvPr id="8" name="Rectangle: Rounded Corners 7">
-                <a:extLst>
-                  <a:ext uri="{FF2B5EF4-FFF2-40B4-BE49-F238E27FC236}">
-                    <a16:creationId xmlns:a16="http://schemas.microsoft.com/office/drawing/2014/main" id="{F3EDBAC2-CDE9-7744-FC4B-47185A9A3D2F}"/>
-                  </a:ext>
-                </a:extLst>
-              </p:cNvPr>
-              <p:cNvSpPr/>
-              <p:nvPr/>
-            </p:nvSpPr>
-            <p:spPr>
-              <a:xfrm>
-                <a:off x="5481881" y="598380"/>
-                <a:ext cx="2142699" cy="655092"/>
-              </a:xfrm>
-              <a:prstGeom prst="roundRect">
-                <a:avLst>
-                  <a:gd name="adj" fmla="val 0"/>
-                </a:avLst>
-              </a:prstGeom>
+            </a:endParaRPr>
+          </a:p>
+        </p:txBody>
+      </p:sp>
+      <p:sp>
+        <p:nvSpPr>
+          <p:cNvPr id="8" name="Rectangle: Rounded Corners 7">
+            <a:extLst>
+              <a:ext uri="{FF2B5EF4-FFF2-40B4-BE49-F238E27FC236}">
+                <a16:creationId xmlns:a16="http://schemas.microsoft.com/office/drawing/2014/main" id="{F3EDBAC2-CDE9-7744-FC4B-47185A9A3D2F}"/>
+              </a:ext>
+            </a:extLst>
+          </p:cNvPr>
+          <p:cNvSpPr/>
+          <p:nvPr/>
+        </p:nvSpPr>
+        <p:spPr>
+          <a:xfrm>
+            <a:off x="5951893" y="601991"/>
+            <a:ext cx="2142699" cy="655092"/>
+          </a:xfrm>
+          <a:prstGeom prst="roundRect">
+            <a:avLst>
+              <a:gd name="adj" fmla="val 0"/>
+            </a:avLst>
+          </a:prstGeom>
+          <a:solidFill>
+            <a:schemeClr val="bg1"/>
+          </a:solidFill>
+          <a:ln w="28575"/>
+        </p:spPr>
+        <p:style>
+          <a:lnRef idx="2">
+            <a:schemeClr val="accent1">
+              <a:shade val="15000"/>
+            </a:schemeClr>
+          </a:lnRef>
+          <a:fillRef idx="1">
+            <a:schemeClr val="accent1"/>
+          </a:fillRef>
+          <a:effectRef idx="0">
+            <a:schemeClr val="accent1"/>
+          </a:effectRef>
+          <a:fontRef idx="minor">
+            <a:schemeClr val="lt1"/>
+          </a:fontRef>
+        </p:style>
+        <p:txBody>
+          <a:bodyPr rtlCol="0" anchor="ctr"/>
+          <a:lstStyle/>
+          <a:p>
+            <a:pPr algn="ctr"/>
+            <a:r>
+              <a:rPr lang="en-US" b="1" dirty="0">
+                <a:solidFill>
+                  <a:sysClr val="windowText" lastClr="000000"/>
+                </a:solidFill>
+              </a:rPr>
+              <a:t>Enemy AI State</a:t>
+            </a:r>
+            <a:endParaRPr lang="en-IN" b="1" dirty="0">
               <a:solidFill>
-                <a:schemeClr val="bg1"/>
+                <a:sysClr val="windowText" lastClr="000000"/>
               </a:solidFill>
-              <a:ln w="28575"/>
-            </p:spPr>
-            <p:style>
-              <a:lnRef idx="2">
-                <a:schemeClr val="accent1">
-                  <a:shade val="15000"/>
-                </a:schemeClr>
-              </a:lnRef>
-              <a:fillRef idx="1">
-                <a:schemeClr val="accent1"/>
-              </a:fillRef>
-              <a:effectRef idx="0">
-                <a:schemeClr val="accent1"/>
-              </a:effectRef>
-              <a:fontRef idx="minor">
-                <a:schemeClr val="lt1"/>
-              </a:fontRef>
-            </p:style>
-            <p:txBody>
-              <a:bodyPr rtlCol="0" anchor="ctr"/>
-              <a:lstStyle/>
-              <a:p>
-                <a:pPr algn="ctr"/>
-                <a:r>
-                  <a:rPr lang="en-US" b="1" dirty="0">
-                    <a:solidFill>
-                      <a:sysClr val="windowText" lastClr="000000"/>
-                    </a:solidFill>
-                  </a:rPr>
-                  <a:t>Enemy AI State</a:t>
-                </a:r>
-                <a:endParaRPr lang="en-IN" b="1" dirty="0">
-                  <a:solidFill>
-                    <a:sysClr val="windowText" lastClr="000000"/>
-                  </a:solidFill>
-                </a:endParaRPr>
-              </a:p>
-            </p:txBody>
-          </p:sp>
-          <p:sp>
-            <p:nvSpPr>
-              <p:cNvPr id="9" name="Rectangle: Rounded Corners 8">
-                <a:extLst>
-                  <a:ext uri="{FF2B5EF4-FFF2-40B4-BE49-F238E27FC236}">
-                    <a16:creationId xmlns:a16="http://schemas.microsoft.com/office/drawing/2014/main" id="{965FC6E5-97F3-8033-1AA4-5721488E40C2}"/>
-                  </a:ext>
-                </a:extLst>
-              </p:cNvPr>
-              <p:cNvSpPr/>
-              <p:nvPr/>
-            </p:nvSpPr>
-            <p:spPr>
-              <a:xfrm>
-                <a:off x="2930858" y="4813066"/>
-                <a:ext cx="2142699" cy="655092"/>
-              </a:xfrm>
-              <a:prstGeom prst="roundRect">
-                <a:avLst>
-                  <a:gd name="adj" fmla="val 50000"/>
-                </a:avLst>
-              </a:prstGeom>
+            </a:endParaRPr>
+          </a:p>
+        </p:txBody>
+      </p:sp>
+      <p:sp>
+        <p:nvSpPr>
+          <p:cNvPr id="9" name="Rectangle: Rounded Corners 8">
+            <a:extLst>
+              <a:ext uri="{FF2B5EF4-FFF2-40B4-BE49-F238E27FC236}">
+                <a16:creationId xmlns:a16="http://schemas.microsoft.com/office/drawing/2014/main" id="{965FC6E5-97F3-8033-1AA4-5721488E40C2}"/>
+              </a:ext>
+            </a:extLst>
+          </p:cNvPr>
+          <p:cNvSpPr/>
+          <p:nvPr/>
+        </p:nvSpPr>
+        <p:spPr>
+          <a:xfrm>
+            <a:off x="2930858" y="4813066"/>
+            <a:ext cx="2142699" cy="655092"/>
+          </a:xfrm>
+          <a:prstGeom prst="roundRect">
+            <a:avLst>
+              <a:gd name="adj" fmla="val 50000"/>
+            </a:avLst>
+          </a:prstGeom>
+          <a:solidFill>
+            <a:schemeClr val="bg1"/>
+          </a:solidFill>
+        </p:spPr>
+        <p:style>
+          <a:lnRef idx="2">
+            <a:schemeClr val="accent1">
+              <a:shade val="15000"/>
+            </a:schemeClr>
+          </a:lnRef>
+          <a:fillRef idx="1">
+            <a:schemeClr val="accent1"/>
+          </a:fillRef>
+          <a:effectRef idx="0">
+            <a:schemeClr val="accent1"/>
+          </a:effectRef>
+          <a:fontRef idx="minor">
+            <a:schemeClr val="lt1"/>
+          </a:fontRef>
+        </p:style>
+        <p:txBody>
+          <a:bodyPr rtlCol="0" anchor="ctr"/>
+          <a:lstStyle/>
+          <a:p>
+            <a:pPr algn="ctr"/>
+            <a:r>
+              <a:rPr lang="en-US" b="1" dirty="0">
+                <a:solidFill>
+                  <a:sysClr val="windowText" lastClr="000000"/>
+                </a:solidFill>
+              </a:rPr>
+              <a:t>Win Condition</a:t>
+            </a:r>
+            <a:endParaRPr lang="en-IN" b="1" dirty="0">
               <a:solidFill>
-                <a:schemeClr val="bg1"/>
+                <a:sysClr val="windowText" lastClr="000000"/>
               </a:solidFill>
-            </p:spPr>
-            <p:style>
-              <a:lnRef idx="2">
-                <a:schemeClr val="accent1">
-                  <a:shade val="15000"/>
-                </a:schemeClr>
-              </a:lnRef>
-              <a:fillRef idx="1">
-                <a:schemeClr val="accent1"/>
-              </a:fillRef>
-              <a:effectRef idx="0">
-                <a:schemeClr val="accent1"/>
-              </a:effectRef>
-              <a:fontRef idx="minor">
-                <a:schemeClr val="lt1"/>
-              </a:fontRef>
-            </p:style>
-            <p:txBody>
-              <a:bodyPr rtlCol="0" anchor="ctr"/>
-              <a:lstStyle/>
-              <a:p>
-                <a:pPr algn="ctr"/>
-                <a:r>
-                  <a:rPr lang="en-US" b="1" dirty="0">
-                    <a:solidFill>
-                      <a:sysClr val="windowText" lastClr="000000"/>
-                    </a:solidFill>
-                  </a:rPr>
-                  <a:t>Win Condition</a:t>
-                </a:r>
-                <a:endParaRPr lang="en-IN" b="1" dirty="0">
-                  <a:solidFill>
-                    <a:sysClr val="windowText" lastClr="000000"/>
-                  </a:solidFill>
-                </a:endParaRPr>
-              </a:p>
-            </p:txBody>
-          </p:sp>
-          <p:sp>
-            <p:nvSpPr>
-              <p:cNvPr id="10" name="Rectangle: Rounded Corners 9">
-                <a:extLst>
-                  <a:ext uri="{FF2B5EF4-FFF2-40B4-BE49-F238E27FC236}">
-                    <a16:creationId xmlns:a16="http://schemas.microsoft.com/office/drawing/2014/main" id="{361F0CF1-43ED-F9CB-963D-A6BF872D7B9E}"/>
-                  </a:ext>
-                </a:extLst>
-              </p:cNvPr>
-              <p:cNvSpPr/>
-              <p:nvPr/>
-            </p:nvSpPr>
-            <p:spPr>
-              <a:xfrm>
-                <a:off x="5409525" y="4813066"/>
-                <a:ext cx="2142699" cy="655092"/>
-              </a:xfrm>
-              <a:prstGeom prst="roundRect">
-                <a:avLst>
-                  <a:gd name="adj" fmla="val 50000"/>
-                </a:avLst>
-              </a:prstGeom>
+            </a:endParaRPr>
+          </a:p>
+        </p:txBody>
+      </p:sp>
+      <p:sp>
+        <p:nvSpPr>
+          <p:cNvPr id="10" name="Rectangle: Rounded Corners 9">
+            <a:extLst>
+              <a:ext uri="{FF2B5EF4-FFF2-40B4-BE49-F238E27FC236}">
+                <a16:creationId xmlns:a16="http://schemas.microsoft.com/office/drawing/2014/main" id="{361F0CF1-43ED-F9CB-963D-A6BF872D7B9E}"/>
+              </a:ext>
+            </a:extLst>
+          </p:cNvPr>
+          <p:cNvSpPr/>
+          <p:nvPr/>
+        </p:nvSpPr>
+        <p:spPr>
+          <a:xfrm>
+            <a:off x="5409525" y="4813066"/>
+            <a:ext cx="2142699" cy="655092"/>
+          </a:xfrm>
+          <a:prstGeom prst="roundRect">
+            <a:avLst>
+              <a:gd name="adj" fmla="val 50000"/>
+            </a:avLst>
+          </a:prstGeom>
+          <a:solidFill>
+            <a:schemeClr val="bg1"/>
+          </a:solidFill>
+        </p:spPr>
+        <p:style>
+          <a:lnRef idx="2">
+            <a:schemeClr val="accent1">
+              <a:shade val="15000"/>
+            </a:schemeClr>
+          </a:lnRef>
+          <a:fillRef idx="1">
+            <a:schemeClr val="accent1"/>
+          </a:fillRef>
+          <a:effectRef idx="0">
+            <a:schemeClr val="accent1"/>
+          </a:effectRef>
+          <a:fontRef idx="minor">
+            <a:schemeClr val="lt1"/>
+          </a:fontRef>
+        </p:style>
+        <p:txBody>
+          <a:bodyPr rtlCol="0" anchor="ctr"/>
+          <a:lstStyle/>
+          <a:p>
+            <a:pPr algn="ctr"/>
+            <a:r>
+              <a:rPr lang="en-US" b="1" dirty="0">
+                <a:solidFill>
+                  <a:sysClr val="windowText" lastClr="000000"/>
+                </a:solidFill>
+              </a:rPr>
+              <a:t>Lose Condition</a:t>
+            </a:r>
+            <a:endParaRPr lang="en-IN" b="1" dirty="0">
               <a:solidFill>
-                <a:schemeClr val="bg1"/>
+                <a:sysClr val="windowText" lastClr="000000"/>
               </a:solidFill>
-            </p:spPr>
-            <p:style>
-              <a:lnRef idx="2">
-                <a:schemeClr val="accent1">
-                  <a:shade val="15000"/>
-                </a:schemeClr>
-              </a:lnRef>
-              <a:fillRef idx="1">
-                <a:schemeClr val="accent1"/>
-              </a:fillRef>
-              <a:effectRef idx="0">
-                <a:schemeClr val="accent1"/>
-              </a:effectRef>
-              <a:fontRef idx="minor">
-                <a:schemeClr val="lt1"/>
-              </a:fontRef>
-            </p:style>
-            <p:txBody>
-              <a:bodyPr rtlCol="0" anchor="ctr"/>
-              <a:lstStyle/>
-              <a:p>
-                <a:pPr algn="ctr"/>
-                <a:r>
-                  <a:rPr lang="en-US" b="1" dirty="0">
-                    <a:solidFill>
-                      <a:sysClr val="windowText" lastClr="000000"/>
-                    </a:solidFill>
-                  </a:rPr>
-                  <a:t>Lose Condition</a:t>
-                </a:r>
-                <a:endParaRPr lang="en-IN" b="1" dirty="0">
-                  <a:solidFill>
-                    <a:sysClr val="windowText" lastClr="000000"/>
-                  </a:solidFill>
-                </a:endParaRPr>
-              </a:p>
-            </p:txBody>
-          </p:sp>
-          <p:sp>
-            <p:nvSpPr>
-              <p:cNvPr id="12" name="Rectangle: Rounded Corners 11">
-                <a:extLst>
-                  <a:ext uri="{FF2B5EF4-FFF2-40B4-BE49-F238E27FC236}">
-                    <a16:creationId xmlns:a16="http://schemas.microsoft.com/office/drawing/2014/main" id="{AD239BE7-BE0D-3B34-C5A3-A3DB2F46E7EB}"/>
-                  </a:ext>
-                </a:extLst>
-              </p:cNvPr>
-              <p:cNvSpPr/>
-              <p:nvPr/>
-            </p:nvSpPr>
-            <p:spPr>
-              <a:xfrm>
-                <a:off x="379834" y="3670822"/>
-                <a:ext cx="2142699" cy="655092"/>
-              </a:xfrm>
-              <a:prstGeom prst="roundRect">
-                <a:avLst/>
-              </a:prstGeom>
+            </a:endParaRPr>
+          </a:p>
+        </p:txBody>
+      </p:sp>
+      <p:sp>
+        <p:nvSpPr>
+          <p:cNvPr id="12" name="Rectangle: Rounded Corners 11">
+            <a:extLst>
+              <a:ext uri="{FF2B5EF4-FFF2-40B4-BE49-F238E27FC236}">
+                <a16:creationId xmlns:a16="http://schemas.microsoft.com/office/drawing/2014/main" id="{AD239BE7-BE0D-3B34-C5A3-A3DB2F46E7EB}"/>
+              </a:ext>
+            </a:extLst>
+          </p:cNvPr>
+          <p:cNvSpPr/>
+          <p:nvPr/>
+        </p:nvSpPr>
+        <p:spPr>
+          <a:xfrm>
+            <a:off x="697491" y="3670822"/>
+            <a:ext cx="2142699" cy="655092"/>
+          </a:xfrm>
+          <a:prstGeom prst="roundRect">
+            <a:avLst/>
+          </a:prstGeom>
+          <a:solidFill>
+            <a:schemeClr val="bg1"/>
+          </a:solidFill>
+        </p:spPr>
+        <p:style>
+          <a:lnRef idx="2">
+            <a:schemeClr val="accent1">
+              <a:shade val="15000"/>
+            </a:schemeClr>
+          </a:lnRef>
+          <a:fillRef idx="1">
+            <a:schemeClr val="accent1"/>
+          </a:fillRef>
+          <a:effectRef idx="0">
+            <a:schemeClr val="accent1"/>
+          </a:effectRef>
+          <a:fontRef idx="minor">
+            <a:schemeClr val="lt1"/>
+          </a:fontRef>
+        </p:style>
+        <p:txBody>
+          <a:bodyPr rtlCol="0" anchor="ctr"/>
+          <a:lstStyle/>
+          <a:p>
+            <a:pPr algn="ctr"/>
+            <a:r>
+              <a:rPr lang="en-US" b="1" dirty="0">
+                <a:solidFill>
+                  <a:sysClr val="windowText" lastClr="000000"/>
+                </a:solidFill>
+              </a:rPr>
+              <a:t>Complete Tasks</a:t>
+            </a:r>
+            <a:endParaRPr lang="en-IN" b="1" dirty="0">
               <a:solidFill>
-                <a:schemeClr val="bg1"/>
+                <a:sysClr val="windowText" lastClr="000000"/>
               </a:solidFill>
-            </p:spPr>
-            <p:style>
-              <a:lnRef idx="2">
-                <a:schemeClr val="accent1">
-                  <a:shade val="15000"/>
-                </a:schemeClr>
-              </a:lnRef>
-              <a:fillRef idx="1">
-                <a:schemeClr val="accent1"/>
-              </a:fillRef>
-              <a:effectRef idx="0">
-                <a:schemeClr val="accent1"/>
-              </a:effectRef>
-              <a:fontRef idx="minor">
-                <a:schemeClr val="lt1"/>
-              </a:fontRef>
-            </p:style>
-            <p:txBody>
-              <a:bodyPr rtlCol="0" anchor="ctr"/>
-              <a:lstStyle/>
-              <a:p>
-                <a:pPr algn="ctr"/>
-                <a:r>
-                  <a:rPr lang="en-US" b="1" dirty="0">
-                    <a:solidFill>
-                      <a:sysClr val="windowText" lastClr="000000"/>
-                    </a:solidFill>
-                  </a:rPr>
-                  <a:t>Complete Tasks</a:t>
-                </a:r>
-                <a:endParaRPr lang="en-IN" b="1" dirty="0">
-                  <a:solidFill>
-                    <a:sysClr val="windowText" lastClr="000000"/>
-                  </a:solidFill>
-                </a:endParaRPr>
-              </a:p>
-            </p:txBody>
-          </p:sp>
-          <p:sp>
-            <p:nvSpPr>
-              <p:cNvPr id="13" name="Rectangle: Rounded Corners 12">
-                <a:extLst>
-                  <a:ext uri="{FF2B5EF4-FFF2-40B4-BE49-F238E27FC236}">
-                    <a16:creationId xmlns:a16="http://schemas.microsoft.com/office/drawing/2014/main" id="{96CB12EE-A61E-6416-112D-ACD6E202094D}"/>
-                  </a:ext>
-                </a:extLst>
-              </p:cNvPr>
-              <p:cNvSpPr/>
-              <p:nvPr/>
-            </p:nvSpPr>
-            <p:spPr>
-              <a:xfrm>
-                <a:off x="4543194" y="1797562"/>
-                <a:ext cx="2142699" cy="655092"/>
-              </a:xfrm>
-              <a:prstGeom prst="roundRect">
-                <a:avLst/>
-              </a:prstGeom>
+            </a:endParaRPr>
+          </a:p>
+        </p:txBody>
+      </p:sp>
+      <p:sp>
+        <p:nvSpPr>
+          <p:cNvPr id="13" name="Rectangle: Rounded Corners 12">
+            <a:extLst>
+              <a:ext uri="{FF2B5EF4-FFF2-40B4-BE49-F238E27FC236}">
+                <a16:creationId xmlns:a16="http://schemas.microsoft.com/office/drawing/2014/main" id="{96CB12EE-A61E-6416-112D-ACD6E202094D}"/>
+              </a:ext>
+            </a:extLst>
+          </p:cNvPr>
+          <p:cNvSpPr/>
+          <p:nvPr/>
+        </p:nvSpPr>
+        <p:spPr>
+          <a:xfrm>
+            <a:off x="7810550" y="1483295"/>
+            <a:ext cx="2142699" cy="655092"/>
+          </a:xfrm>
+          <a:prstGeom prst="roundRect">
+            <a:avLst/>
+          </a:prstGeom>
+          <a:solidFill>
+            <a:schemeClr val="bg1"/>
+          </a:solidFill>
+        </p:spPr>
+        <p:style>
+          <a:lnRef idx="2">
+            <a:schemeClr val="accent1">
+              <a:shade val="15000"/>
+            </a:schemeClr>
+          </a:lnRef>
+          <a:fillRef idx="1">
+            <a:schemeClr val="accent1"/>
+          </a:fillRef>
+          <a:effectRef idx="0">
+            <a:schemeClr val="accent1"/>
+          </a:effectRef>
+          <a:fontRef idx="minor">
+            <a:schemeClr val="lt1"/>
+          </a:fontRef>
+        </p:style>
+        <p:txBody>
+          <a:bodyPr rtlCol="0" anchor="ctr"/>
+          <a:lstStyle/>
+          <a:p>
+            <a:pPr algn="ctr"/>
+            <a:r>
+              <a:rPr lang="en-US" b="1" dirty="0">
+                <a:solidFill>
+                  <a:sysClr val="windowText" lastClr="000000"/>
+                </a:solidFill>
+              </a:rPr>
+              <a:t>PATROL State</a:t>
+            </a:r>
+          </a:p>
+        </p:txBody>
+      </p:sp>
+      <p:sp>
+        <p:nvSpPr>
+          <p:cNvPr id="14" name="Rectangle: Rounded Corners 13">
+            <a:extLst>
+              <a:ext uri="{FF2B5EF4-FFF2-40B4-BE49-F238E27FC236}">
+                <a16:creationId xmlns:a16="http://schemas.microsoft.com/office/drawing/2014/main" id="{E43CBF76-DDF9-47E3-2518-D84E0BC13206}"/>
+              </a:ext>
+            </a:extLst>
+          </p:cNvPr>
+          <p:cNvSpPr/>
+          <p:nvPr/>
+        </p:nvSpPr>
+        <p:spPr>
+          <a:xfrm>
+            <a:off x="7819018" y="2544649"/>
+            <a:ext cx="2142699" cy="655092"/>
+          </a:xfrm>
+          <a:prstGeom prst="roundRect">
+            <a:avLst/>
+          </a:prstGeom>
+          <a:solidFill>
+            <a:schemeClr val="bg1"/>
+          </a:solidFill>
+        </p:spPr>
+        <p:style>
+          <a:lnRef idx="2">
+            <a:schemeClr val="accent1">
+              <a:shade val="15000"/>
+            </a:schemeClr>
+          </a:lnRef>
+          <a:fillRef idx="1">
+            <a:schemeClr val="accent1"/>
+          </a:fillRef>
+          <a:effectRef idx="0">
+            <a:schemeClr val="accent1"/>
+          </a:effectRef>
+          <a:fontRef idx="minor">
+            <a:schemeClr val="lt1"/>
+          </a:fontRef>
+        </p:style>
+        <p:txBody>
+          <a:bodyPr rtlCol="0" anchor="ctr"/>
+          <a:lstStyle/>
+          <a:p>
+            <a:pPr algn="ctr"/>
+            <a:r>
+              <a:rPr lang="en-US" b="1" dirty="0">
+                <a:solidFill>
+                  <a:sysClr val="windowText" lastClr="000000"/>
+                </a:solidFill>
+              </a:rPr>
+              <a:t>CHASE State</a:t>
+            </a:r>
+            <a:endParaRPr lang="en-IN" b="1" dirty="0">
               <a:solidFill>
-                <a:schemeClr val="bg1"/>
+                <a:sysClr val="windowText" lastClr="000000"/>
               </a:solidFill>
-            </p:spPr>
-            <p:style>
-              <a:lnRef idx="2">
-                <a:schemeClr val="accent1">
-                  <a:shade val="15000"/>
-                </a:schemeClr>
-              </a:lnRef>
-              <a:fillRef idx="1">
-                <a:schemeClr val="accent1"/>
-              </a:fillRef>
-              <a:effectRef idx="0">
-                <a:schemeClr val="accent1"/>
-              </a:effectRef>
-              <a:fontRef idx="minor">
-                <a:schemeClr val="lt1"/>
-              </a:fontRef>
-            </p:style>
-            <p:txBody>
-              <a:bodyPr rtlCol="0" anchor="ctr"/>
-              <a:lstStyle/>
-              <a:p>
-                <a:pPr algn="ctr"/>
-                <a:r>
-                  <a:rPr lang="en-US" b="1" dirty="0">
-                    <a:solidFill>
-                      <a:sysClr val="windowText" lastClr="000000"/>
-                    </a:solidFill>
-                  </a:rPr>
-                  <a:t>PATROL State</a:t>
-                </a:r>
-              </a:p>
-            </p:txBody>
-          </p:sp>
-          <p:sp>
-            <p:nvSpPr>
-              <p:cNvPr id="14" name="Rectangle: Rounded Corners 13">
-                <a:extLst>
-                  <a:ext uri="{FF2B5EF4-FFF2-40B4-BE49-F238E27FC236}">
-                    <a16:creationId xmlns:a16="http://schemas.microsoft.com/office/drawing/2014/main" id="{E43CBF76-DDF9-47E3-2518-D84E0BC13206}"/>
-                  </a:ext>
-                </a:extLst>
-              </p:cNvPr>
-              <p:cNvSpPr/>
-              <p:nvPr/>
-            </p:nvSpPr>
-            <p:spPr>
-              <a:xfrm>
-                <a:off x="7819018" y="1805235"/>
-                <a:ext cx="2142699" cy="655092"/>
-              </a:xfrm>
-              <a:prstGeom prst="roundRect">
-                <a:avLst/>
-              </a:prstGeom>
+            </a:endParaRPr>
+          </a:p>
+        </p:txBody>
+      </p:sp>
+      <p:sp>
+        <p:nvSpPr>
+          <p:cNvPr id="15" name="Rectangle: Rounded Corners 14">
+            <a:extLst>
+              <a:ext uri="{FF2B5EF4-FFF2-40B4-BE49-F238E27FC236}">
+                <a16:creationId xmlns:a16="http://schemas.microsoft.com/office/drawing/2014/main" id="{2A59B17F-90AA-4733-5259-0E9433E5CF66}"/>
+              </a:ext>
+            </a:extLst>
+          </p:cNvPr>
+          <p:cNvSpPr/>
+          <p:nvPr/>
+        </p:nvSpPr>
+        <p:spPr>
+          <a:xfrm>
+            <a:off x="4096394" y="3687214"/>
+            <a:ext cx="2142699" cy="655092"/>
+          </a:xfrm>
+          <a:prstGeom prst="roundRect">
+            <a:avLst/>
+          </a:prstGeom>
+          <a:solidFill>
+            <a:schemeClr val="bg1"/>
+          </a:solidFill>
+        </p:spPr>
+        <p:style>
+          <a:lnRef idx="2">
+            <a:schemeClr val="accent1">
+              <a:shade val="15000"/>
+            </a:schemeClr>
+          </a:lnRef>
+          <a:fillRef idx="1">
+            <a:schemeClr val="accent1"/>
+          </a:fillRef>
+          <a:effectRef idx="0">
+            <a:schemeClr val="accent1"/>
+          </a:effectRef>
+          <a:fontRef idx="minor">
+            <a:schemeClr val="lt1"/>
+          </a:fontRef>
+        </p:style>
+        <p:txBody>
+          <a:bodyPr rtlCol="0" anchor="ctr"/>
+          <a:lstStyle/>
+          <a:p>
+            <a:pPr algn="ctr"/>
+            <a:r>
+              <a:rPr lang="en-US" b="1" dirty="0">
+                <a:solidFill>
+                  <a:sysClr val="windowText" lastClr="000000"/>
+                </a:solidFill>
+              </a:rPr>
+              <a:t>Outrun Enemy</a:t>
+            </a:r>
+            <a:endParaRPr lang="en-IN" b="1" dirty="0">
               <a:solidFill>
-                <a:schemeClr val="bg1"/>
+                <a:sysClr val="windowText" lastClr="000000"/>
               </a:solidFill>
-            </p:spPr>
-            <p:style>
-              <a:lnRef idx="2">
-                <a:schemeClr val="accent1">
-                  <a:shade val="15000"/>
-                </a:schemeClr>
-              </a:lnRef>
-              <a:fillRef idx="1">
-                <a:schemeClr val="accent1"/>
-              </a:fillRef>
-              <a:effectRef idx="0">
-                <a:schemeClr val="accent1"/>
-              </a:effectRef>
-              <a:fontRef idx="minor">
-                <a:schemeClr val="lt1"/>
-              </a:fontRef>
-            </p:style>
-            <p:txBody>
-              <a:bodyPr rtlCol="0" anchor="ctr"/>
-              <a:lstStyle/>
-              <a:p>
-                <a:pPr algn="ctr"/>
-                <a:r>
-                  <a:rPr lang="en-US" b="1" dirty="0">
-                    <a:solidFill>
-                      <a:sysClr val="windowText" lastClr="000000"/>
-                    </a:solidFill>
-                  </a:rPr>
-                  <a:t>CHASE State</a:t>
-                </a:r>
-                <a:endParaRPr lang="en-IN" b="1" dirty="0">
-                  <a:solidFill>
-                    <a:sysClr val="windowText" lastClr="000000"/>
-                  </a:solidFill>
-                </a:endParaRPr>
-              </a:p>
-            </p:txBody>
-          </p:sp>
-          <p:sp>
-            <p:nvSpPr>
-              <p:cNvPr id="15" name="Rectangle: Rounded Corners 14">
-                <a:extLst>
-                  <a:ext uri="{FF2B5EF4-FFF2-40B4-BE49-F238E27FC236}">
-                    <a16:creationId xmlns:a16="http://schemas.microsoft.com/office/drawing/2014/main" id="{2A59B17F-90AA-4733-5259-0E9433E5CF66}"/>
-                  </a:ext>
-                </a:extLst>
-              </p:cNvPr>
-              <p:cNvSpPr/>
-              <p:nvPr/>
-            </p:nvSpPr>
-            <p:spPr>
-              <a:xfrm>
-                <a:off x="4056897" y="3305314"/>
-                <a:ext cx="2142699" cy="655092"/>
-              </a:xfrm>
-              <a:prstGeom prst="roundRect">
-                <a:avLst/>
-              </a:prstGeom>
+            </a:endParaRPr>
+          </a:p>
+        </p:txBody>
+      </p:sp>
+      <p:cxnSp>
+        <p:nvCxnSpPr>
+          <p:cNvPr id="38" name="Connector: Elbow 37">
+            <a:extLst>
+              <a:ext uri="{FF2B5EF4-FFF2-40B4-BE49-F238E27FC236}">
+                <a16:creationId xmlns:a16="http://schemas.microsoft.com/office/drawing/2014/main" id="{CEB33F24-5C11-4FD3-523B-B5A24627ABCA}"/>
+              </a:ext>
+            </a:extLst>
+          </p:cNvPr>
+          <p:cNvCxnSpPr>
+            <a:cxnSpLocks/>
+            <a:stCxn id="8" idx="3"/>
+            <a:endCxn id="13" idx="0"/>
+          </p:cNvCxnSpPr>
+          <p:nvPr/>
+        </p:nvCxnSpPr>
+        <p:spPr>
+          <a:xfrm>
+            <a:off x="8094592" y="929537"/>
+            <a:ext cx="787308" cy="553758"/>
+          </a:xfrm>
+          <a:prstGeom prst="bentConnector2">
+            <a:avLst/>
+          </a:prstGeom>
+          <a:ln w="38100">
+            <a:solidFill>
+              <a:srgbClr val="DBB986"/>
+            </a:solidFill>
+            <a:tailEnd type="triangle"/>
+          </a:ln>
+        </p:spPr>
+        <p:style>
+          <a:lnRef idx="2">
+            <a:schemeClr val="accent1"/>
+          </a:lnRef>
+          <a:fillRef idx="0">
+            <a:schemeClr val="accent1"/>
+          </a:fillRef>
+          <a:effectRef idx="1">
+            <a:schemeClr val="accent1"/>
+          </a:effectRef>
+          <a:fontRef idx="minor">
+            <a:schemeClr val="tx1"/>
+          </a:fontRef>
+        </p:style>
+      </p:cxnSp>
+      <p:cxnSp>
+        <p:nvCxnSpPr>
+          <p:cNvPr id="53" name="Connector: Elbow 52">
+            <a:extLst>
+              <a:ext uri="{FF2B5EF4-FFF2-40B4-BE49-F238E27FC236}">
+                <a16:creationId xmlns:a16="http://schemas.microsoft.com/office/drawing/2014/main" id="{95BB01D4-1C15-9323-66C1-5DA6C2A36ACA}"/>
+              </a:ext>
+            </a:extLst>
+          </p:cNvPr>
+          <p:cNvCxnSpPr>
+            <a:stCxn id="12" idx="2"/>
+            <a:endCxn id="9" idx="1"/>
+          </p:cNvCxnSpPr>
+          <p:nvPr/>
+        </p:nvCxnSpPr>
+        <p:spPr>
+          <a:xfrm rot="16200000" flipH="1">
+            <a:off x="1942500" y="4152254"/>
+            <a:ext cx="814698" cy="1162017"/>
+          </a:xfrm>
+          <a:prstGeom prst="bentConnector2">
+            <a:avLst/>
+          </a:prstGeom>
+          <a:ln w="38100">
+            <a:solidFill>
+              <a:srgbClr val="DBB986"/>
+            </a:solidFill>
+            <a:tailEnd type="triangle"/>
+          </a:ln>
+        </p:spPr>
+        <p:style>
+          <a:lnRef idx="2">
+            <a:schemeClr val="accent1"/>
+          </a:lnRef>
+          <a:fillRef idx="0">
+            <a:schemeClr val="accent1"/>
+          </a:fillRef>
+          <a:effectRef idx="1">
+            <a:schemeClr val="accent1"/>
+          </a:effectRef>
+          <a:fontRef idx="minor">
+            <a:schemeClr val="tx1"/>
+          </a:fontRef>
+        </p:style>
+      </p:cxnSp>
+      <p:cxnSp>
+        <p:nvCxnSpPr>
+          <p:cNvPr id="57" name="Connector: Elbow 56">
+            <a:extLst>
+              <a:ext uri="{FF2B5EF4-FFF2-40B4-BE49-F238E27FC236}">
+                <a16:creationId xmlns:a16="http://schemas.microsoft.com/office/drawing/2014/main" id="{D0E92D57-B9C7-36E0-19AA-0C5BDA73F963}"/>
+              </a:ext>
+            </a:extLst>
+          </p:cNvPr>
+          <p:cNvCxnSpPr>
+            <a:cxnSpLocks/>
+            <a:stCxn id="3" idx="1"/>
+            <a:endCxn id="4" idx="0"/>
+          </p:cNvCxnSpPr>
+          <p:nvPr/>
+        </p:nvCxnSpPr>
+        <p:spPr>
+          <a:xfrm rot="10800000" flipV="1">
+            <a:off x="1768842" y="929537"/>
+            <a:ext cx="1126937" cy="947457"/>
+          </a:xfrm>
+          <a:prstGeom prst="bentConnector2">
+            <a:avLst/>
+          </a:prstGeom>
+          <a:ln w="38100">
+            <a:solidFill>
+              <a:srgbClr val="DBB986"/>
+            </a:solidFill>
+            <a:tailEnd type="triangle"/>
+          </a:ln>
+        </p:spPr>
+        <p:style>
+          <a:lnRef idx="2">
+            <a:schemeClr val="accent1"/>
+          </a:lnRef>
+          <a:fillRef idx="0">
+            <a:schemeClr val="accent1"/>
+          </a:fillRef>
+          <a:effectRef idx="1">
+            <a:schemeClr val="accent1"/>
+          </a:effectRef>
+          <a:fontRef idx="minor">
+            <a:schemeClr val="tx1"/>
+          </a:fontRef>
+        </p:style>
+      </p:cxnSp>
+      <p:cxnSp>
+        <p:nvCxnSpPr>
+          <p:cNvPr id="63" name="Connector: Elbow 62">
+            <a:extLst>
+              <a:ext uri="{FF2B5EF4-FFF2-40B4-BE49-F238E27FC236}">
+                <a16:creationId xmlns:a16="http://schemas.microsoft.com/office/drawing/2014/main" id="{FA304756-EE08-9EB6-820E-995915C33469}"/>
+              </a:ext>
+            </a:extLst>
+          </p:cNvPr>
+          <p:cNvCxnSpPr>
+            <a:cxnSpLocks/>
+            <a:endCxn id="44" idx="1"/>
+          </p:cNvCxnSpPr>
+          <p:nvPr/>
+        </p:nvCxnSpPr>
+        <p:spPr>
+          <a:xfrm rot="16200000" flipH="1">
+            <a:off x="3258561" y="1638464"/>
+            <a:ext cx="1218013" cy="455250"/>
+          </a:xfrm>
+          <a:prstGeom prst="bentConnector2">
+            <a:avLst/>
+          </a:prstGeom>
+          <a:ln w="38100">
+            <a:solidFill>
+              <a:srgbClr val="DBB986"/>
+            </a:solidFill>
+            <a:tailEnd type="triangle"/>
+          </a:ln>
+        </p:spPr>
+        <p:style>
+          <a:lnRef idx="2">
+            <a:schemeClr val="accent1"/>
+          </a:lnRef>
+          <a:fillRef idx="0">
+            <a:schemeClr val="accent1"/>
+          </a:fillRef>
+          <a:effectRef idx="1">
+            <a:schemeClr val="accent1"/>
+          </a:effectRef>
+          <a:fontRef idx="minor">
+            <a:schemeClr val="tx1"/>
+          </a:fontRef>
+        </p:style>
+      </p:cxnSp>
+      <p:cxnSp>
+        <p:nvCxnSpPr>
+          <p:cNvPr id="65" name="Connector: Elbow 64">
+            <a:extLst>
+              <a:ext uri="{FF2B5EF4-FFF2-40B4-BE49-F238E27FC236}">
+                <a16:creationId xmlns:a16="http://schemas.microsoft.com/office/drawing/2014/main" id="{5EBD8D82-FAA4-3F54-A07A-B2800CC6EB90}"/>
+              </a:ext>
+            </a:extLst>
+          </p:cNvPr>
+          <p:cNvCxnSpPr>
+            <a:cxnSpLocks/>
+            <a:stCxn id="44" idx="2"/>
+            <a:endCxn id="15" idx="0"/>
+          </p:cNvCxnSpPr>
+          <p:nvPr/>
+        </p:nvCxnSpPr>
+        <p:spPr>
+          <a:xfrm rot="16200000" flipH="1">
+            <a:off x="4724857" y="3244327"/>
+            <a:ext cx="884572" cy="1202"/>
+          </a:xfrm>
+          <a:prstGeom prst="bentConnector3">
+            <a:avLst>
+              <a:gd name="adj1" fmla="val 50000"/>
+            </a:avLst>
+          </a:prstGeom>
+          <a:ln w="38100">
+            <a:solidFill>
+              <a:srgbClr val="DBB986"/>
+            </a:solidFill>
+            <a:tailEnd type="triangle"/>
+          </a:ln>
+        </p:spPr>
+        <p:style>
+          <a:lnRef idx="2">
+            <a:schemeClr val="accent1"/>
+          </a:lnRef>
+          <a:fillRef idx="0">
+            <a:schemeClr val="accent1"/>
+          </a:fillRef>
+          <a:effectRef idx="1">
+            <a:schemeClr val="accent1"/>
+          </a:effectRef>
+          <a:fontRef idx="minor">
+            <a:schemeClr val="tx1"/>
+          </a:fontRef>
+        </p:style>
+      </p:cxnSp>
+      <p:cxnSp>
+        <p:nvCxnSpPr>
+          <p:cNvPr id="70" name="Connector: Elbow 69">
+            <a:extLst>
+              <a:ext uri="{FF2B5EF4-FFF2-40B4-BE49-F238E27FC236}">
+                <a16:creationId xmlns:a16="http://schemas.microsoft.com/office/drawing/2014/main" id="{074B4E93-E913-3A59-903B-E661CE1189D9}"/>
+              </a:ext>
+            </a:extLst>
+          </p:cNvPr>
+          <p:cNvCxnSpPr>
+            <a:cxnSpLocks/>
+            <a:stCxn id="7" idx="2"/>
+            <a:endCxn id="10" idx="3"/>
+          </p:cNvCxnSpPr>
+          <p:nvPr/>
+        </p:nvCxnSpPr>
+        <p:spPr>
+          <a:xfrm rot="5400000">
+            <a:off x="7825091" y="4075335"/>
+            <a:ext cx="792411" cy="1338143"/>
+          </a:xfrm>
+          <a:prstGeom prst="bentConnector2">
+            <a:avLst/>
+          </a:prstGeom>
+          <a:ln w="38100">
+            <a:solidFill>
+              <a:srgbClr val="DBB986"/>
+            </a:solidFill>
+            <a:tailEnd type="triangle"/>
+          </a:ln>
+        </p:spPr>
+        <p:style>
+          <a:lnRef idx="2">
+            <a:schemeClr val="accent1"/>
+          </a:lnRef>
+          <a:fillRef idx="0">
+            <a:schemeClr val="accent1"/>
+          </a:fillRef>
+          <a:effectRef idx="1">
+            <a:schemeClr val="accent1"/>
+          </a:effectRef>
+          <a:fontRef idx="minor">
+            <a:schemeClr val="tx1"/>
+          </a:fontRef>
+        </p:style>
+      </p:cxnSp>
+      <p:cxnSp>
+        <p:nvCxnSpPr>
+          <p:cNvPr id="118" name="Straight Arrow Connector 117">
+            <a:extLst>
+              <a:ext uri="{FF2B5EF4-FFF2-40B4-BE49-F238E27FC236}">
+                <a16:creationId xmlns:a16="http://schemas.microsoft.com/office/drawing/2014/main" id="{1E84C02F-580E-C0C1-A019-FCCBB7681684}"/>
+              </a:ext>
+            </a:extLst>
+          </p:cNvPr>
+          <p:cNvCxnSpPr>
+            <a:cxnSpLocks/>
+            <a:stCxn id="4" idx="2"/>
+            <a:endCxn id="12" idx="0"/>
+          </p:cNvCxnSpPr>
+          <p:nvPr/>
+        </p:nvCxnSpPr>
+        <p:spPr>
+          <a:xfrm>
+            <a:off x="1768841" y="2532087"/>
+            <a:ext cx="0" cy="1138735"/>
+          </a:xfrm>
+          <a:prstGeom prst="straightConnector1">
+            <a:avLst/>
+          </a:prstGeom>
+          <a:ln w="38100">
+            <a:solidFill>
+              <a:srgbClr val="DBB986"/>
+            </a:solidFill>
+            <a:tailEnd type="triangle"/>
+          </a:ln>
+        </p:spPr>
+        <p:style>
+          <a:lnRef idx="2">
+            <a:schemeClr val="accent1"/>
+          </a:lnRef>
+          <a:fillRef idx="0">
+            <a:schemeClr val="accent1"/>
+          </a:fillRef>
+          <a:effectRef idx="1">
+            <a:schemeClr val="accent1"/>
+          </a:effectRef>
+          <a:fontRef idx="minor">
+            <a:schemeClr val="tx1"/>
+          </a:fontRef>
+        </p:style>
+      </p:cxnSp>
+      <p:cxnSp>
+        <p:nvCxnSpPr>
+          <p:cNvPr id="136" name="Straight Arrow Connector 135">
+            <a:extLst>
+              <a:ext uri="{FF2B5EF4-FFF2-40B4-BE49-F238E27FC236}">
+                <a16:creationId xmlns:a16="http://schemas.microsoft.com/office/drawing/2014/main" id="{7A33B351-1121-A1B3-88EB-CB14B397831A}"/>
+              </a:ext>
+            </a:extLst>
+          </p:cNvPr>
+          <p:cNvCxnSpPr>
+            <a:stCxn id="14" idx="2"/>
+            <a:endCxn id="7" idx="0"/>
+          </p:cNvCxnSpPr>
+          <p:nvPr/>
+        </p:nvCxnSpPr>
+        <p:spPr>
+          <a:xfrm flipH="1">
+            <a:off x="8890367" y="3199741"/>
+            <a:ext cx="1" cy="493368"/>
+          </a:xfrm>
+          <a:prstGeom prst="straightConnector1">
+            <a:avLst/>
+          </a:prstGeom>
+          <a:ln w="38100">
+            <a:solidFill>
+              <a:srgbClr val="DBB986"/>
+            </a:solidFill>
+            <a:tailEnd type="triangle"/>
+          </a:ln>
+        </p:spPr>
+        <p:style>
+          <a:lnRef idx="2">
+            <a:schemeClr val="accent1"/>
+          </a:lnRef>
+          <a:fillRef idx="0">
+            <a:schemeClr val="accent1"/>
+          </a:fillRef>
+          <a:effectRef idx="1">
+            <a:schemeClr val="accent1"/>
+          </a:effectRef>
+          <a:fontRef idx="minor">
+            <a:schemeClr val="tx1"/>
+          </a:fontRef>
+        </p:style>
+      </p:cxnSp>
+      <p:sp>
+        <p:nvSpPr>
+          <p:cNvPr id="162" name="TextBox 161">
+            <a:extLst>
+              <a:ext uri="{FF2B5EF4-FFF2-40B4-BE49-F238E27FC236}">
+                <a16:creationId xmlns:a16="http://schemas.microsoft.com/office/drawing/2014/main" id="{29B27F01-6294-2B2A-D31B-37C7F4AFC5E3}"/>
+              </a:ext>
+            </a:extLst>
+          </p:cNvPr>
+          <p:cNvSpPr txBox="1"/>
+          <p:nvPr/>
+        </p:nvSpPr>
+        <p:spPr>
+          <a:xfrm>
+            <a:off x="6607455" y="3687214"/>
+            <a:ext cx="831574" cy="338554"/>
+          </a:xfrm>
+          <a:prstGeom prst="rect">
+            <a:avLst/>
+          </a:prstGeom>
+          <a:noFill/>
+        </p:spPr>
+        <p:txBody>
+          <a:bodyPr wrap="none" rtlCol="0">
+            <a:spAutoFit/>
+          </a:bodyPr>
+          <a:lstStyle/>
+          <a:p>
+            <a:r>
+              <a:rPr lang="en-US" sz="1600" dirty="0"/>
+              <a:t>if failed</a:t>
+            </a:r>
+            <a:endParaRPr lang="en-IN" sz="1600" dirty="0"/>
+          </a:p>
+        </p:txBody>
+      </p:sp>
+      <p:sp>
+        <p:nvSpPr>
+          <p:cNvPr id="2" name="Google Shape;134;p25">
+            <a:extLst>
+              <a:ext uri="{FF2B5EF4-FFF2-40B4-BE49-F238E27FC236}">
+                <a16:creationId xmlns:a16="http://schemas.microsoft.com/office/drawing/2014/main" id="{947822C2-FC58-E79A-A1A2-623D4DE4C1D9}"/>
+              </a:ext>
+            </a:extLst>
+          </p:cNvPr>
+          <p:cNvSpPr/>
+          <p:nvPr/>
+        </p:nvSpPr>
+        <p:spPr>
+          <a:xfrm>
+            <a:off x="262614" y="244907"/>
+            <a:ext cx="10143929" cy="7054210"/>
+          </a:xfrm>
+          <a:custGeom>
+            <a:avLst/>
+            <a:gdLst/>
+            <a:ahLst/>
+            <a:cxnLst/>
+            <a:rect l="l" t="t" r="r" b="b"/>
+            <a:pathLst>
+              <a:path w="18960615" h="13185439" extrusionOk="0">
+                <a:moveTo>
+                  <a:pt x="0" y="0"/>
+                </a:moveTo>
+                <a:lnTo>
+                  <a:pt x="0" y="13185439"/>
+                </a:lnTo>
+                <a:lnTo>
+                  <a:pt x="18960615" y="13185439"/>
+                </a:lnTo>
+                <a:lnTo>
+                  <a:pt x="18960615" y="0"/>
+                </a:lnTo>
+                <a:lnTo>
+                  <a:pt x="0" y="0"/>
+                </a:lnTo>
+                <a:close/>
+                <a:moveTo>
+                  <a:pt x="18899654" y="13124480"/>
+                </a:moveTo>
+                <a:lnTo>
+                  <a:pt x="59690" y="13124480"/>
+                </a:lnTo>
+                <a:lnTo>
+                  <a:pt x="59690" y="59690"/>
+                </a:lnTo>
+                <a:lnTo>
+                  <a:pt x="18899654" y="59690"/>
+                </a:lnTo>
+                <a:lnTo>
+                  <a:pt x="18899654" y="13124480"/>
+                </a:lnTo>
+                <a:close/>
+              </a:path>
+            </a:pathLst>
+          </a:custGeom>
+          <a:solidFill>
+            <a:srgbClr val="DBB986"/>
+          </a:solidFill>
+          <a:ln>
+            <a:noFill/>
+          </a:ln>
+        </p:spPr>
+      </p:sp>
+      <p:cxnSp>
+        <p:nvCxnSpPr>
+          <p:cNvPr id="21" name="Connector: Elbow 20">
+            <a:extLst>
+              <a:ext uri="{FF2B5EF4-FFF2-40B4-BE49-F238E27FC236}">
+                <a16:creationId xmlns:a16="http://schemas.microsoft.com/office/drawing/2014/main" id="{741E14B1-1960-5758-D695-B5F857BB9C2B}"/>
+              </a:ext>
+            </a:extLst>
+          </p:cNvPr>
+          <p:cNvCxnSpPr>
+            <a:cxnSpLocks/>
+            <a:stCxn id="13" idx="2"/>
+            <a:endCxn id="14" idx="0"/>
+          </p:cNvCxnSpPr>
+          <p:nvPr/>
+        </p:nvCxnSpPr>
+        <p:spPr>
+          <a:xfrm rot="16200000" flipH="1">
+            <a:off x="8683003" y="2337284"/>
+            <a:ext cx="406262" cy="8468"/>
+          </a:xfrm>
+          <a:prstGeom prst="bentConnector3">
+            <a:avLst>
+              <a:gd name="adj1" fmla="val 50000"/>
+            </a:avLst>
+          </a:prstGeom>
+          <a:ln w="38100">
+            <a:solidFill>
+              <a:srgbClr val="DBB986"/>
+            </a:solidFill>
+            <a:tailEnd type="triangle"/>
+          </a:ln>
+        </p:spPr>
+        <p:style>
+          <a:lnRef idx="2">
+            <a:schemeClr val="accent1"/>
+          </a:lnRef>
+          <a:fillRef idx="0">
+            <a:schemeClr val="accent1"/>
+          </a:fillRef>
+          <a:effectRef idx="1">
+            <a:schemeClr val="accent1"/>
+          </a:effectRef>
+          <a:fontRef idx="minor">
+            <a:schemeClr val="tx1"/>
+          </a:fontRef>
+        </p:style>
+      </p:cxnSp>
+      <p:sp>
+        <p:nvSpPr>
+          <p:cNvPr id="44" name="Rectangle: Rounded Corners 43">
+            <a:extLst>
+              <a:ext uri="{FF2B5EF4-FFF2-40B4-BE49-F238E27FC236}">
+                <a16:creationId xmlns:a16="http://schemas.microsoft.com/office/drawing/2014/main" id="{CAA125FC-138D-FB7E-66EE-5EBC39E9C1A3}"/>
+              </a:ext>
+            </a:extLst>
+          </p:cNvPr>
+          <p:cNvSpPr/>
+          <p:nvPr/>
+        </p:nvSpPr>
+        <p:spPr>
+          <a:xfrm>
+            <a:off x="4095192" y="2147550"/>
+            <a:ext cx="2142699" cy="655092"/>
+          </a:xfrm>
+          <a:prstGeom prst="roundRect">
+            <a:avLst/>
+          </a:prstGeom>
+          <a:solidFill>
+            <a:schemeClr val="bg1"/>
+          </a:solidFill>
+        </p:spPr>
+        <p:style>
+          <a:lnRef idx="2">
+            <a:schemeClr val="accent1">
+              <a:shade val="15000"/>
+            </a:schemeClr>
+          </a:lnRef>
+          <a:fillRef idx="1">
+            <a:schemeClr val="accent1"/>
+          </a:fillRef>
+          <a:effectRef idx="0">
+            <a:schemeClr val="accent1"/>
+          </a:effectRef>
+          <a:fontRef idx="minor">
+            <a:schemeClr val="lt1"/>
+          </a:fontRef>
+        </p:style>
+        <p:txBody>
+          <a:bodyPr rtlCol="0" anchor="ctr"/>
+          <a:lstStyle/>
+          <a:p>
+            <a:pPr algn="ctr"/>
+            <a:r>
+              <a:rPr lang="en-US" b="1" dirty="0">
+                <a:solidFill>
+                  <a:sysClr val="windowText" lastClr="000000"/>
+                </a:solidFill>
+              </a:rPr>
+              <a:t>Hide from </a:t>
+            </a:r>
+          </a:p>
+          <a:p>
+            <a:pPr algn="ctr"/>
+            <a:r>
+              <a:rPr lang="en-US" b="1" dirty="0">
+                <a:solidFill>
+                  <a:sysClr val="windowText" lastClr="000000"/>
+                </a:solidFill>
+              </a:rPr>
+              <a:t>Enemy</a:t>
+            </a:r>
+            <a:endParaRPr lang="en-IN" b="1" dirty="0">
               <a:solidFill>
-                <a:schemeClr val="bg1"/>
+                <a:sysClr val="windowText" lastClr="000000"/>
               </a:solidFill>
-            </p:spPr>
-            <p:style>
-              <a:lnRef idx="2">
-                <a:schemeClr val="accent1">
-                  <a:shade val="15000"/>
-                </a:schemeClr>
-              </a:lnRef>
-              <a:fillRef idx="1">
-                <a:schemeClr val="accent1"/>
-              </a:fillRef>
-              <a:effectRef idx="0">
-                <a:schemeClr val="accent1"/>
-              </a:effectRef>
-              <a:fontRef idx="minor">
-                <a:schemeClr val="lt1"/>
-              </a:fontRef>
-            </p:style>
-            <p:txBody>
-              <a:bodyPr rtlCol="0" anchor="ctr"/>
-              <a:lstStyle/>
-              <a:p>
-                <a:pPr algn="ctr"/>
-                <a:r>
-                  <a:rPr lang="en-US" b="1" dirty="0">
-                    <a:solidFill>
-                      <a:sysClr val="windowText" lastClr="000000"/>
-                    </a:solidFill>
-                  </a:rPr>
-                  <a:t>Outrun Enemy</a:t>
-                </a:r>
-                <a:endParaRPr lang="en-IN" b="1" dirty="0">
-                  <a:solidFill>
-                    <a:sysClr val="windowText" lastClr="000000"/>
-                  </a:solidFill>
-                </a:endParaRPr>
-              </a:p>
-            </p:txBody>
-          </p:sp>
-          <p:cxnSp>
-            <p:nvCxnSpPr>
-              <p:cNvPr id="38" name="Connector: Elbow 37">
-                <a:extLst>
-                  <a:ext uri="{FF2B5EF4-FFF2-40B4-BE49-F238E27FC236}">
-                    <a16:creationId xmlns:a16="http://schemas.microsoft.com/office/drawing/2014/main" id="{CEB33F24-5C11-4FD3-523B-B5A24627ABCA}"/>
-                  </a:ext>
-                </a:extLst>
-              </p:cNvPr>
-              <p:cNvCxnSpPr>
-                <a:cxnSpLocks/>
-                <a:stCxn id="8" idx="2"/>
-                <a:endCxn id="13" idx="0"/>
-              </p:cNvCxnSpPr>
-              <p:nvPr/>
-            </p:nvCxnSpPr>
-            <p:spPr>
-              <a:xfrm rot="5400000">
-                <a:off x="5811843" y="1056174"/>
-                <a:ext cx="544090" cy="938687"/>
-              </a:xfrm>
-              <a:prstGeom prst="bentConnector3">
-                <a:avLst>
-                  <a:gd name="adj1" fmla="val 50000"/>
-                </a:avLst>
-              </a:prstGeom>
-              <a:ln>
-                <a:tailEnd type="triangle"/>
-              </a:ln>
-            </p:spPr>
-            <p:style>
-              <a:lnRef idx="2">
-                <a:schemeClr val="accent1"/>
-              </a:lnRef>
-              <a:fillRef idx="0">
-                <a:schemeClr val="accent1"/>
-              </a:fillRef>
-              <a:effectRef idx="1">
-                <a:schemeClr val="accent1"/>
-              </a:effectRef>
-              <a:fontRef idx="minor">
-                <a:schemeClr val="tx1"/>
-              </a:fontRef>
-            </p:style>
-          </p:cxnSp>
-          <p:cxnSp>
-            <p:nvCxnSpPr>
-              <p:cNvPr id="53" name="Connector: Elbow 52">
-                <a:extLst>
-                  <a:ext uri="{FF2B5EF4-FFF2-40B4-BE49-F238E27FC236}">
-                    <a16:creationId xmlns:a16="http://schemas.microsoft.com/office/drawing/2014/main" id="{95BB01D4-1C15-9323-66C1-5DA6C2A36ACA}"/>
-                  </a:ext>
-                </a:extLst>
-              </p:cNvPr>
-              <p:cNvCxnSpPr>
-                <a:stCxn id="12" idx="2"/>
-                <a:endCxn id="9" idx="1"/>
-              </p:cNvCxnSpPr>
-              <p:nvPr/>
-            </p:nvCxnSpPr>
-            <p:spPr>
-              <a:xfrm rot="16200000" flipH="1">
-                <a:off x="1783672" y="3993426"/>
-                <a:ext cx="814698" cy="1479674"/>
-              </a:xfrm>
-              <a:prstGeom prst="bentConnector2">
-                <a:avLst/>
-              </a:prstGeom>
-              <a:ln>
-                <a:tailEnd type="triangle"/>
-              </a:ln>
-            </p:spPr>
-            <p:style>
-              <a:lnRef idx="2">
-                <a:schemeClr val="accent1"/>
-              </a:lnRef>
-              <a:fillRef idx="0">
-                <a:schemeClr val="accent1"/>
-              </a:fillRef>
-              <a:effectRef idx="1">
-                <a:schemeClr val="accent1"/>
-              </a:effectRef>
-              <a:fontRef idx="minor">
-                <a:schemeClr val="tx1"/>
-              </a:fontRef>
-            </p:style>
-          </p:cxnSp>
-          <p:cxnSp>
-            <p:nvCxnSpPr>
-              <p:cNvPr id="57" name="Connector: Elbow 56">
-                <a:extLst>
-                  <a:ext uri="{FF2B5EF4-FFF2-40B4-BE49-F238E27FC236}">
-                    <a16:creationId xmlns:a16="http://schemas.microsoft.com/office/drawing/2014/main" id="{D0E92D57-B9C7-36E0-19AA-0C5BDA73F963}"/>
-                  </a:ext>
-                </a:extLst>
-              </p:cNvPr>
-              <p:cNvCxnSpPr>
-                <a:cxnSpLocks/>
-                <a:stCxn id="3" idx="1"/>
-                <a:endCxn id="4" idx="0"/>
-              </p:cNvCxnSpPr>
-              <p:nvPr/>
-            </p:nvCxnSpPr>
-            <p:spPr>
-              <a:xfrm rot="10800000" flipV="1">
-                <a:off x="1451185" y="929537"/>
-                <a:ext cx="408325" cy="947457"/>
-              </a:xfrm>
-              <a:prstGeom prst="bentConnector2">
-                <a:avLst/>
-              </a:prstGeom>
-              <a:ln>
-                <a:tailEnd type="triangle"/>
-              </a:ln>
-            </p:spPr>
-            <p:style>
-              <a:lnRef idx="2">
-                <a:schemeClr val="accent1"/>
-              </a:lnRef>
-              <a:fillRef idx="0">
-                <a:schemeClr val="accent1"/>
-              </a:fillRef>
-              <a:effectRef idx="1">
-                <a:schemeClr val="accent1"/>
-              </a:effectRef>
-              <a:fontRef idx="minor">
-                <a:schemeClr val="tx1"/>
-              </a:fontRef>
-            </p:style>
-          </p:cxnSp>
-          <p:cxnSp>
-            <p:nvCxnSpPr>
-              <p:cNvPr id="63" name="Connector: Elbow 62">
-                <a:extLst>
-                  <a:ext uri="{FF2B5EF4-FFF2-40B4-BE49-F238E27FC236}">
-                    <a16:creationId xmlns:a16="http://schemas.microsoft.com/office/drawing/2014/main" id="{FA304756-EE08-9EB6-820E-995915C33469}"/>
-                  </a:ext>
-                </a:extLst>
-              </p:cNvPr>
-              <p:cNvCxnSpPr>
-                <a:cxnSpLocks/>
-                <a:stCxn id="3" idx="2"/>
-                <a:endCxn id="15" idx="1"/>
-              </p:cNvCxnSpPr>
-              <p:nvPr/>
-            </p:nvCxnSpPr>
-            <p:spPr>
-              <a:xfrm rot="16200000" flipH="1">
-                <a:off x="2305990" y="1881953"/>
-                <a:ext cx="2375776" cy="1126038"/>
-              </a:xfrm>
-              <a:prstGeom prst="bentConnector2">
-                <a:avLst/>
-              </a:prstGeom>
-              <a:ln>
-                <a:tailEnd type="triangle"/>
-              </a:ln>
-            </p:spPr>
-            <p:style>
-              <a:lnRef idx="2">
-                <a:schemeClr val="accent1"/>
-              </a:lnRef>
-              <a:fillRef idx="0">
-                <a:schemeClr val="accent1"/>
-              </a:fillRef>
-              <a:effectRef idx="1">
-                <a:schemeClr val="accent1"/>
-              </a:effectRef>
-              <a:fontRef idx="minor">
-                <a:schemeClr val="tx1"/>
-              </a:fontRef>
-            </p:style>
-          </p:cxnSp>
-          <p:cxnSp>
-            <p:nvCxnSpPr>
-              <p:cNvPr id="65" name="Connector: Elbow 64">
-                <a:extLst>
-                  <a:ext uri="{FF2B5EF4-FFF2-40B4-BE49-F238E27FC236}">
-                    <a16:creationId xmlns:a16="http://schemas.microsoft.com/office/drawing/2014/main" id="{5EBD8D82-FAA4-3F54-A07A-B2800CC6EB90}"/>
-                  </a:ext>
-                </a:extLst>
-              </p:cNvPr>
-              <p:cNvCxnSpPr>
-                <a:cxnSpLocks/>
-                <a:stCxn id="15" idx="0"/>
-                <a:endCxn id="13" idx="2"/>
-              </p:cNvCxnSpPr>
-              <p:nvPr/>
-            </p:nvCxnSpPr>
-            <p:spPr>
-              <a:xfrm rot="5400000" flipH="1" flipV="1">
-                <a:off x="4945065" y="2635836"/>
-                <a:ext cx="852660" cy="486297"/>
-              </a:xfrm>
-              <a:prstGeom prst="bentConnector3">
-                <a:avLst>
-                  <a:gd name="adj1" fmla="val 50000"/>
-                </a:avLst>
-              </a:prstGeom>
-              <a:ln>
-                <a:tailEnd type="triangle"/>
-              </a:ln>
-            </p:spPr>
-            <p:style>
-              <a:lnRef idx="2">
-                <a:schemeClr val="accent1"/>
-              </a:lnRef>
-              <a:fillRef idx="0">
-                <a:schemeClr val="accent1"/>
-              </a:fillRef>
-              <a:effectRef idx="1">
-                <a:schemeClr val="accent1"/>
-              </a:effectRef>
-              <a:fontRef idx="minor">
-                <a:schemeClr val="tx1"/>
-              </a:fontRef>
-            </p:style>
-          </p:cxnSp>
-          <p:cxnSp>
-            <p:nvCxnSpPr>
-              <p:cNvPr id="70" name="Connector: Elbow 69">
-                <a:extLst>
-                  <a:ext uri="{FF2B5EF4-FFF2-40B4-BE49-F238E27FC236}">
-                    <a16:creationId xmlns:a16="http://schemas.microsoft.com/office/drawing/2014/main" id="{074B4E93-E913-3A59-903B-E661CE1189D9}"/>
-                  </a:ext>
-                </a:extLst>
-              </p:cNvPr>
-              <p:cNvCxnSpPr>
-                <a:cxnSpLocks/>
-                <a:stCxn id="7" idx="2"/>
-                <a:endCxn id="10" idx="3"/>
-              </p:cNvCxnSpPr>
-              <p:nvPr/>
-            </p:nvCxnSpPr>
-            <p:spPr>
-              <a:xfrm rot="5400000">
-                <a:off x="7810837" y="4024101"/>
-                <a:ext cx="857898" cy="1375124"/>
-              </a:xfrm>
-              <a:prstGeom prst="bentConnector2">
-                <a:avLst/>
-              </a:prstGeom>
-              <a:ln>
-                <a:tailEnd type="triangle"/>
-              </a:ln>
-            </p:spPr>
-            <p:style>
-              <a:lnRef idx="2">
-                <a:schemeClr val="accent1"/>
-              </a:lnRef>
-              <a:fillRef idx="0">
-                <a:schemeClr val="accent1"/>
-              </a:fillRef>
-              <a:effectRef idx="1">
-                <a:schemeClr val="accent1"/>
-              </a:effectRef>
-              <a:fontRef idx="minor">
-                <a:schemeClr val="tx1"/>
-              </a:fontRef>
-            </p:style>
-          </p:cxnSp>
-          <p:cxnSp>
-            <p:nvCxnSpPr>
-              <p:cNvPr id="118" name="Straight Arrow Connector 117">
-                <a:extLst>
-                  <a:ext uri="{FF2B5EF4-FFF2-40B4-BE49-F238E27FC236}">
-                    <a16:creationId xmlns:a16="http://schemas.microsoft.com/office/drawing/2014/main" id="{1E84C02F-580E-C0C1-A019-FCCBB7681684}"/>
-                  </a:ext>
-                </a:extLst>
-              </p:cNvPr>
-              <p:cNvCxnSpPr>
-                <a:cxnSpLocks/>
-                <a:stCxn id="4" idx="2"/>
-                <a:endCxn id="12" idx="0"/>
-              </p:cNvCxnSpPr>
-              <p:nvPr/>
-            </p:nvCxnSpPr>
-            <p:spPr>
-              <a:xfrm>
-                <a:off x="1451184" y="2532087"/>
-                <a:ext cx="0" cy="1138735"/>
-              </a:xfrm>
-              <a:prstGeom prst="straightConnector1">
-                <a:avLst/>
-              </a:prstGeom>
-              <a:ln>
-                <a:tailEnd type="triangle"/>
-              </a:ln>
-            </p:spPr>
-            <p:style>
-              <a:lnRef idx="2">
-                <a:schemeClr val="accent1"/>
-              </a:lnRef>
-              <a:fillRef idx="0">
-                <a:schemeClr val="accent1"/>
-              </a:fillRef>
-              <a:effectRef idx="1">
-                <a:schemeClr val="accent1"/>
-              </a:effectRef>
-              <a:fontRef idx="minor">
-                <a:schemeClr val="tx1"/>
-              </a:fontRef>
-            </p:style>
-          </p:cxnSp>
-          <p:cxnSp>
-            <p:nvCxnSpPr>
-              <p:cNvPr id="126" name="Connector: Elbow 125">
-                <a:extLst>
-                  <a:ext uri="{FF2B5EF4-FFF2-40B4-BE49-F238E27FC236}">
-                    <a16:creationId xmlns:a16="http://schemas.microsoft.com/office/drawing/2014/main" id="{08B127F3-F988-C40E-8230-0F9BE0715CBB}"/>
-                  </a:ext>
-                </a:extLst>
-              </p:cNvPr>
-              <p:cNvCxnSpPr>
-                <a:cxnSpLocks/>
-                <a:stCxn id="8" idx="3"/>
-                <a:endCxn id="14" idx="0"/>
-              </p:cNvCxnSpPr>
-              <p:nvPr/>
-            </p:nvCxnSpPr>
-            <p:spPr>
-              <a:xfrm>
-                <a:off x="7624580" y="925926"/>
-                <a:ext cx="1265788" cy="879309"/>
-              </a:xfrm>
-              <a:prstGeom prst="bentConnector2">
-                <a:avLst/>
-              </a:prstGeom>
-              <a:ln>
-                <a:tailEnd type="triangle"/>
-              </a:ln>
-            </p:spPr>
-            <p:style>
-              <a:lnRef idx="2">
-                <a:schemeClr val="accent1"/>
-              </a:lnRef>
-              <a:fillRef idx="0">
-                <a:schemeClr val="accent1"/>
-              </a:fillRef>
-              <a:effectRef idx="1">
-                <a:schemeClr val="accent1"/>
-              </a:effectRef>
-              <a:fontRef idx="minor">
-                <a:schemeClr val="tx1"/>
-              </a:fontRef>
-            </p:style>
-          </p:cxnSp>
-          <p:cxnSp>
-            <p:nvCxnSpPr>
-              <p:cNvPr id="132" name="Connector: Elbow 131">
-                <a:extLst>
-                  <a:ext uri="{FF2B5EF4-FFF2-40B4-BE49-F238E27FC236}">
-                    <a16:creationId xmlns:a16="http://schemas.microsoft.com/office/drawing/2014/main" id="{A57E5B6F-B361-F2F3-A0FF-2549EF9D8249}"/>
-                  </a:ext>
-                </a:extLst>
-              </p:cNvPr>
-              <p:cNvCxnSpPr>
-                <a:stCxn id="15" idx="3"/>
-                <a:endCxn id="14" idx="1"/>
-              </p:cNvCxnSpPr>
-              <p:nvPr/>
-            </p:nvCxnSpPr>
-            <p:spPr>
-              <a:xfrm flipV="1">
-                <a:off x="6199596" y="2132781"/>
-                <a:ext cx="1619422" cy="1500079"/>
-              </a:xfrm>
-              <a:prstGeom prst="bentConnector3">
-                <a:avLst>
-                  <a:gd name="adj1" fmla="val 50000"/>
-                </a:avLst>
-              </a:prstGeom>
-              <a:ln>
-                <a:tailEnd type="triangle"/>
-              </a:ln>
-            </p:spPr>
-            <p:style>
-              <a:lnRef idx="2">
-                <a:schemeClr val="accent1"/>
-              </a:lnRef>
-              <a:fillRef idx="0">
-                <a:schemeClr val="accent1"/>
-              </a:fillRef>
-              <a:effectRef idx="1">
-                <a:schemeClr val="accent1"/>
-              </a:effectRef>
-              <a:fontRef idx="minor">
-                <a:schemeClr val="tx1"/>
-              </a:fontRef>
-            </p:style>
-          </p:cxnSp>
-          <p:cxnSp>
-            <p:nvCxnSpPr>
-              <p:cNvPr id="136" name="Straight Arrow Connector 135">
-                <a:extLst>
-                  <a:ext uri="{FF2B5EF4-FFF2-40B4-BE49-F238E27FC236}">
-                    <a16:creationId xmlns:a16="http://schemas.microsoft.com/office/drawing/2014/main" id="{7A33B351-1121-A1B3-88EB-CB14B397831A}"/>
-                  </a:ext>
-                </a:extLst>
-              </p:cNvPr>
-              <p:cNvCxnSpPr>
-                <a:stCxn id="14" idx="2"/>
-                <a:endCxn id="7" idx="0"/>
-              </p:cNvCxnSpPr>
-              <p:nvPr/>
-            </p:nvCxnSpPr>
-            <p:spPr>
-              <a:xfrm>
-                <a:off x="8890368" y="2460327"/>
-                <a:ext cx="36980" cy="1167295"/>
-              </a:xfrm>
-              <a:prstGeom prst="straightConnector1">
-                <a:avLst/>
-              </a:prstGeom>
-              <a:ln>
-                <a:tailEnd type="triangle"/>
-              </a:ln>
-            </p:spPr>
-            <p:style>
-              <a:lnRef idx="2">
-                <a:schemeClr val="accent1"/>
-              </a:lnRef>
-              <a:fillRef idx="0">
-                <a:schemeClr val="accent1"/>
-              </a:fillRef>
-              <a:effectRef idx="1">
-                <a:schemeClr val="accent1"/>
-              </a:effectRef>
-              <a:fontRef idx="minor">
-                <a:schemeClr val="tx1"/>
-              </a:fontRef>
-            </p:style>
-          </p:cxnSp>
-        </p:grpSp>
-        <p:sp>
-          <p:nvSpPr>
-            <p:cNvPr id="161" name="TextBox 160">
-              <a:extLst>
-                <a:ext uri="{FF2B5EF4-FFF2-40B4-BE49-F238E27FC236}">
-                  <a16:creationId xmlns:a16="http://schemas.microsoft.com/office/drawing/2014/main" id="{10837D4F-84F4-DF3A-428D-0E845DB12E14}"/>
-                </a:ext>
-              </a:extLst>
-            </p:cNvPr>
-            <p:cNvSpPr txBox="1"/>
-            <p:nvPr/>
-          </p:nvSpPr>
-          <p:spPr>
-            <a:xfrm rot="16200000">
-              <a:off x="4752069" y="2903545"/>
-              <a:ext cx="487762" cy="338554"/>
-            </a:xfrm>
-            <a:prstGeom prst="rect">
-              <a:avLst/>
-            </a:prstGeom>
-            <a:noFill/>
-          </p:spPr>
-          <p:txBody>
-            <a:bodyPr wrap="none" rtlCol="0">
-              <a:spAutoFit/>
-            </a:bodyPr>
-            <a:lstStyle/>
-            <a:p>
-              <a:r>
-                <a:rPr lang="en-US" sz="1600" dirty="0"/>
-                <a:t>Yes</a:t>
-              </a:r>
-              <a:endParaRPr lang="en-IN" sz="1600" dirty="0"/>
-            </a:p>
-          </p:txBody>
-        </p:sp>
-        <p:sp>
-          <p:nvSpPr>
-            <p:cNvPr id="162" name="TextBox 161">
-              <a:extLst>
-                <a:ext uri="{FF2B5EF4-FFF2-40B4-BE49-F238E27FC236}">
-                  <a16:creationId xmlns:a16="http://schemas.microsoft.com/office/drawing/2014/main" id="{29B27F01-6294-2B2A-D31B-37C7F4AFC5E3}"/>
-                </a:ext>
-              </a:extLst>
-            </p:cNvPr>
-            <p:cNvSpPr txBox="1"/>
-            <p:nvPr/>
-          </p:nvSpPr>
-          <p:spPr>
-            <a:xfrm>
-              <a:off x="6363672" y="3315637"/>
-              <a:ext cx="442750" cy="338554"/>
-            </a:xfrm>
-            <a:prstGeom prst="rect">
-              <a:avLst/>
-            </a:prstGeom>
-            <a:noFill/>
-          </p:spPr>
-          <p:txBody>
-            <a:bodyPr wrap="none" rtlCol="0">
-              <a:spAutoFit/>
-            </a:bodyPr>
-            <a:lstStyle/>
-            <a:p>
-              <a:r>
-                <a:rPr lang="en-US" sz="1600" dirty="0"/>
-                <a:t>No</a:t>
-              </a:r>
-              <a:endParaRPr lang="en-IN" sz="1600" dirty="0"/>
-            </a:p>
-          </p:txBody>
-        </p:sp>
-      </p:grpSp>
+            </a:endParaRPr>
+          </a:p>
+        </p:txBody>
+      </p:sp>
+      <p:cxnSp>
+        <p:nvCxnSpPr>
+          <p:cNvPr id="67" name="Straight Arrow Connector 66">
+            <a:extLst>
+              <a:ext uri="{FF2B5EF4-FFF2-40B4-BE49-F238E27FC236}">
+                <a16:creationId xmlns:a16="http://schemas.microsoft.com/office/drawing/2014/main" id="{35ECFE1E-A5CD-78B3-BC25-E35E8243167C}"/>
+              </a:ext>
+            </a:extLst>
+          </p:cNvPr>
+          <p:cNvCxnSpPr>
+            <a:stCxn id="15" idx="3"/>
+            <a:endCxn id="7" idx="1"/>
+          </p:cNvCxnSpPr>
+          <p:nvPr/>
+        </p:nvCxnSpPr>
+        <p:spPr>
+          <a:xfrm>
+            <a:off x="6239093" y="4014760"/>
+            <a:ext cx="1579924" cy="5895"/>
+          </a:xfrm>
+          <a:prstGeom prst="straightConnector1">
+            <a:avLst/>
+          </a:prstGeom>
+          <a:ln w="38100">
+            <a:solidFill>
+              <a:srgbClr val="DBB986"/>
+            </a:solidFill>
+            <a:tailEnd type="triangle"/>
+          </a:ln>
+        </p:spPr>
+        <p:style>
+          <a:lnRef idx="2">
+            <a:schemeClr val="accent1"/>
+          </a:lnRef>
+          <a:fillRef idx="0">
+            <a:schemeClr val="accent1"/>
+          </a:fillRef>
+          <a:effectRef idx="1">
+            <a:schemeClr val="accent1"/>
+          </a:effectRef>
+          <a:fontRef idx="minor">
+            <a:schemeClr val="tx1"/>
+          </a:fontRef>
+        </p:style>
+      </p:cxnSp>
     </p:spTree>
     <p:extLst>
       <p:ext uri="{BB962C8B-B14F-4D97-AF65-F5344CB8AC3E}">
@@ -6593,6 +6685,156 @@
           <a:chExt cx="0" cy="0"/>
         </a:xfrm>
       </p:grpSpPr>
+      <p:pic>
+        <p:nvPicPr>
+          <p:cNvPr id="3" name="Picture 2">
+            <a:extLst>
+              <a:ext uri="{FF2B5EF4-FFF2-40B4-BE49-F238E27FC236}">
+                <a16:creationId xmlns:a16="http://schemas.microsoft.com/office/drawing/2014/main" id="{B1B27ABC-2E90-A508-BC3E-838B850A6324}"/>
+              </a:ext>
+            </a:extLst>
+          </p:cNvPr>
+          <p:cNvPicPr>
+            <a:picLocks noChangeAspect="1"/>
+          </p:cNvPicPr>
+          <p:nvPr/>
+        </p:nvPicPr>
+        <p:blipFill>
+          <a:blip r:embed="rId2"/>
+          <a:stretch>
+            <a:fillRect/>
+          </a:stretch>
+        </p:blipFill>
+        <p:spPr>
+          <a:xfrm>
+            <a:off x="471476" y="846160"/>
+            <a:ext cx="3401881" cy="1727837"/>
+          </a:xfrm>
+          <a:prstGeom prst="rect">
+            <a:avLst/>
+          </a:prstGeom>
+        </p:spPr>
+      </p:pic>
+      <p:pic>
+        <p:nvPicPr>
+          <p:cNvPr id="4" name="Picture 3">
+            <a:extLst>
+              <a:ext uri="{FF2B5EF4-FFF2-40B4-BE49-F238E27FC236}">
+                <a16:creationId xmlns:a16="http://schemas.microsoft.com/office/drawing/2014/main" id="{10358D41-5345-C396-403C-F08A2B901ACD}"/>
+              </a:ext>
+            </a:extLst>
+          </p:cNvPr>
+          <p:cNvPicPr>
+            <a:picLocks noChangeAspect="1"/>
+          </p:cNvPicPr>
+          <p:nvPr/>
+        </p:nvPicPr>
+        <p:blipFill>
+          <a:blip r:embed="rId3"/>
+          <a:stretch>
+            <a:fillRect/>
+          </a:stretch>
+        </p:blipFill>
+        <p:spPr>
+          <a:xfrm>
+            <a:off x="3132168" y="1122424"/>
+            <a:ext cx="9285013" cy="4889416"/>
+          </a:xfrm>
+          <a:prstGeom prst="rect">
+            <a:avLst/>
+          </a:prstGeom>
+        </p:spPr>
+      </p:pic>
+    </p:spTree>
+    <p:extLst>
+      <p:ext uri="{BB962C8B-B14F-4D97-AF65-F5344CB8AC3E}">
+        <p14:creationId xmlns:p14="http://schemas.microsoft.com/office/powerpoint/2010/main" val="4109979644"/>
+      </p:ext>
+    </p:extLst>
+  </p:cSld>
+  <p:clrMapOvr>
+    <a:masterClrMapping/>
+  </p:clrMapOvr>
+</p:sld>
+</file>
+
+<file path=ppt/slides/slide7.xml><?xml version="1.0" encoding="utf-8"?>
+<p:sld xmlns:a="http://schemas.openxmlformats.org/drawingml/2006/main" xmlns:r="http://schemas.openxmlformats.org/officeDocument/2006/relationships" xmlns:p="http://schemas.openxmlformats.org/presentationml/2006/main">
+  <p:cSld>
+    <p:spTree>
+      <p:nvGrpSpPr>
+        <p:cNvPr id="1" name=""/>
+        <p:cNvGrpSpPr/>
+        <p:nvPr/>
+      </p:nvGrpSpPr>
+      <p:grpSpPr>
+        <a:xfrm>
+          <a:off x="0" y="0"/>
+          <a:ext cx="0" cy="0"/>
+          <a:chOff x="0" y="0"/>
+          <a:chExt cx="0" cy="0"/>
+        </a:xfrm>
+      </p:grpSpPr>
+      <p:pic>
+        <p:nvPicPr>
+          <p:cNvPr id="2" name="Picture 1">
+            <a:extLst>
+              <a:ext uri="{FF2B5EF4-FFF2-40B4-BE49-F238E27FC236}">
+                <a16:creationId xmlns:a16="http://schemas.microsoft.com/office/drawing/2014/main" id="{E3BD61DA-1570-2CAE-A70C-85E441E6553B}"/>
+              </a:ext>
+            </a:extLst>
+          </p:cNvPr>
+          <p:cNvPicPr>
+            <a:picLocks noChangeAspect="1"/>
+          </p:cNvPicPr>
+          <p:nvPr/>
+        </p:nvPicPr>
+        <p:blipFill>
+          <a:blip r:embed="rId2"/>
+          <a:stretch>
+            <a:fillRect/>
+          </a:stretch>
+        </p:blipFill>
+        <p:spPr>
+          <a:xfrm>
+            <a:off x="1126569" y="790175"/>
+            <a:ext cx="9638611" cy="4895512"/>
+          </a:xfrm>
+          <a:prstGeom prst="rect">
+            <a:avLst/>
+          </a:prstGeom>
+        </p:spPr>
+      </p:pic>
+    </p:spTree>
+    <p:extLst>
+      <p:ext uri="{BB962C8B-B14F-4D97-AF65-F5344CB8AC3E}">
+        <p14:creationId xmlns:p14="http://schemas.microsoft.com/office/powerpoint/2010/main" val="1476795122"/>
+      </p:ext>
+    </p:extLst>
+  </p:cSld>
+  <p:clrMapOvr>
+    <a:masterClrMapping/>
+  </p:clrMapOvr>
+</p:sld>
+</file>
+
+<file path=ppt/slides/slide8.xml><?xml version="1.0" encoding="utf-8"?>
+<p:sld xmlns:a="http://schemas.openxmlformats.org/drawingml/2006/main" xmlns:r="http://schemas.openxmlformats.org/officeDocument/2006/relationships" xmlns:p="http://schemas.openxmlformats.org/presentationml/2006/main">
+  <p:cSld>
+    <p:spTree>
+      <p:nvGrpSpPr>
+        <p:cNvPr id="1" name=""/>
+        <p:cNvGrpSpPr/>
+        <p:nvPr/>
+      </p:nvGrpSpPr>
+      <p:grpSpPr>
+        <a:xfrm>
+          <a:off x="0" y="0"/>
+          <a:ext cx="0" cy="0"/>
+          <a:chOff x="0" y="0"/>
+          <a:chExt cx="0" cy="0"/>
+        </a:xfrm>
+      </p:grpSpPr>
       <p:sp>
         <p:nvSpPr>
           <p:cNvPr id="4" name="Rectangle: Rounded Corners 3">
@@ -6613,7 +6855,9 @@
           <a:prstGeom prst="roundRect">
             <a:avLst/>
           </a:prstGeom>
-          <a:noFill/>
+          <a:solidFill>
+            <a:schemeClr val="bg1"/>
+          </a:solidFill>
           <a:ln>
             <a:solidFill>
               <a:schemeClr val="tx1"/>
@@ -6647,15 +6891,7 @@
                   <a:sysClr val="windowText" lastClr="000000"/>
                 </a:solidFill>
               </a:rPr>
-              <a:t>VR </a:t>
-            </a:r>
-            <a:r>
-              <a:rPr lang="en-US" dirty="0" err="1">
-                <a:solidFill>
-                  <a:sysClr val="windowText" lastClr="000000"/>
-                </a:solidFill>
-              </a:rPr>
-              <a:t>Headet</a:t>
+              <a:t>VR Headset</a:t>
             </a:r>
             <a:endParaRPr lang="en-IN" dirty="0">
               <a:solidFill>
@@ -6685,7 +6921,9 @@
           <a:prstGeom prst="roundRect">
             <a:avLst/>
           </a:prstGeom>
-          <a:noFill/>
+          <a:solidFill>
+            <a:schemeClr val="bg1"/>
+          </a:solidFill>
           <a:ln>
             <a:solidFill>
               <a:schemeClr val="tx1"/>
@@ -6749,7 +6987,9 @@
           <a:prstGeom prst="roundRect">
             <a:avLst/>
           </a:prstGeom>
-          <a:noFill/>
+          <a:solidFill>
+            <a:schemeClr val="bg1"/>
+          </a:solidFill>
           <a:ln>
             <a:solidFill>
               <a:schemeClr val="tx1"/>
@@ -6813,7 +7053,9 @@
           <a:prstGeom prst="roundRect">
             <a:avLst/>
           </a:prstGeom>
-          <a:noFill/>
+          <a:solidFill>
+            <a:schemeClr val="bg1"/>
+          </a:solidFill>
           <a:ln>
             <a:solidFill>
               <a:schemeClr val="tx1"/>
@@ -6847,7 +7089,7 @@
                   <a:sysClr val="windowText" lastClr="000000"/>
                 </a:solidFill>
               </a:rPr>
-              <a:t>Google Cardboard SDK</a:t>
+              <a:t>Gyroscope</a:t>
             </a:r>
             <a:endParaRPr lang="en-IN" dirty="0">
               <a:solidFill>
@@ -6877,7 +7119,9 @@
           <a:prstGeom prst="roundRect">
             <a:avLst/>
           </a:prstGeom>
-          <a:noFill/>
+          <a:solidFill>
+            <a:schemeClr val="bg1"/>
+          </a:solidFill>
           <a:ln>
             <a:solidFill>
               <a:schemeClr val="tx1"/>
@@ -6941,7 +7185,9 @@
           <a:prstGeom prst="roundRect">
             <a:avLst/>
           </a:prstGeom>
-          <a:noFill/>
+          <a:solidFill>
+            <a:schemeClr val="bg1"/>
+          </a:solidFill>
           <a:ln>
             <a:solidFill>
               <a:schemeClr val="tx1"/>
@@ -7011,9 +7257,9 @@
               <a:gd name="adj1" fmla="val 107205"/>
             </a:avLst>
           </a:prstGeom>
-          <a:ln>
+          <a:ln w="38100">
             <a:solidFill>
-              <a:schemeClr val="tx1"/>
+              <a:srgbClr val="DBB986"/>
             </a:solidFill>
             <a:tailEnd type="triangle"/>
           </a:ln>
@@ -7059,9 +7305,9 @@
               <a:gd name="adj1" fmla="val 114517"/>
             </a:avLst>
           </a:prstGeom>
-          <a:ln>
+          <a:ln w="38100">
             <a:solidFill>
-              <a:schemeClr val="tx1"/>
+              <a:srgbClr val="DBB986"/>
             </a:solidFill>
             <a:tailEnd type="triangle"/>
           </a:ln>
@@ -7107,9 +7353,9 @@
               <a:gd name="adj1" fmla="val 57094"/>
             </a:avLst>
           </a:prstGeom>
-          <a:ln>
+          <a:ln w="38100">
             <a:solidFill>
-              <a:schemeClr val="tx1"/>
+              <a:srgbClr val="DBB986"/>
             </a:solidFill>
             <a:tailEnd type="triangle"/>
           </a:ln>
@@ -7153,9 +7399,9 @@
           <a:prstGeom prst="bentConnector2">
             <a:avLst/>
           </a:prstGeom>
-          <a:ln>
+          <a:ln w="38100">
             <a:solidFill>
-              <a:schemeClr val="tx1"/>
+              <a:srgbClr val="DBB986"/>
             </a:solidFill>
             <a:tailEnd type="triangle"/>
           </a:ln>
@@ -7201,9 +7447,9 @@
               <a:gd name="adj1" fmla="val 50000"/>
             </a:avLst>
           </a:prstGeom>
-          <a:ln>
+          <a:ln w="38100">
             <a:solidFill>
-              <a:schemeClr val="tx1"/>
+              <a:srgbClr val="DBB986"/>
             </a:solidFill>
             <a:tailEnd type="triangle"/>
           </a:ln>
@@ -7249,9 +7495,9 @@
               <a:gd name="adj1" fmla="val 65743"/>
             </a:avLst>
           </a:prstGeom>
-          <a:ln>
+          <a:ln w="38100">
             <a:solidFill>
-              <a:schemeClr val="tx1"/>
+              <a:srgbClr val="DBB986"/>
             </a:solidFill>
             <a:tailEnd type="triangle"/>
           </a:ln>
@@ -7271,36 +7517,6 @@
           </a:fontRef>
         </p:style>
       </p:cxnSp>
-      <p:pic>
-        <p:nvPicPr>
-          <p:cNvPr id="64" name="Picture 63">
-            <a:extLst>
-              <a:ext uri="{FF2B5EF4-FFF2-40B4-BE49-F238E27FC236}">
-                <a16:creationId xmlns:a16="http://schemas.microsoft.com/office/drawing/2014/main" id="{BB543612-F060-0DEE-C7CC-08681D7AA418}"/>
-              </a:ext>
-            </a:extLst>
-          </p:cNvPr>
-          <p:cNvPicPr>
-            <a:picLocks noChangeAspect="1"/>
-          </p:cNvPicPr>
-          <p:nvPr/>
-        </p:nvPicPr>
-        <p:blipFill>
-          <a:blip r:embed="rId2"/>
-          <a:stretch>
-            <a:fillRect/>
-          </a:stretch>
-        </p:blipFill>
-        <p:spPr>
-          <a:xfrm>
-            <a:off x="1054576" y="3482752"/>
-            <a:ext cx="9461812" cy="2828789"/>
-          </a:xfrm>
-          <a:prstGeom prst="rect">
-            <a:avLst/>
-          </a:prstGeom>
-        </p:spPr>
-      </p:pic>
     </p:spTree>
     <p:extLst>
       <p:ext uri="{BB962C8B-B14F-4D97-AF65-F5344CB8AC3E}">
@@ -7311,6 +7527,310 @@
   <p:clrMapOvr>
     <a:masterClrMapping/>
   </p:clrMapOvr>
+</p:sld>
+</file>
+
+<file path=ppt/slides/slide9.xml><?xml version="1.0" encoding="utf-8"?>
+<p:sld xmlns:a="http://schemas.openxmlformats.org/drawingml/2006/main" xmlns:r="http://schemas.openxmlformats.org/officeDocument/2006/relationships" xmlns:p="http://schemas.openxmlformats.org/presentationml/2006/main">
+  <p:cSld>
+    <p:spTree>
+      <p:nvGrpSpPr>
+        <p:cNvPr id="1" name=""/>
+        <p:cNvGrpSpPr/>
+        <p:nvPr/>
+      </p:nvGrpSpPr>
+      <p:grpSpPr>
+        <a:xfrm>
+          <a:off x="0" y="0"/>
+          <a:ext cx="0" cy="0"/>
+          <a:chOff x="0" y="0"/>
+          <a:chExt cx="0" cy="0"/>
+        </a:xfrm>
+      </p:grpSpPr>
+      <p:sp>
+        <p:nvSpPr>
+          <p:cNvPr id="3" name="filled Oval">
+            <a:extLst>
+              <a:ext uri="{FF2B5EF4-FFF2-40B4-BE49-F238E27FC236}">
+                <a16:creationId xmlns:a16="http://schemas.microsoft.com/office/drawing/2014/main" id="{2072028A-C53F-CC8E-6005-7ECC18089610}"/>
+              </a:ext>
+            </a:extLst>
+          </p:cNvPr>
+          <p:cNvSpPr/>
+          <p:nvPr/>
+        </p:nvSpPr>
+        <p:spPr>
+          <a:xfrm>
+            <a:off x="5451143" y="2954740"/>
+            <a:ext cx="1100920" cy="1100920"/>
+          </a:xfrm>
+          <a:prstGeom prst="ellipse">
+            <a:avLst/>
+          </a:prstGeom>
+          <a:solidFill>
+            <a:schemeClr val="accent1">
+              <a:lumMod val="60000"/>
+              <a:lumOff val="40000"/>
+            </a:schemeClr>
+          </a:solidFill>
+        </p:spPr>
+        <p:style>
+          <a:lnRef idx="2">
+            <a:schemeClr val="accent1">
+              <a:shade val="15000"/>
+            </a:schemeClr>
+          </a:lnRef>
+          <a:fillRef idx="1">
+            <a:schemeClr val="accent1"/>
+          </a:fillRef>
+          <a:effectRef idx="0">
+            <a:schemeClr val="accent1"/>
+          </a:effectRef>
+          <a:fontRef idx="minor">
+            <a:schemeClr val="lt1"/>
+          </a:fontRef>
+        </p:style>
+        <p:txBody>
+          <a:bodyPr rtlCol="0" anchor="ctr"/>
+          <a:lstStyle/>
+          <a:p>
+            <a:pPr algn="ctr"/>
+            <a:endParaRPr lang="en-IN"/>
+          </a:p>
+        </p:txBody>
+      </p:sp>
+      <p:sp>
+        <p:nvSpPr>
+          <p:cNvPr id="2" name="empty Oval">
+            <a:extLst>
+              <a:ext uri="{FF2B5EF4-FFF2-40B4-BE49-F238E27FC236}">
+                <a16:creationId xmlns:a16="http://schemas.microsoft.com/office/drawing/2014/main" id="{9EB679AA-0AAE-B0F8-404E-F207605CDCA9}"/>
+              </a:ext>
+            </a:extLst>
+          </p:cNvPr>
+          <p:cNvSpPr/>
+          <p:nvPr/>
+        </p:nvSpPr>
+        <p:spPr>
+          <a:xfrm>
+            <a:off x="5451143" y="2954740"/>
+            <a:ext cx="1100920" cy="1100920"/>
+          </a:xfrm>
+          <a:prstGeom prst="ellipse">
+            <a:avLst/>
+          </a:prstGeom>
+          <a:noFill/>
+        </p:spPr>
+        <p:style>
+          <a:lnRef idx="2">
+            <a:schemeClr val="accent1">
+              <a:shade val="15000"/>
+            </a:schemeClr>
+          </a:lnRef>
+          <a:fillRef idx="1">
+            <a:schemeClr val="accent1"/>
+          </a:fillRef>
+          <a:effectRef idx="0">
+            <a:schemeClr val="accent1"/>
+          </a:effectRef>
+          <a:fontRef idx="minor">
+            <a:schemeClr val="lt1"/>
+          </a:fontRef>
+        </p:style>
+        <p:txBody>
+          <a:bodyPr rtlCol="0" anchor="ctr"/>
+          <a:lstStyle/>
+          <a:p>
+            <a:pPr algn="ctr"/>
+            <a:endParaRPr lang="en-IN"/>
+          </a:p>
+        </p:txBody>
+      </p:sp>
+    </p:spTree>
+    <p:extLst>
+      <p:ext uri="{BB962C8B-B14F-4D97-AF65-F5344CB8AC3E}">
+        <p14:creationId xmlns:p14="http://schemas.microsoft.com/office/powerpoint/2010/main" val="911140241"/>
+      </p:ext>
+    </p:extLst>
+  </p:cSld>
+  <p:clrMapOvr>
+    <a:masterClrMapping/>
+  </p:clrMapOvr>
+  <p:timing>
+    <p:tnLst>
+      <p:par>
+        <p:cTn id="1" dur="indefinite" restart="never" nodeType="tmRoot">
+          <p:childTnLst>
+            <p:seq concurrent="1" nextAc="seek">
+              <p:cTn id="2" dur="indefinite" nodeType="mainSeq">
+                <p:childTnLst>
+                  <p:par>
+                    <p:cTn id="3" fill="hold">
+                      <p:stCondLst>
+                        <p:cond delay="indefinite"/>
+                        <p:cond evt="onBegin" delay="0">
+                          <p:tn val="2"/>
+                        </p:cond>
+                      </p:stCondLst>
+                      <p:childTnLst>
+                        <p:par>
+                          <p:cTn id="4" fill="hold">
+                            <p:stCondLst>
+                              <p:cond delay="0"/>
+                            </p:stCondLst>
+                            <p:childTnLst>
+                              <p:par>
+                                <p:cTn id="5" presetID="6" presetClass="emph" presetSubtype="0" fill="hold" grpId="0" nodeType="withEffect">
+                                  <p:stCondLst>
+                                    <p:cond delay="0"/>
+                                  </p:stCondLst>
+                                  <p:childTnLst>
+                                    <p:animScale>
+                                      <p:cBhvr>
+                                        <p:cTn id="6" dur="500" fill="hold"/>
+                                        <p:tgtEl>
+                                          <p:spTgt spid="3"/>
+                                        </p:tgtEl>
+                                      </p:cBhvr>
+                                      <p:by x="150000" y="150000"/>
+                                    </p:animScale>
+                                  </p:childTnLst>
+                                </p:cTn>
+                              </p:par>
+                              <p:par>
+                                <p:cTn id="7" presetID="6" presetClass="emph" presetSubtype="0" fill="hold" grpId="0" nodeType="withEffect">
+                                  <p:stCondLst>
+                                    <p:cond delay="0"/>
+                                  </p:stCondLst>
+                                  <p:childTnLst>
+                                    <p:animScale>
+                                      <p:cBhvr>
+                                        <p:cTn id="8" dur="500" fill="hold"/>
+                                        <p:tgtEl>
+                                          <p:spTgt spid="2"/>
+                                        </p:tgtEl>
+                                      </p:cBhvr>
+                                      <p:by x="150000" y="150000"/>
+                                    </p:animScale>
+                                  </p:childTnLst>
+                                </p:cTn>
+                              </p:par>
+                            </p:childTnLst>
+                          </p:cTn>
+                        </p:par>
+                        <p:par>
+                          <p:cTn id="9" fill="hold">
+                            <p:stCondLst>
+                              <p:cond delay="500"/>
+                            </p:stCondLst>
+                            <p:childTnLst>
+                              <p:par>
+                                <p:cTn id="10" presetID="6" presetClass="emph" presetSubtype="0" fill="hold" grpId="1" nodeType="afterEffect">
+                                  <p:stCondLst>
+                                    <p:cond delay="0"/>
+                                  </p:stCondLst>
+                                  <p:childTnLst>
+                                    <p:animScale>
+                                      <p:cBhvr>
+                                        <p:cTn id="11" dur="500" fill="hold"/>
+                                        <p:tgtEl>
+                                          <p:spTgt spid="2"/>
+                                        </p:tgtEl>
+                                      </p:cBhvr>
+                                      <p:by x="150000" y="150000"/>
+                                    </p:animScale>
+                                  </p:childTnLst>
+                                </p:cTn>
+                              </p:par>
+                              <p:par>
+                                <p:cTn id="12" presetID="1" presetClass="exit" presetSubtype="0" fill="hold" grpId="1" nodeType="withEffect">
+                                  <p:stCondLst>
+                                    <p:cond delay="0"/>
+                                  </p:stCondLst>
+                                  <p:childTnLst>
+                                    <p:set>
+                                      <p:cBhvr>
+                                        <p:cTn id="13" dur="1" fill="hold">
+                                          <p:stCondLst>
+                                            <p:cond delay="499"/>
+                                          </p:stCondLst>
+                                        </p:cTn>
+                                        <p:tgtEl>
+                                          <p:spTgt spid="3"/>
+                                        </p:tgtEl>
+                                        <p:attrNameLst>
+                                          <p:attrName>style.visibility</p:attrName>
+                                        </p:attrNameLst>
+                                      </p:cBhvr>
+                                      <p:to>
+                                        <p:strVal val="hidden"/>
+                                      </p:to>
+                                    </p:set>
+                                  </p:childTnLst>
+                                </p:cTn>
+                              </p:par>
+                              <p:par>
+                                <p:cTn id="14" presetID="1" presetClass="exit" presetSubtype="0" fill="hold" grpId="2" nodeType="withEffect">
+                                  <p:stCondLst>
+                                    <p:cond delay="0"/>
+                                  </p:stCondLst>
+                                  <p:childTnLst>
+                                    <p:set>
+                                      <p:cBhvr>
+                                        <p:cTn id="15" dur="1" fill="hold">
+                                          <p:stCondLst>
+                                            <p:cond delay="499"/>
+                                          </p:stCondLst>
+                                        </p:cTn>
+                                        <p:tgtEl>
+                                          <p:spTgt spid="2"/>
+                                        </p:tgtEl>
+                                        <p:attrNameLst>
+                                          <p:attrName>style.visibility</p:attrName>
+                                        </p:attrNameLst>
+                                      </p:cBhvr>
+                                      <p:to>
+                                        <p:strVal val="hidden"/>
+                                      </p:to>
+                                    </p:set>
+                                  </p:childTnLst>
+                                </p:cTn>
+                              </p:par>
+                            </p:childTnLst>
+                          </p:cTn>
+                        </p:par>
+                      </p:childTnLst>
+                    </p:cTn>
+                  </p:par>
+                </p:childTnLst>
+              </p:cTn>
+              <p:prevCondLst>
+                <p:cond evt="onPrev" delay="0">
+                  <p:tgtEl>
+                    <p:sldTgt/>
+                  </p:tgtEl>
+                </p:cond>
+              </p:prevCondLst>
+              <p:nextCondLst>
+                <p:cond evt="onNext" delay="0">
+                  <p:tgtEl>
+                    <p:sldTgt/>
+                  </p:tgtEl>
+                </p:cond>
+              </p:nextCondLst>
+            </p:seq>
+          </p:childTnLst>
+        </p:cTn>
+      </p:par>
+    </p:tnLst>
+    <p:bldLst>
+      <p:bldP spid="3" grpId="0" animBg="1"/>
+      <p:bldP spid="3" grpId="1" animBg="1"/>
+      <p:bldP spid="2" grpId="0" animBg="1"/>
+      <p:bldP spid="2" grpId="1" animBg="1"/>
+      <p:bldP spid="2" grpId="2" animBg="1"/>
+    </p:bldLst>
+  </p:timing>
 </p:sld>
 </file>
 

--- a/SRS.pptx
+++ b/SRS.pptx
@@ -353,7 +353,7 @@
           <a:p>
             <a:fld id="{B0AAE9EB-4E09-49F4-B23B-25A5BA76B78B}" type="datetimeFigureOut">
               <a:rPr lang="en-IN" smtClean="0"/>
-              <a:t>04-04-2024</a:t>
+              <a:t>14-04-2024</a:t>
             </a:fld>
             <a:endParaRPr lang="en-IN"/>
           </a:p>
@@ -553,7 +553,7 @@
           <a:p>
             <a:fld id="{B0AAE9EB-4E09-49F4-B23B-25A5BA76B78B}" type="datetimeFigureOut">
               <a:rPr lang="en-IN" smtClean="0"/>
-              <a:t>04-04-2024</a:t>
+              <a:t>14-04-2024</a:t>
             </a:fld>
             <a:endParaRPr lang="en-IN"/>
           </a:p>
@@ -763,7 +763,7 @@
           <a:p>
             <a:fld id="{B0AAE9EB-4E09-49F4-B23B-25A5BA76B78B}" type="datetimeFigureOut">
               <a:rPr lang="en-IN" smtClean="0"/>
-              <a:t>04-04-2024</a:t>
+              <a:t>14-04-2024</a:t>
             </a:fld>
             <a:endParaRPr lang="en-IN"/>
           </a:p>
@@ -963,7 +963,7 @@
           <a:p>
             <a:fld id="{B0AAE9EB-4E09-49F4-B23B-25A5BA76B78B}" type="datetimeFigureOut">
               <a:rPr lang="en-IN" smtClean="0"/>
-              <a:t>04-04-2024</a:t>
+              <a:t>14-04-2024</a:t>
             </a:fld>
             <a:endParaRPr lang="en-IN"/>
           </a:p>
@@ -1239,7 +1239,7 @@
           <a:p>
             <a:fld id="{B0AAE9EB-4E09-49F4-B23B-25A5BA76B78B}" type="datetimeFigureOut">
               <a:rPr lang="en-IN" smtClean="0"/>
-              <a:t>04-04-2024</a:t>
+              <a:t>14-04-2024</a:t>
             </a:fld>
             <a:endParaRPr lang="en-IN"/>
           </a:p>
@@ -1507,7 +1507,7 @@
           <a:p>
             <a:fld id="{B0AAE9EB-4E09-49F4-B23B-25A5BA76B78B}" type="datetimeFigureOut">
               <a:rPr lang="en-IN" smtClean="0"/>
-              <a:t>04-04-2024</a:t>
+              <a:t>14-04-2024</a:t>
             </a:fld>
             <a:endParaRPr lang="en-IN"/>
           </a:p>
@@ -1922,7 +1922,7 @@
           <a:p>
             <a:fld id="{B0AAE9EB-4E09-49F4-B23B-25A5BA76B78B}" type="datetimeFigureOut">
               <a:rPr lang="en-IN" smtClean="0"/>
-              <a:t>04-04-2024</a:t>
+              <a:t>14-04-2024</a:t>
             </a:fld>
             <a:endParaRPr lang="en-IN"/>
           </a:p>
@@ -2064,7 +2064,7 @@
           <a:p>
             <a:fld id="{B0AAE9EB-4E09-49F4-B23B-25A5BA76B78B}" type="datetimeFigureOut">
               <a:rPr lang="en-IN" smtClean="0"/>
-              <a:t>04-04-2024</a:t>
+              <a:t>14-04-2024</a:t>
             </a:fld>
             <a:endParaRPr lang="en-IN"/>
           </a:p>
@@ -2177,7 +2177,7 @@
           <a:p>
             <a:fld id="{B0AAE9EB-4E09-49F4-B23B-25A5BA76B78B}" type="datetimeFigureOut">
               <a:rPr lang="en-IN" smtClean="0"/>
-              <a:t>04-04-2024</a:t>
+              <a:t>14-04-2024</a:t>
             </a:fld>
             <a:endParaRPr lang="en-IN"/>
           </a:p>
@@ -2490,7 +2490,7 @@
           <a:p>
             <a:fld id="{B0AAE9EB-4E09-49F4-B23B-25A5BA76B78B}" type="datetimeFigureOut">
               <a:rPr lang="en-IN" smtClean="0"/>
-              <a:t>04-04-2024</a:t>
+              <a:t>14-04-2024</a:t>
             </a:fld>
             <a:endParaRPr lang="en-IN"/>
           </a:p>
@@ -2779,7 +2779,7 @@
           <a:p>
             <a:fld id="{B0AAE9EB-4E09-49F4-B23B-25A5BA76B78B}" type="datetimeFigureOut">
               <a:rPr lang="en-IN" smtClean="0"/>
-              <a:t>04-04-2024</a:t>
+              <a:t>14-04-2024</a:t>
             </a:fld>
             <a:endParaRPr lang="en-IN"/>
           </a:p>
@@ -3022,7 +3022,7 @@
           <a:p>
             <a:fld id="{B0AAE9EB-4E09-49F4-B23B-25A5BA76B78B}" type="datetimeFigureOut">
               <a:rPr lang="en-IN" smtClean="0"/>
-              <a:t>04-04-2024</a:t>
+              <a:t>14-04-2024</a:t>
             </a:fld>
             <a:endParaRPr lang="en-IN"/>
           </a:p>
@@ -5911,7 +5911,7 @@
         </p:nvSpPr>
         <p:spPr>
           <a:xfrm>
-            <a:off x="7819018" y="2544649"/>
+            <a:off x="7810549" y="2631207"/>
             <a:ext cx="2142699" cy="655092"/>
           </a:xfrm>
           <a:prstGeom prst="roundRect">
@@ -6357,9 +6357,9 @@
           <p:nvPr/>
         </p:nvCxnSpPr>
         <p:spPr>
-          <a:xfrm flipH="1">
-            <a:off x="8890367" y="3199741"/>
-            <a:ext cx="1" cy="493368"/>
+          <a:xfrm>
+            <a:off x="8881899" y="3286299"/>
+            <a:ext cx="8468" cy="406810"/>
           </a:xfrm>
           <a:prstGeom prst="straightConnector1">
             <a:avLst/>
@@ -6400,8 +6400,8 @@
         </p:nvSpPr>
         <p:spPr>
           <a:xfrm>
-            <a:off x="6607455" y="3687214"/>
-            <a:ext cx="831574" cy="338554"/>
+            <a:off x="6975338" y="3704955"/>
+            <a:ext cx="442750" cy="338554"/>
           </a:xfrm>
           <a:prstGeom prst="rect">
             <a:avLst/>
@@ -6416,7 +6416,7 @@
           <a:p>
             <a:r>
               <a:rPr lang="en-US" sz="1600" dirty="0"/>
-              <a:t>if failed</a:t>
+              <a:t>No</a:t>
             </a:r>
             <a:endParaRPr lang="en-IN" sz="1600" dirty="0"/>
           </a:p>
@@ -6507,9 +6507,9 @@
           <p:nvPr/>
         </p:nvCxnSpPr>
         <p:spPr>
-          <a:xfrm rot="16200000" flipH="1">
-            <a:off x="8683003" y="2337284"/>
-            <a:ext cx="406262" cy="8468"/>
+          <a:xfrm rot="5400000">
+            <a:off x="8635490" y="2384797"/>
+            <a:ext cx="492820" cy="1"/>
           </a:xfrm>
           <a:prstGeom prst="bentConnector3">
             <a:avLst>
@@ -6655,6 +6655,172 @@
           </a:fontRef>
         </p:style>
       </p:cxnSp>
+      <p:cxnSp>
+        <p:nvCxnSpPr>
+          <p:cNvPr id="6" name="Connector: Elbow 5">
+            <a:extLst>
+              <a:ext uri="{FF2B5EF4-FFF2-40B4-BE49-F238E27FC236}">
+                <a16:creationId xmlns:a16="http://schemas.microsoft.com/office/drawing/2014/main" id="{934781F5-E433-3ADA-0D93-1236AABD07BF}"/>
+              </a:ext>
+            </a:extLst>
+          </p:cNvPr>
+          <p:cNvCxnSpPr>
+            <a:cxnSpLocks/>
+            <a:stCxn id="44" idx="2"/>
+            <a:endCxn id="14" idx="1"/>
+          </p:cNvCxnSpPr>
+          <p:nvPr/>
+        </p:nvCxnSpPr>
+        <p:spPr>
+          <a:xfrm rot="16200000" flipH="1">
+            <a:off x="6410490" y="1558693"/>
+            <a:ext cx="156111" cy="2644007"/>
+          </a:xfrm>
+          <a:prstGeom prst="bentConnector2">
+            <a:avLst/>
+          </a:prstGeom>
+          <a:ln w="38100">
+            <a:solidFill>
+              <a:srgbClr val="DBB986"/>
+            </a:solidFill>
+            <a:prstDash val="sysDash"/>
+            <a:tailEnd type="triangle"/>
+          </a:ln>
+        </p:spPr>
+        <p:style>
+          <a:lnRef idx="2">
+            <a:schemeClr val="accent1"/>
+          </a:lnRef>
+          <a:fillRef idx="0">
+            <a:schemeClr val="accent1"/>
+          </a:fillRef>
+          <a:effectRef idx="1">
+            <a:schemeClr val="accent1"/>
+          </a:effectRef>
+          <a:fontRef idx="minor">
+            <a:schemeClr val="tx1"/>
+          </a:fontRef>
+        </p:style>
+      </p:cxnSp>
+      <p:cxnSp>
+        <p:nvCxnSpPr>
+          <p:cNvPr id="19" name="Connector: Elbow 18">
+            <a:extLst>
+              <a:ext uri="{FF2B5EF4-FFF2-40B4-BE49-F238E27FC236}">
+                <a16:creationId xmlns:a16="http://schemas.microsoft.com/office/drawing/2014/main" id="{3CB719F6-41A0-FF7E-1E98-2963AED8EF38}"/>
+              </a:ext>
+            </a:extLst>
+          </p:cNvPr>
+          <p:cNvCxnSpPr>
+            <a:stCxn id="15" idx="3"/>
+            <a:endCxn id="13" idx="1"/>
+          </p:cNvCxnSpPr>
+          <p:nvPr/>
+        </p:nvCxnSpPr>
+        <p:spPr>
+          <a:xfrm flipV="1">
+            <a:off x="6239093" y="1810841"/>
+            <a:ext cx="1571457" cy="2203919"/>
+          </a:xfrm>
+          <a:prstGeom prst="bentConnector3">
+            <a:avLst>
+              <a:gd name="adj1" fmla="val 26551"/>
+            </a:avLst>
+          </a:prstGeom>
+          <a:ln w="38100">
+            <a:solidFill>
+              <a:srgbClr val="DBB986"/>
+            </a:solidFill>
+            <a:tailEnd type="triangle"/>
+          </a:ln>
+        </p:spPr>
+        <p:style>
+          <a:lnRef idx="2">
+            <a:schemeClr val="accent1"/>
+          </a:lnRef>
+          <a:fillRef idx="0">
+            <a:schemeClr val="accent1"/>
+          </a:fillRef>
+          <a:effectRef idx="1">
+            <a:schemeClr val="accent1"/>
+          </a:effectRef>
+          <a:fontRef idx="minor">
+            <a:schemeClr val="tx1"/>
+          </a:fontRef>
+        </p:style>
+      </p:cxnSp>
+      <p:sp>
+        <p:nvSpPr>
+          <p:cNvPr id="23" name="TextBox 22">
+            <a:extLst>
+              <a:ext uri="{FF2B5EF4-FFF2-40B4-BE49-F238E27FC236}">
+                <a16:creationId xmlns:a16="http://schemas.microsoft.com/office/drawing/2014/main" id="{2FB4AE45-DF7A-270B-91A3-F4D5A7030123}"/>
+              </a:ext>
+            </a:extLst>
+          </p:cNvPr>
+          <p:cNvSpPr txBox="1"/>
+          <p:nvPr/>
+        </p:nvSpPr>
+        <p:spPr>
+          <a:xfrm rot="16200000">
+            <a:off x="6262004" y="3257664"/>
+            <a:ext cx="487762" cy="338554"/>
+          </a:xfrm>
+          <a:prstGeom prst="rect">
+            <a:avLst/>
+          </a:prstGeom>
+          <a:noFill/>
+        </p:spPr>
+        <p:txBody>
+          <a:bodyPr wrap="none" rtlCol="0">
+            <a:spAutoFit/>
+          </a:bodyPr>
+          <a:lstStyle/>
+          <a:p>
+            <a:r>
+              <a:rPr lang="en-US" sz="1600" dirty="0"/>
+              <a:t>Yes</a:t>
+            </a:r>
+            <a:endParaRPr lang="en-IN" sz="1600" dirty="0"/>
+          </a:p>
+        </p:txBody>
+      </p:sp>
+      <p:sp>
+        <p:nvSpPr>
+          <p:cNvPr id="24" name="TextBox 23">
+            <a:extLst>
+              <a:ext uri="{FF2B5EF4-FFF2-40B4-BE49-F238E27FC236}">
+                <a16:creationId xmlns:a16="http://schemas.microsoft.com/office/drawing/2014/main" id="{EB397EE5-BAC7-4E32-E008-EA7BA3DD854A}"/>
+              </a:ext>
+            </a:extLst>
+          </p:cNvPr>
+          <p:cNvSpPr txBox="1"/>
+          <p:nvPr/>
+        </p:nvSpPr>
+        <p:spPr>
+          <a:xfrm>
+            <a:off x="7023242" y="2643553"/>
+            <a:ext cx="442750" cy="338554"/>
+          </a:xfrm>
+          <a:prstGeom prst="rect">
+            <a:avLst/>
+          </a:prstGeom>
+          <a:noFill/>
+        </p:spPr>
+        <p:txBody>
+          <a:bodyPr wrap="none" rtlCol="0">
+            <a:spAutoFit/>
+          </a:bodyPr>
+          <a:lstStyle/>
+          <a:p>
+            <a:r>
+              <a:rPr lang="en-US" sz="1600" dirty="0"/>
+              <a:t>No</a:t>
+            </a:r>
+            <a:endParaRPr lang="en-IN" sz="1600" dirty="0"/>
+          </a:p>
+        </p:txBody>
+      </p:sp>
     </p:spTree>
     <p:extLst>
       <p:ext uri="{BB962C8B-B14F-4D97-AF65-F5344CB8AC3E}">

--- a/SRS.pptx
+++ b/SRS.pptx
@@ -14,6 +14,13 @@
     <p:sldId id="263" r:id="rId8"/>
     <p:sldId id="262" r:id="rId9"/>
     <p:sldId id="265" r:id="rId10"/>
+    <p:sldId id="266" r:id="rId11"/>
+    <p:sldId id="267" r:id="rId12"/>
+    <p:sldId id="268" r:id="rId13"/>
+    <p:sldId id="269" r:id="rId14"/>
+    <p:sldId id="270" r:id="rId15"/>
+    <p:sldId id="271" r:id="rId16"/>
+    <p:sldId id="272" r:id="rId17"/>
   </p:sldIdLst>
   <p:sldSz cx="12192000" cy="6858000"/>
   <p:notesSz cx="6858000" cy="9144000"/>
@@ -114,7 +121,18 @@
   </p:defaultTextStyle>
   <p:extLst>
     <p:ext uri="{EFAFB233-063F-42B5-8137-9DF3F51BA10A}">
-      <p15:sldGuideLst xmlns:p15="http://schemas.microsoft.com/office/powerpoint/2012/main"/>
+      <p15:sldGuideLst xmlns:p15="http://schemas.microsoft.com/office/powerpoint/2012/main">
+        <p15:guide id="1" orient="horz" pos="2160" userDrawn="1">
+          <p15:clr>
+            <a:srgbClr val="A4A3A4"/>
+          </p15:clr>
+        </p15:guide>
+        <p15:guide id="2" pos="3840" userDrawn="1">
+          <p15:clr>
+            <a:srgbClr val="A4A3A4"/>
+          </p15:clr>
+        </p15:guide>
+      </p15:sldGuideLst>
     </p:ext>
   </p:extLst>
 </p:presentation>
@@ -353,7 +371,7 @@
           <a:p>
             <a:fld id="{B0AAE9EB-4E09-49F4-B23B-25A5BA76B78B}" type="datetimeFigureOut">
               <a:rPr lang="en-IN" smtClean="0"/>
-              <a:t>14-04-2024</a:t>
+              <a:t>19-04-2024</a:t>
             </a:fld>
             <a:endParaRPr lang="en-IN"/>
           </a:p>
@@ -553,7 +571,7 @@
           <a:p>
             <a:fld id="{B0AAE9EB-4E09-49F4-B23B-25A5BA76B78B}" type="datetimeFigureOut">
               <a:rPr lang="en-IN" smtClean="0"/>
-              <a:t>14-04-2024</a:t>
+              <a:t>19-04-2024</a:t>
             </a:fld>
             <a:endParaRPr lang="en-IN"/>
           </a:p>
@@ -763,7 +781,7 @@
           <a:p>
             <a:fld id="{B0AAE9EB-4E09-49F4-B23B-25A5BA76B78B}" type="datetimeFigureOut">
               <a:rPr lang="en-IN" smtClean="0"/>
-              <a:t>14-04-2024</a:t>
+              <a:t>19-04-2024</a:t>
             </a:fld>
             <a:endParaRPr lang="en-IN"/>
           </a:p>
@@ -963,7 +981,7 @@
           <a:p>
             <a:fld id="{B0AAE9EB-4E09-49F4-B23B-25A5BA76B78B}" type="datetimeFigureOut">
               <a:rPr lang="en-IN" smtClean="0"/>
-              <a:t>14-04-2024</a:t>
+              <a:t>19-04-2024</a:t>
             </a:fld>
             <a:endParaRPr lang="en-IN"/>
           </a:p>
@@ -1239,7 +1257,7 @@
           <a:p>
             <a:fld id="{B0AAE9EB-4E09-49F4-B23B-25A5BA76B78B}" type="datetimeFigureOut">
               <a:rPr lang="en-IN" smtClean="0"/>
-              <a:t>14-04-2024</a:t>
+              <a:t>19-04-2024</a:t>
             </a:fld>
             <a:endParaRPr lang="en-IN"/>
           </a:p>
@@ -1507,7 +1525,7 @@
           <a:p>
             <a:fld id="{B0AAE9EB-4E09-49F4-B23B-25A5BA76B78B}" type="datetimeFigureOut">
               <a:rPr lang="en-IN" smtClean="0"/>
-              <a:t>14-04-2024</a:t>
+              <a:t>19-04-2024</a:t>
             </a:fld>
             <a:endParaRPr lang="en-IN"/>
           </a:p>
@@ -1922,7 +1940,7 @@
           <a:p>
             <a:fld id="{B0AAE9EB-4E09-49F4-B23B-25A5BA76B78B}" type="datetimeFigureOut">
               <a:rPr lang="en-IN" smtClean="0"/>
-              <a:t>14-04-2024</a:t>
+              <a:t>19-04-2024</a:t>
             </a:fld>
             <a:endParaRPr lang="en-IN"/>
           </a:p>
@@ -2064,7 +2082,7 @@
           <a:p>
             <a:fld id="{B0AAE9EB-4E09-49F4-B23B-25A5BA76B78B}" type="datetimeFigureOut">
               <a:rPr lang="en-IN" smtClean="0"/>
-              <a:t>14-04-2024</a:t>
+              <a:t>19-04-2024</a:t>
             </a:fld>
             <a:endParaRPr lang="en-IN"/>
           </a:p>
@@ -2177,7 +2195,7 @@
           <a:p>
             <a:fld id="{B0AAE9EB-4E09-49F4-B23B-25A5BA76B78B}" type="datetimeFigureOut">
               <a:rPr lang="en-IN" smtClean="0"/>
-              <a:t>14-04-2024</a:t>
+              <a:t>19-04-2024</a:t>
             </a:fld>
             <a:endParaRPr lang="en-IN"/>
           </a:p>
@@ -2490,7 +2508,7 @@
           <a:p>
             <a:fld id="{B0AAE9EB-4E09-49F4-B23B-25A5BA76B78B}" type="datetimeFigureOut">
               <a:rPr lang="en-IN" smtClean="0"/>
-              <a:t>14-04-2024</a:t>
+              <a:t>19-04-2024</a:t>
             </a:fld>
             <a:endParaRPr lang="en-IN"/>
           </a:p>
@@ -2779,7 +2797,7 @@
           <a:p>
             <a:fld id="{B0AAE9EB-4E09-49F4-B23B-25A5BA76B78B}" type="datetimeFigureOut">
               <a:rPr lang="en-IN" smtClean="0"/>
-              <a:t>14-04-2024</a:t>
+              <a:t>19-04-2024</a:t>
             </a:fld>
             <a:endParaRPr lang="en-IN"/>
           </a:p>
@@ -3022,7 +3040,7 @@
           <a:p>
             <a:fld id="{B0AAE9EB-4E09-49F4-B23B-25A5BA76B78B}" type="datetimeFigureOut">
               <a:rPr lang="en-IN" smtClean="0"/>
-              <a:t>14-04-2024</a:t>
+              <a:t>19-04-2024</a:t>
             </a:fld>
             <a:endParaRPr lang="en-IN"/>
           </a:p>
@@ -4017,6 +4035,1371 @@
     <p:extLst>
       <p:ext uri="{BB962C8B-B14F-4D97-AF65-F5344CB8AC3E}">
         <p14:creationId xmlns:p14="http://schemas.microsoft.com/office/powerpoint/2010/main" val="2119608061"/>
+      </p:ext>
+    </p:extLst>
+  </p:cSld>
+  <p:clrMapOvr>
+    <a:masterClrMapping/>
+  </p:clrMapOvr>
+</p:sld>
+</file>
+
+<file path=ppt/slides/slide10.xml><?xml version="1.0" encoding="utf-8"?>
+<p:sld xmlns:a="http://schemas.openxmlformats.org/drawingml/2006/main" xmlns:r="http://schemas.openxmlformats.org/officeDocument/2006/relationships" xmlns:p="http://schemas.openxmlformats.org/presentationml/2006/main">
+  <p:cSld>
+    <p:spTree>
+      <p:nvGrpSpPr>
+        <p:cNvPr id="1" name=""/>
+        <p:cNvGrpSpPr/>
+        <p:nvPr/>
+      </p:nvGrpSpPr>
+      <p:grpSpPr>
+        <a:xfrm>
+          <a:off x="0" y="0"/>
+          <a:ext cx="0" cy="0"/>
+          <a:chOff x="0" y="0"/>
+          <a:chExt cx="0" cy="0"/>
+        </a:xfrm>
+      </p:grpSpPr>
+      <p:grpSp>
+        <p:nvGrpSpPr>
+          <p:cNvPr id="16" name="Group 15">
+            <a:extLst>
+              <a:ext uri="{FF2B5EF4-FFF2-40B4-BE49-F238E27FC236}">
+                <a16:creationId xmlns:a16="http://schemas.microsoft.com/office/drawing/2014/main" id="{1B987D8C-F391-1EF3-0D15-B0C6F3167183}"/>
+              </a:ext>
+            </a:extLst>
+          </p:cNvPr>
+          <p:cNvGrpSpPr/>
+          <p:nvPr/>
+        </p:nvGrpSpPr>
+        <p:grpSpPr>
+          <a:xfrm>
+            <a:off x="683667" y="356998"/>
+            <a:ext cx="6617885" cy="3072002"/>
+            <a:chOff x="683667" y="356998"/>
+            <a:chExt cx="6617885" cy="3072002"/>
+          </a:xfrm>
+        </p:grpSpPr>
+        <p:pic>
+          <p:nvPicPr>
+            <p:cNvPr id="3" name="Picture 2">
+              <a:extLst>
+                <a:ext uri="{FF2B5EF4-FFF2-40B4-BE49-F238E27FC236}">
+                  <a16:creationId xmlns:a16="http://schemas.microsoft.com/office/drawing/2014/main" id="{FEF53341-B58A-C776-83D2-8897118334F1}"/>
+                </a:ext>
+              </a:extLst>
+            </p:cNvPr>
+            <p:cNvPicPr>
+              <a:picLocks noChangeAspect="1"/>
+            </p:cNvPicPr>
+            <p:nvPr/>
+          </p:nvPicPr>
+          <p:blipFill rotWithShape="1">
+            <a:blip r:embed="rId2">
+              <a:extLst>
+                <a:ext uri="{28A0092B-C50C-407E-A947-70E740481C1C}">
+                  <a14:useLocalDpi xmlns:a14="http://schemas.microsoft.com/office/drawing/2010/main" val="0"/>
+                </a:ext>
+              </a:extLst>
+            </a:blip>
+            <a:srcRect l="411" r="57116"/>
+            <a:stretch/>
+          </p:blipFill>
+          <p:spPr>
+            <a:xfrm>
+              <a:off x="683667" y="1276350"/>
+              <a:ext cx="2823808" cy="2152650"/>
+            </a:xfrm>
+            <a:prstGeom prst="rect">
+              <a:avLst/>
+            </a:prstGeom>
+          </p:spPr>
+        </p:pic>
+        <p:pic>
+          <p:nvPicPr>
+            <p:cNvPr id="4" name="Picture 3">
+              <a:extLst>
+                <a:ext uri="{FF2B5EF4-FFF2-40B4-BE49-F238E27FC236}">
+                  <a16:creationId xmlns:a16="http://schemas.microsoft.com/office/drawing/2014/main" id="{966026FE-276D-2167-56F6-3805CA2FD99B}"/>
+                </a:ext>
+              </a:extLst>
+            </p:cNvPr>
+            <p:cNvPicPr>
+              <a:picLocks noChangeAspect="1"/>
+            </p:cNvPicPr>
+            <p:nvPr/>
+          </p:nvPicPr>
+          <p:blipFill rotWithShape="1">
+            <a:blip r:embed="rId2">
+              <a:extLst>
+                <a:ext uri="{28A0092B-C50C-407E-A947-70E740481C1C}">
+                  <a14:useLocalDpi xmlns:a14="http://schemas.microsoft.com/office/drawing/2010/main" val="0"/>
+                </a:ext>
+              </a:extLst>
+            </a:blip>
+            <a:srcRect l="44115" r="15650"/>
+            <a:stretch/>
+          </p:blipFill>
+          <p:spPr>
+            <a:xfrm>
+              <a:off x="4626591" y="1276350"/>
+              <a:ext cx="2674961" cy="2152650"/>
+            </a:xfrm>
+            <a:prstGeom prst="rect">
+              <a:avLst/>
+            </a:prstGeom>
+          </p:spPr>
+        </p:pic>
+        <p:cxnSp>
+          <p:nvCxnSpPr>
+            <p:cNvPr id="6" name="Connector: Curved 5">
+              <a:extLst>
+                <a:ext uri="{FF2B5EF4-FFF2-40B4-BE49-F238E27FC236}">
+                  <a16:creationId xmlns:a16="http://schemas.microsoft.com/office/drawing/2014/main" id="{30890174-D8B8-8CAC-4487-A1DC77D6C39F}"/>
+                </a:ext>
+              </a:extLst>
+            </p:cNvPr>
+            <p:cNvCxnSpPr>
+              <a:stCxn id="3" idx="3"/>
+              <a:endCxn id="4" idx="1"/>
+            </p:cNvCxnSpPr>
+            <p:nvPr/>
+          </p:nvCxnSpPr>
+          <p:spPr>
+            <a:xfrm>
+              <a:off x="3507475" y="2352675"/>
+              <a:ext cx="1119116" cy="12700"/>
+            </a:xfrm>
+            <a:prstGeom prst="curvedConnector3">
+              <a:avLst/>
+            </a:prstGeom>
+            <a:ln>
+              <a:tailEnd type="triangle"/>
+            </a:ln>
+          </p:spPr>
+          <p:style>
+            <a:lnRef idx="2">
+              <a:schemeClr val="accent1"/>
+            </a:lnRef>
+            <a:fillRef idx="0">
+              <a:schemeClr val="accent1"/>
+            </a:fillRef>
+            <a:effectRef idx="1">
+              <a:schemeClr val="accent1"/>
+            </a:effectRef>
+            <a:fontRef idx="minor">
+              <a:schemeClr val="tx1"/>
+            </a:fontRef>
+          </p:style>
+        </p:cxnSp>
+        <p:sp>
+          <p:nvSpPr>
+            <p:cNvPr id="11" name="Oval 10">
+              <a:extLst>
+                <a:ext uri="{FF2B5EF4-FFF2-40B4-BE49-F238E27FC236}">
+                  <a16:creationId xmlns:a16="http://schemas.microsoft.com/office/drawing/2014/main" id="{350B681B-1070-DAB8-254F-1BBC90DEA7F7}"/>
+                </a:ext>
+              </a:extLst>
+            </p:cNvPr>
+            <p:cNvSpPr/>
+            <p:nvPr/>
+          </p:nvSpPr>
+          <p:spPr>
+            <a:xfrm>
+              <a:off x="3507475" y="369698"/>
+              <a:ext cx="368490" cy="368490"/>
+            </a:xfrm>
+            <a:prstGeom prst="ellipse">
+              <a:avLst/>
+            </a:prstGeom>
+          </p:spPr>
+          <p:style>
+            <a:lnRef idx="2">
+              <a:schemeClr val="accent1">
+                <a:shade val="15000"/>
+              </a:schemeClr>
+            </a:lnRef>
+            <a:fillRef idx="1">
+              <a:schemeClr val="accent1"/>
+            </a:fillRef>
+            <a:effectRef idx="0">
+              <a:schemeClr val="accent1"/>
+            </a:effectRef>
+            <a:fontRef idx="minor">
+              <a:schemeClr val="lt1"/>
+            </a:fontRef>
+          </p:style>
+          <p:txBody>
+            <a:bodyPr rtlCol="0" anchor="ctr"/>
+            <a:lstStyle/>
+            <a:p>
+              <a:pPr algn="ctr"/>
+              <a:endParaRPr lang="en-IN"/>
+            </a:p>
+          </p:txBody>
+        </p:sp>
+        <p:cxnSp>
+          <p:nvCxnSpPr>
+            <p:cNvPr id="13" name="Connector: Curved 12">
+              <a:extLst>
+                <a:ext uri="{FF2B5EF4-FFF2-40B4-BE49-F238E27FC236}">
+                  <a16:creationId xmlns:a16="http://schemas.microsoft.com/office/drawing/2014/main" id="{A098E005-6AD9-0F14-A76A-4340FED28245}"/>
+                </a:ext>
+              </a:extLst>
+            </p:cNvPr>
+            <p:cNvCxnSpPr>
+              <a:stCxn id="11" idx="2"/>
+              <a:endCxn id="3" idx="0"/>
+            </p:cNvCxnSpPr>
+            <p:nvPr/>
+          </p:nvCxnSpPr>
+          <p:spPr>
+            <a:xfrm rot="10800000" flipV="1">
+              <a:off x="2095571" y="553942"/>
+              <a:ext cx="1411904" cy="722407"/>
+            </a:xfrm>
+            <a:prstGeom prst="curvedConnector2">
+              <a:avLst/>
+            </a:prstGeom>
+            <a:ln>
+              <a:tailEnd type="triangle"/>
+            </a:ln>
+          </p:spPr>
+          <p:style>
+            <a:lnRef idx="2">
+              <a:schemeClr val="accent1"/>
+            </a:lnRef>
+            <a:fillRef idx="0">
+              <a:schemeClr val="accent1"/>
+            </a:fillRef>
+            <a:effectRef idx="1">
+              <a:schemeClr val="accent1"/>
+            </a:effectRef>
+            <a:fontRef idx="minor">
+              <a:schemeClr val="tx1"/>
+            </a:fontRef>
+          </p:style>
+        </p:cxnSp>
+        <p:sp>
+          <p:nvSpPr>
+            <p:cNvPr id="14" name="TextBox 13">
+              <a:extLst>
+                <a:ext uri="{FF2B5EF4-FFF2-40B4-BE49-F238E27FC236}">
+                  <a16:creationId xmlns:a16="http://schemas.microsoft.com/office/drawing/2014/main" id="{5077B639-C34B-FB34-0061-D126C81E0DF8}"/>
+                </a:ext>
+              </a:extLst>
+            </p:cNvPr>
+            <p:cNvSpPr txBox="1"/>
+            <p:nvPr/>
+          </p:nvSpPr>
+          <p:spPr>
+            <a:xfrm>
+              <a:off x="3875965" y="356998"/>
+              <a:ext cx="1088908" cy="368490"/>
+            </a:xfrm>
+            <a:prstGeom prst="rect">
+              <a:avLst/>
+            </a:prstGeom>
+            <a:noFill/>
+          </p:spPr>
+          <p:txBody>
+            <a:bodyPr wrap="square" rtlCol="0">
+              <a:spAutoFit/>
+            </a:bodyPr>
+            <a:lstStyle/>
+            <a:p>
+              <a:r>
+                <a:rPr lang="en-US" dirty="0"/>
+                <a:t>Player</a:t>
+              </a:r>
+              <a:endParaRPr lang="en-IN" dirty="0"/>
+            </a:p>
+          </p:txBody>
+        </p:sp>
+      </p:grpSp>
+      <p:pic>
+        <p:nvPicPr>
+          <p:cNvPr id="15" name="Picture 14">
+            <a:extLst>
+              <a:ext uri="{FF2B5EF4-FFF2-40B4-BE49-F238E27FC236}">
+                <a16:creationId xmlns:a16="http://schemas.microsoft.com/office/drawing/2014/main" id="{FFE0FFB9-791B-8D13-E3E0-8D3362D0E7AA}"/>
+              </a:ext>
+            </a:extLst>
+          </p:cNvPr>
+          <p:cNvPicPr>
+            <a:picLocks noChangeAspect="1"/>
+          </p:cNvPicPr>
+          <p:nvPr/>
+        </p:nvPicPr>
+        <p:blipFill rotWithShape="1">
+          <a:blip r:embed="rId3"/>
+          <a:srcRect l="-2930" t="-5224" r="-2930" b="-5224"/>
+          <a:stretch/>
+        </p:blipFill>
+        <p:spPr>
+          <a:xfrm>
+            <a:off x="4964873" y="3429001"/>
+            <a:ext cx="7008792" cy="3427320"/>
+          </a:xfrm>
+          <a:prstGeom prst="rect">
+            <a:avLst/>
+          </a:prstGeom>
+          <a:ln>
+            <a:solidFill>
+              <a:schemeClr val="accent1"/>
+            </a:solidFill>
+          </a:ln>
+        </p:spPr>
+      </p:pic>
+    </p:spTree>
+    <p:extLst>
+      <p:ext uri="{BB962C8B-B14F-4D97-AF65-F5344CB8AC3E}">
+        <p14:creationId xmlns:p14="http://schemas.microsoft.com/office/powerpoint/2010/main" val="4255638612"/>
+      </p:ext>
+    </p:extLst>
+  </p:cSld>
+  <p:clrMapOvr>
+    <a:masterClrMapping/>
+  </p:clrMapOvr>
+</p:sld>
+</file>
+
+<file path=ppt/slides/slide11.xml><?xml version="1.0" encoding="utf-8"?>
+<p:sld xmlns:a="http://schemas.openxmlformats.org/drawingml/2006/main" xmlns:r="http://schemas.openxmlformats.org/officeDocument/2006/relationships" xmlns:p="http://schemas.openxmlformats.org/presentationml/2006/main">
+  <p:cSld>
+    <p:spTree>
+      <p:nvGrpSpPr>
+        <p:cNvPr id="1" name=""/>
+        <p:cNvGrpSpPr/>
+        <p:nvPr/>
+      </p:nvGrpSpPr>
+      <p:grpSpPr>
+        <a:xfrm>
+          <a:off x="0" y="0"/>
+          <a:ext cx="0" cy="0"/>
+          <a:chOff x="0" y="0"/>
+          <a:chExt cx="0" cy="0"/>
+        </a:xfrm>
+      </p:grpSpPr>
+      <p:pic>
+        <p:nvPicPr>
+          <p:cNvPr id="3" name="Picture 2">
+            <a:extLst>
+              <a:ext uri="{FF2B5EF4-FFF2-40B4-BE49-F238E27FC236}">
+                <a16:creationId xmlns:a16="http://schemas.microsoft.com/office/drawing/2014/main" id="{34125BFB-B78E-7E1D-BCF5-A4A3A1FCF464}"/>
+              </a:ext>
+            </a:extLst>
+          </p:cNvPr>
+          <p:cNvPicPr>
+            <a:picLocks noChangeAspect="1"/>
+          </p:cNvPicPr>
+          <p:nvPr/>
+        </p:nvPicPr>
+        <p:blipFill>
+          <a:blip r:embed="rId2">
+            <a:extLst>
+              <a:ext uri="{28A0092B-C50C-407E-A947-70E740481C1C}">
+                <a14:useLocalDpi xmlns:a14="http://schemas.microsoft.com/office/drawing/2010/main" val="0"/>
+              </a:ext>
+            </a:extLst>
+          </a:blip>
+          <a:stretch>
+            <a:fillRect/>
+          </a:stretch>
+        </p:blipFill>
+        <p:spPr>
+          <a:xfrm>
+            <a:off x="0" y="677945"/>
+            <a:ext cx="12192000" cy="5502109"/>
+          </a:xfrm>
+          <a:prstGeom prst="rect">
+            <a:avLst/>
+          </a:prstGeom>
+        </p:spPr>
+      </p:pic>
+    </p:spTree>
+    <p:extLst>
+      <p:ext uri="{BB962C8B-B14F-4D97-AF65-F5344CB8AC3E}">
+        <p14:creationId xmlns:p14="http://schemas.microsoft.com/office/powerpoint/2010/main" val="4048851489"/>
+      </p:ext>
+    </p:extLst>
+  </p:cSld>
+  <p:clrMapOvr>
+    <a:masterClrMapping/>
+  </p:clrMapOvr>
+</p:sld>
+</file>
+
+<file path=ppt/slides/slide12.xml><?xml version="1.0" encoding="utf-8"?>
+<p:sld xmlns:a="http://schemas.openxmlformats.org/drawingml/2006/main" xmlns:r="http://schemas.openxmlformats.org/officeDocument/2006/relationships" xmlns:p="http://schemas.openxmlformats.org/presentationml/2006/main">
+  <p:cSld>
+    <p:spTree>
+      <p:nvGrpSpPr>
+        <p:cNvPr id="1" name=""/>
+        <p:cNvGrpSpPr/>
+        <p:nvPr/>
+      </p:nvGrpSpPr>
+      <p:grpSpPr>
+        <a:xfrm>
+          <a:off x="0" y="0"/>
+          <a:ext cx="0" cy="0"/>
+          <a:chOff x="0" y="0"/>
+          <a:chExt cx="0" cy="0"/>
+        </a:xfrm>
+      </p:grpSpPr>
+      <p:pic>
+        <p:nvPicPr>
+          <p:cNvPr id="1026" name="Picture 2" descr="PlantUML Diagram">
+            <a:extLst>
+              <a:ext uri="{FF2B5EF4-FFF2-40B4-BE49-F238E27FC236}">
+                <a16:creationId xmlns:a16="http://schemas.microsoft.com/office/drawing/2014/main" id="{613858DF-1BF2-C5AF-7238-20D81BBC14C6}"/>
+              </a:ext>
+            </a:extLst>
+          </p:cNvPr>
+          <p:cNvPicPr>
+            <a:picLocks noChangeAspect="1" noChangeArrowheads="1"/>
+          </p:cNvPicPr>
+          <p:nvPr/>
+        </p:nvPicPr>
+        <p:blipFill>
+          <a:blip r:embed="rId2">
+            <a:extLst>
+              <a:ext uri="{28A0092B-C50C-407E-A947-70E740481C1C}">
+                <a14:useLocalDpi xmlns:a14="http://schemas.microsoft.com/office/drawing/2010/main" val="0"/>
+              </a:ext>
+            </a:extLst>
+          </a:blip>
+          <a:srcRect/>
+          <a:stretch>
+            <a:fillRect/>
+          </a:stretch>
+        </p:blipFill>
+        <p:spPr bwMode="auto">
+          <a:xfrm>
+            <a:off x="0" y="484188"/>
+            <a:ext cx="12192000" cy="5889625"/>
+          </a:xfrm>
+          <a:prstGeom prst="rect">
+            <a:avLst/>
+          </a:prstGeom>
+          <a:noFill/>
+          <a:extLst>
+            <a:ext uri="{909E8E84-426E-40DD-AFC4-6F175D3DCCD1}">
+              <a14:hiddenFill xmlns:a14="http://schemas.microsoft.com/office/drawing/2010/main">
+                <a:solidFill>
+                  <a:srgbClr val="FFFFFF"/>
+                </a:solidFill>
+              </a14:hiddenFill>
+            </a:ext>
+          </a:extLst>
+        </p:spPr>
+      </p:pic>
+      <p:pic>
+        <p:nvPicPr>
+          <p:cNvPr id="2052" name="Picture 4" descr="PlantUML Diagram">
+            <a:extLst>
+              <a:ext uri="{FF2B5EF4-FFF2-40B4-BE49-F238E27FC236}">
+                <a16:creationId xmlns:a16="http://schemas.microsoft.com/office/drawing/2014/main" id="{52EB0D68-C1E0-2807-7670-08278F37509A}"/>
+              </a:ext>
+            </a:extLst>
+          </p:cNvPr>
+          <p:cNvPicPr>
+            <a:picLocks noChangeAspect="1" noChangeArrowheads="1"/>
+          </p:cNvPicPr>
+          <p:nvPr/>
+        </p:nvPicPr>
+        <p:blipFill>
+          <a:blip r:embed="rId3">
+            <a:extLst>
+              <a:ext uri="{28A0092B-C50C-407E-A947-70E740481C1C}">
+                <a14:useLocalDpi xmlns:a14="http://schemas.microsoft.com/office/drawing/2010/main" val="0"/>
+              </a:ext>
+            </a:extLst>
+          </a:blip>
+          <a:srcRect/>
+          <a:stretch>
+            <a:fillRect/>
+          </a:stretch>
+        </p:blipFill>
+        <p:spPr bwMode="auto">
+          <a:xfrm>
+            <a:off x="5841242" y="484187"/>
+            <a:ext cx="6990120" cy="1153188"/>
+          </a:xfrm>
+          <a:prstGeom prst="rect">
+            <a:avLst/>
+          </a:prstGeom>
+          <a:noFill/>
+          <a:extLst>
+            <a:ext uri="{909E8E84-426E-40DD-AFC4-6F175D3DCCD1}">
+              <a14:hiddenFill xmlns:a14="http://schemas.microsoft.com/office/drawing/2010/main">
+                <a:solidFill>
+                  <a:srgbClr val="FFFFFF"/>
+                </a:solidFill>
+              </a14:hiddenFill>
+            </a:ext>
+          </a:extLst>
+        </p:spPr>
+      </p:pic>
+    </p:spTree>
+    <p:extLst>
+      <p:ext uri="{BB962C8B-B14F-4D97-AF65-F5344CB8AC3E}">
+        <p14:creationId xmlns:p14="http://schemas.microsoft.com/office/powerpoint/2010/main" val="2264193998"/>
+      </p:ext>
+    </p:extLst>
+  </p:cSld>
+  <p:clrMapOvr>
+    <a:masterClrMapping/>
+  </p:clrMapOvr>
+</p:sld>
+</file>
+
+<file path=ppt/slides/slide13.xml><?xml version="1.0" encoding="utf-8"?>
+<p:sld xmlns:a="http://schemas.openxmlformats.org/drawingml/2006/main" xmlns:r="http://schemas.openxmlformats.org/officeDocument/2006/relationships" xmlns:p="http://schemas.openxmlformats.org/presentationml/2006/main">
+  <p:cSld>
+    <p:spTree>
+      <p:nvGrpSpPr>
+        <p:cNvPr id="1" name=""/>
+        <p:cNvGrpSpPr/>
+        <p:nvPr/>
+      </p:nvGrpSpPr>
+      <p:grpSpPr>
+        <a:xfrm>
+          <a:off x="0" y="0"/>
+          <a:ext cx="0" cy="0"/>
+          <a:chOff x="0" y="0"/>
+          <a:chExt cx="0" cy="0"/>
+        </a:xfrm>
+      </p:grpSpPr>
+      <p:pic>
+        <p:nvPicPr>
+          <p:cNvPr id="2" name="Picture 4" descr="PlantUML Diagram">
+            <a:extLst>
+              <a:ext uri="{FF2B5EF4-FFF2-40B4-BE49-F238E27FC236}">
+                <a16:creationId xmlns:a16="http://schemas.microsoft.com/office/drawing/2014/main" id="{C70A0A5B-B7C8-3837-EE7E-937330F79D39}"/>
+              </a:ext>
+            </a:extLst>
+          </p:cNvPr>
+          <p:cNvPicPr>
+            <a:picLocks noChangeAspect="1" noChangeArrowheads="1"/>
+          </p:cNvPicPr>
+          <p:nvPr/>
+        </p:nvPicPr>
+        <p:blipFill rotWithShape="1">
+          <a:blip r:embed="rId2">
+            <a:extLst>
+              <a:ext uri="{28A0092B-C50C-407E-A947-70E740481C1C}">
+                <a14:useLocalDpi xmlns:a14="http://schemas.microsoft.com/office/drawing/2010/main" val="0"/>
+              </a:ext>
+            </a:extLst>
+          </a:blip>
+          <a:srcRect r="83599"/>
+          <a:stretch/>
+        </p:blipFill>
+        <p:spPr bwMode="auto">
+          <a:xfrm>
+            <a:off x="3474115" y="-17843"/>
+            <a:ext cx="2621885" cy="2637382"/>
+          </a:xfrm>
+          <a:prstGeom prst="rect">
+            <a:avLst/>
+          </a:prstGeom>
+          <a:noFill/>
+          <a:extLst>
+            <a:ext uri="{909E8E84-426E-40DD-AFC4-6F175D3DCCD1}">
+              <a14:hiddenFill xmlns:a14="http://schemas.microsoft.com/office/drawing/2010/main">
+                <a:solidFill>
+                  <a:srgbClr val="FFFFFF"/>
+                </a:solidFill>
+              </a14:hiddenFill>
+            </a:ext>
+          </a:extLst>
+        </p:spPr>
+      </p:pic>
+      <p:pic>
+        <p:nvPicPr>
+          <p:cNvPr id="5" name="Picture 4" descr="PlantUML Diagram">
+            <a:extLst>
+              <a:ext uri="{FF2B5EF4-FFF2-40B4-BE49-F238E27FC236}">
+                <a16:creationId xmlns:a16="http://schemas.microsoft.com/office/drawing/2014/main" id="{7ED07491-DA64-1A36-A09F-A3CC2B281603}"/>
+              </a:ext>
+            </a:extLst>
+          </p:cNvPr>
+          <p:cNvPicPr>
+            <a:picLocks noChangeAspect="1" noChangeArrowheads="1"/>
+          </p:cNvPicPr>
+          <p:nvPr/>
+        </p:nvPicPr>
+        <p:blipFill rotWithShape="1">
+          <a:blip r:embed="rId2">
+            <a:extLst>
+              <a:ext uri="{28A0092B-C50C-407E-A947-70E740481C1C}">
+                <a14:useLocalDpi xmlns:a14="http://schemas.microsoft.com/office/drawing/2010/main" val="0"/>
+              </a:ext>
+            </a:extLst>
+          </a:blip>
+          <a:srcRect l="16045" r="69897"/>
+          <a:stretch/>
+        </p:blipFill>
+        <p:spPr bwMode="auto">
+          <a:xfrm>
+            <a:off x="3557858" y="4105663"/>
+            <a:ext cx="3002507" cy="3523629"/>
+          </a:xfrm>
+          <a:prstGeom prst="rect">
+            <a:avLst/>
+          </a:prstGeom>
+          <a:noFill/>
+          <a:extLst>
+            <a:ext uri="{909E8E84-426E-40DD-AFC4-6F175D3DCCD1}">
+              <a14:hiddenFill xmlns:a14="http://schemas.microsoft.com/office/drawing/2010/main">
+                <a:solidFill>
+                  <a:srgbClr val="FFFFFF"/>
+                </a:solidFill>
+              </a14:hiddenFill>
+            </a:ext>
+          </a:extLst>
+        </p:spPr>
+      </p:pic>
+      <p:pic>
+        <p:nvPicPr>
+          <p:cNvPr id="6" name="Picture 4" descr="PlantUML Diagram">
+            <a:extLst>
+              <a:ext uri="{FF2B5EF4-FFF2-40B4-BE49-F238E27FC236}">
+                <a16:creationId xmlns:a16="http://schemas.microsoft.com/office/drawing/2014/main" id="{A0001C3E-6AFB-1D86-61F0-28D75DB4A7C8}"/>
+              </a:ext>
+            </a:extLst>
+          </p:cNvPr>
+          <p:cNvPicPr>
+            <a:picLocks noChangeAspect="1" noChangeArrowheads="1"/>
+          </p:cNvPicPr>
+          <p:nvPr/>
+        </p:nvPicPr>
+        <p:blipFill rotWithShape="1">
+          <a:blip r:embed="rId2">
+            <a:extLst>
+              <a:ext uri="{28A0092B-C50C-407E-A947-70E740481C1C}">
+                <a14:useLocalDpi xmlns:a14="http://schemas.microsoft.com/office/drawing/2010/main" val="0"/>
+              </a:ext>
+            </a:extLst>
+          </a:blip>
+          <a:srcRect l="30215" r="51822" b="62393"/>
+          <a:stretch/>
+        </p:blipFill>
+        <p:spPr bwMode="auto">
+          <a:xfrm>
+            <a:off x="212675" y="3082749"/>
+            <a:ext cx="2300004" cy="794409"/>
+          </a:xfrm>
+          <a:prstGeom prst="rect">
+            <a:avLst/>
+          </a:prstGeom>
+          <a:noFill/>
+          <a:extLst>
+            <a:ext uri="{909E8E84-426E-40DD-AFC4-6F175D3DCCD1}">
+              <a14:hiddenFill xmlns:a14="http://schemas.microsoft.com/office/drawing/2010/main">
+                <a:solidFill>
+                  <a:srgbClr val="FFFFFF"/>
+                </a:solidFill>
+              </a14:hiddenFill>
+            </a:ext>
+          </a:extLst>
+        </p:spPr>
+      </p:pic>
+      <p:pic>
+        <p:nvPicPr>
+          <p:cNvPr id="7" name="Picture 4" descr="PlantUML Diagram">
+            <a:extLst>
+              <a:ext uri="{FF2B5EF4-FFF2-40B4-BE49-F238E27FC236}">
+                <a16:creationId xmlns:a16="http://schemas.microsoft.com/office/drawing/2014/main" id="{E59999F9-DFF6-73A9-F032-068483AD8EB0}"/>
+              </a:ext>
+            </a:extLst>
+          </p:cNvPr>
+          <p:cNvPicPr>
+            <a:picLocks noChangeAspect="1" noChangeArrowheads="1"/>
+          </p:cNvPicPr>
+          <p:nvPr/>
+        </p:nvPicPr>
+        <p:blipFill rotWithShape="1">
+          <a:blip r:embed="rId2">
+            <a:extLst>
+              <a:ext uri="{28A0092B-C50C-407E-A947-70E740481C1C}">
+                <a14:useLocalDpi xmlns:a14="http://schemas.microsoft.com/office/drawing/2010/main" val="0"/>
+              </a:ext>
+            </a:extLst>
+          </a:blip>
+          <a:srcRect l="47966" r="34071" b="57991"/>
+          <a:stretch/>
+        </p:blipFill>
+        <p:spPr bwMode="auto">
+          <a:xfrm>
+            <a:off x="4734697" y="3090795"/>
+            <a:ext cx="2300004" cy="887412"/>
+          </a:xfrm>
+          <a:prstGeom prst="rect">
+            <a:avLst/>
+          </a:prstGeom>
+          <a:noFill/>
+          <a:extLst>
+            <a:ext uri="{909E8E84-426E-40DD-AFC4-6F175D3DCCD1}">
+              <a14:hiddenFill xmlns:a14="http://schemas.microsoft.com/office/drawing/2010/main">
+                <a:solidFill>
+                  <a:srgbClr val="FFFFFF"/>
+                </a:solidFill>
+              </a14:hiddenFill>
+            </a:ext>
+          </a:extLst>
+        </p:spPr>
+      </p:pic>
+      <p:pic>
+        <p:nvPicPr>
+          <p:cNvPr id="8" name="Picture 4" descr="PlantUML Diagram">
+            <a:extLst>
+              <a:ext uri="{FF2B5EF4-FFF2-40B4-BE49-F238E27FC236}">
+                <a16:creationId xmlns:a16="http://schemas.microsoft.com/office/drawing/2014/main" id="{4D697762-ADED-8862-3CC9-5E077FCCC028}"/>
+              </a:ext>
+            </a:extLst>
+          </p:cNvPr>
+          <p:cNvPicPr>
+            <a:picLocks noChangeAspect="1" noChangeArrowheads="1"/>
+          </p:cNvPicPr>
+          <p:nvPr/>
+        </p:nvPicPr>
+        <p:blipFill rotWithShape="1">
+          <a:blip r:embed="rId2">
+            <a:extLst>
+              <a:ext uri="{28A0092B-C50C-407E-A947-70E740481C1C}">
+                <a14:useLocalDpi xmlns:a14="http://schemas.microsoft.com/office/drawing/2010/main" val="0"/>
+              </a:ext>
+            </a:extLst>
+          </a:blip>
+          <a:srcRect l="65776" r="17644" b="53124"/>
+          <a:stretch/>
+        </p:blipFill>
+        <p:spPr bwMode="auto">
+          <a:xfrm>
+            <a:off x="2546434" y="3088464"/>
+            <a:ext cx="2156735" cy="1005935"/>
+          </a:xfrm>
+          <a:prstGeom prst="rect">
+            <a:avLst/>
+          </a:prstGeom>
+          <a:noFill/>
+          <a:extLst>
+            <a:ext uri="{909E8E84-426E-40DD-AFC4-6F175D3DCCD1}">
+              <a14:hiddenFill xmlns:a14="http://schemas.microsoft.com/office/drawing/2010/main">
+                <a:solidFill>
+                  <a:srgbClr val="FFFFFF"/>
+                </a:solidFill>
+              </a14:hiddenFill>
+            </a:ext>
+          </a:extLst>
+        </p:spPr>
+      </p:pic>
+      <p:pic>
+        <p:nvPicPr>
+          <p:cNvPr id="9" name="Picture 4" descr="PlantUML Diagram">
+            <a:extLst>
+              <a:ext uri="{FF2B5EF4-FFF2-40B4-BE49-F238E27FC236}">
+                <a16:creationId xmlns:a16="http://schemas.microsoft.com/office/drawing/2014/main" id="{495E8FAF-D141-F41C-21E4-B0A7EEEA74CC}"/>
+              </a:ext>
+            </a:extLst>
+          </p:cNvPr>
+          <p:cNvPicPr>
+            <a:picLocks noChangeAspect="1" noChangeArrowheads="1"/>
+          </p:cNvPicPr>
+          <p:nvPr/>
+        </p:nvPicPr>
+        <p:blipFill rotWithShape="1">
+          <a:blip r:embed="rId2">
+            <a:extLst>
+              <a:ext uri="{28A0092B-C50C-407E-A947-70E740481C1C}">
+                <a14:useLocalDpi xmlns:a14="http://schemas.microsoft.com/office/drawing/2010/main" val="0"/>
+              </a:ext>
+            </a:extLst>
+          </a:blip>
+          <a:srcRect l="82198" b="63104"/>
+          <a:stretch/>
+        </p:blipFill>
+        <p:spPr bwMode="auto">
+          <a:xfrm>
+            <a:off x="6969419" y="3084649"/>
+            <a:ext cx="2300003" cy="786399"/>
+          </a:xfrm>
+          <a:prstGeom prst="rect">
+            <a:avLst/>
+          </a:prstGeom>
+          <a:noFill/>
+          <a:extLst>
+            <a:ext uri="{909E8E84-426E-40DD-AFC4-6F175D3DCCD1}">
+              <a14:hiddenFill xmlns:a14="http://schemas.microsoft.com/office/drawing/2010/main">
+                <a:solidFill>
+                  <a:srgbClr val="FFFFFF"/>
+                </a:solidFill>
+              </a14:hiddenFill>
+            </a:ext>
+          </a:extLst>
+        </p:spPr>
+      </p:pic>
+      <p:cxnSp>
+        <p:nvCxnSpPr>
+          <p:cNvPr id="58" name="Connector: Elbow 57">
+            <a:extLst>
+              <a:ext uri="{FF2B5EF4-FFF2-40B4-BE49-F238E27FC236}">
+                <a16:creationId xmlns:a16="http://schemas.microsoft.com/office/drawing/2014/main" id="{01598527-2321-90B1-D188-888CD1F0B4FF}"/>
+              </a:ext>
+            </a:extLst>
+          </p:cNvPr>
+          <p:cNvCxnSpPr>
+            <a:cxnSpLocks/>
+            <a:stCxn id="2" idx="1"/>
+            <a:endCxn id="6" idx="0"/>
+          </p:cNvCxnSpPr>
+          <p:nvPr/>
+        </p:nvCxnSpPr>
+        <p:spPr>
+          <a:xfrm rot="10800000" flipV="1">
+            <a:off x="1362677" y="1300847"/>
+            <a:ext cx="2111438" cy="1781901"/>
+          </a:xfrm>
+          <a:prstGeom prst="bentConnector2">
+            <a:avLst/>
+          </a:prstGeom>
+          <a:ln>
+            <a:tailEnd type="triangle"/>
+          </a:ln>
+        </p:spPr>
+        <p:style>
+          <a:lnRef idx="2">
+            <a:schemeClr val="accent1"/>
+          </a:lnRef>
+          <a:fillRef idx="0">
+            <a:schemeClr val="accent1"/>
+          </a:fillRef>
+          <a:effectRef idx="1">
+            <a:schemeClr val="accent1"/>
+          </a:effectRef>
+          <a:fontRef idx="minor">
+            <a:schemeClr val="tx1"/>
+          </a:fontRef>
+        </p:style>
+      </p:cxnSp>
+      <p:cxnSp>
+        <p:nvCxnSpPr>
+          <p:cNvPr id="62" name="Connector: Elbow 61">
+            <a:extLst>
+              <a:ext uri="{FF2B5EF4-FFF2-40B4-BE49-F238E27FC236}">
+                <a16:creationId xmlns:a16="http://schemas.microsoft.com/office/drawing/2014/main" id="{AFBE7A77-FC76-C850-31D2-050FFAEB9D34}"/>
+              </a:ext>
+            </a:extLst>
+          </p:cNvPr>
+          <p:cNvCxnSpPr>
+            <a:cxnSpLocks/>
+            <a:endCxn id="9" idx="0"/>
+          </p:cNvCxnSpPr>
+          <p:nvPr/>
+        </p:nvCxnSpPr>
+        <p:spPr>
+          <a:xfrm>
+            <a:off x="5891050" y="1300847"/>
+            <a:ext cx="2228371" cy="1783802"/>
+          </a:xfrm>
+          <a:prstGeom prst="bentConnector2">
+            <a:avLst/>
+          </a:prstGeom>
+          <a:ln>
+            <a:tailEnd type="triangle"/>
+          </a:ln>
+        </p:spPr>
+        <p:style>
+          <a:lnRef idx="2">
+            <a:schemeClr val="accent1"/>
+          </a:lnRef>
+          <a:fillRef idx="0">
+            <a:schemeClr val="accent1"/>
+          </a:fillRef>
+          <a:effectRef idx="1">
+            <a:schemeClr val="accent1"/>
+          </a:effectRef>
+          <a:fontRef idx="minor">
+            <a:schemeClr val="tx1"/>
+          </a:fontRef>
+        </p:style>
+      </p:cxnSp>
+      <p:cxnSp>
+        <p:nvCxnSpPr>
+          <p:cNvPr id="2058" name="Connector: Elbow 2057">
+            <a:extLst>
+              <a:ext uri="{FF2B5EF4-FFF2-40B4-BE49-F238E27FC236}">
+                <a16:creationId xmlns:a16="http://schemas.microsoft.com/office/drawing/2014/main" id="{E8A53B03-D0CC-66F9-2CF0-E3FEACAB1A67}"/>
+              </a:ext>
+            </a:extLst>
+          </p:cNvPr>
+          <p:cNvCxnSpPr>
+            <a:cxnSpLocks/>
+          </p:cNvCxnSpPr>
+          <p:nvPr/>
+        </p:nvCxnSpPr>
+        <p:spPr>
+          <a:xfrm rot="5400000">
+            <a:off x="2715116" y="2325445"/>
+            <a:ext cx="1037280" cy="493419"/>
+          </a:xfrm>
+          <a:prstGeom prst="bentConnector3">
+            <a:avLst>
+              <a:gd name="adj1" fmla="val -1314"/>
+            </a:avLst>
+          </a:prstGeom>
+          <a:ln>
+            <a:tailEnd type="triangle"/>
+          </a:ln>
+        </p:spPr>
+        <p:style>
+          <a:lnRef idx="2">
+            <a:schemeClr val="accent1"/>
+          </a:lnRef>
+          <a:fillRef idx="0">
+            <a:schemeClr val="accent1"/>
+          </a:fillRef>
+          <a:effectRef idx="1">
+            <a:schemeClr val="accent1"/>
+          </a:effectRef>
+          <a:fontRef idx="minor">
+            <a:schemeClr val="tx1"/>
+          </a:fontRef>
+        </p:style>
+      </p:cxnSp>
+      <p:cxnSp>
+        <p:nvCxnSpPr>
+          <p:cNvPr id="2062" name="Connector: Elbow 2061">
+            <a:extLst>
+              <a:ext uri="{FF2B5EF4-FFF2-40B4-BE49-F238E27FC236}">
+                <a16:creationId xmlns:a16="http://schemas.microsoft.com/office/drawing/2014/main" id="{57C09BB4-66B4-7BA5-A0E1-1F3F057B4357}"/>
+              </a:ext>
+            </a:extLst>
+          </p:cNvPr>
+          <p:cNvCxnSpPr>
+            <a:cxnSpLocks/>
+          </p:cNvCxnSpPr>
+          <p:nvPr/>
+        </p:nvCxnSpPr>
+        <p:spPr>
+          <a:xfrm rot="16200000" flipH="1">
+            <a:off x="5676385" y="2411519"/>
+            <a:ext cx="962713" cy="471759"/>
+          </a:xfrm>
+          <a:prstGeom prst="bentConnector3">
+            <a:avLst>
+              <a:gd name="adj1" fmla="val 1801"/>
+            </a:avLst>
+          </a:prstGeom>
+          <a:ln>
+            <a:tailEnd type="triangle"/>
+          </a:ln>
+        </p:spPr>
+        <p:style>
+          <a:lnRef idx="2">
+            <a:schemeClr val="accent1"/>
+          </a:lnRef>
+          <a:fillRef idx="0">
+            <a:schemeClr val="accent1"/>
+          </a:fillRef>
+          <a:effectRef idx="1">
+            <a:schemeClr val="accent1"/>
+          </a:effectRef>
+          <a:fontRef idx="minor">
+            <a:schemeClr val="tx1"/>
+          </a:fontRef>
+        </p:style>
+      </p:cxnSp>
+      <p:cxnSp>
+        <p:nvCxnSpPr>
+          <p:cNvPr id="2073" name="Connector: Elbow 2072">
+            <a:extLst>
+              <a:ext uri="{FF2B5EF4-FFF2-40B4-BE49-F238E27FC236}">
+                <a16:creationId xmlns:a16="http://schemas.microsoft.com/office/drawing/2014/main" id="{80CDFD84-65C9-F60B-B0A3-AA35F34C6352}"/>
+              </a:ext>
+            </a:extLst>
+          </p:cNvPr>
+          <p:cNvCxnSpPr/>
+          <p:nvPr/>
+        </p:nvCxnSpPr>
+        <p:spPr>
+          <a:xfrm>
+            <a:off x="1362676" y="3753134"/>
+            <a:ext cx="2458697" cy="1050878"/>
+          </a:xfrm>
+          <a:prstGeom prst="bentConnector3">
+            <a:avLst>
+              <a:gd name="adj1" fmla="val 598"/>
+            </a:avLst>
+          </a:prstGeom>
+          <a:ln>
+            <a:tailEnd type="triangle"/>
+          </a:ln>
+        </p:spPr>
+        <p:style>
+          <a:lnRef idx="2">
+            <a:schemeClr val="accent1"/>
+          </a:lnRef>
+          <a:fillRef idx="0">
+            <a:schemeClr val="accent1"/>
+          </a:fillRef>
+          <a:effectRef idx="1">
+            <a:schemeClr val="accent1"/>
+          </a:effectRef>
+          <a:fontRef idx="minor">
+            <a:schemeClr val="tx1"/>
+          </a:fontRef>
+        </p:style>
+      </p:cxnSp>
+      <p:cxnSp>
+        <p:nvCxnSpPr>
+          <p:cNvPr id="2076" name="Connector: Elbow 2075">
+            <a:extLst>
+              <a:ext uri="{FF2B5EF4-FFF2-40B4-BE49-F238E27FC236}">
+                <a16:creationId xmlns:a16="http://schemas.microsoft.com/office/drawing/2014/main" id="{86801824-4412-941E-A8F9-9D7BF2620FB5}"/>
+              </a:ext>
+            </a:extLst>
+          </p:cNvPr>
+          <p:cNvCxnSpPr>
+            <a:cxnSpLocks/>
+          </p:cNvCxnSpPr>
+          <p:nvPr/>
+        </p:nvCxnSpPr>
+        <p:spPr>
+          <a:xfrm>
+            <a:off x="1624083" y="3753133"/>
+            <a:ext cx="3435028" cy="1219491"/>
+          </a:xfrm>
+          <a:prstGeom prst="bentConnector3">
+            <a:avLst>
+              <a:gd name="adj1" fmla="val -459"/>
+            </a:avLst>
+          </a:prstGeom>
+          <a:ln>
+            <a:tailEnd type="triangle"/>
+          </a:ln>
+        </p:spPr>
+        <p:style>
+          <a:lnRef idx="2">
+            <a:schemeClr val="accent1"/>
+          </a:lnRef>
+          <a:fillRef idx="0">
+            <a:schemeClr val="accent1"/>
+          </a:fillRef>
+          <a:effectRef idx="1">
+            <a:schemeClr val="accent1"/>
+          </a:effectRef>
+          <a:fontRef idx="minor">
+            <a:schemeClr val="tx1"/>
+          </a:fontRef>
+        </p:style>
+      </p:cxnSp>
+      <p:cxnSp>
+        <p:nvCxnSpPr>
+          <p:cNvPr id="2098" name="Connector: Elbow 2097">
+            <a:extLst>
+              <a:ext uri="{FF2B5EF4-FFF2-40B4-BE49-F238E27FC236}">
+                <a16:creationId xmlns:a16="http://schemas.microsoft.com/office/drawing/2014/main" id="{4C4B0655-5FED-4D88-D0CC-7D354CBF6DD0}"/>
+              </a:ext>
+            </a:extLst>
+          </p:cNvPr>
+          <p:cNvCxnSpPr/>
+          <p:nvPr/>
+        </p:nvCxnSpPr>
+        <p:spPr>
+          <a:xfrm rot="16200000" flipH="1">
+            <a:off x="2196382" y="4543796"/>
+            <a:ext cx="2415655" cy="834327"/>
+          </a:xfrm>
+          <a:prstGeom prst="bentConnector3">
+            <a:avLst>
+              <a:gd name="adj1" fmla="val 100282"/>
+            </a:avLst>
+          </a:prstGeom>
+          <a:ln>
+            <a:tailEnd type="triangle"/>
+          </a:ln>
+        </p:spPr>
+        <p:style>
+          <a:lnRef idx="2">
+            <a:schemeClr val="accent1"/>
+          </a:lnRef>
+          <a:fillRef idx="0">
+            <a:schemeClr val="accent1"/>
+          </a:fillRef>
+          <a:effectRef idx="1">
+            <a:schemeClr val="accent1"/>
+          </a:effectRef>
+          <a:fontRef idx="minor">
+            <a:schemeClr val="tx1"/>
+          </a:fontRef>
+        </p:style>
+      </p:cxnSp>
+      <p:cxnSp>
+        <p:nvCxnSpPr>
+          <p:cNvPr id="2101" name="Connector: Elbow 2100">
+            <a:extLst>
+              <a:ext uri="{FF2B5EF4-FFF2-40B4-BE49-F238E27FC236}">
+                <a16:creationId xmlns:a16="http://schemas.microsoft.com/office/drawing/2014/main" id="{4B87B888-C4F0-EB77-D9CA-960B78BB700A}"/>
+              </a:ext>
+            </a:extLst>
+          </p:cNvPr>
+          <p:cNvCxnSpPr/>
+          <p:nvPr/>
+        </p:nvCxnSpPr>
+        <p:spPr>
+          <a:xfrm rot="5400000">
+            <a:off x="5984044" y="4033410"/>
+            <a:ext cx="2415655" cy="1855098"/>
+          </a:xfrm>
+          <a:prstGeom prst="bentConnector3">
+            <a:avLst>
+              <a:gd name="adj1" fmla="val 99718"/>
+            </a:avLst>
+          </a:prstGeom>
+          <a:ln>
+            <a:tailEnd type="triangle"/>
+          </a:ln>
+        </p:spPr>
+        <p:style>
+          <a:lnRef idx="2">
+            <a:schemeClr val="accent1"/>
+          </a:lnRef>
+          <a:fillRef idx="0">
+            <a:schemeClr val="accent1"/>
+          </a:fillRef>
+          <a:effectRef idx="1">
+            <a:schemeClr val="accent1"/>
+          </a:effectRef>
+          <a:fontRef idx="minor">
+            <a:schemeClr val="tx1"/>
+          </a:fontRef>
+        </p:style>
+      </p:cxnSp>
+      <p:cxnSp>
+        <p:nvCxnSpPr>
+          <p:cNvPr id="2104" name="Connector: Elbow 2103">
+            <a:extLst>
+              <a:ext uri="{FF2B5EF4-FFF2-40B4-BE49-F238E27FC236}">
+                <a16:creationId xmlns:a16="http://schemas.microsoft.com/office/drawing/2014/main" id="{A0F2198B-99F9-DF82-E0C4-3F100AC5A5F2}"/>
+              </a:ext>
+            </a:extLst>
+          </p:cNvPr>
+          <p:cNvCxnSpPr>
+            <a:cxnSpLocks/>
+          </p:cNvCxnSpPr>
+          <p:nvPr/>
+        </p:nvCxnSpPr>
+        <p:spPr>
+          <a:xfrm rot="5400000">
+            <a:off x="5787808" y="4031456"/>
+            <a:ext cx="1050882" cy="494234"/>
+          </a:xfrm>
+          <a:prstGeom prst="bentConnector3">
+            <a:avLst>
+              <a:gd name="adj1" fmla="val 100649"/>
+            </a:avLst>
+          </a:prstGeom>
+          <a:ln>
+            <a:tailEnd type="triangle"/>
+          </a:ln>
+        </p:spPr>
+        <p:style>
+          <a:lnRef idx="2">
+            <a:schemeClr val="accent1"/>
+          </a:lnRef>
+          <a:fillRef idx="0">
+            <a:schemeClr val="accent1"/>
+          </a:fillRef>
+          <a:effectRef idx="1">
+            <a:schemeClr val="accent1"/>
+          </a:effectRef>
+          <a:fontRef idx="minor">
+            <a:schemeClr val="tx1"/>
+          </a:fontRef>
+        </p:style>
+      </p:cxnSp>
+    </p:spTree>
+    <p:extLst>
+      <p:ext uri="{BB962C8B-B14F-4D97-AF65-F5344CB8AC3E}">
+        <p14:creationId xmlns:p14="http://schemas.microsoft.com/office/powerpoint/2010/main" val="1894799931"/>
+      </p:ext>
+    </p:extLst>
+  </p:cSld>
+  <p:clrMapOvr>
+    <a:masterClrMapping/>
+  </p:clrMapOvr>
+</p:sld>
+</file>
+
+<file path=ppt/slides/slide14.xml><?xml version="1.0" encoding="utf-8"?>
+<p:sld xmlns:a="http://schemas.openxmlformats.org/drawingml/2006/main" xmlns:r="http://schemas.openxmlformats.org/officeDocument/2006/relationships" xmlns:p="http://schemas.openxmlformats.org/presentationml/2006/main">
+  <p:cSld>
+    <p:spTree>
+      <p:nvGrpSpPr>
+        <p:cNvPr id="1" name=""/>
+        <p:cNvGrpSpPr/>
+        <p:nvPr/>
+      </p:nvGrpSpPr>
+      <p:grpSpPr>
+        <a:xfrm>
+          <a:off x="0" y="0"/>
+          <a:ext cx="0" cy="0"/>
+          <a:chOff x="0" y="0"/>
+          <a:chExt cx="0" cy="0"/>
+        </a:xfrm>
+      </p:grpSpPr>
+      <p:pic>
+        <p:nvPicPr>
+          <p:cNvPr id="3" name="Picture 2">
+            <a:extLst>
+              <a:ext uri="{FF2B5EF4-FFF2-40B4-BE49-F238E27FC236}">
+                <a16:creationId xmlns:a16="http://schemas.microsoft.com/office/drawing/2014/main" id="{855BAEF5-7736-9926-10C5-C5E859E2BBF2}"/>
+              </a:ext>
+            </a:extLst>
+          </p:cNvPr>
+          <p:cNvPicPr>
+            <a:picLocks noChangeAspect="1"/>
+          </p:cNvPicPr>
+          <p:nvPr/>
+        </p:nvPicPr>
+        <p:blipFill rotWithShape="1">
+          <a:blip r:embed="rId2"/>
+          <a:srcRect l="-2214" t="3980" r="-2157" b="8060"/>
+          <a:stretch/>
+        </p:blipFill>
+        <p:spPr>
+          <a:xfrm>
+            <a:off x="1856097" y="272955"/>
+            <a:ext cx="8475258" cy="6032311"/>
+          </a:xfrm>
+          <a:prstGeom prst="rect">
+            <a:avLst/>
+          </a:prstGeom>
+          <a:ln>
+            <a:solidFill>
+              <a:schemeClr val="accent1"/>
+            </a:solidFill>
+          </a:ln>
+        </p:spPr>
+      </p:pic>
+    </p:spTree>
+    <p:extLst>
+      <p:ext uri="{BB962C8B-B14F-4D97-AF65-F5344CB8AC3E}">
+        <p14:creationId xmlns:p14="http://schemas.microsoft.com/office/powerpoint/2010/main" val="3561887418"/>
+      </p:ext>
+    </p:extLst>
+  </p:cSld>
+  <p:clrMapOvr>
+    <a:masterClrMapping/>
+  </p:clrMapOvr>
+</p:sld>
+</file>
+
+<file path=ppt/slides/slide15.xml><?xml version="1.0" encoding="utf-8"?>
+<p:sld xmlns:a="http://schemas.openxmlformats.org/drawingml/2006/main" xmlns:r="http://schemas.openxmlformats.org/officeDocument/2006/relationships" xmlns:p="http://schemas.openxmlformats.org/presentationml/2006/main">
+  <p:cSld>
+    <p:spTree>
+      <p:nvGrpSpPr>
+        <p:cNvPr id="1" name=""/>
+        <p:cNvGrpSpPr/>
+        <p:nvPr/>
+      </p:nvGrpSpPr>
+      <p:grpSpPr>
+        <a:xfrm>
+          <a:off x="0" y="0"/>
+          <a:ext cx="0" cy="0"/>
+          <a:chOff x="0" y="0"/>
+          <a:chExt cx="0" cy="0"/>
+        </a:xfrm>
+      </p:grpSpPr>
+      <p:pic>
+        <p:nvPicPr>
+          <p:cNvPr id="3074" name="Picture 2" descr="PlantUML Diagram">
+            <a:extLst>
+              <a:ext uri="{FF2B5EF4-FFF2-40B4-BE49-F238E27FC236}">
+                <a16:creationId xmlns:a16="http://schemas.microsoft.com/office/drawing/2014/main" id="{1EDC7120-251D-2816-450C-30876F2A6C35}"/>
+              </a:ext>
+            </a:extLst>
+          </p:cNvPr>
+          <p:cNvPicPr>
+            <a:picLocks noChangeAspect="1" noChangeArrowheads="1"/>
+          </p:cNvPicPr>
+          <p:nvPr/>
+        </p:nvPicPr>
+        <p:blipFill rotWithShape="1">
+          <a:blip r:embed="rId2">
+            <a:extLst>
+              <a:ext uri="{28A0092B-C50C-407E-A947-70E740481C1C}">
+                <a14:useLocalDpi xmlns:a14="http://schemas.microsoft.com/office/drawing/2010/main" val="0"/>
+              </a:ext>
+            </a:extLst>
+          </a:blip>
+          <a:srcRect l="-4584" t="-1705" r="-4584" b="-1705"/>
+          <a:stretch/>
+        </p:blipFill>
+        <p:spPr bwMode="auto">
+          <a:xfrm>
+            <a:off x="4276299" y="163774"/>
+            <a:ext cx="3639402" cy="6530454"/>
+          </a:xfrm>
+          <a:prstGeom prst="rect">
+            <a:avLst/>
+          </a:prstGeom>
+          <a:noFill/>
+          <a:ln>
+            <a:solidFill>
+              <a:schemeClr val="accent1"/>
+            </a:solidFill>
+          </a:ln>
+          <a:extLst>
+            <a:ext uri="{909E8E84-426E-40DD-AFC4-6F175D3DCCD1}">
+              <a14:hiddenFill xmlns:a14="http://schemas.microsoft.com/office/drawing/2010/main">
+                <a:solidFill>
+                  <a:srgbClr val="FFFFFF"/>
+                </a:solidFill>
+              </a14:hiddenFill>
+            </a:ext>
+          </a:extLst>
+        </p:spPr>
+      </p:pic>
+    </p:spTree>
+    <p:extLst>
+      <p:ext uri="{BB962C8B-B14F-4D97-AF65-F5344CB8AC3E}">
+        <p14:creationId xmlns:p14="http://schemas.microsoft.com/office/powerpoint/2010/main" val="3548794599"/>
+      </p:ext>
+    </p:extLst>
+  </p:cSld>
+  <p:clrMapOvr>
+    <a:masterClrMapping/>
+  </p:clrMapOvr>
+</p:sld>
+</file>
+
+<file path=ppt/slides/slide16.xml><?xml version="1.0" encoding="utf-8"?>
+<p:sld xmlns:a="http://schemas.openxmlformats.org/drawingml/2006/main" xmlns:r="http://schemas.openxmlformats.org/officeDocument/2006/relationships" xmlns:p="http://schemas.openxmlformats.org/presentationml/2006/main">
+  <p:cSld>
+    <p:spTree>
+      <p:nvGrpSpPr>
+        <p:cNvPr id="1" name=""/>
+        <p:cNvGrpSpPr/>
+        <p:nvPr/>
+      </p:nvGrpSpPr>
+      <p:grpSpPr>
+        <a:xfrm>
+          <a:off x="0" y="0"/>
+          <a:ext cx="0" cy="0"/>
+          <a:chOff x="0" y="0"/>
+          <a:chExt cx="0" cy="0"/>
+        </a:xfrm>
+      </p:grpSpPr>
+    </p:spTree>
+    <p:extLst>
+      <p:ext uri="{BB962C8B-B14F-4D97-AF65-F5344CB8AC3E}">
+        <p14:creationId xmlns:p14="http://schemas.microsoft.com/office/powerpoint/2010/main" val="1422875024"/>
       </p:ext>
     </p:extLst>
   </p:cSld>

--- a/SRS.pptx
+++ b/SRS.pptx
@@ -21,6 +21,7 @@
     <p:sldId id="270" r:id="rId15"/>
     <p:sldId id="271" r:id="rId16"/>
     <p:sldId id="272" r:id="rId17"/>
+    <p:sldId id="273" r:id="rId18"/>
   </p:sldIdLst>
   <p:sldSz cx="12192000" cy="6858000"/>
   <p:notesSz cx="6858000" cy="9144000"/>
@@ -371,7 +372,7 @@
           <a:p>
             <a:fld id="{B0AAE9EB-4E09-49F4-B23B-25A5BA76B78B}" type="datetimeFigureOut">
               <a:rPr lang="en-IN" smtClean="0"/>
-              <a:t>19-04-2024</a:t>
+              <a:t>20-04-2024</a:t>
             </a:fld>
             <a:endParaRPr lang="en-IN"/>
           </a:p>
@@ -571,7 +572,7 @@
           <a:p>
             <a:fld id="{B0AAE9EB-4E09-49F4-B23B-25A5BA76B78B}" type="datetimeFigureOut">
               <a:rPr lang="en-IN" smtClean="0"/>
-              <a:t>19-04-2024</a:t>
+              <a:t>20-04-2024</a:t>
             </a:fld>
             <a:endParaRPr lang="en-IN"/>
           </a:p>
@@ -781,7 +782,7 @@
           <a:p>
             <a:fld id="{B0AAE9EB-4E09-49F4-B23B-25A5BA76B78B}" type="datetimeFigureOut">
               <a:rPr lang="en-IN" smtClean="0"/>
-              <a:t>19-04-2024</a:t>
+              <a:t>20-04-2024</a:t>
             </a:fld>
             <a:endParaRPr lang="en-IN"/>
           </a:p>
@@ -981,7 +982,7 @@
           <a:p>
             <a:fld id="{B0AAE9EB-4E09-49F4-B23B-25A5BA76B78B}" type="datetimeFigureOut">
               <a:rPr lang="en-IN" smtClean="0"/>
-              <a:t>19-04-2024</a:t>
+              <a:t>20-04-2024</a:t>
             </a:fld>
             <a:endParaRPr lang="en-IN"/>
           </a:p>
@@ -1257,7 +1258,7 @@
           <a:p>
             <a:fld id="{B0AAE9EB-4E09-49F4-B23B-25A5BA76B78B}" type="datetimeFigureOut">
               <a:rPr lang="en-IN" smtClean="0"/>
-              <a:t>19-04-2024</a:t>
+              <a:t>20-04-2024</a:t>
             </a:fld>
             <a:endParaRPr lang="en-IN"/>
           </a:p>
@@ -1525,7 +1526,7 @@
           <a:p>
             <a:fld id="{B0AAE9EB-4E09-49F4-B23B-25A5BA76B78B}" type="datetimeFigureOut">
               <a:rPr lang="en-IN" smtClean="0"/>
-              <a:t>19-04-2024</a:t>
+              <a:t>20-04-2024</a:t>
             </a:fld>
             <a:endParaRPr lang="en-IN"/>
           </a:p>
@@ -1940,7 +1941,7 @@
           <a:p>
             <a:fld id="{B0AAE9EB-4E09-49F4-B23B-25A5BA76B78B}" type="datetimeFigureOut">
               <a:rPr lang="en-IN" smtClean="0"/>
-              <a:t>19-04-2024</a:t>
+              <a:t>20-04-2024</a:t>
             </a:fld>
             <a:endParaRPr lang="en-IN"/>
           </a:p>
@@ -2082,7 +2083,7 @@
           <a:p>
             <a:fld id="{B0AAE9EB-4E09-49F4-B23B-25A5BA76B78B}" type="datetimeFigureOut">
               <a:rPr lang="en-IN" smtClean="0"/>
-              <a:t>19-04-2024</a:t>
+              <a:t>20-04-2024</a:t>
             </a:fld>
             <a:endParaRPr lang="en-IN"/>
           </a:p>
@@ -2195,7 +2196,7 @@
           <a:p>
             <a:fld id="{B0AAE9EB-4E09-49F4-B23B-25A5BA76B78B}" type="datetimeFigureOut">
               <a:rPr lang="en-IN" smtClean="0"/>
-              <a:t>19-04-2024</a:t>
+              <a:t>20-04-2024</a:t>
             </a:fld>
             <a:endParaRPr lang="en-IN"/>
           </a:p>
@@ -2508,7 +2509,7 @@
           <a:p>
             <a:fld id="{B0AAE9EB-4E09-49F4-B23B-25A5BA76B78B}" type="datetimeFigureOut">
               <a:rPr lang="en-IN" smtClean="0"/>
-              <a:t>19-04-2024</a:t>
+              <a:t>20-04-2024</a:t>
             </a:fld>
             <a:endParaRPr lang="en-IN"/>
           </a:p>
@@ -2797,7 +2798,7 @@
           <a:p>
             <a:fld id="{B0AAE9EB-4E09-49F4-B23B-25A5BA76B78B}" type="datetimeFigureOut">
               <a:rPr lang="en-IN" smtClean="0"/>
-              <a:t>19-04-2024</a:t>
+              <a:t>20-04-2024</a:t>
             </a:fld>
             <a:endParaRPr lang="en-IN"/>
           </a:p>
@@ -3040,7 +3041,7 @@
           <a:p>
             <a:fld id="{B0AAE9EB-4E09-49F4-B23B-25A5BA76B78B}" type="datetimeFigureOut">
               <a:rPr lang="en-IN" smtClean="0"/>
-              <a:t>19-04-2024</a:t>
+              <a:t>20-04-2024</a:t>
             </a:fld>
             <a:endParaRPr lang="en-IN"/>
           </a:p>
@@ -5396,10 +5397,137 @@
           <a:chExt cx="0" cy="0"/>
         </a:xfrm>
       </p:grpSpPr>
+      <p:pic>
+        <p:nvPicPr>
+          <p:cNvPr id="1026" name="Picture 2" descr="PlantUML Diagram">
+            <a:extLst>
+              <a:ext uri="{FF2B5EF4-FFF2-40B4-BE49-F238E27FC236}">
+                <a16:creationId xmlns:a16="http://schemas.microsoft.com/office/drawing/2014/main" id="{C989C440-58CE-DD77-1CA1-F89E98EF6FC5}"/>
+              </a:ext>
+            </a:extLst>
+          </p:cNvPr>
+          <p:cNvPicPr>
+            <a:picLocks noChangeAspect="1" noChangeArrowheads="1"/>
+          </p:cNvPicPr>
+          <p:nvPr/>
+        </p:nvPicPr>
+        <p:blipFill>
+          <a:blip r:embed="rId2">
+            <a:extLst>
+              <a:ext uri="{28A0092B-C50C-407E-A947-70E740481C1C}">
+                <a14:useLocalDpi xmlns:a14="http://schemas.microsoft.com/office/drawing/2010/main" val="0"/>
+              </a:ext>
+            </a:extLst>
+          </a:blip>
+          <a:srcRect/>
+          <a:stretch>
+            <a:fillRect/>
+          </a:stretch>
+        </p:blipFill>
+        <p:spPr bwMode="auto">
+          <a:xfrm>
+            <a:off x="2371725" y="942975"/>
+            <a:ext cx="7448550" cy="4972050"/>
+          </a:xfrm>
+          <a:prstGeom prst="rect">
+            <a:avLst/>
+          </a:prstGeom>
+          <a:noFill/>
+          <a:ln>
+            <a:solidFill>
+              <a:schemeClr val="accent1"/>
+            </a:solidFill>
+          </a:ln>
+          <a:extLst>
+            <a:ext uri="{909E8E84-426E-40DD-AFC4-6F175D3DCCD1}">
+              <a14:hiddenFill xmlns:a14="http://schemas.microsoft.com/office/drawing/2010/main">
+                <a:solidFill>
+                  <a:srgbClr val="FFFFFF"/>
+                </a:solidFill>
+              </a14:hiddenFill>
+            </a:ext>
+          </a:extLst>
+        </p:spPr>
+      </p:pic>
     </p:spTree>
     <p:extLst>
       <p:ext uri="{BB962C8B-B14F-4D97-AF65-F5344CB8AC3E}">
         <p14:creationId xmlns:p14="http://schemas.microsoft.com/office/powerpoint/2010/main" val="1422875024"/>
+      </p:ext>
+    </p:extLst>
+  </p:cSld>
+  <p:clrMapOvr>
+    <a:masterClrMapping/>
+  </p:clrMapOvr>
+</p:sld>
+</file>
+
+<file path=ppt/slides/slide17.xml><?xml version="1.0" encoding="utf-8"?>
+<p:sld xmlns:a="http://schemas.openxmlformats.org/drawingml/2006/main" xmlns:r="http://schemas.openxmlformats.org/officeDocument/2006/relationships" xmlns:p="http://schemas.openxmlformats.org/presentationml/2006/main">
+  <p:cSld>
+    <p:spTree>
+      <p:nvGrpSpPr>
+        <p:cNvPr id="1" name=""/>
+        <p:cNvGrpSpPr/>
+        <p:nvPr/>
+      </p:nvGrpSpPr>
+      <p:grpSpPr>
+        <a:xfrm>
+          <a:off x="0" y="0"/>
+          <a:ext cx="0" cy="0"/>
+          <a:chOff x="0" y="0"/>
+          <a:chExt cx="0" cy="0"/>
+        </a:xfrm>
+      </p:grpSpPr>
+      <p:pic>
+        <p:nvPicPr>
+          <p:cNvPr id="2050" name="Picture 2" descr="PlantUML Diagram">
+            <a:extLst>
+              <a:ext uri="{FF2B5EF4-FFF2-40B4-BE49-F238E27FC236}">
+                <a16:creationId xmlns:a16="http://schemas.microsoft.com/office/drawing/2014/main" id="{E9123F90-2300-8498-AFD2-985C048E4FA1}"/>
+              </a:ext>
+            </a:extLst>
+          </p:cNvPr>
+          <p:cNvPicPr>
+            <a:picLocks noChangeAspect="1" noChangeArrowheads="1"/>
+          </p:cNvPicPr>
+          <p:nvPr/>
+        </p:nvPicPr>
+        <p:blipFill rotWithShape="1">
+          <a:blip r:embed="rId2">
+            <a:extLst>
+              <a:ext uri="{28A0092B-C50C-407E-A947-70E740481C1C}">
+                <a14:useLocalDpi xmlns:a14="http://schemas.microsoft.com/office/drawing/2010/main" val="0"/>
+              </a:ext>
+            </a:extLst>
+          </a:blip>
+          <a:srcRect l="-3807" t="-4829" r="-3807" b="-4829"/>
+          <a:stretch/>
+        </p:blipFill>
+        <p:spPr bwMode="auto">
+          <a:xfrm>
+            <a:off x="2088107" y="702860"/>
+            <a:ext cx="8015786" cy="5452280"/>
+          </a:xfrm>
+          <a:prstGeom prst="rect">
+            <a:avLst/>
+          </a:prstGeom>
+          <a:noFill/>
+          <a:extLst>
+            <a:ext uri="{909E8E84-426E-40DD-AFC4-6F175D3DCCD1}">
+              <a14:hiddenFill xmlns:a14="http://schemas.microsoft.com/office/drawing/2010/main">
+                <a:solidFill>
+                  <a:srgbClr val="FFFFFF"/>
+                </a:solidFill>
+              </a14:hiddenFill>
+            </a:ext>
+          </a:extLst>
+        </p:spPr>
+      </p:pic>
+    </p:spTree>
+    <p:extLst>
+      <p:ext uri="{BB962C8B-B14F-4D97-AF65-F5344CB8AC3E}">
+        <p14:creationId xmlns:p14="http://schemas.microsoft.com/office/powerpoint/2010/main" val="1564786498"/>
       </p:ext>
     </p:extLst>
   </p:cSld>

--- a/SRS.pptx
+++ b/SRS.pptx
@@ -372,7 +372,7 @@
           <a:p>
             <a:fld id="{B0AAE9EB-4E09-49F4-B23B-25A5BA76B78B}" type="datetimeFigureOut">
               <a:rPr lang="en-IN" smtClean="0"/>
-              <a:t>20-04-2024</a:t>
+              <a:t>27-04-2024</a:t>
             </a:fld>
             <a:endParaRPr lang="en-IN"/>
           </a:p>
@@ -572,7 +572,7 @@
           <a:p>
             <a:fld id="{B0AAE9EB-4E09-49F4-B23B-25A5BA76B78B}" type="datetimeFigureOut">
               <a:rPr lang="en-IN" smtClean="0"/>
-              <a:t>20-04-2024</a:t>
+              <a:t>27-04-2024</a:t>
             </a:fld>
             <a:endParaRPr lang="en-IN"/>
           </a:p>
@@ -782,7 +782,7 @@
           <a:p>
             <a:fld id="{B0AAE9EB-4E09-49F4-B23B-25A5BA76B78B}" type="datetimeFigureOut">
               <a:rPr lang="en-IN" smtClean="0"/>
-              <a:t>20-04-2024</a:t>
+              <a:t>27-04-2024</a:t>
             </a:fld>
             <a:endParaRPr lang="en-IN"/>
           </a:p>
@@ -982,7 +982,7 @@
           <a:p>
             <a:fld id="{B0AAE9EB-4E09-49F4-B23B-25A5BA76B78B}" type="datetimeFigureOut">
               <a:rPr lang="en-IN" smtClean="0"/>
-              <a:t>20-04-2024</a:t>
+              <a:t>27-04-2024</a:t>
             </a:fld>
             <a:endParaRPr lang="en-IN"/>
           </a:p>
@@ -1258,7 +1258,7 @@
           <a:p>
             <a:fld id="{B0AAE9EB-4E09-49F4-B23B-25A5BA76B78B}" type="datetimeFigureOut">
               <a:rPr lang="en-IN" smtClean="0"/>
-              <a:t>20-04-2024</a:t>
+              <a:t>27-04-2024</a:t>
             </a:fld>
             <a:endParaRPr lang="en-IN"/>
           </a:p>
@@ -1526,7 +1526,7 @@
           <a:p>
             <a:fld id="{B0AAE9EB-4E09-49F4-B23B-25A5BA76B78B}" type="datetimeFigureOut">
               <a:rPr lang="en-IN" smtClean="0"/>
-              <a:t>20-04-2024</a:t>
+              <a:t>27-04-2024</a:t>
             </a:fld>
             <a:endParaRPr lang="en-IN"/>
           </a:p>
@@ -1941,7 +1941,7 @@
           <a:p>
             <a:fld id="{B0AAE9EB-4E09-49F4-B23B-25A5BA76B78B}" type="datetimeFigureOut">
               <a:rPr lang="en-IN" smtClean="0"/>
-              <a:t>20-04-2024</a:t>
+              <a:t>27-04-2024</a:t>
             </a:fld>
             <a:endParaRPr lang="en-IN"/>
           </a:p>
@@ -2083,7 +2083,7 @@
           <a:p>
             <a:fld id="{B0AAE9EB-4E09-49F4-B23B-25A5BA76B78B}" type="datetimeFigureOut">
               <a:rPr lang="en-IN" smtClean="0"/>
-              <a:t>20-04-2024</a:t>
+              <a:t>27-04-2024</a:t>
             </a:fld>
             <a:endParaRPr lang="en-IN"/>
           </a:p>
@@ -2196,7 +2196,7 @@
           <a:p>
             <a:fld id="{B0AAE9EB-4E09-49F4-B23B-25A5BA76B78B}" type="datetimeFigureOut">
               <a:rPr lang="en-IN" smtClean="0"/>
-              <a:t>20-04-2024</a:t>
+              <a:t>27-04-2024</a:t>
             </a:fld>
             <a:endParaRPr lang="en-IN"/>
           </a:p>
@@ -2509,7 +2509,7 @@
           <a:p>
             <a:fld id="{B0AAE9EB-4E09-49F4-B23B-25A5BA76B78B}" type="datetimeFigureOut">
               <a:rPr lang="en-IN" smtClean="0"/>
-              <a:t>20-04-2024</a:t>
+              <a:t>27-04-2024</a:t>
             </a:fld>
             <a:endParaRPr lang="en-IN"/>
           </a:p>
@@ -2798,7 +2798,7 @@
           <a:p>
             <a:fld id="{B0AAE9EB-4E09-49F4-B23B-25A5BA76B78B}" type="datetimeFigureOut">
               <a:rPr lang="en-IN" smtClean="0"/>
-              <a:t>20-04-2024</a:t>
+              <a:t>27-04-2024</a:t>
             </a:fld>
             <a:endParaRPr lang="en-IN"/>
           </a:p>
@@ -3041,7 +3041,7 @@
           <a:p>
             <a:fld id="{B0AAE9EB-4E09-49F4-B23B-25A5BA76B78B}" type="datetimeFigureOut">
               <a:rPr lang="en-IN" smtClean="0"/>
-              <a:t>20-04-2024</a:t>
+              <a:t>27-04-2024</a:t>
             </a:fld>
             <a:endParaRPr lang="en-IN"/>
           </a:p>
@@ -6940,7 +6940,11 @@
           <a:solidFill>
             <a:schemeClr val="bg1"/>
           </a:solidFill>
-          <a:ln w="28575"/>
+          <a:ln w="38100">
+            <a:solidFill>
+              <a:schemeClr val="tx1"/>
+            </a:solidFill>
+          </a:ln>
         </p:spPr>
         <p:style>
           <a:lnRef idx="2">
@@ -7002,6 +7006,11 @@
           <a:solidFill>
             <a:schemeClr val="bg1"/>
           </a:solidFill>
+          <a:ln w="38100">
+            <a:solidFill>
+              <a:schemeClr val="tx1"/>
+            </a:solidFill>
+          </a:ln>
         </p:spPr>
         <p:style>
           <a:lnRef idx="2">
@@ -7063,6 +7072,11 @@
           <a:solidFill>
             <a:schemeClr val="bg1"/>
           </a:solidFill>
+          <a:ln w="38100">
+            <a:solidFill>
+              <a:schemeClr val="tx1"/>
+            </a:solidFill>
+          </a:ln>
         </p:spPr>
         <p:style>
           <a:lnRef idx="2">
@@ -7126,7 +7140,11 @@
           <a:solidFill>
             <a:schemeClr val="bg1"/>
           </a:solidFill>
-          <a:ln w="28575"/>
+          <a:ln w="38100">
+            <a:solidFill>
+              <a:schemeClr val="tx1"/>
+            </a:solidFill>
+          </a:ln>
         </p:spPr>
         <p:style>
           <a:lnRef idx="2">
@@ -7190,6 +7208,11 @@
           <a:solidFill>
             <a:schemeClr val="bg1"/>
           </a:solidFill>
+          <a:ln w="38100">
+            <a:solidFill>
+              <a:schemeClr val="tx1"/>
+            </a:solidFill>
+          </a:ln>
         </p:spPr>
         <p:style>
           <a:lnRef idx="2">
@@ -7253,6 +7276,11 @@
           <a:solidFill>
             <a:schemeClr val="bg1"/>
           </a:solidFill>
+          <a:ln w="38100">
+            <a:solidFill>
+              <a:schemeClr val="tx1"/>
+            </a:solidFill>
+          </a:ln>
         </p:spPr>
         <p:style>
           <a:lnRef idx="2">
@@ -7314,6 +7342,11 @@
           <a:solidFill>
             <a:schemeClr val="bg1"/>
           </a:solidFill>
+          <a:ln w="38100">
+            <a:solidFill>
+              <a:schemeClr val="tx1"/>
+            </a:solidFill>
+          </a:ln>
         </p:spPr>
         <p:style>
           <a:lnRef idx="2">
@@ -7375,6 +7408,11 @@
           <a:solidFill>
             <a:schemeClr val="bg1"/>
           </a:solidFill>
+          <a:ln w="38100">
+            <a:solidFill>
+              <a:schemeClr val="tx1"/>
+            </a:solidFill>
+          </a:ln>
         </p:spPr>
         <p:style>
           <a:lnRef idx="2">
@@ -7431,6 +7469,11 @@
           <a:solidFill>
             <a:schemeClr val="bg1"/>
           </a:solidFill>
+          <a:ln w="38100">
+            <a:solidFill>
+              <a:schemeClr val="tx1"/>
+            </a:solidFill>
+          </a:ln>
         </p:spPr>
         <p:style>
           <a:lnRef idx="2">
@@ -7492,6 +7535,11 @@
           <a:solidFill>
             <a:schemeClr val="bg1"/>
           </a:solidFill>
+          <a:ln w="38100">
+            <a:solidFill>
+              <a:schemeClr val="tx1"/>
+            </a:solidFill>
+          </a:ln>
         </p:spPr>
         <p:style>
           <a:lnRef idx="2">
@@ -7556,7 +7604,7 @@
           </a:prstGeom>
           <a:ln w="38100">
             <a:solidFill>
-              <a:srgbClr val="DBB986"/>
+              <a:schemeClr val="tx1"/>
             </a:solidFill>
             <a:tailEnd type="triangle"/>
           </a:ln>
@@ -7601,7 +7649,7 @@
           </a:prstGeom>
           <a:ln w="38100">
             <a:solidFill>
-              <a:srgbClr val="DBB986"/>
+              <a:schemeClr val="tx1"/>
             </a:solidFill>
             <a:tailEnd type="triangle"/>
           </a:ln>
@@ -7647,7 +7695,7 @@
           </a:prstGeom>
           <a:ln w="38100">
             <a:solidFill>
-              <a:srgbClr val="DBB986"/>
+              <a:schemeClr val="tx1"/>
             </a:solidFill>
             <a:tailEnd type="triangle"/>
           </a:ln>
@@ -7692,7 +7740,7 @@
           </a:prstGeom>
           <a:ln w="38100">
             <a:solidFill>
-              <a:srgbClr val="DBB986"/>
+              <a:schemeClr val="tx1"/>
             </a:solidFill>
             <a:tailEnd type="triangle"/>
           </a:ln>
@@ -7740,7 +7788,7 @@
           </a:prstGeom>
           <a:ln w="38100">
             <a:solidFill>
-              <a:srgbClr val="DBB986"/>
+              <a:schemeClr val="tx1"/>
             </a:solidFill>
             <a:tailEnd type="triangle"/>
           </a:ln>
@@ -7786,7 +7834,7 @@
           </a:prstGeom>
           <a:ln w="38100">
             <a:solidFill>
-              <a:srgbClr val="DBB986"/>
+              <a:schemeClr val="tx1"/>
             </a:solidFill>
             <a:tailEnd type="triangle"/>
           </a:ln>
@@ -7832,7 +7880,7 @@
           </a:prstGeom>
           <a:ln w="38100">
             <a:solidFill>
-              <a:srgbClr val="DBB986"/>
+              <a:schemeClr val="tx1"/>
             </a:solidFill>
             <a:tailEnd type="triangle"/>
           </a:ln>
@@ -7877,7 +7925,7 @@
           </a:prstGeom>
           <a:ln w="38100">
             <a:solidFill>
-              <a:srgbClr val="DBB986"/>
+              <a:schemeClr val="tx1"/>
             </a:solidFill>
             <a:tailEnd type="triangle"/>
           </a:ln>
@@ -7918,6 +7966,9 @@
             <a:avLst/>
           </a:prstGeom>
           <a:noFill/>
+          <a:ln w="38100">
+            <a:noFill/>
+          </a:ln>
         </p:spPr>
         <p:txBody>
           <a:bodyPr wrap="none" rtlCol="0">
@@ -7932,74 +7983,6 @@
             <a:endParaRPr lang="en-IN" sz="1600" dirty="0"/>
           </a:p>
         </p:txBody>
-      </p:sp>
-      <p:sp>
-        <p:nvSpPr>
-          <p:cNvPr id="2" name="Google Shape;134;p25">
-            <a:extLst>
-              <a:ext uri="{FF2B5EF4-FFF2-40B4-BE49-F238E27FC236}">
-                <a16:creationId xmlns:a16="http://schemas.microsoft.com/office/drawing/2014/main" id="{947822C2-FC58-E79A-A1A2-623D4DE4C1D9}"/>
-              </a:ext>
-            </a:extLst>
-          </p:cNvPr>
-          <p:cNvSpPr/>
-          <p:nvPr/>
-        </p:nvSpPr>
-        <p:spPr>
-          <a:xfrm>
-            <a:off x="262614" y="244907"/>
-            <a:ext cx="10143929" cy="7054210"/>
-          </a:xfrm>
-          <a:custGeom>
-            <a:avLst/>
-            <a:gdLst/>
-            <a:ahLst/>
-            <a:cxnLst/>
-            <a:rect l="l" t="t" r="r" b="b"/>
-            <a:pathLst>
-              <a:path w="18960615" h="13185439" extrusionOk="0">
-                <a:moveTo>
-                  <a:pt x="0" y="0"/>
-                </a:moveTo>
-                <a:lnTo>
-                  <a:pt x="0" y="13185439"/>
-                </a:lnTo>
-                <a:lnTo>
-                  <a:pt x="18960615" y="13185439"/>
-                </a:lnTo>
-                <a:lnTo>
-                  <a:pt x="18960615" y="0"/>
-                </a:lnTo>
-                <a:lnTo>
-                  <a:pt x="0" y="0"/>
-                </a:lnTo>
-                <a:close/>
-                <a:moveTo>
-                  <a:pt x="18899654" y="13124480"/>
-                </a:moveTo>
-                <a:lnTo>
-                  <a:pt x="59690" y="13124480"/>
-                </a:lnTo>
-                <a:lnTo>
-                  <a:pt x="59690" y="59690"/>
-                </a:lnTo>
-                <a:lnTo>
-                  <a:pt x="18899654" y="59690"/>
-                </a:lnTo>
-                <a:lnTo>
-                  <a:pt x="18899654" y="13124480"/>
-                </a:lnTo>
-                <a:close/>
-              </a:path>
-            </a:pathLst>
-          </a:custGeom>
-          <a:solidFill>
-            <a:srgbClr val="DBB986"/>
-          </a:solidFill>
-          <a:ln>
-            <a:noFill/>
-          </a:ln>
-        </p:spPr>
       </p:sp>
       <p:cxnSp>
         <p:nvCxnSpPr>
@@ -8029,7 +8012,7 @@
           </a:prstGeom>
           <a:ln w="38100">
             <a:solidFill>
-              <a:srgbClr val="DBB986"/>
+              <a:schemeClr val="tx1"/>
             </a:solidFill>
             <a:tailEnd type="triangle"/>
           </a:ln>
@@ -8072,6 +8055,11 @@
           <a:solidFill>
             <a:schemeClr val="bg1"/>
           </a:solidFill>
+          <a:ln w="38100">
+            <a:solidFill>
+              <a:schemeClr val="tx1"/>
+            </a:solidFill>
+          </a:ln>
         </p:spPr>
         <p:style>
           <a:lnRef idx="2">
@@ -8146,7 +8134,7 @@
           </a:prstGeom>
           <a:ln w="38100">
             <a:solidFill>
-              <a:srgbClr val="DBB986"/>
+              <a:schemeClr val="tx1"/>
             </a:solidFill>
             <a:tailEnd type="triangle"/>
           </a:ln>
@@ -8192,7 +8180,7 @@
           </a:prstGeom>
           <a:ln w="38100">
             <a:solidFill>
-              <a:srgbClr val="DBB986"/>
+              <a:schemeClr val="tx1"/>
             </a:solidFill>
             <a:prstDash val="sysDash"/>
             <a:tailEnd type="triangle"/>
@@ -8240,7 +8228,7 @@
           </a:prstGeom>
           <a:ln w="38100">
             <a:solidFill>
-              <a:srgbClr val="DBB986"/>
+              <a:schemeClr val="tx1"/>
             </a:solidFill>
             <a:tailEnd type="triangle"/>
           </a:ln>
@@ -8281,6 +8269,9 @@
             <a:avLst/>
           </a:prstGeom>
           <a:noFill/>
+          <a:ln w="38100">
+            <a:noFill/>
+          </a:ln>
         </p:spPr>
         <p:txBody>
           <a:bodyPr wrap="none" rtlCol="0">
@@ -8317,6 +8308,9 @@
             <a:avLst/>
           </a:prstGeom>
           <a:noFill/>
+          <a:ln w="38100">
+            <a:noFill/>
+          </a:ln>
         </p:spPr>
         <p:txBody>
           <a:bodyPr wrap="none" rtlCol="0">
@@ -8364,10 +8358,10 @@
       </p:grpSpPr>
       <p:pic>
         <p:nvPicPr>
-          <p:cNvPr id="3" name="Picture 2">
-            <a:extLst>
-              <a:ext uri="{FF2B5EF4-FFF2-40B4-BE49-F238E27FC236}">
-                <a16:creationId xmlns:a16="http://schemas.microsoft.com/office/drawing/2014/main" id="{B1B27ABC-2E90-A508-BC3E-838B850A6324}"/>
+          <p:cNvPr id="4" name="Picture 3">
+            <a:extLst>
+              <a:ext uri="{FF2B5EF4-FFF2-40B4-BE49-F238E27FC236}">
+                <a16:creationId xmlns:a16="http://schemas.microsoft.com/office/drawing/2014/main" id="{10358D41-5345-C396-403C-F08A2B901ACD}"/>
               </a:ext>
             </a:extLst>
           </p:cNvPr>
@@ -8384,8 +8378,8 @@
         </p:blipFill>
         <p:spPr>
           <a:xfrm>
-            <a:off x="471476" y="846160"/>
-            <a:ext cx="3401881" cy="1727837"/>
+            <a:off x="1" y="185738"/>
+            <a:ext cx="4129088" cy="2174346"/>
           </a:xfrm>
           <a:prstGeom prst="rect">
             <a:avLst/>
@@ -8394,10 +8388,10 @@
       </p:pic>
       <p:pic>
         <p:nvPicPr>
-          <p:cNvPr id="4" name="Picture 3">
-            <a:extLst>
-              <a:ext uri="{FF2B5EF4-FFF2-40B4-BE49-F238E27FC236}">
-                <a16:creationId xmlns:a16="http://schemas.microsoft.com/office/drawing/2014/main" id="{10358D41-5345-C396-403C-F08A2B901ACD}"/>
+          <p:cNvPr id="2" name="Picture 1">
+            <a:extLst>
+              <a:ext uri="{FF2B5EF4-FFF2-40B4-BE49-F238E27FC236}">
+                <a16:creationId xmlns:a16="http://schemas.microsoft.com/office/drawing/2014/main" id="{6ECBCD15-1DEE-0D86-EE5A-86B0729CB0EB}"/>
               </a:ext>
             </a:extLst>
           </p:cNvPr>
@@ -8414,8 +8408,8 @@
         </p:blipFill>
         <p:spPr>
           <a:xfrm>
-            <a:off x="3132168" y="1122424"/>
-            <a:ext cx="9285013" cy="4889416"/>
+            <a:off x="1444349" y="978195"/>
+            <a:ext cx="9303302" cy="4901609"/>
           </a:xfrm>
           <a:prstGeom prst="rect">
             <a:avLst/>

--- a/SRS.pptx
+++ b/SRS.pptx
@@ -22,6 +22,9 @@
     <p:sldId id="271" r:id="rId16"/>
     <p:sldId id="272" r:id="rId17"/>
     <p:sldId id="273" r:id="rId18"/>
+    <p:sldId id="274" r:id="rId19"/>
+    <p:sldId id="259" r:id="rId20"/>
+    <p:sldId id="275" r:id="rId21"/>
   </p:sldIdLst>
   <p:sldSz cx="12192000" cy="6858000"/>
   <p:notesSz cx="6858000" cy="9144000"/>
@@ -372,7 +375,7 @@
           <a:p>
             <a:fld id="{B0AAE9EB-4E09-49F4-B23B-25A5BA76B78B}" type="datetimeFigureOut">
               <a:rPr lang="en-IN" smtClean="0"/>
-              <a:t>27-04-2024</a:t>
+              <a:t>02-05-2024</a:t>
             </a:fld>
             <a:endParaRPr lang="en-IN"/>
           </a:p>
@@ -572,7 +575,7 @@
           <a:p>
             <a:fld id="{B0AAE9EB-4E09-49F4-B23B-25A5BA76B78B}" type="datetimeFigureOut">
               <a:rPr lang="en-IN" smtClean="0"/>
-              <a:t>27-04-2024</a:t>
+              <a:t>02-05-2024</a:t>
             </a:fld>
             <a:endParaRPr lang="en-IN"/>
           </a:p>
@@ -782,7 +785,7 @@
           <a:p>
             <a:fld id="{B0AAE9EB-4E09-49F4-B23B-25A5BA76B78B}" type="datetimeFigureOut">
               <a:rPr lang="en-IN" smtClean="0"/>
-              <a:t>27-04-2024</a:t>
+              <a:t>02-05-2024</a:t>
             </a:fld>
             <a:endParaRPr lang="en-IN"/>
           </a:p>
@@ -982,7 +985,7 @@
           <a:p>
             <a:fld id="{B0AAE9EB-4E09-49F4-B23B-25A5BA76B78B}" type="datetimeFigureOut">
               <a:rPr lang="en-IN" smtClean="0"/>
-              <a:t>27-04-2024</a:t>
+              <a:t>02-05-2024</a:t>
             </a:fld>
             <a:endParaRPr lang="en-IN"/>
           </a:p>
@@ -1258,7 +1261,7 @@
           <a:p>
             <a:fld id="{B0AAE9EB-4E09-49F4-B23B-25A5BA76B78B}" type="datetimeFigureOut">
               <a:rPr lang="en-IN" smtClean="0"/>
-              <a:t>27-04-2024</a:t>
+              <a:t>02-05-2024</a:t>
             </a:fld>
             <a:endParaRPr lang="en-IN"/>
           </a:p>
@@ -1526,7 +1529,7 @@
           <a:p>
             <a:fld id="{B0AAE9EB-4E09-49F4-B23B-25A5BA76B78B}" type="datetimeFigureOut">
               <a:rPr lang="en-IN" smtClean="0"/>
-              <a:t>27-04-2024</a:t>
+              <a:t>02-05-2024</a:t>
             </a:fld>
             <a:endParaRPr lang="en-IN"/>
           </a:p>
@@ -1941,7 +1944,7 @@
           <a:p>
             <a:fld id="{B0AAE9EB-4E09-49F4-B23B-25A5BA76B78B}" type="datetimeFigureOut">
               <a:rPr lang="en-IN" smtClean="0"/>
-              <a:t>27-04-2024</a:t>
+              <a:t>02-05-2024</a:t>
             </a:fld>
             <a:endParaRPr lang="en-IN"/>
           </a:p>
@@ -2083,7 +2086,7 @@
           <a:p>
             <a:fld id="{B0AAE9EB-4E09-49F4-B23B-25A5BA76B78B}" type="datetimeFigureOut">
               <a:rPr lang="en-IN" smtClean="0"/>
-              <a:t>27-04-2024</a:t>
+              <a:t>02-05-2024</a:t>
             </a:fld>
             <a:endParaRPr lang="en-IN"/>
           </a:p>
@@ -2196,7 +2199,7 @@
           <a:p>
             <a:fld id="{B0AAE9EB-4E09-49F4-B23B-25A5BA76B78B}" type="datetimeFigureOut">
               <a:rPr lang="en-IN" smtClean="0"/>
-              <a:t>27-04-2024</a:t>
+              <a:t>02-05-2024</a:t>
             </a:fld>
             <a:endParaRPr lang="en-IN"/>
           </a:p>
@@ -2509,7 +2512,7 @@
           <a:p>
             <a:fld id="{B0AAE9EB-4E09-49F4-B23B-25A5BA76B78B}" type="datetimeFigureOut">
               <a:rPr lang="en-IN" smtClean="0"/>
-              <a:t>27-04-2024</a:t>
+              <a:t>02-05-2024</a:t>
             </a:fld>
             <a:endParaRPr lang="en-IN"/>
           </a:p>
@@ -2798,7 +2801,7 @@
           <a:p>
             <a:fld id="{B0AAE9EB-4E09-49F4-B23B-25A5BA76B78B}" type="datetimeFigureOut">
               <a:rPr lang="en-IN" smtClean="0"/>
-              <a:t>27-04-2024</a:t>
+              <a:t>02-05-2024</a:t>
             </a:fld>
             <a:endParaRPr lang="en-IN"/>
           </a:p>
@@ -3041,7 +3044,7 @@
           <a:p>
             <a:fld id="{B0AAE9EB-4E09-49F4-B23B-25A5BA76B78B}" type="datetimeFigureOut">
               <a:rPr lang="en-IN" smtClean="0"/>
-              <a:t>27-04-2024</a:t>
+              <a:t>02-05-2024</a:t>
             </a:fld>
             <a:endParaRPr lang="en-IN"/>
           </a:p>
@@ -5537,6 +5540,576 @@
 </p:sld>
 </file>
 
+<file path=ppt/slides/slide18.xml><?xml version="1.0" encoding="utf-8"?>
+<p:sld xmlns:a="http://schemas.openxmlformats.org/drawingml/2006/main" xmlns:r="http://schemas.openxmlformats.org/officeDocument/2006/relationships" xmlns:p="http://schemas.openxmlformats.org/presentationml/2006/main">
+  <p:cSld>
+    <p:bg>
+      <p:bgPr>
+        <a:solidFill>
+          <a:schemeClr val="accent4">
+            <a:lumMod val="60000"/>
+            <a:lumOff val="40000"/>
+          </a:schemeClr>
+        </a:solidFill>
+        <a:effectLst/>
+      </p:bgPr>
+    </p:bg>
+    <p:spTree>
+      <p:nvGrpSpPr>
+        <p:cNvPr id="1" name=""/>
+        <p:cNvGrpSpPr/>
+        <p:nvPr/>
+      </p:nvGrpSpPr>
+      <p:grpSpPr>
+        <a:xfrm>
+          <a:off x="0" y="0"/>
+          <a:ext cx="0" cy="0"/>
+          <a:chOff x="0" y="0"/>
+          <a:chExt cx="0" cy="0"/>
+        </a:xfrm>
+      </p:grpSpPr>
+      <p:pic>
+        <p:nvPicPr>
+          <p:cNvPr id="5" name="Picture 4">
+            <a:extLst>
+              <a:ext uri="{FF2B5EF4-FFF2-40B4-BE49-F238E27FC236}">
+                <a16:creationId xmlns:a16="http://schemas.microsoft.com/office/drawing/2014/main" id="{1D538DC2-2D08-AD33-159E-01F84DEE1098}"/>
+              </a:ext>
+            </a:extLst>
+          </p:cNvPr>
+          <p:cNvPicPr>
+            <a:picLocks noChangeAspect="1"/>
+          </p:cNvPicPr>
+          <p:nvPr/>
+        </p:nvPicPr>
+        <p:blipFill>
+          <a:blip r:embed="rId2">
+            <a:extLst>
+              <a:ext uri="{28A0092B-C50C-407E-A947-70E740481C1C}">
+                <a14:useLocalDpi xmlns:a14="http://schemas.microsoft.com/office/drawing/2010/main" val="0"/>
+              </a:ext>
+            </a:extLst>
+          </a:blip>
+          <a:stretch>
+            <a:fillRect/>
+          </a:stretch>
+        </p:blipFill>
+        <p:spPr>
+          <a:xfrm>
+            <a:off x="1155027" y="2001365"/>
+            <a:ext cx="4422812" cy="4422812"/>
+          </a:xfrm>
+          <a:prstGeom prst="rect">
+            <a:avLst/>
+          </a:prstGeom>
+        </p:spPr>
+      </p:pic>
+      <p:grpSp>
+        <p:nvGrpSpPr>
+          <p:cNvPr id="12" name="Group 11">
+            <a:extLst>
+              <a:ext uri="{FF2B5EF4-FFF2-40B4-BE49-F238E27FC236}">
+                <a16:creationId xmlns:a16="http://schemas.microsoft.com/office/drawing/2014/main" id="{D0293A72-0D98-CC4B-8660-A0CF23D52114}"/>
+              </a:ext>
+            </a:extLst>
+          </p:cNvPr>
+          <p:cNvGrpSpPr/>
+          <p:nvPr/>
+        </p:nvGrpSpPr>
+        <p:grpSpPr>
+          <a:xfrm>
+            <a:off x="2390503" y="1042280"/>
+            <a:ext cx="2037806" cy="679269"/>
+            <a:chOff x="2390503" y="1042280"/>
+            <a:chExt cx="2037806" cy="679269"/>
+          </a:xfrm>
+        </p:grpSpPr>
+        <p:cxnSp>
+          <p:nvCxnSpPr>
+            <p:cNvPr id="13" name="Straight Connector 12">
+              <a:extLst>
+                <a:ext uri="{FF2B5EF4-FFF2-40B4-BE49-F238E27FC236}">
+                  <a16:creationId xmlns:a16="http://schemas.microsoft.com/office/drawing/2014/main" id="{1200FC9E-9EDB-22DE-9352-E55899187FE7}"/>
+                </a:ext>
+              </a:extLst>
+            </p:cNvPr>
+            <p:cNvCxnSpPr/>
+            <p:nvPr/>
+          </p:nvCxnSpPr>
+          <p:spPr>
+            <a:xfrm flipH="1" flipV="1">
+              <a:off x="3553097" y="1042280"/>
+              <a:ext cx="875212" cy="679269"/>
+            </a:xfrm>
+            <a:prstGeom prst="line">
+              <a:avLst/>
+            </a:prstGeom>
+            <a:ln w="38100">
+              <a:solidFill>
+                <a:schemeClr val="bg1"/>
+              </a:solidFill>
+            </a:ln>
+          </p:spPr>
+          <p:style>
+            <a:lnRef idx="2">
+              <a:schemeClr val="accent1"/>
+            </a:lnRef>
+            <a:fillRef idx="0">
+              <a:schemeClr val="accent1"/>
+            </a:fillRef>
+            <a:effectRef idx="1">
+              <a:schemeClr val="accent1"/>
+            </a:effectRef>
+            <a:fontRef idx="minor">
+              <a:schemeClr val="tx1"/>
+            </a:fontRef>
+          </p:style>
+        </p:cxnSp>
+        <p:cxnSp>
+          <p:nvCxnSpPr>
+            <p:cNvPr id="14" name="Straight Connector 13">
+              <a:extLst>
+                <a:ext uri="{FF2B5EF4-FFF2-40B4-BE49-F238E27FC236}">
+                  <a16:creationId xmlns:a16="http://schemas.microsoft.com/office/drawing/2014/main" id="{96FDF4CA-8AF3-13E4-12DF-592246462D30}"/>
+                </a:ext>
+              </a:extLst>
+            </p:cNvPr>
+            <p:cNvCxnSpPr/>
+            <p:nvPr/>
+          </p:nvCxnSpPr>
+          <p:spPr>
+            <a:xfrm flipH="1">
+              <a:off x="2390503" y="1058091"/>
+              <a:ext cx="1188720" cy="0"/>
+            </a:xfrm>
+            <a:prstGeom prst="line">
+              <a:avLst/>
+            </a:prstGeom>
+            <a:ln w="38100">
+              <a:solidFill>
+                <a:schemeClr val="bg1"/>
+              </a:solidFill>
+            </a:ln>
+          </p:spPr>
+          <p:style>
+            <a:lnRef idx="2">
+              <a:schemeClr val="accent1"/>
+            </a:lnRef>
+            <a:fillRef idx="0">
+              <a:schemeClr val="accent1"/>
+            </a:fillRef>
+            <a:effectRef idx="1">
+              <a:schemeClr val="accent1"/>
+            </a:effectRef>
+            <a:fontRef idx="minor">
+              <a:schemeClr val="tx1"/>
+            </a:fontRef>
+          </p:style>
+        </p:cxnSp>
+      </p:grpSp>
+      <p:grpSp>
+        <p:nvGrpSpPr>
+          <p:cNvPr id="15" name="Group 14">
+            <a:extLst>
+              <a:ext uri="{FF2B5EF4-FFF2-40B4-BE49-F238E27FC236}">
+                <a16:creationId xmlns:a16="http://schemas.microsoft.com/office/drawing/2014/main" id="{FE1E4962-C957-CA20-1601-CC850377C75C}"/>
+              </a:ext>
+            </a:extLst>
+          </p:cNvPr>
+          <p:cNvGrpSpPr/>
+          <p:nvPr/>
+        </p:nvGrpSpPr>
+        <p:grpSpPr>
+          <a:xfrm flipH="1" flipV="1">
+            <a:off x="7772397" y="3900635"/>
+            <a:ext cx="3108966" cy="1583355"/>
+            <a:chOff x="1358539" y="1042280"/>
+            <a:chExt cx="3108966" cy="1583355"/>
+          </a:xfrm>
+        </p:grpSpPr>
+        <p:cxnSp>
+          <p:nvCxnSpPr>
+            <p:cNvPr id="16" name="Straight Connector 15">
+              <a:extLst>
+                <a:ext uri="{FF2B5EF4-FFF2-40B4-BE49-F238E27FC236}">
+                  <a16:creationId xmlns:a16="http://schemas.microsoft.com/office/drawing/2014/main" id="{B00B3623-138E-620B-1E92-4FC265FB8117}"/>
+                </a:ext>
+              </a:extLst>
+            </p:cNvPr>
+            <p:cNvCxnSpPr>
+              <a:cxnSpLocks/>
+            </p:cNvCxnSpPr>
+            <p:nvPr/>
+          </p:nvCxnSpPr>
+          <p:spPr>
+            <a:xfrm flipH="1" flipV="1">
+              <a:off x="3553097" y="1042280"/>
+              <a:ext cx="914408" cy="1583355"/>
+            </a:xfrm>
+            <a:prstGeom prst="line">
+              <a:avLst/>
+            </a:prstGeom>
+            <a:ln w="38100">
+              <a:solidFill>
+                <a:schemeClr val="bg1"/>
+              </a:solidFill>
+            </a:ln>
+          </p:spPr>
+          <p:style>
+            <a:lnRef idx="2">
+              <a:schemeClr val="accent1"/>
+            </a:lnRef>
+            <a:fillRef idx="0">
+              <a:schemeClr val="accent1"/>
+            </a:fillRef>
+            <a:effectRef idx="1">
+              <a:schemeClr val="accent1"/>
+            </a:effectRef>
+            <a:fontRef idx="minor">
+              <a:schemeClr val="tx1"/>
+            </a:fontRef>
+          </p:style>
+        </p:cxnSp>
+        <p:cxnSp>
+          <p:nvCxnSpPr>
+            <p:cNvPr id="17" name="Straight Connector 16">
+              <a:extLst>
+                <a:ext uri="{FF2B5EF4-FFF2-40B4-BE49-F238E27FC236}">
+                  <a16:creationId xmlns:a16="http://schemas.microsoft.com/office/drawing/2014/main" id="{7F7ED954-B588-8633-7079-57DFDFC1350D}"/>
+                </a:ext>
+              </a:extLst>
+            </p:cNvPr>
+            <p:cNvCxnSpPr>
+              <a:cxnSpLocks/>
+            </p:cNvCxnSpPr>
+            <p:nvPr/>
+          </p:nvCxnSpPr>
+          <p:spPr>
+            <a:xfrm flipH="1" flipV="1">
+              <a:off x="1358539" y="1042280"/>
+              <a:ext cx="2207621" cy="15811"/>
+            </a:xfrm>
+            <a:prstGeom prst="line">
+              <a:avLst/>
+            </a:prstGeom>
+            <a:ln w="38100">
+              <a:solidFill>
+                <a:schemeClr val="bg1"/>
+              </a:solidFill>
+            </a:ln>
+          </p:spPr>
+          <p:style>
+            <a:lnRef idx="2">
+              <a:schemeClr val="accent1"/>
+            </a:lnRef>
+            <a:fillRef idx="0">
+              <a:schemeClr val="accent1"/>
+            </a:fillRef>
+            <a:effectRef idx="1">
+              <a:schemeClr val="accent1"/>
+            </a:effectRef>
+            <a:fontRef idx="minor">
+              <a:schemeClr val="tx1"/>
+            </a:fontRef>
+          </p:style>
+        </p:cxnSp>
+      </p:grpSp>
+    </p:spTree>
+    <p:extLst>
+      <p:ext uri="{BB962C8B-B14F-4D97-AF65-F5344CB8AC3E}">
+        <p14:creationId xmlns:p14="http://schemas.microsoft.com/office/powerpoint/2010/main" val="386719016"/>
+      </p:ext>
+    </p:extLst>
+  </p:cSld>
+  <p:clrMapOvr>
+    <a:masterClrMapping/>
+  </p:clrMapOvr>
+</p:sld>
+</file>
+
+<file path=ppt/slides/slide19.xml><?xml version="1.0" encoding="utf-8"?>
+<p:sld xmlns:a="http://schemas.openxmlformats.org/drawingml/2006/main" xmlns:r="http://schemas.openxmlformats.org/officeDocument/2006/relationships" xmlns:p="http://schemas.openxmlformats.org/presentationml/2006/main">
+  <p:cSld>
+    <p:spTree>
+      <p:nvGrpSpPr>
+        <p:cNvPr id="1" name=""/>
+        <p:cNvGrpSpPr/>
+        <p:nvPr/>
+      </p:nvGrpSpPr>
+      <p:grpSpPr>
+        <a:xfrm>
+          <a:off x="0" y="0"/>
+          <a:ext cx="0" cy="0"/>
+          <a:chOff x="0" y="0"/>
+          <a:chExt cx="0" cy="0"/>
+        </a:xfrm>
+      </p:grpSpPr>
+      <p:pic>
+        <p:nvPicPr>
+          <p:cNvPr id="25" name="Picture 24">
+            <a:extLst>
+              <a:ext uri="{FF2B5EF4-FFF2-40B4-BE49-F238E27FC236}">
+                <a16:creationId xmlns:a16="http://schemas.microsoft.com/office/drawing/2014/main" id="{02CA24FE-2489-B633-A2FB-05EC33ED0859}"/>
+              </a:ext>
+            </a:extLst>
+          </p:cNvPr>
+          <p:cNvPicPr>
+            <a:picLocks noChangeAspect="1"/>
+          </p:cNvPicPr>
+          <p:nvPr/>
+        </p:nvPicPr>
+        <p:blipFill rotWithShape="1">
+          <a:blip r:embed="rId2">
+            <a:extLst>
+              <a:ext uri="{28A0092B-C50C-407E-A947-70E740481C1C}">
+                <a14:useLocalDpi xmlns:a14="http://schemas.microsoft.com/office/drawing/2010/main" val="0"/>
+              </a:ext>
+            </a:extLst>
+          </a:blip>
+          <a:srcRect t="18320" b="18320"/>
+          <a:stretch/>
+        </p:blipFill>
+        <p:spPr>
+          <a:xfrm>
+            <a:off x="2865120" y="1374010"/>
+            <a:ext cx="6461760" cy="4094170"/>
+          </a:xfrm>
+          <a:custGeom>
+            <a:avLst/>
+            <a:gdLst>
+              <a:gd name="connsiteX0" fmla="*/ 4962431 w 6461760"/>
+              <a:gd name="connsiteY0" fmla="*/ 1065988 h 4094170"/>
+              <a:gd name="connsiteX1" fmla="*/ 4937461 w 6461760"/>
+              <a:gd name="connsiteY1" fmla="*/ 1090958 h 4094170"/>
+              <a:gd name="connsiteX2" fmla="*/ 5016482 w 6461760"/>
+              <a:gd name="connsiteY2" fmla="*/ 1169978 h 4094170"/>
+              <a:gd name="connsiteX3" fmla="*/ 4937461 w 6461760"/>
+              <a:gd name="connsiteY3" fmla="*/ 1248999 h 4094170"/>
+              <a:gd name="connsiteX4" fmla="*/ 4962431 w 6461760"/>
+              <a:gd name="connsiteY4" fmla="*/ 1273968 h 4094170"/>
+              <a:gd name="connsiteX5" fmla="*/ 5041451 w 6461760"/>
+              <a:gd name="connsiteY5" fmla="*/ 1194948 h 4094170"/>
+              <a:gd name="connsiteX6" fmla="*/ 5120472 w 6461760"/>
+              <a:gd name="connsiteY6" fmla="*/ 1273968 h 4094170"/>
+              <a:gd name="connsiteX7" fmla="*/ 5145441 w 6461760"/>
+              <a:gd name="connsiteY7" fmla="*/ 1248999 h 4094170"/>
+              <a:gd name="connsiteX8" fmla="*/ 5066421 w 6461760"/>
+              <a:gd name="connsiteY8" fmla="*/ 1169978 h 4094170"/>
+              <a:gd name="connsiteX9" fmla="*/ 5145441 w 6461760"/>
+              <a:gd name="connsiteY9" fmla="*/ 1090958 h 4094170"/>
+              <a:gd name="connsiteX10" fmla="*/ 5120472 w 6461760"/>
+              <a:gd name="connsiteY10" fmla="*/ 1065988 h 4094170"/>
+              <a:gd name="connsiteX11" fmla="*/ 5041451 w 6461760"/>
+              <a:gd name="connsiteY11" fmla="*/ 1145009 h 4094170"/>
+              <a:gd name="connsiteX12" fmla="*/ 0 w 6461760"/>
+              <a:gd name="connsiteY12" fmla="*/ 0 h 4094170"/>
+              <a:gd name="connsiteX13" fmla="*/ 6461760 w 6461760"/>
+              <a:gd name="connsiteY13" fmla="*/ 0 h 4094170"/>
+              <a:gd name="connsiteX14" fmla="*/ 6461760 w 6461760"/>
+              <a:gd name="connsiteY14" fmla="*/ 4094170 h 4094170"/>
+              <a:gd name="connsiteX15" fmla="*/ 0 w 6461760"/>
+              <a:gd name="connsiteY15" fmla="*/ 4094170 h 4094170"/>
+            </a:gdLst>
+            <a:ahLst/>
+            <a:cxnLst>
+              <a:cxn ang="0">
+                <a:pos x="connsiteX0" y="connsiteY0"/>
+              </a:cxn>
+              <a:cxn ang="0">
+                <a:pos x="connsiteX1" y="connsiteY1"/>
+              </a:cxn>
+              <a:cxn ang="0">
+                <a:pos x="connsiteX2" y="connsiteY2"/>
+              </a:cxn>
+              <a:cxn ang="0">
+                <a:pos x="connsiteX3" y="connsiteY3"/>
+              </a:cxn>
+              <a:cxn ang="0">
+                <a:pos x="connsiteX4" y="connsiteY4"/>
+              </a:cxn>
+              <a:cxn ang="0">
+                <a:pos x="connsiteX5" y="connsiteY5"/>
+              </a:cxn>
+              <a:cxn ang="0">
+                <a:pos x="connsiteX6" y="connsiteY6"/>
+              </a:cxn>
+              <a:cxn ang="0">
+                <a:pos x="connsiteX7" y="connsiteY7"/>
+              </a:cxn>
+              <a:cxn ang="0">
+                <a:pos x="connsiteX8" y="connsiteY8"/>
+              </a:cxn>
+              <a:cxn ang="0">
+                <a:pos x="connsiteX9" y="connsiteY9"/>
+              </a:cxn>
+              <a:cxn ang="0">
+                <a:pos x="connsiteX10" y="connsiteY10"/>
+              </a:cxn>
+              <a:cxn ang="0">
+                <a:pos x="connsiteX11" y="connsiteY11"/>
+              </a:cxn>
+              <a:cxn ang="0">
+                <a:pos x="connsiteX12" y="connsiteY12"/>
+              </a:cxn>
+              <a:cxn ang="0">
+                <a:pos x="connsiteX13" y="connsiteY13"/>
+              </a:cxn>
+              <a:cxn ang="0">
+                <a:pos x="connsiteX14" y="connsiteY14"/>
+              </a:cxn>
+              <a:cxn ang="0">
+                <a:pos x="connsiteX15" y="connsiteY15"/>
+              </a:cxn>
+            </a:cxnLst>
+            <a:rect l="l" t="t" r="r" b="b"/>
+            <a:pathLst>
+              <a:path w="6461760" h="4094170">
+                <a:moveTo>
+                  <a:pt x="4962431" y="1065988"/>
+                </a:moveTo>
+                <a:lnTo>
+                  <a:pt x="4937461" y="1090958"/>
+                </a:lnTo>
+                <a:lnTo>
+                  <a:pt x="5016482" y="1169978"/>
+                </a:lnTo>
+                <a:lnTo>
+                  <a:pt x="4937461" y="1248999"/>
+                </a:lnTo>
+                <a:lnTo>
+                  <a:pt x="4962431" y="1273968"/>
+                </a:lnTo>
+                <a:lnTo>
+                  <a:pt x="5041451" y="1194948"/>
+                </a:lnTo>
+                <a:lnTo>
+                  <a:pt x="5120472" y="1273968"/>
+                </a:lnTo>
+                <a:lnTo>
+                  <a:pt x="5145441" y="1248999"/>
+                </a:lnTo>
+                <a:lnTo>
+                  <a:pt x="5066421" y="1169978"/>
+                </a:lnTo>
+                <a:lnTo>
+                  <a:pt x="5145441" y="1090958"/>
+                </a:lnTo>
+                <a:lnTo>
+                  <a:pt x="5120472" y="1065988"/>
+                </a:lnTo>
+                <a:lnTo>
+                  <a:pt x="5041451" y="1145009"/>
+                </a:lnTo>
+                <a:close/>
+                <a:moveTo>
+                  <a:pt x="0" y="0"/>
+                </a:moveTo>
+                <a:lnTo>
+                  <a:pt x="6461760" y="0"/>
+                </a:lnTo>
+                <a:lnTo>
+                  <a:pt x="6461760" y="4094170"/>
+                </a:lnTo>
+                <a:lnTo>
+                  <a:pt x="0" y="4094170"/>
+                </a:lnTo>
+                <a:close/>
+              </a:path>
+            </a:pathLst>
+          </a:custGeom>
+        </p:spPr>
+      </p:pic>
+      <p:sp>
+        <p:nvSpPr>
+          <p:cNvPr id="37" name="Oval 36">
+            <a:extLst>
+              <a:ext uri="{FF2B5EF4-FFF2-40B4-BE49-F238E27FC236}">
+                <a16:creationId xmlns:a16="http://schemas.microsoft.com/office/drawing/2014/main" id="{0D1297C9-B495-690A-FA2E-8CD244440D63}"/>
+              </a:ext>
+            </a:extLst>
+          </p:cNvPr>
+          <p:cNvSpPr/>
+          <p:nvPr/>
+        </p:nvSpPr>
+        <p:spPr>
+          <a:xfrm>
+            <a:off x="8253072" y="2892742"/>
+            <a:ext cx="229280" cy="229280"/>
+          </a:xfrm>
+          <a:prstGeom prst="ellipse">
+            <a:avLst/>
+          </a:prstGeom>
+          <a:noFill/>
+          <a:ln w="28575"/>
+        </p:spPr>
+        <p:style>
+          <a:lnRef idx="2">
+            <a:schemeClr val="accent1">
+              <a:shade val="15000"/>
+            </a:schemeClr>
+          </a:lnRef>
+          <a:fillRef idx="1">
+            <a:schemeClr val="accent1"/>
+          </a:fillRef>
+          <a:effectRef idx="0">
+            <a:schemeClr val="accent1"/>
+          </a:effectRef>
+          <a:fontRef idx="minor">
+            <a:schemeClr val="lt1"/>
+          </a:fontRef>
+        </p:style>
+        <p:txBody>
+          <a:bodyPr rtlCol="0" anchor="ctr"/>
+          <a:lstStyle/>
+          <a:p>
+            <a:pPr algn="ctr"/>
+            <a:endParaRPr lang="en-IN"/>
+          </a:p>
+        </p:txBody>
+      </p:sp>
+      <p:pic>
+        <p:nvPicPr>
+          <p:cNvPr id="40" name="Picture 39">
+            <a:extLst>
+              <a:ext uri="{FF2B5EF4-FFF2-40B4-BE49-F238E27FC236}">
+                <a16:creationId xmlns:a16="http://schemas.microsoft.com/office/drawing/2014/main" id="{B2E03EA0-1582-2589-600F-343A9F8A7A0D}"/>
+              </a:ext>
+            </a:extLst>
+          </p:cNvPr>
+          <p:cNvPicPr>
+            <a:picLocks noChangeAspect="1"/>
+          </p:cNvPicPr>
+          <p:nvPr/>
+        </p:nvPicPr>
+        <p:blipFill>
+          <a:blip r:embed="rId3"/>
+          <a:stretch>
+            <a:fillRect/>
+          </a:stretch>
+        </p:blipFill>
+        <p:spPr>
+          <a:xfrm>
+            <a:off x="9690419" y="2945227"/>
+            <a:ext cx="262151" cy="262151"/>
+          </a:xfrm>
+          <a:prstGeom prst="rect">
+            <a:avLst/>
+          </a:prstGeom>
+        </p:spPr>
+      </p:pic>
+    </p:spTree>
+    <p:extLst>
+      <p:ext uri="{BB962C8B-B14F-4D97-AF65-F5344CB8AC3E}">
+        <p14:creationId xmlns:p14="http://schemas.microsoft.com/office/powerpoint/2010/main" val="476229995"/>
+      </p:ext>
+    </p:extLst>
+  </p:cSld>
+  <p:clrMapOvr>
+    <a:masterClrMapping/>
+  </p:clrMapOvr>
+</p:sld>
+</file>
+
 <file path=ppt/slides/slide2.xml><?xml version="1.0" encoding="utf-8"?>
 <p:sld xmlns:a="http://schemas.openxmlformats.org/drawingml/2006/main" xmlns:r="http://schemas.openxmlformats.org/officeDocument/2006/relationships" xmlns:p="http://schemas.openxmlformats.org/presentationml/2006/main">
   <p:cSld>
@@ -6091,6 +6664,178 @@
     <p:extLst>
       <p:ext uri="{BB962C8B-B14F-4D97-AF65-F5344CB8AC3E}">
         <p14:creationId xmlns:p14="http://schemas.microsoft.com/office/powerpoint/2010/main" val="3303517405"/>
+      </p:ext>
+    </p:extLst>
+  </p:cSld>
+  <p:clrMapOvr>
+    <a:masterClrMapping/>
+  </p:clrMapOvr>
+</p:sld>
+</file>
+
+<file path=ppt/slides/slide20.xml><?xml version="1.0" encoding="utf-8"?>
+<p:sld xmlns:a="http://schemas.openxmlformats.org/drawingml/2006/main" xmlns:r="http://schemas.openxmlformats.org/officeDocument/2006/relationships" xmlns:p="http://schemas.openxmlformats.org/presentationml/2006/main">
+  <p:cSld>
+    <p:spTree>
+      <p:nvGrpSpPr>
+        <p:cNvPr id="1" name=""/>
+        <p:cNvGrpSpPr/>
+        <p:nvPr/>
+      </p:nvGrpSpPr>
+      <p:grpSpPr>
+        <a:xfrm>
+          <a:off x="0" y="0"/>
+          <a:ext cx="0" cy="0"/>
+          <a:chOff x="0" y="0"/>
+          <a:chExt cx="0" cy="0"/>
+        </a:xfrm>
+      </p:grpSpPr>
+      <p:sp>
+        <p:nvSpPr>
+          <p:cNvPr id="6" name="Rectangle: Rounded Corners 5">
+            <a:extLst>
+              <a:ext uri="{FF2B5EF4-FFF2-40B4-BE49-F238E27FC236}">
+                <a16:creationId xmlns:a16="http://schemas.microsoft.com/office/drawing/2014/main" id="{6056F683-21B7-413F-BE02-41A6C74592E5}"/>
+              </a:ext>
+            </a:extLst>
+          </p:cNvPr>
+          <p:cNvSpPr/>
+          <p:nvPr/>
+        </p:nvSpPr>
+        <p:spPr>
+          <a:xfrm>
+            <a:off x="741331" y="698863"/>
+            <a:ext cx="10709340" cy="5460274"/>
+          </a:xfrm>
+          <a:prstGeom prst="roundRect">
+            <a:avLst>
+              <a:gd name="adj" fmla="val 12529"/>
+            </a:avLst>
+          </a:prstGeom>
+          <a:solidFill>
+            <a:schemeClr val="tx1">
+              <a:lumMod val="95000"/>
+              <a:lumOff val="5000"/>
+            </a:schemeClr>
+          </a:solidFill>
+          <a:ln>
+            <a:solidFill>
+              <a:schemeClr val="tx1"/>
+            </a:solidFill>
+          </a:ln>
+        </p:spPr>
+        <p:style>
+          <a:lnRef idx="2">
+            <a:schemeClr val="accent1">
+              <a:shade val="15000"/>
+            </a:schemeClr>
+          </a:lnRef>
+          <a:fillRef idx="1">
+            <a:schemeClr val="accent1"/>
+          </a:fillRef>
+          <a:effectRef idx="0">
+            <a:schemeClr val="accent1"/>
+          </a:effectRef>
+          <a:fontRef idx="minor">
+            <a:schemeClr val="lt1"/>
+          </a:fontRef>
+        </p:style>
+        <p:txBody>
+          <a:bodyPr rtlCol="0" anchor="ctr"/>
+          <a:lstStyle/>
+          <a:p>
+            <a:pPr algn="ctr"/>
+            <a:endParaRPr lang="en-IN"/>
+          </a:p>
+        </p:txBody>
+      </p:sp>
+      <p:pic>
+        <p:nvPicPr>
+          <p:cNvPr id="9" name="Picture 8">
+            <a:extLst>
+              <a:ext uri="{FF2B5EF4-FFF2-40B4-BE49-F238E27FC236}">
+                <a16:creationId xmlns:a16="http://schemas.microsoft.com/office/drawing/2014/main" id="{923A4222-BE24-39D7-3019-FB77B8BB6816}"/>
+              </a:ext>
+            </a:extLst>
+          </p:cNvPr>
+          <p:cNvPicPr>
+            <a:picLocks noChangeAspect="1"/>
+          </p:cNvPicPr>
+          <p:nvPr/>
+        </p:nvPicPr>
+        <p:blipFill rotWithShape="1">
+          <a:blip r:embed="rId2">
+            <a:extLst>
+              <a:ext uri="{28A0092B-C50C-407E-A947-70E740481C1C}">
+                <a14:useLocalDpi xmlns:a14="http://schemas.microsoft.com/office/drawing/2010/main" val="0"/>
+              </a:ext>
+            </a:extLst>
+          </a:blip>
+          <a:srcRect t="18683" b="18683"/>
+          <a:stretch/>
+        </p:blipFill>
+        <p:spPr>
+          <a:xfrm>
+            <a:off x="3185582" y="1606094"/>
+            <a:ext cx="5820836" cy="3645812"/>
+          </a:xfrm>
+          <a:prstGeom prst="rect">
+            <a:avLst/>
+          </a:prstGeom>
+        </p:spPr>
+      </p:pic>
+      <p:sp>
+        <p:nvSpPr>
+          <p:cNvPr id="2" name="Isosceles Triangle 1">
+            <a:extLst>
+              <a:ext uri="{FF2B5EF4-FFF2-40B4-BE49-F238E27FC236}">
+                <a16:creationId xmlns:a16="http://schemas.microsoft.com/office/drawing/2014/main" id="{CB1E4E6C-C10F-6234-DA6F-8C1736FF99AA}"/>
+              </a:ext>
+            </a:extLst>
+          </p:cNvPr>
+          <p:cNvSpPr/>
+          <p:nvPr/>
+        </p:nvSpPr>
+        <p:spPr>
+          <a:xfrm>
+            <a:off x="5617029" y="2103120"/>
+            <a:ext cx="1772891" cy="1528354"/>
+          </a:xfrm>
+          <a:prstGeom prst="triangle">
+            <a:avLst/>
+          </a:prstGeom>
+          <a:noFill/>
+          <a:ln w="76200"/>
+        </p:spPr>
+        <p:style>
+          <a:lnRef idx="2">
+            <a:schemeClr val="accent1">
+              <a:shade val="15000"/>
+            </a:schemeClr>
+          </a:lnRef>
+          <a:fillRef idx="1">
+            <a:schemeClr val="accent1"/>
+          </a:fillRef>
+          <a:effectRef idx="0">
+            <a:schemeClr val="accent1"/>
+          </a:effectRef>
+          <a:fontRef idx="minor">
+            <a:schemeClr val="lt1"/>
+          </a:fontRef>
+        </p:style>
+        <p:txBody>
+          <a:bodyPr rtlCol="0" anchor="ctr"/>
+          <a:lstStyle/>
+          <a:p>
+            <a:pPr algn="ctr"/>
+            <a:endParaRPr lang="en-IN"/>
+          </a:p>
+        </p:txBody>
+      </p:sp>
+    </p:spTree>
+    <p:extLst>
+      <p:ext uri="{BB962C8B-B14F-4D97-AF65-F5344CB8AC3E}">
+        <p14:creationId xmlns:p14="http://schemas.microsoft.com/office/powerpoint/2010/main" val="3200742922"/>
       </p:ext>
     </p:extLst>
   </p:cSld>

--- a/SRS.pptx
+++ b/SRS.pptx
@@ -4,6 +4,9 @@
   <p:sldMasterIdLst>
     <p:sldMasterId id="2147483648" r:id="rId1"/>
   </p:sldMasterIdLst>
+  <p:notesMasterIdLst>
+    <p:notesMasterId r:id="rId26"/>
+  </p:notesMasterIdLst>
   <p:sldIdLst>
     <p:sldId id="256" r:id="rId2"/>
     <p:sldId id="257" r:id="rId3"/>
@@ -25,6 +28,10 @@
     <p:sldId id="274" r:id="rId19"/>
     <p:sldId id="259" r:id="rId20"/>
     <p:sldId id="275" r:id="rId21"/>
+    <p:sldId id="277" r:id="rId22"/>
+    <p:sldId id="276" r:id="rId23"/>
+    <p:sldId id="278" r:id="rId24"/>
+    <p:sldId id="279" r:id="rId25"/>
   </p:sldIdLst>
   <p:sldSz cx="12192000" cy="6858000"/>
   <p:notesSz cx="6858000" cy="9144000"/>
@@ -226,6 +233,440 @@
 </inkml:ink>
 </file>
 
+<file path=ppt/notesMasters/notesMaster1.xml><?xml version="1.0" encoding="utf-8"?>
+<p:notesMaster xmlns:a="http://schemas.openxmlformats.org/drawingml/2006/main" xmlns:r="http://schemas.openxmlformats.org/officeDocument/2006/relationships" xmlns:p="http://schemas.openxmlformats.org/presentationml/2006/main">
+  <p:cSld>
+    <p:bg>
+      <p:bgRef idx="1001">
+        <a:schemeClr val="bg1"/>
+      </p:bgRef>
+    </p:bg>
+    <p:spTree>
+      <p:nvGrpSpPr>
+        <p:cNvPr id="1" name=""/>
+        <p:cNvGrpSpPr/>
+        <p:nvPr/>
+      </p:nvGrpSpPr>
+      <p:grpSpPr>
+        <a:xfrm>
+          <a:off x="0" y="0"/>
+          <a:ext cx="0" cy="0"/>
+          <a:chOff x="0" y="0"/>
+          <a:chExt cx="0" cy="0"/>
+        </a:xfrm>
+      </p:grpSpPr>
+      <p:sp>
+        <p:nvSpPr>
+          <p:cNvPr id="2" name="Header Placeholder 1"/>
+          <p:cNvSpPr>
+            <a:spLocks noGrp="1"/>
+          </p:cNvSpPr>
+          <p:nvPr>
+            <p:ph type="hdr" sz="quarter"/>
+          </p:nvPr>
+        </p:nvSpPr>
+        <p:spPr>
+          <a:xfrm>
+            <a:off x="0" y="0"/>
+            <a:ext cx="2971800" cy="458788"/>
+          </a:xfrm>
+          <a:prstGeom prst="rect">
+            <a:avLst/>
+          </a:prstGeom>
+        </p:spPr>
+        <p:txBody>
+          <a:bodyPr vert="horz" lIns="91440" tIns="45720" rIns="91440" bIns="45720" rtlCol="0"/>
+          <a:lstStyle>
+            <a:lvl1pPr algn="l">
+              <a:defRPr sz="1200"/>
+            </a:lvl1pPr>
+          </a:lstStyle>
+          <a:p>
+            <a:endParaRPr lang="en-IN"/>
+          </a:p>
+        </p:txBody>
+      </p:sp>
+      <p:sp>
+        <p:nvSpPr>
+          <p:cNvPr id="3" name="Date Placeholder 2"/>
+          <p:cNvSpPr>
+            <a:spLocks noGrp="1"/>
+          </p:cNvSpPr>
+          <p:nvPr>
+            <p:ph type="dt" idx="1"/>
+          </p:nvPr>
+        </p:nvSpPr>
+        <p:spPr>
+          <a:xfrm>
+            <a:off x="3884613" y="0"/>
+            <a:ext cx="2971800" cy="458788"/>
+          </a:xfrm>
+          <a:prstGeom prst="rect">
+            <a:avLst/>
+          </a:prstGeom>
+        </p:spPr>
+        <p:txBody>
+          <a:bodyPr vert="horz" lIns="91440" tIns="45720" rIns="91440" bIns="45720" rtlCol="0"/>
+          <a:lstStyle>
+            <a:lvl1pPr algn="r">
+              <a:defRPr sz="1200"/>
+            </a:lvl1pPr>
+          </a:lstStyle>
+          <a:p>
+            <a:fld id="{CEAC4AD2-EC9B-44A1-B6A9-104282B0C1D3}" type="datetimeFigureOut">
+              <a:rPr lang="en-IN" smtClean="0"/>
+              <a:t>03-05-2024</a:t>
+            </a:fld>
+            <a:endParaRPr lang="en-IN"/>
+          </a:p>
+        </p:txBody>
+      </p:sp>
+      <p:sp>
+        <p:nvSpPr>
+          <p:cNvPr id="4" name="Slide Image Placeholder 3"/>
+          <p:cNvSpPr>
+            <a:spLocks noGrp="1" noRot="1" noChangeAspect="1"/>
+          </p:cNvSpPr>
+          <p:nvPr>
+            <p:ph type="sldImg" idx="2"/>
+          </p:nvPr>
+        </p:nvSpPr>
+        <p:spPr>
+          <a:xfrm>
+            <a:off x="685800" y="1143000"/>
+            <a:ext cx="5486400" cy="3086100"/>
+          </a:xfrm>
+          <a:prstGeom prst="rect">
+            <a:avLst/>
+          </a:prstGeom>
+          <a:noFill/>
+          <a:ln w="12700">
+            <a:solidFill>
+              <a:prstClr val="black"/>
+            </a:solidFill>
+          </a:ln>
+        </p:spPr>
+        <p:txBody>
+          <a:bodyPr vert="horz" lIns="91440" tIns="45720" rIns="91440" bIns="45720" rtlCol="0" anchor="ctr"/>
+          <a:lstStyle/>
+          <a:p>
+            <a:endParaRPr lang="en-IN"/>
+          </a:p>
+        </p:txBody>
+      </p:sp>
+      <p:sp>
+        <p:nvSpPr>
+          <p:cNvPr id="5" name="Notes Placeholder 4"/>
+          <p:cNvSpPr>
+            <a:spLocks noGrp="1"/>
+          </p:cNvSpPr>
+          <p:nvPr>
+            <p:ph type="body" sz="quarter" idx="3"/>
+          </p:nvPr>
+        </p:nvSpPr>
+        <p:spPr>
+          <a:xfrm>
+            <a:off x="685800" y="4400550"/>
+            <a:ext cx="5486400" cy="3600450"/>
+          </a:xfrm>
+          <a:prstGeom prst="rect">
+            <a:avLst/>
+          </a:prstGeom>
+        </p:spPr>
+        <p:txBody>
+          <a:bodyPr vert="horz" lIns="91440" tIns="45720" rIns="91440" bIns="45720" rtlCol="0"/>
+          <a:lstStyle/>
+          <a:p>
+            <a:pPr lvl="0"/>
+            <a:r>
+              <a:rPr lang="en-US"/>
+              <a:t>Click to edit Master text styles</a:t>
+            </a:r>
+          </a:p>
+          <a:p>
+            <a:pPr lvl="1"/>
+            <a:r>
+              <a:rPr lang="en-US"/>
+              <a:t>Second level</a:t>
+            </a:r>
+          </a:p>
+          <a:p>
+            <a:pPr lvl="2"/>
+            <a:r>
+              <a:rPr lang="en-US"/>
+              <a:t>Third level</a:t>
+            </a:r>
+          </a:p>
+          <a:p>
+            <a:pPr lvl="3"/>
+            <a:r>
+              <a:rPr lang="en-US"/>
+              <a:t>Fourth level</a:t>
+            </a:r>
+          </a:p>
+          <a:p>
+            <a:pPr lvl="4"/>
+            <a:r>
+              <a:rPr lang="en-US"/>
+              <a:t>Fifth level</a:t>
+            </a:r>
+            <a:endParaRPr lang="en-IN"/>
+          </a:p>
+        </p:txBody>
+      </p:sp>
+      <p:sp>
+        <p:nvSpPr>
+          <p:cNvPr id="6" name="Footer Placeholder 5"/>
+          <p:cNvSpPr>
+            <a:spLocks noGrp="1"/>
+          </p:cNvSpPr>
+          <p:nvPr>
+            <p:ph type="ftr" sz="quarter" idx="4"/>
+          </p:nvPr>
+        </p:nvSpPr>
+        <p:spPr>
+          <a:xfrm>
+            <a:off x="0" y="8685213"/>
+            <a:ext cx="2971800" cy="458787"/>
+          </a:xfrm>
+          <a:prstGeom prst="rect">
+            <a:avLst/>
+          </a:prstGeom>
+        </p:spPr>
+        <p:txBody>
+          <a:bodyPr vert="horz" lIns="91440" tIns="45720" rIns="91440" bIns="45720" rtlCol="0" anchor="b"/>
+          <a:lstStyle>
+            <a:lvl1pPr algn="l">
+              <a:defRPr sz="1200"/>
+            </a:lvl1pPr>
+          </a:lstStyle>
+          <a:p>
+            <a:endParaRPr lang="en-IN"/>
+          </a:p>
+        </p:txBody>
+      </p:sp>
+      <p:sp>
+        <p:nvSpPr>
+          <p:cNvPr id="7" name="Slide Number Placeholder 6"/>
+          <p:cNvSpPr>
+            <a:spLocks noGrp="1"/>
+          </p:cNvSpPr>
+          <p:nvPr>
+            <p:ph type="sldNum" sz="quarter" idx="5"/>
+          </p:nvPr>
+        </p:nvSpPr>
+        <p:spPr>
+          <a:xfrm>
+            <a:off x="3884613" y="8685213"/>
+            <a:ext cx="2971800" cy="458787"/>
+          </a:xfrm>
+          <a:prstGeom prst="rect">
+            <a:avLst/>
+          </a:prstGeom>
+        </p:spPr>
+        <p:txBody>
+          <a:bodyPr vert="horz" lIns="91440" tIns="45720" rIns="91440" bIns="45720" rtlCol="0" anchor="b"/>
+          <a:lstStyle>
+            <a:lvl1pPr algn="r">
+              <a:defRPr sz="1200"/>
+            </a:lvl1pPr>
+          </a:lstStyle>
+          <a:p>
+            <a:fld id="{5CC35FC0-E292-40B0-B651-7CB180ABF71B}" type="slidenum">
+              <a:rPr lang="en-IN" smtClean="0"/>
+              <a:t>‹#›</a:t>
+            </a:fld>
+            <a:endParaRPr lang="en-IN"/>
+          </a:p>
+        </p:txBody>
+      </p:sp>
+    </p:spTree>
+    <p:extLst>
+      <p:ext uri="{BB962C8B-B14F-4D97-AF65-F5344CB8AC3E}">
+        <p14:creationId xmlns:p14="http://schemas.microsoft.com/office/powerpoint/2010/main" val="1941560128"/>
+      </p:ext>
+    </p:extLst>
+  </p:cSld>
+  <p:clrMap bg1="lt1" tx1="dk1" bg2="lt2" tx2="dk2" accent1="accent1" accent2="accent2" accent3="accent3" accent4="accent4" accent5="accent5" accent6="accent6" hlink="hlink" folHlink="folHlink"/>
+  <p:notesStyle>
+    <a:lvl1pPr marL="0" algn="l" defTabSz="914400" rtl="0" eaLnBrk="1" latinLnBrk="0" hangingPunct="1">
+      <a:defRPr sz="1200" kern="1200">
+        <a:solidFill>
+          <a:schemeClr val="tx1"/>
+        </a:solidFill>
+        <a:latin typeface="+mn-lt"/>
+        <a:ea typeface="+mn-ea"/>
+        <a:cs typeface="+mn-cs"/>
+      </a:defRPr>
+    </a:lvl1pPr>
+    <a:lvl2pPr marL="457200" algn="l" defTabSz="914400" rtl="0" eaLnBrk="1" latinLnBrk="0" hangingPunct="1">
+      <a:defRPr sz="1200" kern="1200">
+        <a:solidFill>
+          <a:schemeClr val="tx1"/>
+        </a:solidFill>
+        <a:latin typeface="+mn-lt"/>
+        <a:ea typeface="+mn-ea"/>
+        <a:cs typeface="+mn-cs"/>
+      </a:defRPr>
+    </a:lvl2pPr>
+    <a:lvl3pPr marL="914400" algn="l" defTabSz="914400" rtl="0" eaLnBrk="1" latinLnBrk="0" hangingPunct="1">
+      <a:defRPr sz="1200" kern="1200">
+        <a:solidFill>
+          <a:schemeClr val="tx1"/>
+        </a:solidFill>
+        <a:latin typeface="+mn-lt"/>
+        <a:ea typeface="+mn-ea"/>
+        <a:cs typeface="+mn-cs"/>
+      </a:defRPr>
+    </a:lvl3pPr>
+    <a:lvl4pPr marL="1371600" algn="l" defTabSz="914400" rtl="0" eaLnBrk="1" latinLnBrk="0" hangingPunct="1">
+      <a:defRPr sz="1200" kern="1200">
+        <a:solidFill>
+          <a:schemeClr val="tx1"/>
+        </a:solidFill>
+        <a:latin typeface="+mn-lt"/>
+        <a:ea typeface="+mn-ea"/>
+        <a:cs typeface="+mn-cs"/>
+      </a:defRPr>
+    </a:lvl4pPr>
+    <a:lvl5pPr marL="1828800" algn="l" defTabSz="914400" rtl="0" eaLnBrk="1" latinLnBrk="0" hangingPunct="1">
+      <a:defRPr sz="1200" kern="1200">
+        <a:solidFill>
+          <a:schemeClr val="tx1"/>
+        </a:solidFill>
+        <a:latin typeface="+mn-lt"/>
+        <a:ea typeface="+mn-ea"/>
+        <a:cs typeface="+mn-cs"/>
+      </a:defRPr>
+    </a:lvl5pPr>
+    <a:lvl6pPr marL="2286000" algn="l" defTabSz="914400" rtl="0" eaLnBrk="1" latinLnBrk="0" hangingPunct="1">
+      <a:defRPr sz="1200" kern="1200">
+        <a:solidFill>
+          <a:schemeClr val="tx1"/>
+        </a:solidFill>
+        <a:latin typeface="+mn-lt"/>
+        <a:ea typeface="+mn-ea"/>
+        <a:cs typeface="+mn-cs"/>
+      </a:defRPr>
+    </a:lvl6pPr>
+    <a:lvl7pPr marL="2743200" algn="l" defTabSz="914400" rtl="0" eaLnBrk="1" latinLnBrk="0" hangingPunct="1">
+      <a:defRPr sz="1200" kern="1200">
+        <a:solidFill>
+          <a:schemeClr val="tx1"/>
+        </a:solidFill>
+        <a:latin typeface="+mn-lt"/>
+        <a:ea typeface="+mn-ea"/>
+        <a:cs typeface="+mn-cs"/>
+      </a:defRPr>
+    </a:lvl7pPr>
+    <a:lvl8pPr marL="3200400" algn="l" defTabSz="914400" rtl="0" eaLnBrk="1" latinLnBrk="0" hangingPunct="1">
+      <a:defRPr sz="1200" kern="1200">
+        <a:solidFill>
+          <a:schemeClr val="tx1"/>
+        </a:solidFill>
+        <a:latin typeface="+mn-lt"/>
+        <a:ea typeface="+mn-ea"/>
+        <a:cs typeface="+mn-cs"/>
+      </a:defRPr>
+    </a:lvl8pPr>
+    <a:lvl9pPr marL="3657600" algn="l" defTabSz="914400" rtl="0" eaLnBrk="1" latinLnBrk="0" hangingPunct="1">
+      <a:defRPr sz="1200" kern="1200">
+        <a:solidFill>
+          <a:schemeClr val="tx1"/>
+        </a:solidFill>
+        <a:latin typeface="+mn-lt"/>
+        <a:ea typeface="+mn-ea"/>
+        <a:cs typeface="+mn-cs"/>
+      </a:defRPr>
+    </a:lvl9pPr>
+  </p:notesStyle>
+</p:notesMaster>
+</file>
+
+<file path=ppt/notesSlides/notesSlide1.xml><?xml version="1.0" encoding="utf-8"?>
+<p:notes xmlns:a="http://schemas.openxmlformats.org/drawingml/2006/main" xmlns:r="http://schemas.openxmlformats.org/officeDocument/2006/relationships" xmlns:p="http://schemas.openxmlformats.org/presentationml/2006/main">
+  <p:cSld>
+    <p:spTree>
+      <p:nvGrpSpPr>
+        <p:cNvPr id="1" name=""/>
+        <p:cNvGrpSpPr/>
+        <p:nvPr/>
+      </p:nvGrpSpPr>
+      <p:grpSpPr>
+        <a:xfrm>
+          <a:off x="0" y="0"/>
+          <a:ext cx="0" cy="0"/>
+          <a:chOff x="0" y="0"/>
+          <a:chExt cx="0" cy="0"/>
+        </a:xfrm>
+      </p:grpSpPr>
+      <p:sp>
+        <p:nvSpPr>
+          <p:cNvPr id="2" name="Slide Image Placeholder 1"/>
+          <p:cNvSpPr>
+            <a:spLocks noGrp="1" noRot="1" noChangeAspect="1"/>
+          </p:cNvSpPr>
+          <p:nvPr>
+            <p:ph type="sldImg"/>
+          </p:nvPr>
+        </p:nvSpPr>
+        <p:spPr/>
+      </p:sp>
+      <p:sp>
+        <p:nvSpPr>
+          <p:cNvPr id="3" name="Notes Placeholder 2"/>
+          <p:cNvSpPr>
+            <a:spLocks noGrp="1"/>
+          </p:cNvSpPr>
+          <p:nvPr>
+            <p:ph type="body" idx="1"/>
+          </p:nvPr>
+        </p:nvSpPr>
+        <p:spPr/>
+        <p:txBody>
+          <a:bodyPr/>
+          <a:lstStyle/>
+          <a:p>
+            <a:endParaRPr lang="en-IN" dirty="0"/>
+          </a:p>
+        </p:txBody>
+      </p:sp>
+      <p:sp>
+        <p:nvSpPr>
+          <p:cNvPr id="4" name="Slide Number Placeholder 3"/>
+          <p:cNvSpPr>
+            <a:spLocks noGrp="1"/>
+          </p:cNvSpPr>
+          <p:nvPr>
+            <p:ph type="sldNum" sz="quarter" idx="5"/>
+          </p:nvPr>
+        </p:nvSpPr>
+        <p:spPr/>
+        <p:txBody>
+          <a:bodyPr/>
+          <a:lstStyle/>
+          <a:p>
+            <a:fld id="{5CC35FC0-E292-40B0-B651-7CB180ABF71B}" type="slidenum">
+              <a:rPr lang="en-IN" smtClean="0"/>
+              <a:t>23</a:t>
+            </a:fld>
+            <a:endParaRPr lang="en-IN"/>
+          </a:p>
+        </p:txBody>
+      </p:sp>
+    </p:spTree>
+    <p:extLst>
+      <p:ext uri="{BB962C8B-B14F-4D97-AF65-F5344CB8AC3E}">
+        <p14:creationId xmlns:p14="http://schemas.microsoft.com/office/powerpoint/2010/main" val="1298355115"/>
+      </p:ext>
+    </p:extLst>
+  </p:cSld>
+  <p:clrMapOvr>
+    <a:masterClrMapping/>
+  </p:clrMapOvr>
+</p:notes>
+</file>
+
 <file path=ppt/slideLayouts/slideLayout1.xml><?xml version="1.0" encoding="utf-8"?>
 <p:sldLayout xmlns:a="http://schemas.openxmlformats.org/drawingml/2006/main" xmlns:r="http://schemas.openxmlformats.org/officeDocument/2006/relationships" xmlns:p="http://schemas.openxmlformats.org/presentationml/2006/main" type="title" preserve="1">
   <p:cSld name="Title Slide">
@@ -375,7 +816,7 @@
           <a:p>
             <a:fld id="{B0AAE9EB-4E09-49F4-B23B-25A5BA76B78B}" type="datetimeFigureOut">
               <a:rPr lang="en-IN" smtClean="0"/>
-              <a:t>02-05-2024</a:t>
+              <a:t>03-05-2024</a:t>
             </a:fld>
             <a:endParaRPr lang="en-IN"/>
           </a:p>
@@ -575,7 +1016,7 @@
           <a:p>
             <a:fld id="{B0AAE9EB-4E09-49F4-B23B-25A5BA76B78B}" type="datetimeFigureOut">
               <a:rPr lang="en-IN" smtClean="0"/>
-              <a:t>02-05-2024</a:t>
+              <a:t>03-05-2024</a:t>
             </a:fld>
             <a:endParaRPr lang="en-IN"/>
           </a:p>
@@ -785,7 +1226,7 @@
           <a:p>
             <a:fld id="{B0AAE9EB-4E09-49F4-B23B-25A5BA76B78B}" type="datetimeFigureOut">
               <a:rPr lang="en-IN" smtClean="0"/>
-              <a:t>02-05-2024</a:t>
+              <a:t>03-05-2024</a:t>
             </a:fld>
             <a:endParaRPr lang="en-IN"/>
           </a:p>
@@ -985,7 +1426,7 @@
           <a:p>
             <a:fld id="{B0AAE9EB-4E09-49F4-B23B-25A5BA76B78B}" type="datetimeFigureOut">
               <a:rPr lang="en-IN" smtClean="0"/>
-              <a:t>02-05-2024</a:t>
+              <a:t>03-05-2024</a:t>
             </a:fld>
             <a:endParaRPr lang="en-IN"/>
           </a:p>
@@ -1261,7 +1702,7 @@
           <a:p>
             <a:fld id="{B0AAE9EB-4E09-49F4-B23B-25A5BA76B78B}" type="datetimeFigureOut">
               <a:rPr lang="en-IN" smtClean="0"/>
-              <a:t>02-05-2024</a:t>
+              <a:t>03-05-2024</a:t>
             </a:fld>
             <a:endParaRPr lang="en-IN"/>
           </a:p>
@@ -1529,7 +1970,7 @@
           <a:p>
             <a:fld id="{B0AAE9EB-4E09-49F4-B23B-25A5BA76B78B}" type="datetimeFigureOut">
               <a:rPr lang="en-IN" smtClean="0"/>
-              <a:t>02-05-2024</a:t>
+              <a:t>03-05-2024</a:t>
             </a:fld>
             <a:endParaRPr lang="en-IN"/>
           </a:p>
@@ -1944,7 +2385,7 @@
           <a:p>
             <a:fld id="{B0AAE9EB-4E09-49F4-B23B-25A5BA76B78B}" type="datetimeFigureOut">
               <a:rPr lang="en-IN" smtClean="0"/>
-              <a:t>02-05-2024</a:t>
+              <a:t>03-05-2024</a:t>
             </a:fld>
             <a:endParaRPr lang="en-IN"/>
           </a:p>
@@ -2086,7 +2527,7 @@
           <a:p>
             <a:fld id="{B0AAE9EB-4E09-49F4-B23B-25A5BA76B78B}" type="datetimeFigureOut">
               <a:rPr lang="en-IN" smtClean="0"/>
-              <a:t>02-05-2024</a:t>
+              <a:t>03-05-2024</a:t>
             </a:fld>
             <a:endParaRPr lang="en-IN"/>
           </a:p>
@@ -2199,7 +2640,7 @@
           <a:p>
             <a:fld id="{B0AAE9EB-4E09-49F4-B23B-25A5BA76B78B}" type="datetimeFigureOut">
               <a:rPr lang="en-IN" smtClean="0"/>
-              <a:t>02-05-2024</a:t>
+              <a:t>03-05-2024</a:t>
             </a:fld>
             <a:endParaRPr lang="en-IN"/>
           </a:p>
@@ -2512,7 +2953,7 @@
           <a:p>
             <a:fld id="{B0AAE9EB-4E09-49F4-B23B-25A5BA76B78B}" type="datetimeFigureOut">
               <a:rPr lang="en-IN" smtClean="0"/>
-              <a:t>02-05-2024</a:t>
+              <a:t>03-05-2024</a:t>
             </a:fld>
             <a:endParaRPr lang="en-IN"/>
           </a:p>
@@ -2801,7 +3242,7 @@
           <a:p>
             <a:fld id="{B0AAE9EB-4E09-49F4-B23B-25A5BA76B78B}" type="datetimeFigureOut">
               <a:rPr lang="en-IN" smtClean="0"/>
-              <a:t>02-05-2024</a:t>
+              <a:t>03-05-2024</a:t>
             </a:fld>
             <a:endParaRPr lang="en-IN"/>
           </a:p>
@@ -3044,7 +3485,7 @@
           <a:p>
             <a:fld id="{B0AAE9EB-4E09-49F4-B23B-25A5BA76B78B}" type="datetimeFigureOut">
               <a:rPr lang="en-IN" smtClean="0"/>
-              <a:t>02-05-2024</a:t>
+              <a:t>03-05-2024</a:t>
             </a:fld>
             <a:endParaRPr lang="en-IN"/>
           </a:p>
@@ -5830,6 +6271,16 @@
 <file path=ppt/slides/slide19.xml><?xml version="1.0" encoding="utf-8"?>
 <p:sld xmlns:a="http://schemas.openxmlformats.org/drawingml/2006/main" xmlns:r="http://schemas.openxmlformats.org/officeDocument/2006/relationships" xmlns:p="http://schemas.openxmlformats.org/presentationml/2006/main">
   <p:cSld>
+    <p:bg>
+      <p:bgPr>
+        <a:solidFill>
+          <a:schemeClr val="accent5">
+            <a:lumMod val="50000"/>
+          </a:schemeClr>
+        </a:solidFill>
+        <a:effectLst/>
+      </p:bgPr>
+    </p:bg>
     <p:spTree>
       <p:nvGrpSpPr>
         <p:cNvPr id="1" name=""/>
@@ -6692,7 +7143,7 @@
       </p:grpSpPr>
       <p:sp>
         <p:nvSpPr>
-          <p:cNvPr id="6" name="Rectangle: Rounded Corners 5">
+          <p:cNvPr id="6" name="Rectangle 5">
             <a:extLst>
               <a:ext uri="{FF2B5EF4-FFF2-40B4-BE49-F238E27FC236}">
                 <a16:creationId xmlns:a16="http://schemas.microsoft.com/office/drawing/2014/main" id="{6056F683-21B7-413F-BE02-41A6C74592E5}"/>
@@ -6704,19 +7155,14 @@
         </p:nvSpPr>
         <p:spPr>
           <a:xfrm>
-            <a:off x="741331" y="698863"/>
+            <a:off x="741330" y="698863"/>
             <a:ext cx="10709340" cy="5460274"/>
           </a:xfrm>
-          <a:prstGeom prst="roundRect">
-            <a:avLst>
-              <a:gd name="adj" fmla="val 12529"/>
-            </a:avLst>
+          <a:prstGeom prst="rect">
+            <a:avLst/>
           </a:prstGeom>
           <a:solidFill>
-            <a:schemeClr val="tx1">
-              <a:lumMod val="95000"/>
-              <a:lumOff val="5000"/>
-            </a:schemeClr>
+            <a:schemeClr val="tx1"/>
           </a:solidFill>
           <a:ln>
             <a:solidFill>
@@ -6776,12 +7222,17 @@
         </p:blipFill>
         <p:spPr>
           <a:xfrm>
-            <a:off x="3185582" y="1606094"/>
-            <a:ext cx="5820836" cy="3645812"/>
+            <a:off x="3185580" y="1595412"/>
+            <a:ext cx="5820836" cy="3645813"/>
           </a:xfrm>
           <a:prstGeom prst="rect">
             <a:avLst/>
           </a:prstGeom>
+          <a:ln>
+            <a:solidFill>
+              <a:schemeClr val="tx1"/>
+            </a:solidFill>
+          </a:ln>
         </p:spPr>
       </p:pic>
       <p:sp>
@@ -6798,14 +7249,18 @@
         </p:nvSpPr>
         <p:spPr>
           <a:xfrm>
-            <a:off x="5617029" y="2103120"/>
-            <a:ext cx="1772891" cy="1528354"/>
+            <a:off x="7635177" y="2539148"/>
+            <a:ext cx="182204" cy="157072"/>
           </a:xfrm>
           <a:prstGeom prst="triangle">
             <a:avLst/>
           </a:prstGeom>
           <a:noFill/>
-          <a:ln w="76200"/>
+          <a:ln w="38100">
+            <a:solidFill>
+              <a:schemeClr val="tx1"/>
+            </a:solidFill>
+          </a:ln>
         </p:spPr>
         <p:style>
           <a:lnRef idx="2">
@@ -6832,10 +7287,1187 @@
           </a:p>
         </p:txBody>
       </p:sp>
+      <p:sp>
+        <p:nvSpPr>
+          <p:cNvPr id="4" name="Oval 3">
+            <a:extLst>
+              <a:ext uri="{FF2B5EF4-FFF2-40B4-BE49-F238E27FC236}">
+                <a16:creationId xmlns:a16="http://schemas.microsoft.com/office/drawing/2014/main" id="{67D3016A-2BDB-7E53-FBEA-A5D281AE4A0D}"/>
+              </a:ext>
+            </a:extLst>
+          </p:cNvPr>
+          <p:cNvSpPr/>
+          <p:nvPr/>
+        </p:nvSpPr>
+        <p:spPr>
+          <a:xfrm>
+            <a:off x="8038907" y="2940272"/>
+            <a:ext cx="207362" cy="207362"/>
+          </a:xfrm>
+          <a:prstGeom prst="ellipse">
+            <a:avLst/>
+          </a:prstGeom>
+          <a:noFill/>
+          <a:ln w="38100">
+            <a:solidFill>
+              <a:schemeClr val="tx1"/>
+            </a:solidFill>
+          </a:ln>
+        </p:spPr>
+        <p:style>
+          <a:lnRef idx="2">
+            <a:schemeClr val="accent1">
+              <a:shade val="15000"/>
+            </a:schemeClr>
+          </a:lnRef>
+          <a:fillRef idx="1">
+            <a:schemeClr val="accent1"/>
+          </a:fillRef>
+          <a:effectRef idx="0">
+            <a:schemeClr val="accent1"/>
+          </a:effectRef>
+          <a:fontRef idx="minor">
+            <a:schemeClr val="lt1"/>
+          </a:fontRef>
+        </p:style>
+        <p:txBody>
+          <a:bodyPr rtlCol="0" anchor="ctr"/>
+          <a:lstStyle/>
+          <a:p>
+            <a:pPr algn="ctr"/>
+            <a:endParaRPr lang="en-IN"/>
+          </a:p>
+        </p:txBody>
+      </p:sp>
+      <p:sp>
+        <p:nvSpPr>
+          <p:cNvPr id="12" name="Rectangle 11">
+            <a:extLst>
+              <a:ext uri="{FF2B5EF4-FFF2-40B4-BE49-F238E27FC236}">
+                <a16:creationId xmlns:a16="http://schemas.microsoft.com/office/drawing/2014/main" id="{BEF1B4AA-B8C3-D588-AB1E-4C2564CD2243}"/>
+              </a:ext>
+            </a:extLst>
+          </p:cNvPr>
+          <p:cNvSpPr/>
+          <p:nvPr/>
+        </p:nvSpPr>
+        <p:spPr>
+          <a:xfrm>
+            <a:off x="7207366" y="2948481"/>
+            <a:ext cx="169580" cy="169580"/>
+          </a:xfrm>
+          <a:prstGeom prst="rect">
+            <a:avLst/>
+          </a:prstGeom>
+          <a:noFill/>
+          <a:ln w="38100">
+            <a:solidFill>
+              <a:schemeClr val="tx1"/>
+            </a:solidFill>
+          </a:ln>
+        </p:spPr>
+        <p:style>
+          <a:lnRef idx="2">
+            <a:schemeClr val="accent1">
+              <a:shade val="15000"/>
+            </a:schemeClr>
+          </a:lnRef>
+          <a:fillRef idx="1">
+            <a:schemeClr val="accent1"/>
+          </a:fillRef>
+          <a:effectRef idx="0">
+            <a:schemeClr val="accent1"/>
+          </a:effectRef>
+          <a:fontRef idx="minor">
+            <a:schemeClr val="lt1"/>
+          </a:fontRef>
+        </p:style>
+        <p:txBody>
+          <a:bodyPr rtlCol="0" anchor="ctr"/>
+          <a:lstStyle/>
+          <a:p>
+            <a:pPr algn="ctr"/>
+            <a:endParaRPr lang="en-IN"/>
+          </a:p>
+        </p:txBody>
+      </p:sp>
+      <p:pic>
+        <p:nvPicPr>
+          <p:cNvPr id="15" name="Graphic 14" descr="Close with solid fill">
+            <a:extLst>
+              <a:ext uri="{FF2B5EF4-FFF2-40B4-BE49-F238E27FC236}">
+                <a16:creationId xmlns:a16="http://schemas.microsoft.com/office/drawing/2014/main" id="{320FEE1C-B596-6673-EFDE-404FCF65BC72}"/>
+              </a:ext>
+            </a:extLst>
+          </p:cNvPr>
+          <p:cNvPicPr>
+            <a:picLocks noChangeAspect="1"/>
+          </p:cNvPicPr>
+          <p:nvPr/>
+        </p:nvPicPr>
+        <p:blipFill>
+          <a:blip r:embed="rId3">
+            <a:extLst>
+              <a:ext uri="{28A0092B-C50C-407E-A947-70E740481C1C}">
+                <a14:useLocalDpi xmlns:a14="http://schemas.microsoft.com/office/drawing/2010/main" val="0"/>
+              </a:ext>
+              <a:ext uri="{96DAC541-7B7A-43D3-8B79-37D633B846F1}">
+                <asvg:svgBlip xmlns:asvg="http://schemas.microsoft.com/office/drawing/2016/SVG/main" r:embed="rId4"/>
+              </a:ext>
+            </a:extLst>
+          </a:blip>
+          <a:stretch>
+            <a:fillRect/>
+          </a:stretch>
+        </p:blipFill>
+        <p:spPr>
+          <a:xfrm>
+            <a:off x="7589666" y="3342022"/>
+            <a:ext cx="273218" cy="273218"/>
+          </a:xfrm>
+          <a:prstGeom prst="rect">
+            <a:avLst/>
+          </a:prstGeom>
+        </p:spPr>
+      </p:pic>
     </p:spTree>
     <p:extLst>
       <p:ext uri="{BB962C8B-B14F-4D97-AF65-F5344CB8AC3E}">
         <p14:creationId xmlns:p14="http://schemas.microsoft.com/office/powerpoint/2010/main" val="3200742922"/>
+      </p:ext>
+    </p:extLst>
+  </p:cSld>
+  <p:clrMapOvr>
+    <a:masterClrMapping/>
+  </p:clrMapOvr>
+</p:sld>
+</file>
+
+<file path=ppt/slides/slide21.xml><?xml version="1.0" encoding="utf-8"?>
+<p:sld xmlns:a="http://schemas.openxmlformats.org/drawingml/2006/main" xmlns:r="http://schemas.openxmlformats.org/officeDocument/2006/relationships" xmlns:p="http://schemas.openxmlformats.org/presentationml/2006/main">
+  <p:cSld>
+    <p:spTree>
+      <p:nvGrpSpPr>
+        <p:cNvPr id="1" name=""/>
+        <p:cNvGrpSpPr/>
+        <p:nvPr/>
+      </p:nvGrpSpPr>
+      <p:grpSpPr>
+        <a:xfrm>
+          <a:off x="0" y="0"/>
+          <a:ext cx="0" cy="0"/>
+          <a:chOff x="0" y="0"/>
+          <a:chExt cx="0" cy="0"/>
+        </a:xfrm>
+      </p:grpSpPr>
+      <p:pic>
+        <p:nvPicPr>
+          <p:cNvPr id="2" name="Picture 1">
+            <a:extLst>
+              <a:ext uri="{FF2B5EF4-FFF2-40B4-BE49-F238E27FC236}">
+                <a16:creationId xmlns:a16="http://schemas.microsoft.com/office/drawing/2014/main" id="{32023A7E-582B-F8C0-36B6-0C0A2D8EF9BD}"/>
+              </a:ext>
+            </a:extLst>
+          </p:cNvPr>
+          <p:cNvPicPr>
+            <a:picLocks noChangeAspect="1"/>
+          </p:cNvPicPr>
+          <p:nvPr/>
+        </p:nvPicPr>
+        <p:blipFill>
+          <a:blip r:embed="rId2"/>
+          <a:stretch>
+            <a:fillRect/>
+          </a:stretch>
+        </p:blipFill>
+        <p:spPr>
+          <a:xfrm>
+            <a:off x="734103" y="691659"/>
+            <a:ext cx="10723793" cy="5474682"/>
+          </a:xfrm>
+          <a:prstGeom prst="rect">
+            <a:avLst/>
+          </a:prstGeom>
+        </p:spPr>
+      </p:pic>
+    </p:spTree>
+    <p:extLst>
+      <p:ext uri="{BB962C8B-B14F-4D97-AF65-F5344CB8AC3E}">
+        <p14:creationId xmlns:p14="http://schemas.microsoft.com/office/powerpoint/2010/main" val="808542811"/>
+      </p:ext>
+    </p:extLst>
+  </p:cSld>
+  <p:clrMapOvr>
+    <a:masterClrMapping/>
+  </p:clrMapOvr>
+</p:sld>
+</file>
+
+<file path=ppt/slides/slide22.xml><?xml version="1.0" encoding="utf-8"?>
+<p:sld xmlns:a="http://schemas.openxmlformats.org/drawingml/2006/main" xmlns:r="http://schemas.openxmlformats.org/officeDocument/2006/relationships" xmlns:p="http://schemas.openxmlformats.org/presentationml/2006/main">
+  <p:cSld>
+    <p:spTree>
+      <p:nvGrpSpPr>
+        <p:cNvPr id="1" name=""/>
+        <p:cNvGrpSpPr/>
+        <p:nvPr/>
+      </p:nvGrpSpPr>
+      <p:grpSpPr>
+        <a:xfrm>
+          <a:off x="0" y="0"/>
+          <a:ext cx="0" cy="0"/>
+          <a:chOff x="0" y="0"/>
+          <a:chExt cx="0" cy="0"/>
+        </a:xfrm>
+      </p:grpSpPr>
+      <p:pic>
+        <p:nvPicPr>
+          <p:cNvPr id="3" name="Picture 2">
+            <a:extLst>
+              <a:ext uri="{FF2B5EF4-FFF2-40B4-BE49-F238E27FC236}">
+                <a16:creationId xmlns:a16="http://schemas.microsoft.com/office/drawing/2014/main" id="{D23E5464-78BE-CE96-996D-2BF7F5A44BD3}"/>
+              </a:ext>
+            </a:extLst>
+          </p:cNvPr>
+          <p:cNvPicPr>
+            <a:picLocks noChangeAspect="1"/>
+          </p:cNvPicPr>
+          <p:nvPr/>
+        </p:nvPicPr>
+        <p:blipFill>
+          <a:blip r:embed="rId2"/>
+          <a:stretch>
+            <a:fillRect/>
+          </a:stretch>
+        </p:blipFill>
+        <p:spPr>
+          <a:xfrm>
+            <a:off x="734103" y="691659"/>
+            <a:ext cx="10723793" cy="5474682"/>
+          </a:xfrm>
+          <a:prstGeom prst="rect">
+            <a:avLst/>
+          </a:prstGeom>
+          <a:ln>
+            <a:noFill/>
+          </a:ln>
+        </p:spPr>
+      </p:pic>
+    </p:spTree>
+    <p:extLst>
+      <p:ext uri="{BB962C8B-B14F-4D97-AF65-F5344CB8AC3E}">
+        <p14:creationId xmlns:p14="http://schemas.microsoft.com/office/powerpoint/2010/main" val="2769597317"/>
+      </p:ext>
+    </p:extLst>
+  </p:cSld>
+  <p:clrMapOvr>
+    <a:masterClrMapping/>
+  </p:clrMapOvr>
+</p:sld>
+</file>
+
+<file path=ppt/slides/slide23.xml><?xml version="1.0" encoding="utf-8"?>
+<p:sld xmlns:a="http://schemas.openxmlformats.org/drawingml/2006/main" xmlns:r="http://schemas.openxmlformats.org/officeDocument/2006/relationships" xmlns:p="http://schemas.openxmlformats.org/presentationml/2006/main">
+  <p:cSld>
+    <p:bg>
+      <p:bgPr>
+        <a:solidFill>
+          <a:schemeClr val="tx1">
+            <a:lumMod val="75000"/>
+            <a:lumOff val="25000"/>
+          </a:schemeClr>
+        </a:solidFill>
+        <a:effectLst/>
+      </p:bgPr>
+    </p:bg>
+    <p:spTree>
+      <p:nvGrpSpPr>
+        <p:cNvPr id="1" name=""/>
+        <p:cNvGrpSpPr/>
+        <p:nvPr/>
+      </p:nvGrpSpPr>
+      <p:grpSpPr>
+        <a:xfrm>
+          <a:off x="0" y="0"/>
+          <a:ext cx="0" cy="0"/>
+          <a:chOff x="0" y="0"/>
+          <a:chExt cx="0" cy="0"/>
+        </a:xfrm>
+      </p:grpSpPr>
+      <p:pic>
+        <p:nvPicPr>
+          <p:cNvPr id="5" name="Picture 4">
+            <a:extLst>
+              <a:ext uri="{FF2B5EF4-FFF2-40B4-BE49-F238E27FC236}">
+                <a16:creationId xmlns:a16="http://schemas.microsoft.com/office/drawing/2014/main" id="{39BB3F98-BE25-577B-9CAB-4769E11FA179}"/>
+              </a:ext>
+            </a:extLst>
+          </p:cNvPr>
+          <p:cNvPicPr>
+            <a:picLocks noChangeAspect="1"/>
+          </p:cNvPicPr>
+          <p:nvPr/>
+        </p:nvPicPr>
+        <p:blipFill>
+          <a:blip r:embed="rId3">
+            <a:extLst>
+              <a:ext uri="{28A0092B-C50C-407E-A947-70E740481C1C}">
+                <a14:useLocalDpi xmlns:a14="http://schemas.microsoft.com/office/drawing/2010/main" val="0"/>
+              </a:ext>
+            </a:extLst>
+          </a:blip>
+          <a:stretch>
+            <a:fillRect/>
+          </a:stretch>
+        </p:blipFill>
+        <p:spPr>
+          <a:xfrm>
+            <a:off x="2934414" y="1591143"/>
+            <a:ext cx="6429240" cy="4396154"/>
+          </a:xfrm>
+          <a:prstGeom prst="rect">
+            <a:avLst/>
+          </a:prstGeom>
+        </p:spPr>
+      </p:pic>
+      <p:grpSp>
+        <p:nvGrpSpPr>
+          <p:cNvPr id="6" name="Group 5">
+            <a:extLst>
+              <a:ext uri="{FF2B5EF4-FFF2-40B4-BE49-F238E27FC236}">
+                <a16:creationId xmlns:a16="http://schemas.microsoft.com/office/drawing/2014/main" id="{E7862747-8AA7-C614-0358-BE0F5196EE05}"/>
+              </a:ext>
+            </a:extLst>
+          </p:cNvPr>
+          <p:cNvGrpSpPr/>
+          <p:nvPr/>
+        </p:nvGrpSpPr>
+        <p:grpSpPr>
+          <a:xfrm>
+            <a:off x="2440781" y="1427948"/>
+            <a:ext cx="2102795" cy="570612"/>
+            <a:chOff x="1922737" y="1041642"/>
+            <a:chExt cx="2505572" cy="679907"/>
+          </a:xfrm>
+        </p:grpSpPr>
+        <p:cxnSp>
+          <p:nvCxnSpPr>
+            <p:cNvPr id="7" name="Straight Connector 6">
+              <a:extLst>
+                <a:ext uri="{FF2B5EF4-FFF2-40B4-BE49-F238E27FC236}">
+                  <a16:creationId xmlns:a16="http://schemas.microsoft.com/office/drawing/2014/main" id="{8F40AB6D-55D5-6C44-020E-FAE98A9A866C}"/>
+                </a:ext>
+              </a:extLst>
+            </p:cNvPr>
+            <p:cNvCxnSpPr/>
+            <p:nvPr/>
+          </p:nvCxnSpPr>
+          <p:spPr>
+            <a:xfrm flipH="1" flipV="1">
+              <a:off x="3553097" y="1042280"/>
+              <a:ext cx="875212" cy="679269"/>
+            </a:xfrm>
+            <a:prstGeom prst="line">
+              <a:avLst/>
+            </a:prstGeom>
+            <a:ln w="38100" cap="rnd">
+              <a:solidFill>
+                <a:schemeClr val="bg1"/>
+              </a:solidFill>
+              <a:round/>
+            </a:ln>
+          </p:spPr>
+          <p:style>
+            <a:lnRef idx="2">
+              <a:schemeClr val="accent1"/>
+            </a:lnRef>
+            <a:fillRef idx="0">
+              <a:schemeClr val="accent1"/>
+            </a:fillRef>
+            <a:effectRef idx="1">
+              <a:schemeClr val="accent1"/>
+            </a:effectRef>
+            <a:fontRef idx="minor">
+              <a:schemeClr val="tx1"/>
+            </a:fontRef>
+          </p:style>
+        </p:cxnSp>
+        <p:cxnSp>
+          <p:nvCxnSpPr>
+            <p:cNvPr id="8" name="Straight Connector 7">
+              <a:extLst>
+                <a:ext uri="{FF2B5EF4-FFF2-40B4-BE49-F238E27FC236}">
+                  <a16:creationId xmlns:a16="http://schemas.microsoft.com/office/drawing/2014/main" id="{235930A1-32BC-80D3-9E0F-8C52F7057D2A}"/>
+                </a:ext>
+              </a:extLst>
+            </p:cNvPr>
+            <p:cNvCxnSpPr>
+              <a:cxnSpLocks/>
+            </p:cNvCxnSpPr>
+            <p:nvPr/>
+          </p:nvCxnSpPr>
+          <p:spPr>
+            <a:xfrm flipH="1">
+              <a:off x="1922737" y="1041642"/>
+              <a:ext cx="1627915" cy="0"/>
+            </a:xfrm>
+            <a:prstGeom prst="line">
+              <a:avLst/>
+            </a:prstGeom>
+            <a:ln w="38100" cap="rnd">
+              <a:solidFill>
+                <a:schemeClr val="bg1"/>
+              </a:solidFill>
+              <a:round/>
+            </a:ln>
+          </p:spPr>
+          <p:style>
+            <a:lnRef idx="2">
+              <a:schemeClr val="accent1"/>
+            </a:lnRef>
+            <a:fillRef idx="0">
+              <a:schemeClr val="accent1"/>
+            </a:fillRef>
+            <a:effectRef idx="1">
+              <a:schemeClr val="accent1"/>
+            </a:effectRef>
+            <a:fontRef idx="minor">
+              <a:schemeClr val="tx1"/>
+            </a:fontRef>
+          </p:style>
+        </p:cxnSp>
+      </p:grpSp>
+      <p:sp>
+        <p:nvSpPr>
+          <p:cNvPr id="9" name="TextBox 8">
+            <a:extLst>
+              <a:ext uri="{FF2B5EF4-FFF2-40B4-BE49-F238E27FC236}">
+                <a16:creationId xmlns:a16="http://schemas.microsoft.com/office/drawing/2014/main" id="{DA65865A-44C5-F88D-04FB-CC02AE5569CD}"/>
+              </a:ext>
+            </a:extLst>
+          </p:cNvPr>
+          <p:cNvSpPr txBox="1"/>
+          <p:nvPr/>
+        </p:nvSpPr>
+        <p:spPr>
+          <a:xfrm>
+            <a:off x="2163272" y="1069661"/>
+            <a:ext cx="1955409" cy="369332"/>
+          </a:xfrm>
+          <a:prstGeom prst="rect">
+            <a:avLst/>
+          </a:prstGeom>
+          <a:noFill/>
+        </p:spPr>
+        <p:txBody>
+          <a:bodyPr wrap="square" rtlCol="0">
+            <a:spAutoFit/>
+          </a:bodyPr>
+          <a:lstStyle/>
+          <a:p>
+            <a:pPr algn="ctr"/>
+            <a:r>
+              <a:rPr lang="en-US" dirty="0">
+                <a:solidFill>
+                  <a:schemeClr val="bg1"/>
+                </a:solidFill>
+                <a:latin typeface="Century Gothic" panose="020B0502020202020204" pitchFamily="34" charset="0"/>
+              </a:rPr>
+              <a:t>Play/Pause</a:t>
+            </a:r>
+            <a:endParaRPr lang="en-IN" dirty="0">
+              <a:solidFill>
+                <a:schemeClr val="bg1"/>
+              </a:solidFill>
+              <a:latin typeface="Century Gothic" panose="020B0502020202020204" pitchFamily="34" charset="0"/>
+            </a:endParaRPr>
+          </a:p>
+        </p:txBody>
+      </p:sp>
+      <p:grpSp>
+        <p:nvGrpSpPr>
+          <p:cNvPr id="14" name="Group 13">
+            <a:extLst>
+              <a:ext uri="{FF2B5EF4-FFF2-40B4-BE49-F238E27FC236}">
+                <a16:creationId xmlns:a16="http://schemas.microsoft.com/office/drawing/2014/main" id="{18D21739-CC09-7959-C08F-0369F4F0E23F}"/>
+              </a:ext>
+            </a:extLst>
+          </p:cNvPr>
+          <p:cNvGrpSpPr/>
+          <p:nvPr/>
+        </p:nvGrpSpPr>
+        <p:grpSpPr>
+          <a:xfrm flipV="1">
+            <a:off x="1703240" y="3544282"/>
+            <a:ext cx="5468648" cy="1048289"/>
+            <a:chOff x="-1354462" y="1041642"/>
+            <a:chExt cx="6516133" cy="1249079"/>
+          </a:xfrm>
+        </p:grpSpPr>
+        <p:cxnSp>
+          <p:nvCxnSpPr>
+            <p:cNvPr id="15" name="Straight Connector 14">
+              <a:extLst>
+                <a:ext uri="{FF2B5EF4-FFF2-40B4-BE49-F238E27FC236}">
+                  <a16:creationId xmlns:a16="http://schemas.microsoft.com/office/drawing/2014/main" id="{2D565F08-1426-BB26-5E61-0FABA3027B29}"/>
+                </a:ext>
+              </a:extLst>
+            </p:cNvPr>
+            <p:cNvCxnSpPr>
+              <a:cxnSpLocks/>
+            </p:cNvCxnSpPr>
+            <p:nvPr/>
+          </p:nvCxnSpPr>
+          <p:spPr>
+            <a:xfrm flipH="1" flipV="1">
+              <a:off x="3553098" y="1042279"/>
+              <a:ext cx="1608573" cy="1248442"/>
+            </a:xfrm>
+            <a:prstGeom prst="line">
+              <a:avLst/>
+            </a:prstGeom>
+            <a:ln w="38100" cap="rnd">
+              <a:solidFill>
+                <a:schemeClr val="bg1"/>
+              </a:solidFill>
+              <a:round/>
+            </a:ln>
+          </p:spPr>
+          <p:style>
+            <a:lnRef idx="2">
+              <a:schemeClr val="accent1"/>
+            </a:lnRef>
+            <a:fillRef idx="0">
+              <a:schemeClr val="accent1"/>
+            </a:fillRef>
+            <a:effectRef idx="1">
+              <a:schemeClr val="accent1"/>
+            </a:effectRef>
+            <a:fontRef idx="minor">
+              <a:schemeClr val="tx1"/>
+            </a:fontRef>
+          </p:style>
+        </p:cxnSp>
+        <p:cxnSp>
+          <p:nvCxnSpPr>
+            <p:cNvPr id="16" name="Straight Connector 15">
+              <a:extLst>
+                <a:ext uri="{FF2B5EF4-FFF2-40B4-BE49-F238E27FC236}">
+                  <a16:creationId xmlns:a16="http://schemas.microsoft.com/office/drawing/2014/main" id="{ED7F7A61-D527-1C81-1297-87693914F9CB}"/>
+                </a:ext>
+              </a:extLst>
+            </p:cNvPr>
+            <p:cNvCxnSpPr>
+              <a:cxnSpLocks/>
+            </p:cNvCxnSpPr>
+            <p:nvPr/>
+          </p:nvCxnSpPr>
+          <p:spPr>
+            <a:xfrm flipH="1" flipV="1">
+              <a:off x="-1354462" y="1041642"/>
+              <a:ext cx="4905114" cy="0"/>
+            </a:xfrm>
+            <a:prstGeom prst="line">
+              <a:avLst/>
+            </a:prstGeom>
+            <a:ln w="38100" cap="rnd">
+              <a:solidFill>
+                <a:schemeClr val="bg1"/>
+              </a:solidFill>
+              <a:round/>
+            </a:ln>
+          </p:spPr>
+          <p:style>
+            <a:lnRef idx="2">
+              <a:schemeClr val="accent1"/>
+            </a:lnRef>
+            <a:fillRef idx="0">
+              <a:schemeClr val="accent1"/>
+            </a:fillRef>
+            <a:effectRef idx="1">
+              <a:schemeClr val="accent1"/>
+            </a:effectRef>
+            <a:fontRef idx="minor">
+              <a:schemeClr val="tx1"/>
+            </a:fontRef>
+          </p:style>
+        </p:cxnSp>
+      </p:grpSp>
+      <p:sp>
+        <p:nvSpPr>
+          <p:cNvPr id="25" name="TextBox 24">
+            <a:extLst>
+              <a:ext uri="{FF2B5EF4-FFF2-40B4-BE49-F238E27FC236}">
+                <a16:creationId xmlns:a16="http://schemas.microsoft.com/office/drawing/2014/main" id="{3B613CDB-7F82-54F3-EF53-12C9BFDF9273}"/>
+              </a:ext>
+            </a:extLst>
+          </p:cNvPr>
+          <p:cNvSpPr txBox="1"/>
+          <p:nvPr/>
+        </p:nvSpPr>
+        <p:spPr>
+          <a:xfrm>
+            <a:off x="1476932" y="4225039"/>
+            <a:ext cx="1955409" cy="369332"/>
+          </a:xfrm>
+          <a:prstGeom prst="rect">
+            <a:avLst/>
+          </a:prstGeom>
+          <a:noFill/>
+        </p:spPr>
+        <p:txBody>
+          <a:bodyPr wrap="square" rtlCol="0">
+            <a:spAutoFit/>
+          </a:bodyPr>
+          <a:lstStyle/>
+          <a:p>
+            <a:pPr algn="ctr"/>
+            <a:r>
+              <a:rPr lang="en-US" dirty="0">
+                <a:solidFill>
+                  <a:schemeClr val="bg1"/>
+                </a:solidFill>
+                <a:latin typeface="Century Gothic" panose="020B0502020202020204" pitchFamily="34" charset="0"/>
+              </a:rPr>
+              <a:t>Movement</a:t>
+            </a:r>
+            <a:endParaRPr lang="en-IN" dirty="0">
+              <a:solidFill>
+                <a:schemeClr val="bg1"/>
+              </a:solidFill>
+              <a:latin typeface="Century Gothic" panose="020B0502020202020204" pitchFamily="34" charset="0"/>
+            </a:endParaRPr>
+          </a:p>
+        </p:txBody>
+      </p:sp>
+      <p:grpSp>
+        <p:nvGrpSpPr>
+          <p:cNvPr id="27" name="Group 26">
+            <a:extLst>
+              <a:ext uri="{FF2B5EF4-FFF2-40B4-BE49-F238E27FC236}">
+                <a16:creationId xmlns:a16="http://schemas.microsoft.com/office/drawing/2014/main" id="{D9F3A35E-7687-51E0-B8DE-62D7A503EA4B}"/>
+              </a:ext>
+            </a:extLst>
+          </p:cNvPr>
+          <p:cNvGrpSpPr/>
+          <p:nvPr/>
+        </p:nvGrpSpPr>
+        <p:grpSpPr>
+          <a:xfrm flipH="1" flipV="1">
+            <a:off x="7984508" y="3252644"/>
+            <a:ext cx="2503379" cy="570612"/>
+            <a:chOff x="1445424" y="1041642"/>
+            <a:chExt cx="2982885" cy="679907"/>
+          </a:xfrm>
+        </p:grpSpPr>
+        <p:cxnSp>
+          <p:nvCxnSpPr>
+            <p:cNvPr id="28" name="Straight Connector 27">
+              <a:extLst>
+                <a:ext uri="{FF2B5EF4-FFF2-40B4-BE49-F238E27FC236}">
+                  <a16:creationId xmlns:a16="http://schemas.microsoft.com/office/drawing/2014/main" id="{3CC9CF02-5514-3436-20A1-8A305ECE0360}"/>
+                </a:ext>
+              </a:extLst>
+            </p:cNvPr>
+            <p:cNvCxnSpPr/>
+            <p:nvPr/>
+          </p:nvCxnSpPr>
+          <p:spPr>
+            <a:xfrm flipH="1" flipV="1">
+              <a:off x="3553097" y="1042280"/>
+              <a:ext cx="875212" cy="679269"/>
+            </a:xfrm>
+            <a:prstGeom prst="line">
+              <a:avLst/>
+            </a:prstGeom>
+            <a:ln w="38100" cap="rnd">
+              <a:solidFill>
+                <a:schemeClr val="bg1"/>
+              </a:solidFill>
+              <a:round/>
+            </a:ln>
+          </p:spPr>
+          <p:style>
+            <a:lnRef idx="2">
+              <a:schemeClr val="accent1"/>
+            </a:lnRef>
+            <a:fillRef idx="0">
+              <a:schemeClr val="accent1"/>
+            </a:fillRef>
+            <a:effectRef idx="1">
+              <a:schemeClr val="accent1"/>
+            </a:effectRef>
+            <a:fontRef idx="minor">
+              <a:schemeClr val="tx1"/>
+            </a:fontRef>
+          </p:style>
+        </p:cxnSp>
+        <p:cxnSp>
+          <p:nvCxnSpPr>
+            <p:cNvPr id="29" name="Straight Connector 28">
+              <a:extLst>
+                <a:ext uri="{FF2B5EF4-FFF2-40B4-BE49-F238E27FC236}">
+                  <a16:creationId xmlns:a16="http://schemas.microsoft.com/office/drawing/2014/main" id="{509413CE-9B57-3786-78F4-0B40817AD5B4}"/>
+                </a:ext>
+              </a:extLst>
+            </p:cNvPr>
+            <p:cNvCxnSpPr>
+              <a:cxnSpLocks/>
+            </p:cNvCxnSpPr>
+            <p:nvPr/>
+          </p:nvCxnSpPr>
+          <p:spPr>
+            <a:xfrm flipH="1" flipV="1">
+              <a:off x="1445424" y="1041642"/>
+              <a:ext cx="2105229" cy="0"/>
+            </a:xfrm>
+            <a:prstGeom prst="line">
+              <a:avLst/>
+            </a:prstGeom>
+            <a:ln w="38100" cap="rnd">
+              <a:solidFill>
+                <a:schemeClr val="bg1"/>
+              </a:solidFill>
+              <a:round/>
+            </a:ln>
+          </p:spPr>
+          <p:style>
+            <a:lnRef idx="2">
+              <a:schemeClr val="accent1"/>
+            </a:lnRef>
+            <a:fillRef idx="0">
+              <a:schemeClr val="accent1"/>
+            </a:fillRef>
+            <a:effectRef idx="1">
+              <a:schemeClr val="accent1"/>
+            </a:effectRef>
+            <a:fontRef idx="minor">
+              <a:schemeClr val="tx1"/>
+            </a:fontRef>
+          </p:style>
+        </p:cxnSp>
+      </p:grpSp>
+      <p:cxnSp>
+        <p:nvCxnSpPr>
+          <p:cNvPr id="32" name="Straight Connector 31">
+            <a:extLst>
+              <a:ext uri="{FF2B5EF4-FFF2-40B4-BE49-F238E27FC236}">
+                <a16:creationId xmlns:a16="http://schemas.microsoft.com/office/drawing/2014/main" id="{76CE73B6-A0AD-0941-6766-05F2431F82B4}"/>
+              </a:ext>
+            </a:extLst>
+          </p:cNvPr>
+          <p:cNvCxnSpPr>
+            <a:cxnSpLocks/>
+          </p:cNvCxnSpPr>
+          <p:nvPr/>
+        </p:nvCxnSpPr>
+        <p:spPr>
+          <a:xfrm>
+            <a:off x="8369951" y="2825986"/>
+            <a:ext cx="2117936" cy="0"/>
+          </a:xfrm>
+          <a:prstGeom prst="line">
+            <a:avLst/>
+          </a:prstGeom>
+          <a:ln w="38100" cap="rnd">
+            <a:solidFill>
+              <a:schemeClr val="bg1"/>
+            </a:solidFill>
+            <a:round/>
+          </a:ln>
+        </p:spPr>
+        <p:style>
+          <a:lnRef idx="2">
+            <a:schemeClr val="accent1"/>
+          </a:lnRef>
+          <a:fillRef idx="0">
+            <a:schemeClr val="accent1"/>
+          </a:fillRef>
+          <a:effectRef idx="1">
+            <a:schemeClr val="accent1"/>
+          </a:effectRef>
+          <a:fontRef idx="minor">
+            <a:schemeClr val="tx1"/>
+          </a:fontRef>
+        </p:style>
+      </p:cxnSp>
+      <p:grpSp>
+        <p:nvGrpSpPr>
+          <p:cNvPr id="36" name="Group 35">
+            <a:extLst>
+              <a:ext uri="{FF2B5EF4-FFF2-40B4-BE49-F238E27FC236}">
+                <a16:creationId xmlns:a16="http://schemas.microsoft.com/office/drawing/2014/main" id="{1B430F12-AFE0-2E04-EE06-8B5DE1564AFE}"/>
+              </a:ext>
+            </a:extLst>
+          </p:cNvPr>
+          <p:cNvGrpSpPr/>
+          <p:nvPr/>
+        </p:nvGrpSpPr>
+        <p:grpSpPr>
+          <a:xfrm flipH="1">
+            <a:off x="7984508" y="1828716"/>
+            <a:ext cx="2503379" cy="570612"/>
+            <a:chOff x="1445424" y="1041642"/>
+            <a:chExt cx="2982885" cy="679907"/>
+          </a:xfrm>
+        </p:grpSpPr>
+        <p:cxnSp>
+          <p:nvCxnSpPr>
+            <p:cNvPr id="37" name="Straight Connector 36">
+              <a:extLst>
+                <a:ext uri="{FF2B5EF4-FFF2-40B4-BE49-F238E27FC236}">
+                  <a16:creationId xmlns:a16="http://schemas.microsoft.com/office/drawing/2014/main" id="{CE72709C-35CF-2E83-AD54-DC02ACA943B5}"/>
+                </a:ext>
+              </a:extLst>
+            </p:cNvPr>
+            <p:cNvCxnSpPr/>
+            <p:nvPr/>
+          </p:nvCxnSpPr>
+          <p:spPr>
+            <a:xfrm flipH="1" flipV="1">
+              <a:off x="3553097" y="1042280"/>
+              <a:ext cx="875212" cy="679269"/>
+            </a:xfrm>
+            <a:prstGeom prst="line">
+              <a:avLst/>
+            </a:prstGeom>
+            <a:ln w="38100" cap="rnd">
+              <a:solidFill>
+                <a:schemeClr val="bg1"/>
+              </a:solidFill>
+              <a:round/>
+            </a:ln>
+          </p:spPr>
+          <p:style>
+            <a:lnRef idx="2">
+              <a:schemeClr val="accent1"/>
+            </a:lnRef>
+            <a:fillRef idx="0">
+              <a:schemeClr val="accent1"/>
+            </a:fillRef>
+            <a:effectRef idx="1">
+              <a:schemeClr val="accent1"/>
+            </a:effectRef>
+            <a:fontRef idx="minor">
+              <a:schemeClr val="tx1"/>
+            </a:fontRef>
+          </p:style>
+        </p:cxnSp>
+        <p:cxnSp>
+          <p:nvCxnSpPr>
+            <p:cNvPr id="38" name="Straight Connector 37">
+              <a:extLst>
+                <a:ext uri="{FF2B5EF4-FFF2-40B4-BE49-F238E27FC236}">
+                  <a16:creationId xmlns:a16="http://schemas.microsoft.com/office/drawing/2014/main" id="{68C03E46-C0B8-AADD-6B21-4682BB45D607}"/>
+                </a:ext>
+              </a:extLst>
+            </p:cNvPr>
+            <p:cNvCxnSpPr>
+              <a:cxnSpLocks/>
+            </p:cNvCxnSpPr>
+            <p:nvPr/>
+          </p:nvCxnSpPr>
+          <p:spPr>
+            <a:xfrm flipH="1" flipV="1">
+              <a:off x="1445424" y="1041642"/>
+              <a:ext cx="2105229" cy="0"/>
+            </a:xfrm>
+            <a:prstGeom prst="line">
+              <a:avLst/>
+            </a:prstGeom>
+            <a:ln w="38100" cap="rnd">
+              <a:solidFill>
+                <a:schemeClr val="bg1"/>
+              </a:solidFill>
+              <a:round/>
+            </a:ln>
+          </p:spPr>
+          <p:style>
+            <a:lnRef idx="2">
+              <a:schemeClr val="accent1"/>
+            </a:lnRef>
+            <a:fillRef idx="0">
+              <a:schemeClr val="accent1"/>
+            </a:fillRef>
+            <a:effectRef idx="1">
+              <a:schemeClr val="accent1"/>
+            </a:effectRef>
+            <a:fontRef idx="minor">
+              <a:schemeClr val="tx1"/>
+            </a:fontRef>
+          </p:style>
+        </p:cxnSp>
+      </p:grpSp>
+      <p:grpSp>
+        <p:nvGrpSpPr>
+          <p:cNvPr id="39" name="Group 38">
+            <a:extLst>
+              <a:ext uri="{FF2B5EF4-FFF2-40B4-BE49-F238E27FC236}">
+                <a16:creationId xmlns:a16="http://schemas.microsoft.com/office/drawing/2014/main" id="{BE6BC586-DE66-C7D6-D9C7-F9F2A90CB1DB}"/>
+              </a:ext>
+            </a:extLst>
+          </p:cNvPr>
+          <p:cNvGrpSpPr/>
+          <p:nvPr/>
+        </p:nvGrpSpPr>
+        <p:grpSpPr>
+          <a:xfrm>
+            <a:off x="5015342" y="1787500"/>
+            <a:ext cx="2521650" cy="954482"/>
+            <a:chOff x="2012994" y="1041642"/>
+            <a:chExt cx="3004656" cy="1137306"/>
+          </a:xfrm>
+        </p:grpSpPr>
+        <p:cxnSp>
+          <p:nvCxnSpPr>
+            <p:cNvPr id="40" name="Straight Connector 39">
+              <a:extLst>
+                <a:ext uri="{FF2B5EF4-FFF2-40B4-BE49-F238E27FC236}">
+                  <a16:creationId xmlns:a16="http://schemas.microsoft.com/office/drawing/2014/main" id="{1F23C2E3-612F-F681-4866-77FF059FD82D}"/>
+                </a:ext>
+              </a:extLst>
+            </p:cNvPr>
+            <p:cNvCxnSpPr>
+              <a:cxnSpLocks/>
+            </p:cNvCxnSpPr>
+            <p:nvPr/>
+          </p:nvCxnSpPr>
+          <p:spPr>
+            <a:xfrm flipH="1" flipV="1">
+              <a:off x="3553096" y="1042279"/>
+              <a:ext cx="1464554" cy="1136669"/>
+            </a:xfrm>
+            <a:prstGeom prst="line">
+              <a:avLst/>
+            </a:prstGeom>
+            <a:ln w="38100" cap="rnd">
+              <a:solidFill>
+                <a:schemeClr val="bg1"/>
+              </a:solidFill>
+              <a:round/>
+            </a:ln>
+          </p:spPr>
+          <p:style>
+            <a:lnRef idx="2">
+              <a:schemeClr val="accent1"/>
+            </a:lnRef>
+            <a:fillRef idx="0">
+              <a:schemeClr val="accent1"/>
+            </a:fillRef>
+            <a:effectRef idx="1">
+              <a:schemeClr val="accent1"/>
+            </a:effectRef>
+            <a:fontRef idx="minor">
+              <a:schemeClr val="tx1"/>
+            </a:fontRef>
+          </p:style>
+        </p:cxnSp>
+        <p:cxnSp>
+          <p:nvCxnSpPr>
+            <p:cNvPr id="41" name="Straight Connector 40">
+              <a:extLst>
+                <a:ext uri="{FF2B5EF4-FFF2-40B4-BE49-F238E27FC236}">
+                  <a16:creationId xmlns:a16="http://schemas.microsoft.com/office/drawing/2014/main" id="{B250D81D-AE11-1E72-4DBB-74935BB656A2}"/>
+                </a:ext>
+              </a:extLst>
+            </p:cNvPr>
+            <p:cNvCxnSpPr>
+              <a:cxnSpLocks/>
+            </p:cNvCxnSpPr>
+            <p:nvPr/>
+          </p:nvCxnSpPr>
+          <p:spPr>
+            <a:xfrm flipH="1">
+              <a:off x="2012994" y="1041642"/>
+              <a:ext cx="1537658" cy="0"/>
+            </a:xfrm>
+            <a:prstGeom prst="line">
+              <a:avLst/>
+            </a:prstGeom>
+            <a:ln w="38100" cap="rnd">
+              <a:solidFill>
+                <a:schemeClr val="bg1"/>
+              </a:solidFill>
+              <a:round/>
+            </a:ln>
+          </p:spPr>
+          <p:style>
+            <a:lnRef idx="2">
+              <a:schemeClr val="accent1"/>
+            </a:lnRef>
+            <a:fillRef idx="0">
+              <a:schemeClr val="accent1"/>
+            </a:fillRef>
+            <a:effectRef idx="1">
+              <a:schemeClr val="accent1"/>
+            </a:effectRef>
+            <a:fontRef idx="minor">
+              <a:schemeClr val="tx1"/>
+            </a:fontRef>
+          </p:style>
+        </p:cxnSp>
+      </p:grpSp>
+    </p:spTree>
+    <p:extLst>
+      <p:ext uri="{BB962C8B-B14F-4D97-AF65-F5344CB8AC3E}">
+        <p14:creationId xmlns:p14="http://schemas.microsoft.com/office/powerpoint/2010/main" val="3304324998"/>
+      </p:ext>
+    </p:extLst>
+  </p:cSld>
+  <p:clrMapOvr>
+    <a:masterClrMapping/>
+  </p:clrMapOvr>
+</p:sld>
+</file>
+
+<file path=ppt/slides/slide24.xml><?xml version="1.0" encoding="utf-8"?>
+<p:sld xmlns:a="http://schemas.openxmlformats.org/drawingml/2006/main" xmlns:r="http://schemas.openxmlformats.org/officeDocument/2006/relationships" xmlns:p="http://schemas.openxmlformats.org/presentationml/2006/main">
+  <p:cSld>
+    <p:spTree>
+      <p:nvGrpSpPr>
+        <p:cNvPr id="1" name=""/>
+        <p:cNvGrpSpPr/>
+        <p:nvPr/>
+      </p:nvGrpSpPr>
+      <p:grpSpPr>
+        <a:xfrm>
+          <a:off x="0" y="0"/>
+          <a:ext cx="0" cy="0"/>
+          <a:chOff x="0" y="0"/>
+          <a:chExt cx="0" cy="0"/>
+        </a:xfrm>
+      </p:grpSpPr>
+      <p:pic>
+        <p:nvPicPr>
+          <p:cNvPr id="3" name="Graphic 2" descr="Car with solid fill">
+            <a:extLst>
+              <a:ext uri="{FF2B5EF4-FFF2-40B4-BE49-F238E27FC236}">
+                <a16:creationId xmlns:a16="http://schemas.microsoft.com/office/drawing/2014/main" id="{8736F8CF-7EF7-4662-AFF7-098DC00F6382}"/>
+              </a:ext>
+            </a:extLst>
+          </p:cNvPr>
+          <p:cNvPicPr>
+            <a:picLocks noChangeAspect="1"/>
+          </p:cNvPicPr>
+          <p:nvPr/>
+        </p:nvPicPr>
+        <p:blipFill>
+          <a:blip r:embed="rId2">
+            <a:extLst>
+              <a:ext uri="{28A0092B-C50C-407E-A947-70E740481C1C}">
+                <a14:useLocalDpi xmlns:a14="http://schemas.microsoft.com/office/drawing/2010/main" val="0"/>
+              </a:ext>
+              <a:ext uri="{96DAC541-7B7A-43D3-8B79-37D633B846F1}">
+                <asvg:svgBlip xmlns:asvg="http://schemas.microsoft.com/office/drawing/2016/SVG/main" r:embed="rId3"/>
+              </a:ext>
+            </a:extLst>
+          </a:blip>
+          <a:stretch>
+            <a:fillRect/>
+          </a:stretch>
+        </p:blipFill>
+        <p:spPr>
+          <a:xfrm>
+            <a:off x="845128" y="2355273"/>
+            <a:ext cx="4738254" cy="4738254"/>
+          </a:xfrm>
+          <a:prstGeom prst="rect">
+            <a:avLst/>
+          </a:prstGeom>
+        </p:spPr>
+      </p:pic>
+      <p:sp>
+        <p:nvSpPr>
+          <p:cNvPr id="4" name="TextBox 3">
+            <a:extLst>
+              <a:ext uri="{FF2B5EF4-FFF2-40B4-BE49-F238E27FC236}">
+                <a16:creationId xmlns:a16="http://schemas.microsoft.com/office/drawing/2014/main" id="{4CB60D67-9030-F3F7-4A11-BAFA027C69D1}"/>
+              </a:ext>
+            </a:extLst>
+          </p:cNvPr>
+          <p:cNvSpPr txBox="1"/>
+          <p:nvPr/>
+        </p:nvSpPr>
+        <p:spPr>
+          <a:xfrm>
+            <a:off x="748146" y="965261"/>
+            <a:ext cx="8298873" cy="1107996"/>
+          </a:xfrm>
+          <a:prstGeom prst="rect">
+            <a:avLst/>
+          </a:prstGeom>
+          <a:noFill/>
+        </p:spPr>
+        <p:txBody>
+          <a:bodyPr wrap="square" rtlCol="0">
+            <a:spAutoFit/>
+          </a:bodyPr>
+          <a:lstStyle/>
+          <a:p>
+            <a:pPr algn="ctr"/>
+            <a:r>
+              <a:rPr lang="en-US" sz="6600" dirty="0">
+                <a:solidFill>
+                  <a:srgbClr val="FF0000"/>
+                </a:solidFill>
+                <a:latin typeface="Century Gothic" panose="020B0502020202020204" pitchFamily="34" charset="0"/>
+              </a:rPr>
+              <a:t>DEAD-END-SUNRISE</a:t>
+            </a:r>
+            <a:endParaRPr lang="en-IN" sz="6600" dirty="0">
+              <a:solidFill>
+                <a:srgbClr val="FF0000"/>
+              </a:solidFill>
+              <a:latin typeface="Century Gothic" panose="020B0502020202020204" pitchFamily="34" charset="0"/>
+            </a:endParaRPr>
+          </a:p>
+        </p:txBody>
+      </p:sp>
+      <p:sp>
+        <p:nvSpPr>
+          <p:cNvPr id="5" name="TextBox 4">
+            <a:extLst>
+              <a:ext uri="{FF2B5EF4-FFF2-40B4-BE49-F238E27FC236}">
+                <a16:creationId xmlns:a16="http://schemas.microsoft.com/office/drawing/2014/main" id="{AD824EEF-8919-36E3-7DEF-82F28EE05E66}"/>
+              </a:ext>
+            </a:extLst>
+          </p:cNvPr>
+          <p:cNvSpPr txBox="1"/>
+          <p:nvPr/>
+        </p:nvSpPr>
+        <p:spPr>
+          <a:xfrm>
+            <a:off x="7564582" y="3419004"/>
+            <a:ext cx="2964873" cy="1077218"/>
+          </a:xfrm>
+          <a:prstGeom prst="rect">
+            <a:avLst/>
+          </a:prstGeom>
+          <a:noFill/>
+        </p:spPr>
+        <p:txBody>
+          <a:bodyPr wrap="square" rtlCol="0">
+            <a:spAutoFit/>
+          </a:bodyPr>
+          <a:lstStyle/>
+          <a:p>
+            <a:pPr algn="ctr"/>
+            <a:r>
+              <a:rPr lang="en-US" sz="3200" dirty="0">
+                <a:latin typeface="Century Gothic" panose="020B0502020202020204" pitchFamily="34" charset="0"/>
+              </a:rPr>
+              <a:t>Press “O” to START</a:t>
+            </a:r>
+            <a:endParaRPr lang="en-IN" sz="3200" dirty="0">
+              <a:latin typeface="Century Gothic" panose="020B0502020202020204" pitchFamily="34" charset="0"/>
+            </a:endParaRPr>
+          </a:p>
+        </p:txBody>
+      </p:sp>
+    </p:spTree>
+    <p:extLst>
+      <p:ext uri="{BB962C8B-B14F-4D97-AF65-F5344CB8AC3E}">
+        <p14:creationId xmlns:p14="http://schemas.microsoft.com/office/powerpoint/2010/main" val="245437243"/>
       </p:ext>
     </p:extLst>
   </p:cSld>
@@ -10563,4 +12195,319 @@
     </a:ext>
   </a:extLst>
 </a:theme>
+</file>
+
+<file path=ppt/theme/theme2.xml><?xml version="1.0" encoding="utf-8"?>
+<a:theme xmlns:a="http://schemas.openxmlformats.org/drawingml/2006/main" name="Office Theme">
+  <a:themeElements>
+    <a:clrScheme name="Office">
+      <a:dk1>
+        <a:sysClr val="windowText" lastClr="000000"/>
+      </a:dk1>
+      <a:lt1>
+        <a:sysClr val="window" lastClr="FFFFFF"/>
+      </a:lt1>
+      <a:dk2>
+        <a:srgbClr val="0E2841"/>
+      </a:dk2>
+      <a:lt2>
+        <a:srgbClr val="E8E8E8"/>
+      </a:lt2>
+      <a:accent1>
+        <a:srgbClr val="156082"/>
+      </a:accent1>
+      <a:accent2>
+        <a:srgbClr val="E97132"/>
+      </a:accent2>
+      <a:accent3>
+        <a:srgbClr val="196B24"/>
+      </a:accent3>
+      <a:accent4>
+        <a:srgbClr val="0F9ED5"/>
+      </a:accent4>
+      <a:accent5>
+        <a:srgbClr val="A02B93"/>
+      </a:accent5>
+      <a:accent6>
+        <a:srgbClr val="4EA72E"/>
+      </a:accent6>
+      <a:hlink>
+        <a:srgbClr val="467886"/>
+      </a:hlink>
+      <a:folHlink>
+        <a:srgbClr val="96607D"/>
+      </a:folHlink>
+    </a:clrScheme>
+    <a:fontScheme name="Office">
+      <a:majorFont>
+        <a:latin typeface="Aptos Display" panose="02110004020202020204"/>
+        <a:ea typeface=""/>
+        <a:cs typeface=""/>
+        <a:font script="Jpan" typeface="游ゴシック Light"/>
+        <a:font script="Hang" typeface="맑은 고딕"/>
+        <a:font script="Hans" typeface="等线 Light"/>
+        <a:font script="Hant" typeface="新細明體"/>
+        <a:font script="Arab" typeface="Times New Roman"/>
+        <a:font script="Hebr" typeface="Times New Roman"/>
+        <a:font script="Thai" typeface="Angsana New"/>
+        <a:font script="Ethi" typeface="Nyala"/>
+        <a:font script="Beng" typeface="Vrinda"/>
+        <a:font script="Gujr" typeface="Shruti"/>
+        <a:font script="Khmr" typeface="MoolBoran"/>
+        <a:font script="Knda" typeface="Tunga"/>
+        <a:font script="Guru" typeface="Raavi"/>
+        <a:font script="Cans" typeface="Euphemia"/>
+        <a:font script="Cher" typeface="Plantagenet Cherokee"/>
+        <a:font script="Yiii" typeface="Microsoft Yi Baiti"/>
+        <a:font script="Tibt" typeface="Microsoft Himalaya"/>
+        <a:font script="Thaa" typeface="MV Boli"/>
+        <a:font script="Deva" typeface="Mangal"/>
+        <a:font script="Telu" typeface="Gautami"/>
+        <a:font script="Taml" typeface="Latha"/>
+        <a:font script="Syrc" typeface="Estrangelo Edessa"/>
+        <a:font script="Orya" typeface="Kalinga"/>
+        <a:font script="Mlym" typeface="Kartika"/>
+        <a:font script="Laoo" typeface="DokChampa"/>
+        <a:font script="Sinh" typeface="Iskoola Pota"/>
+        <a:font script="Mong" typeface="Mongolian Baiti"/>
+        <a:font script="Viet" typeface="Times New Roman"/>
+        <a:font script="Uigh" typeface="Microsoft Uighur"/>
+        <a:font script="Geor" typeface="Sylfaen"/>
+        <a:font script="Armn" typeface="Arial"/>
+        <a:font script="Bugi" typeface="Leelawadee UI"/>
+        <a:font script="Bopo" typeface="Microsoft JhengHei"/>
+        <a:font script="Java" typeface="Javanese Text"/>
+        <a:font script="Lisu" typeface="Segoe UI"/>
+        <a:font script="Mymr" typeface="Myanmar Text"/>
+        <a:font script="Nkoo" typeface="Ebrima"/>
+        <a:font script="Olck" typeface="Nirmala UI"/>
+        <a:font script="Osma" typeface="Ebrima"/>
+        <a:font script="Phag" typeface="Phagspa"/>
+        <a:font script="Syrn" typeface="Estrangelo Edessa"/>
+        <a:font script="Syrj" typeface="Estrangelo Edessa"/>
+        <a:font script="Syre" typeface="Estrangelo Edessa"/>
+        <a:font script="Sora" typeface="Nirmala UI"/>
+        <a:font script="Tale" typeface="Microsoft Tai Le"/>
+        <a:font script="Talu" typeface="Microsoft New Tai Lue"/>
+        <a:font script="Tfng" typeface="Ebrima"/>
+      </a:majorFont>
+      <a:minorFont>
+        <a:latin typeface="Aptos" panose="02110004020202020204"/>
+        <a:ea typeface=""/>
+        <a:cs typeface=""/>
+        <a:font script="Jpan" typeface="游ゴシック"/>
+        <a:font script="Hang" typeface="맑은 고딕"/>
+        <a:font script="Hans" typeface="等线"/>
+        <a:font script="Hant" typeface="新細明體"/>
+        <a:font script="Arab" typeface="Arial"/>
+        <a:font script="Hebr" typeface="Arial"/>
+        <a:font script="Thai" typeface="Cordia New"/>
+        <a:font script="Ethi" typeface="Nyala"/>
+        <a:font script="Beng" typeface="Vrinda"/>
+        <a:font script="Gujr" typeface="Shruti"/>
+        <a:font script="Khmr" typeface="DaunPenh"/>
+        <a:font script="Knda" typeface="Tunga"/>
+        <a:font script="Guru" typeface="Raavi"/>
+        <a:font script="Cans" typeface="Euphemia"/>
+        <a:font script="Cher" typeface="Plantagenet Cherokee"/>
+        <a:font script="Yiii" typeface="Microsoft Yi Baiti"/>
+        <a:font script="Tibt" typeface="Microsoft Himalaya"/>
+        <a:font script="Thaa" typeface="MV Boli"/>
+        <a:font script="Deva" typeface="Mangal"/>
+        <a:font script="Telu" typeface="Gautami"/>
+        <a:font script="Taml" typeface="Latha"/>
+        <a:font script="Syrc" typeface="Estrangelo Edessa"/>
+        <a:font script="Orya" typeface="Kalinga"/>
+        <a:font script="Mlym" typeface="Kartika"/>
+        <a:font script="Laoo" typeface="DokChampa"/>
+        <a:font script="Sinh" typeface="Iskoola Pota"/>
+        <a:font script="Mong" typeface="Mongolian Baiti"/>
+        <a:font script="Viet" typeface="Arial"/>
+        <a:font script="Uigh" typeface="Microsoft Uighur"/>
+        <a:font script="Geor" typeface="Sylfaen"/>
+        <a:font script="Armn" typeface="Arial"/>
+        <a:font script="Bugi" typeface="Leelawadee UI"/>
+        <a:font script="Bopo" typeface="Microsoft JhengHei"/>
+        <a:font script="Java" typeface="Javanese Text"/>
+        <a:font script="Lisu" typeface="Segoe UI"/>
+        <a:font script="Mymr" typeface="Myanmar Text"/>
+        <a:font script="Nkoo" typeface="Ebrima"/>
+        <a:font script="Olck" typeface="Nirmala UI"/>
+        <a:font script="Osma" typeface="Ebrima"/>
+        <a:font script="Phag" typeface="Phagspa"/>
+        <a:font script="Syrn" typeface="Estrangelo Edessa"/>
+        <a:font script="Syrj" typeface="Estrangelo Edessa"/>
+        <a:font script="Syre" typeface="Estrangelo Edessa"/>
+        <a:font script="Sora" typeface="Nirmala UI"/>
+        <a:font script="Tale" typeface="Microsoft Tai Le"/>
+        <a:font script="Talu" typeface="Microsoft New Tai Lue"/>
+        <a:font script="Tfng" typeface="Ebrima"/>
+      </a:minorFont>
+    </a:fontScheme>
+    <a:fmtScheme name="Office">
+      <a:fillStyleLst>
+        <a:solidFill>
+          <a:schemeClr val="phClr"/>
+        </a:solidFill>
+        <a:gradFill rotWithShape="1">
+          <a:gsLst>
+            <a:gs pos="0">
+              <a:schemeClr val="phClr">
+                <a:lumMod val="110000"/>
+                <a:satMod val="105000"/>
+                <a:tint val="67000"/>
+              </a:schemeClr>
+            </a:gs>
+            <a:gs pos="50000">
+              <a:schemeClr val="phClr">
+                <a:lumMod val="105000"/>
+                <a:satMod val="103000"/>
+                <a:tint val="73000"/>
+              </a:schemeClr>
+            </a:gs>
+            <a:gs pos="100000">
+              <a:schemeClr val="phClr">
+                <a:lumMod val="105000"/>
+                <a:satMod val="109000"/>
+                <a:tint val="81000"/>
+              </a:schemeClr>
+            </a:gs>
+          </a:gsLst>
+          <a:lin ang="5400000" scaled="0"/>
+        </a:gradFill>
+        <a:gradFill rotWithShape="1">
+          <a:gsLst>
+            <a:gs pos="0">
+              <a:schemeClr val="phClr">
+                <a:satMod val="103000"/>
+                <a:lumMod val="102000"/>
+                <a:tint val="94000"/>
+              </a:schemeClr>
+            </a:gs>
+            <a:gs pos="50000">
+              <a:schemeClr val="phClr">
+                <a:satMod val="110000"/>
+                <a:lumMod val="100000"/>
+                <a:shade val="100000"/>
+              </a:schemeClr>
+            </a:gs>
+            <a:gs pos="100000">
+              <a:schemeClr val="phClr">
+                <a:lumMod val="99000"/>
+                <a:satMod val="120000"/>
+                <a:shade val="78000"/>
+              </a:schemeClr>
+            </a:gs>
+          </a:gsLst>
+          <a:lin ang="5400000" scaled="0"/>
+        </a:gradFill>
+      </a:fillStyleLst>
+      <a:lnStyleLst>
+        <a:ln w="12700" cap="flat" cmpd="sng" algn="ctr">
+          <a:solidFill>
+            <a:schemeClr val="phClr"/>
+          </a:solidFill>
+          <a:prstDash val="solid"/>
+          <a:miter lim="800000"/>
+        </a:ln>
+        <a:ln w="19050" cap="flat" cmpd="sng" algn="ctr">
+          <a:solidFill>
+            <a:schemeClr val="phClr"/>
+          </a:solidFill>
+          <a:prstDash val="solid"/>
+          <a:miter lim="800000"/>
+        </a:ln>
+        <a:ln w="25400" cap="flat" cmpd="sng" algn="ctr">
+          <a:solidFill>
+            <a:schemeClr val="phClr"/>
+          </a:solidFill>
+          <a:prstDash val="solid"/>
+          <a:miter lim="800000"/>
+        </a:ln>
+      </a:lnStyleLst>
+      <a:effectStyleLst>
+        <a:effectStyle>
+          <a:effectLst/>
+        </a:effectStyle>
+        <a:effectStyle>
+          <a:effectLst/>
+        </a:effectStyle>
+        <a:effectStyle>
+          <a:effectLst>
+            <a:outerShdw blurRad="57150" dist="19050" dir="5400000" algn="ctr" rotWithShape="0">
+              <a:srgbClr val="000000">
+                <a:alpha val="63000"/>
+              </a:srgbClr>
+            </a:outerShdw>
+          </a:effectLst>
+        </a:effectStyle>
+      </a:effectStyleLst>
+      <a:bgFillStyleLst>
+        <a:solidFill>
+          <a:schemeClr val="phClr"/>
+        </a:solidFill>
+        <a:solidFill>
+          <a:schemeClr val="phClr">
+            <a:tint val="95000"/>
+            <a:satMod val="170000"/>
+          </a:schemeClr>
+        </a:solidFill>
+        <a:gradFill rotWithShape="1">
+          <a:gsLst>
+            <a:gs pos="0">
+              <a:schemeClr val="phClr">
+                <a:tint val="93000"/>
+                <a:satMod val="150000"/>
+                <a:shade val="98000"/>
+                <a:lumMod val="102000"/>
+              </a:schemeClr>
+            </a:gs>
+            <a:gs pos="50000">
+              <a:schemeClr val="phClr">
+                <a:tint val="98000"/>
+                <a:satMod val="130000"/>
+                <a:shade val="90000"/>
+                <a:lumMod val="103000"/>
+              </a:schemeClr>
+            </a:gs>
+            <a:gs pos="100000">
+              <a:schemeClr val="phClr">
+                <a:shade val="63000"/>
+                <a:satMod val="120000"/>
+              </a:schemeClr>
+            </a:gs>
+          </a:gsLst>
+          <a:lin ang="5400000" scaled="0"/>
+        </a:gradFill>
+      </a:bgFillStyleLst>
+    </a:fmtScheme>
+  </a:themeElements>
+  <a:objectDefaults>
+    <a:lnDef>
+      <a:spPr/>
+      <a:bodyPr/>
+      <a:lstStyle/>
+      <a:style>
+        <a:lnRef idx="2">
+          <a:schemeClr val="accent1"/>
+        </a:lnRef>
+        <a:fillRef idx="0">
+          <a:schemeClr val="accent1"/>
+        </a:fillRef>
+        <a:effectRef idx="1">
+          <a:schemeClr val="accent1"/>
+        </a:effectRef>
+        <a:fontRef idx="minor">
+          <a:schemeClr val="tx1"/>
+        </a:fontRef>
+      </a:style>
+    </a:lnDef>
+  </a:objectDefaults>
+  <a:extraClrSchemeLst/>
+  <a:extLst>
+    <a:ext uri="{05A4C25C-085E-4340-85A3-A5531E510DB2}">
+      <thm15:themeFamily xmlns:thm15="http://schemas.microsoft.com/office/thememl/2012/main" name="Office Theme" id="{2E142A2C-CD16-42D6-873A-C26D2A0506FA}" vid="{1BDDFF52-6CD6-40A5-AB3C-68EB2F1E4D0A}"/>
+    </a:ext>
+  </a:extLst>
+</a:theme>
 </file>
--- a/SRS.pptx
+++ b/SRS.pptx
@@ -315,7 +315,7 @@
           <a:p>
             <a:fld id="{CEAC4AD2-EC9B-44A1-B6A9-104282B0C1D3}" type="datetimeFigureOut">
               <a:rPr lang="en-IN" smtClean="0"/>
-              <a:t>03-05-2024</a:t>
+              <a:t>01-06-2024</a:t>
             </a:fld>
             <a:endParaRPr lang="en-IN"/>
           </a:p>
@@ -816,7 +816,7 @@
           <a:p>
             <a:fld id="{B0AAE9EB-4E09-49F4-B23B-25A5BA76B78B}" type="datetimeFigureOut">
               <a:rPr lang="en-IN" smtClean="0"/>
-              <a:t>03-05-2024</a:t>
+              <a:t>01-06-2024</a:t>
             </a:fld>
             <a:endParaRPr lang="en-IN"/>
           </a:p>
@@ -1016,7 +1016,7 @@
           <a:p>
             <a:fld id="{B0AAE9EB-4E09-49F4-B23B-25A5BA76B78B}" type="datetimeFigureOut">
               <a:rPr lang="en-IN" smtClean="0"/>
-              <a:t>03-05-2024</a:t>
+              <a:t>01-06-2024</a:t>
             </a:fld>
             <a:endParaRPr lang="en-IN"/>
           </a:p>
@@ -1226,7 +1226,7 @@
           <a:p>
             <a:fld id="{B0AAE9EB-4E09-49F4-B23B-25A5BA76B78B}" type="datetimeFigureOut">
               <a:rPr lang="en-IN" smtClean="0"/>
-              <a:t>03-05-2024</a:t>
+              <a:t>01-06-2024</a:t>
             </a:fld>
             <a:endParaRPr lang="en-IN"/>
           </a:p>
@@ -1426,7 +1426,7 @@
           <a:p>
             <a:fld id="{B0AAE9EB-4E09-49F4-B23B-25A5BA76B78B}" type="datetimeFigureOut">
               <a:rPr lang="en-IN" smtClean="0"/>
-              <a:t>03-05-2024</a:t>
+              <a:t>01-06-2024</a:t>
             </a:fld>
             <a:endParaRPr lang="en-IN"/>
           </a:p>
@@ -1702,7 +1702,7 @@
           <a:p>
             <a:fld id="{B0AAE9EB-4E09-49F4-B23B-25A5BA76B78B}" type="datetimeFigureOut">
               <a:rPr lang="en-IN" smtClean="0"/>
-              <a:t>03-05-2024</a:t>
+              <a:t>01-06-2024</a:t>
             </a:fld>
             <a:endParaRPr lang="en-IN"/>
           </a:p>
@@ -1970,7 +1970,7 @@
           <a:p>
             <a:fld id="{B0AAE9EB-4E09-49F4-B23B-25A5BA76B78B}" type="datetimeFigureOut">
               <a:rPr lang="en-IN" smtClean="0"/>
-              <a:t>03-05-2024</a:t>
+              <a:t>01-06-2024</a:t>
             </a:fld>
             <a:endParaRPr lang="en-IN"/>
           </a:p>
@@ -2385,7 +2385,7 @@
           <a:p>
             <a:fld id="{B0AAE9EB-4E09-49F4-B23B-25A5BA76B78B}" type="datetimeFigureOut">
               <a:rPr lang="en-IN" smtClean="0"/>
-              <a:t>03-05-2024</a:t>
+              <a:t>01-06-2024</a:t>
             </a:fld>
             <a:endParaRPr lang="en-IN"/>
           </a:p>
@@ -2527,7 +2527,7 @@
           <a:p>
             <a:fld id="{B0AAE9EB-4E09-49F4-B23B-25A5BA76B78B}" type="datetimeFigureOut">
               <a:rPr lang="en-IN" smtClean="0"/>
-              <a:t>03-05-2024</a:t>
+              <a:t>01-06-2024</a:t>
             </a:fld>
             <a:endParaRPr lang="en-IN"/>
           </a:p>
@@ -2640,7 +2640,7 @@
           <a:p>
             <a:fld id="{B0AAE9EB-4E09-49F4-B23B-25A5BA76B78B}" type="datetimeFigureOut">
               <a:rPr lang="en-IN" smtClean="0"/>
-              <a:t>03-05-2024</a:t>
+              <a:t>01-06-2024</a:t>
             </a:fld>
             <a:endParaRPr lang="en-IN"/>
           </a:p>
@@ -2953,7 +2953,7 @@
           <a:p>
             <a:fld id="{B0AAE9EB-4E09-49F4-B23B-25A5BA76B78B}" type="datetimeFigureOut">
               <a:rPr lang="en-IN" smtClean="0"/>
-              <a:t>03-05-2024</a:t>
+              <a:t>01-06-2024</a:t>
             </a:fld>
             <a:endParaRPr lang="en-IN"/>
           </a:p>
@@ -3242,7 +3242,7 @@
           <a:p>
             <a:fld id="{B0AAE9EB-4E09-49F4-B23B-25A5BA76B78B}" type="datetimeFigureOut">
               <a:rPr lang="en-IN" smtClean="0"/>
-              <a:t>03-05-2024</a:t>
+              <a:t>01-06-2024</a:t>
             </a:fld>
             <a:endParaRPr lang="en-IN"/>
           </a:p>
@@ -3485,7 +3485,7 @@
           <a:p>
             <a:fld id="{B0AAE9EB-4E09-49F4-B23B-25A5BA76B78B}" type="datetimeFigureOut">
               <a:rPr lang="en-IN" smtClean="0"/>
-              <a:t>03-05-2024</a:t>
+              <a:t>01-06-2024</a:t>
             </a:fld>
             <a:endParaRPr lang="en-IN"/>
           </a:p>
@@ -7751,7 +7751,7 @@
         </p:nvSpPr>
         <p:spPr>
           <a:xfrm>
-            <a:off x="2163272" y="1069661"/>
+            <a:off x="1756038" y="1069661"/>
             <a:ext cx="1955409" cy="369332"/>
           </a:xfrm>
           <a:prstGeom prst="rect">
@@ -7773,7 +7773,7 @@
                 </a:solidFill>
                 <a:latin typeface="Century Gothic" panose="020B0502020202020204" pitchFamily="34" charset="0"/>
               </a:rPr>
-              <a:t>Play/Pause</a:t>
+              <a:t>Sprint</a:t>
             </a:r>
             <a:endParaRPr lang="en-IN" dirty="0">
               <a:solidFill>
@@ -7799,9 +7799,9 @@
         <p:grpSpPr>
           <a:xfrm flipV="1">
             <a:off x="1703240" y="3544282"/>
-            <a:ext cx="5468648" cy="1048289"/>
+            <a:ext cx="3668939" cy="1048289"/>
             <a:chOff x="-1354462" y="1041642"/>
-            <a:chExt cx="6516133" cy="1249079"/>
+            <a:chExt cx="4371702" cy="1249079"/>
           </a:xfrm>
         </p:grpSpPr>
         <p:cxnSp>
@@ -7820,7 +7820,7 @@
           </p:nvCxnSpPr>
           <p:spPr>
             <a:xfrm flipH="1" flipV="1">
-              <a:off x="3553098" y="1042279"/>
+              <a:off x="1408667" y="1042279"/>
               <a:ext cx="1608573" cy="1248442"/>
             </a:xfrm>
             <a:prstGeom prst="line">
@@ -7865,7 +7865,7 @@
           <p:spPr>
             <a:xfrm flipH="1" flipV="1">
               <a:off x="-1354462" y="1041642"/>
-              <a:ext cx="4905114" cy="0"/>
+              <a:ext cx="2763128" cy="0"/>
             </a:xfrm>
             <a:prstGeom prst="line">
               <a:avLst/>
@@ -7907,7 +7907,7 @@
         </p:nvSpPr>
         <p:spPr>
           <a:xfrm>
-            <a:off x="1476932" y="4225039"/>
+            <a:off x="1338715" y="4225039"/>
             <a:ext cx="1955409" cy="369332"/>
           </a:xfrm>
           <a:prstGeom prst="rect">
@@ -8307,6 +8307,194 @@
           </p:style>
         </p:cxnSp>
       </p:grpSp>
+      <p:sp>
+        <p:nvSpPr>
+          <p:cNvPr id="4" name="TextBox 3">
+            <a:extLst>
+              <a:ext uri="{FF2B5EF4-FFF2-40B4-BE49-F238E27FC236}">
+                <a16:creationId xmlns:a16="http://schemas.microsoft.com/office/drawing/2014/main" id="{2057E175-D6F0-FB6B-D989-C6AEB663FF74}"/>
+              </a:ext>
+            </a:extLst>
+          </p:cNvPr>
+          <p:cNvSpPr txBox="1"/>
+          <p:nvPr/>
+        </p:nvSpPr>
+        <p:spPr>
+          <a:xfrm>
+            <a:off x="4543576" y="1406477"/>
+            <a:ext cx="1955409" cy="369332"/>
+          </a:xfrm>
+          <a:prstGeom prst="rect">
+            <a:avLst/>
+          </a:prstGeom>
+          <a:noFill/>
+        </p:spPr>
+        <p:txBody>
+          <a:bodyPr wrap="square" rtlCol="0">
+            <a:spAutoFit/>
+          </a:bodyPr>
+          <a:lstStyle/>
+          <a:p>
+            <a:pPr algn="ctr"/>
+            <a:r>
+              <a:rPr lang="en-US" dirty="0">
+                <a:solidFill>
+                  <a:schemeClr val="bg1"/>
+                </a:solidFill>
+                <a:latin typeface="Century Gothic" panose="020B0502020202020204" pitchFamily="34" charset="0"/>
+              </a:rPr>
+              <a:t>Flashlight</a:t>
+            </a:r>
+            <a:endParaRPr lang="en-IN" dirty="0">
+              <a:solidFill>
+                <a:schemeClr val="bg1"/>
+              </a:solidFill>
+              <a:latin typeface="Century Gothic" panose="020B0502020202020204" pitchFamily="34" charset="0"/>
+            </a:endParaRPr>
+          </a:p>
+        </p:txBody>
+      </p:sp>
+      <p:sp>
+        <p:nvSpPr>
+          <p:cNvPr id="10" name="TextBox 9">
+            <a:extLst>
+              <a:ext uri="{FF2B5EF4-FFF2-40B4-BE49-F238E27FC236}">
+                <a16:creationId xmlns:a16="http://schemas.microsoft.com/office/drawing/2014/main" id="{3D5629BD-F95B-06BB-AD3C-F348ADFAD91F}"/>
+              </a:ext>
+            </a:extLst>
+          </p:cNvPr>
+          <p:cNvSpPr txBox="1"/>
+          <p:nvPr/>
+        </p:nvSpPr>
+        <p:spPr>
+          <a:xfrm>
+            <a:off x="9134756" y="1463629"/>
+            <a:ext cx="1955409" cy="369332"/>
+          </a:xfrm>
+          <a:prstGeom prst="rect">
+            <a:avLst/>
+          </a:prstGeom>
+          <a:noFill/>
+        </p:spPr>
+        <p:txBody>
+          <a:bodyPr wrap="square" rtlCol="0">
+            <a:spAutoFit/>
+          </a:bodyPr>
+          <a:lstStyle/>
+          <a:p>
+            <a:pPr algn="ctr"/>
+            <a:r>
+              <a:rPr lang="en-US" dirty="0">
+                <a:solidFill>
+                  <a:schemeClr val="bg1"/>
+                </a:solidFill>
+                <a:latin typeface="Century Gothic" panose="020B0502020202020204" pitchFamily="34" charset="0"/>
+              </a:rPr>
+              <a:t>Pause</a:t>
+            </a:r>
+            <a:endParaRPr lang="en-IN" dirty="0">
+              <a:solidFill>
+                <a:schemeClr val="bg1"/>
+              </a:solidFill>
+              <a:latin typeface="Century Gothic" panose="020B0502020202020204" pitchFamily="34" charset="0"/>
+            </a:endParaRPr>
+          </a:p>
+        </p:txBody>
+      </p:sp>
+      <p:sp>
+        <p:nvSpPr>
+          <p:cNvPr id="12" name="TextBox 11">
+            <a:extLst>
+              <a:ext uri="{FF2B5EF4-FFF2-40B4-BE49-F238E27FC236}">
+                <a16:creationId xmlns:a16="http://schemas.microsoft.com/office/drawing/2014/main" id="{4F7CB344-0ACC-C94D-B1CD-B9C711AC7682}"/>
+              </a:ext>
+            </a:extLst>
+          </p:cNvPr>
+          <p:cNvSpPr txBox="1"/>
+          <p:nvPr/>
+        </p:nvSpPr>
+        <p:spPr>
+          <a:xfrm>
+            <a:off x="8948066" y="2456654"/>
+            <a:ext cx="1955409" cy="369332"/>
+          </a:xfrm>
+          <a:prstGeom prst="rect">
+            <a:avLst/>
+          </a:prstGeom>
+          <a:noFill/>
+        </p:spPr>
+        <p:txBody>
+          <a:bodyPr wrap="square" rtlCol="0">
+            <a:spAutoFit/>
+          </a:bodyPr>
+          <a:lstStyle/>
+          <a:p>
+            <a:pPr algn="ctr"/>
+            <a:r>
+              <a:rPr lang="en-US" dirty="0">
+                <a:solidFill>
+                  <a:schemeClr val="bg1"/>
+                </a:solidFill>
+                <a:latin typeface="Century Gothic" panose="020B0502020202020204" pitchFamily="34" charset="0"/>
+              </a:rPr>
+              <a:t>Pick Items</a:t>
+            </a:r>
+            <a:endParaRPr lang="en-IN" dirty="0">
+              <a:solidFill>
+                <a:schemeClr val="bg1"/>
+              </a:solidFill>
+              <a:latin typeface="Century Gothic" panose="020B0502020202020204" pitchFamily="34" charset="0"/>
+            </a:endParaRPr>
+          </a:p>
+        </p:txBody>
+      </p:sp>
+      <p:sp>
+        <p:nvSpPr>
+          <p:cNvPr id="13" name="TextBox 12">
+            <a:extLst>
+              <a:ext uri="{FF2B5EF4-FFF2-40B4-BE49-F238E27FC236}">
+                <a16:creationId xmlns:a16="http://schemas.microsoft.com/office/drawing/2014/main" id="{2D68F2F8-2630-B840-FA5E-412E4F5F9223}"/>
+              </a:ext>
+            </a:extLst>
+          </p:cNvPr>
+          <p:cNvSpPr txBox="1"/>
+          <p:nvPr/>
+        </p:nvSpPr>
+        <p:spPr>
+          <a:xfrm>
+            <a:off x="9155860" y="3453657"/>
+            <a:ext cx="1955409" cy="369332"/>
+          </a:xfrm>
+          <a:prstGeom prst="rect">
+            <a:avLst/>
+          </a:prstGeom>
+          <a:noFill/>
+        </p:spPr>
+        <p:txBody>
+          <a:bodyPr wrap="square" rtlCol="0">
+            <a:spAutoFit/>
+          </a:bodyPr>
+          <a:lstStyle/>
+          <a:p>
+            <a:pPr algn="ctr"/>
+            <a:r>
+              <a:rPr lang="en-US" dirty="0">
+                <a:solidFill>
+                  <a:schemeClr val="bg1"/>
+                </a:solidFill>
+                <a:latin typeface="Century Gothic" panose="020B0502020202020204" pitchFamily="34" charset="0"/>
+              </a:rPr>
+              <a:t>Jump</a:t>
+            </a:r>
+            <a:endParaRPr lang="en-IN" dirty="0">
+              <a:solidFill>
+                <a:schemeClr val="bg1"/>
+              </a:solidFill>
+              <a:latin typeface="Century Gothic" panose="020B0502020202020204" pitchFamily="34" charset="0"/>
+            </a:endParaRPr>
+          </a:p>
+        </p:txBody>
+      </p:sp>
     </p:spTree>
     <p:extLst>
       <p:ext uri="{BB962C8B-B14F-4D97-AF65-F5344CB8AC3E}">
